--- a/document_scanner.pptx
+++ b/document_scanner.pptx
@@ -10,6 +10,7 @@
     <p:sldId id="259" r:id="rId4"/>
     <p:sldId id="258" r:id="rId5"/>
     <p:sldId id="260" r:id="rId6"/>
+    <p:sldId id="261" r:id="rId7"/>
   </p:sldIdLst>
   <p:sldSz cx="12192000" cy="6858000"/>
   <p:notesSz cx="6858000" cy="9144000"/>
@@ -118,9 +119,13 @@
             <p14:sldId id="259"/>
             <p14:sldId id="258"/>
             <p14:sldId id="260"/>
+            <p14:sldId id="261"/>
           </p14:sldIdLst>
         </p14:section>
       </p14:sectionLst>
+    </p:ext>
+    <p:ext uri="{EFAFB233-063F-42B5-8137-9DF3F51BA10A}">
+      <p15:sldGuideLst xmlns:p15="http://schemas.microsoft.com/office/powerpoint/2012/main"/>
     </p:ext>
   </p:extLst>
 </p:presentation>
@@ -273,7 +278,7 @@
           <a:p>
             <a:fld id="{3E981CA3-87AD-4034-9902-765A519CB999}" type="datetimeFigureOut">
               <a:rPr lang="en-GB" smtClean="0"/>
-              <a:t>28/12/2023</a:t>
+              <a:t>31/12/2023</a:t>
             </a:fld>
             <a:endParaRPr lang="en-GB" dirty="0"/>
           </a:p>
@@ -471,7 +476,7 @@
           <a:p>
             <a:fld id="{3E981CA3-87AD-4034-9902-765A519CB999}" type="datetimeFigureOut">
               <a:rPr lang="en-GB" smtClean="0"/>
-              <a:t>28/12/2023</a:t>
+              <a:t>31/12/2023</a:t>
             </a:fld>
             <a:endParaRPr lang="en-GB" dirty="0"/>
           </a:p>
@@ -679,7 +684,7 @@
           <a:p>
             <a:fld id="{3E981CA3-87AD-4034-9902-765A519CB999}" type="datetimeFigureOut">
               <a:rPr lang="en-GB" smtClean="0"/>
-              <a:t>28/12/2023</a:t>
+              <a:t>31/12/2023</a:t>
             </a:fld>
             <a:endParaRPr lang="en-GB" dirty="0"/>
           </a:p>
@@ -877,7 +882,7 @@
           <a:p>
             <a:fld id="{3E981CA3-87AD-4034-9902-765A519CB999}" type="datetimeFigureOut">
               <a:rPr lang="en-GB" smtClean="0"/>
-              <a:t>28/12/2023</a:t>
+              <a:t>31/12/2023</a:t>
             </a:fld>
             <a:endParaRPr lang="en-GB" dirty="0"/>
           </a:p>
@@ -1152,7 +1157,7 @@
           <a:p>
             <a:fld id="{3E981CA3-87AD-4034-9902-765A519CB999}" type="datetimeFigureOut">
               <a:rPr lang="en-GB" smtClean="0"/>
-              <a:t>28/12/2023</a:t>
+              <a:t>31/12/2023</a:t>
             </a:fld>
             <a:endParaRPr lang="en-GB" dirty="0"/>
           </a:p>
@@ -1417,7 +1422,7 @@
           <a:p>
             <a:fld id="{3E981CA3-87AD-4034-9902-765A519CB999}" type="datetimeFigureOut">
               <a:rPr lang="en-GB" smtClean="0"/>
-              <a:t>28/12/2023</a:t>
+              <a:t>31/12/2023</a:t>
             </a:fld>
             <a:endParaRPr lang="en-GB" dirty="0"/>
           </a:p>
@@ -1829,7 +1834,7 @@
           <a:p>
             <a:fld id="{3E981CA3-87AD-4034-9902-765A519CB999}" type="datetimeFigureOut">
               <a:rPr lang="en-GB" smtClean="0"/>
-              <a:t>28/12/2023</a:t>
+              <a:t>31/12/2023</a:t>
             </a:fld>
             <a:endParaRPr lang="en-GB" dirty="0"/>
           </a:p>
@@ -1970,7 +1975,7 @@
           <a:p>
             <a:fld id="{3E981CA3-87AD-4034-9902-765A519CB999}" type="datetimeFigureOut">
               <a:rPr lang="en-GB" smtClean="0"/>
-              <a:t>28/12/2023</a:t>
+              <a:t>31/12/2023</a:t>
             </a:fld>
             <a:endParaRPr lang="en-GB" dirty="0"/>
           </a:p>
@@ -2083,7 +2088,7 @@
           <a:p>
             <a:fld id="{3E981CA3-87AD-4034-9902-765A519CB999}" type="datetimeFigureOut">
               <a:rPr lang="en-GB" smtClean="0"/>
-              <a:t>28/12/2023</a:t>
+              <a:t>31/12/2023</a:t>
             </a:fld>
             <a:endParaRPr lang="en-GB" dirty="0"/>
           </a:p>
@@ -2394,7 +2399,7 @@
           <a:p>
             <a:fld id="{3E981CA3-87AD-4034-9902-765A519CB999}" type="datetimeFigureOut">
               <a:rPr lang="en-GB" smtClean="0"/>
-              <a:t>28/12/2023</a:t>
+              <a:t>31/12/2023</a:t>
             </a:fld>
             <a:endParaRPr lang="en-GB" dirty="0"/>
           </a:p>
@@ -2682,7 +2687,7 @@
           <a:p>
             <a:fld id="{3E981CA3-87AD-4034-9902-765A519CB999}" type="datetimeFigureOut">
               <a:rPr lang="en-GB" smtClean="0"/>
-              <a:t>28/12/2023</a:t>
+              <a:t>31/12/2023</a:t>
             </a:fld>
             <a:endParaRPr lang="en-GB" dirty="0"/>
           </a:p>
@@ -2923,7 +2928,7 @@
           <a:p>
             <a:fld id="{3E981CA3-87AD-4034-9902-765A519CB999}" type="datetimeFigureOut">
               <a:rPr lang="en-GB" smtClean="0"/>
-              <a:t>28/12/2023</a:t>
+              <a:t>31/12/2023</a:t>
             </a:fld>
             <a:endParaRPr lang="en-GB" dirty="0"/>
           </a:p>
@@ -3326,6 +3331,14 @@
 <file path=ppt/slides/slide1.xml><?xml version="1.0" encoding="utf-8"?>
 <p:sld xmlns:a="http://schemas.openxmlformats.org/drawingml/2006/main" xmlns:r="http://schemas.openxmlformats.org/officeDocument/2006/relationships" xmlns:p="http://schemas.openxmlformats.org/presentationml/2006/main">
   <p:cSld>
+    <p:bg>
+      <p:bgPr>
+        <a:solidFill>
+          <a:schemeClr val="bg1"/>
+        </a:solidFill>
+        <a:effectLst/>
+      </p:bgPr>
+    </p:bg>
     <p:spTree>
       <p:nvGrpSpPr>
         <p:cNvPr id="1" name=""/>
@@ -3340,6 +3353,195 @@
           <a:chExt cx="0" cy="0"/>
         </a:xfrm>
       </p:grpSpPr>
+      <p:sp useBgFill="1">
+        <p:nvSpPr>
+          <p:cNvPr id="8" name="Rectangle 7">
+            <a:extLst>
+              <a:ext uri="{FF2B5EF4-FFF2-40B4-BE49-F238E27FC236}">
+                <a16:creationId xmlns:a16="http://schemas.microsoft.com/office/drawing/2014/main" id="{934F1179-B481-4F9E-BCA3-AFB972070F83}"/>
+              </a:ext>
+              <a:ext uri="{C183D7F6-B498-43B3-948B-1728B52AA6E4}">
+                <adec:decorative xmlns:adec="http://schemas.microsoft.com/office/drawing/2017/decorative" val="1"/>
+              </a:ext>
+            </a:extLst>
+          </p:cNvPr>
+          <p:cNvSpPr>
+            <a:spLocks noGrp="1" noRot="1" noChangeAspect="1" noMove="1" noResize="1" noEditPoints="1" noAdjustHandles="1" noChangeArrowheads="1" noChangeShapeType="1" noTextEdit="1"/>
+          </p:cNvSpPr>
+          <p:nvPr>
+            <p:extLst>
+              <p:ext uri="{386F3935-93C4-4BCD-93E2-E3B085C9AB24}">
+                <p16:designElem xmlns:p16="http://schemas.microsoft.com/office/powerpoint/2015/main" val="1"/>
+              </p:ext>
+            </p:extLst>
+          </p:nvPr>
+        </p:nvSpPr>
+        <p:spPr>
+          <a:xfrm>
+            <a:off x="0" y="0"/>
+            <a:ext cx="12192000" cy="6858000"/>
+          </a:xfrm>
+          <a:prstGeom prst="rect">
+            <a:avLst/>
+          </a:prstGeom>
+          <a:ln>
+            <a:noFill/>
+          </a:ln>
+        </p:spPr>
+        <p:style>
+          <a:lnRef idx="2">
+            <a:schemeClr val="accent1">
+              <a:shade val="50000"/>
+            </a:schemeClr>
+          </a:lnRef>
+          <a:fillRef idx="1">
+            <a:schemeClr val="accent1"/>
+          </a:fillRef>
+          <a:effectRef idx="0">
+            <a:schemeClr val="accent1"/>
+          </a:effectRef>
+          <a:fontRef idx="minor">
+            <a:schemeClr val="lt1"/>
+          </a:fontRef>
+        </p:style>
+        <p:txBody>
+          <a:bodyPr rtlCol="0" anchor="ctr"/>
+          <a:lstStyle/>
+          <a:p>
+            <a:pPr algn="ctr"/>
+            <a:endParaRPr lang="en-US" dirty="0"/>
+          </a:p>
+        </p:txBody>
+      </p:sp>
+      <p:sp>
+        <p:nvSpPr>
+          <p:cNvPr id="10" name="Right Triangle 9">
+            <a:extLst>
+              <a:ext uri="{FF2B5EF4-FFF2-40B4-BE49-F238E27FC236}">
+                <a16:creationId xmlns:a16="http://schemas.microsoft.com/office/drawing/2014/main" id="{827DC2C4-B485-428A-BF4A-472D2967F47F}"/>
+              </a:ext>
+              <a:ext uri="{C183D7F6-B498-43B3-948B-1728B52AA6E4}">
+                <adec:decorative xmlns:adec="http://schemas.microsoft.com/office/drawing/2017/decorative" val="1"/>
+              </a:ext>
+            </a:extLst>
+          </p:cNvPr>
+          <p:cNvSpPr>
+            <a:spLocks noGrp="1" noRot="1" noChangeAspect="1" noMove="1" noResize="1" noEditPoints="1" noAdjustHandles="1" noChangeArrowheads="1" noChangeShapeType="1" noTextEdit="1"/>
+          </p:cNvSpPr>
+          <p:nvPr>
+            <p:extLst>
+              <p:ext uri="{386F3935-93C4-4BCD-93E2-E3B085C9AB24}">
+                <p16:designElem xmlns:p16="http://schemas.microsoft.com/office/powerpoint/2015/main" val="1"/>
+              </p:ext>
+            </p:extLst>
+          </p:nvPr>
+        </p:nvSpPr>
+        <p:spPr>
+          <a:xfrm flipH="1">
+            <a:off x="8576720" y="3335867"/>
+            <a:ext cx="3291840" cy="3200400"/>
+          </a:xfrm>
+          <a:prstGeom prst="rtTriangle">
+            <a:avLst/>
+          </a:prstGeom>
+          <a:solidFill>
+            <a:schemeClr val="accent4"/>
+          </a:solidFill>
+          <a:ln>
+            <a:noFill/>
+          </a:ln>
+        </p:spPr>
+        <p:style>
+          <a:lnRef idx="2">
+            <a:schemeClr val="accent1">
+              <a:shade val="50000"/>
+            </a:schemeClr>
+          </a:lnRef>
+          <a:fillRef idx="1">
+            <a:schemeClr val="accent1"/>
+          </a:fillRef>
+          <a:effectRef idx="0">
+            <a:schemeClr val="accent1"/>
+          </a:effectRef>
+          <a:fontRef idx="minor">
+            <a:schemeClr val="lt1"/>
+          </a:fontRef>
+        </p:style>
+        <p:txBody>
+          <a:bodyPr rtlCol="0" anchor="ctr"/>
+          <a:lstStyle/>
+          <a:p>
+            <a:pPr algn="ctr"/>
+            <a:endParaRPr lang="en-US" dirty="0"/>
+          </a:p>
+        </p:txBody>
+      </p:sp>
+      <p:sp>
+        <p:nvSpPr>
+          <p:cNvPr id="12" name="Rectangle 11">
+            <a:extLst>
+              <a:ext uri="{FF2B5EF4-FFF2-40B4-BE49-F238E27FC236}">
+                <a16:creationId xmlns:a16="http://schemas.microsoft.com/office/drawing/2014/main" id="{EE04B5EB-F158-4507-90DD-BD23620C7CC9}"/>
+              </a:ext>
+              <a:ext uri="{C183D7F6-B498-43B3-948B-1728B52AA6E4}">
+                <adec:decorative xmlns:adec="http://schemas.microsoft.com/office/drawing/2017/decorative" val="1"/>
+              </a:ext>
+            </a:extLst>
+          </p:cNvPr>
+          <p:cNvSpPr>
+            <a:spLocks noGrp="1" noRot="1" noChangeAspect="1" noMove="1" noResize="1" noEditPoints="1" noAdjustHandles="1" noChangeArrowheads="1" noChangeShapeType="1" noTextEdit="1"/>
+          </p:cNvSpPr>
+          <p:nvPr>
+            <p:extLst>
+              <p:ext uri="{386F3935-93C4-4BCD-93E2-E3B085C9AB24}">
+                <p16:designElem xmlns:p16="http://schemas.microsoft.com/office/powerpoint/2015/main" val="1"/>
+              </p:ext>
+            </p:extLst>
+          </p:nvPr>
+        </p:nvSpPr>
+        <p:spPr>
+          <a:xfrm>
+            <a:off x="641774" y="623275"/>
+            <a:ext cx="10905053" cy="5607882"/>
+          </a:xfrm>
+          <a:prstGeom prst="rect">
+            <a:avLst/>
+          </a:prstGeom>
+          <a:noFill/>
+          <a:ln w="19050">
+            <a:solidFill>
+              <a:schemeClr val="tx1">
+                <a:lumMod val="75000"/>
+                <a:lumOff val="25000"/>
+              </a:schemeClr>
+            </a:solidFill>
+          </a:ln>
+        </p:spPr>
+        <p:style>
+          <a:lnRef idx="2">
+            <a:schemeClr val="accent1">
+              <a:shade val="50000"/>
+            </a:schemeClr>
+          </a:lnRef>
+          <a:fillRef idx="1">
+            <a:schemeClr val="accent1"/>
+          </a:fillRef>
+          <a:effectRef idx="0">
+            <a:schemeClr val="accent1"/>
+          </a:effectRef>
+          <a:fontRef idx="minor">
+            <a:schemeClr val="lt1"/>
+          </a:fontRef>
+        </p:style>
+        <p:txBody>
+          <a:bodyPr rtlCol="0" anchor="ctr"/>
+          <a:lstStyle/>
+          <a:p>
+            <a:pPr algn="ctr"/>
+            <a:endParaRPr lang="en-US" dirty="0"/>
+          </a:p>
+        </p:txBody>
+      </p:sp>
       <p:sp>
         <p:nvSpPr>
           <p:cNvPr id="2" name="Title 1">
@@ -3356,21 +3558,29 @@
             <p:ph type="ctrTitle"/>
           </p:nvPr>
         </p:nvSpPr>
-        <p:spPr/>
-        <p:txBody>
-          <a:bodyPr/>
-          <a:lstStyle/>
-          <a:p>
-            <a:r>
-              <a:rPr lang="en-GB" dirty="0"/>
+        <p:spPr>
+          <a:xfrm>
+            <a:off x="1285241" y="1008993"/>
+            <a:ext cx="9231410" cy="3542045"/>
+          </a:xfrm>
+        </p:spPr>
+        <p:txBody>
+          <a:bodyPr anchor="b">
+            <a:normAutofit/>
+          </a:bodyPr>
+          <a:lstStyle/>
+          <a:p>
+            <a:pPr algn="l"/>
+            <a:r>
+              <a:rPr lang="en-GB" sz="9600" b="1" dirty="0"/>
               <a:t>Document</a:t>
             </a:r>
             <a:r>
-              <a:rPr lang="pl-PL" dirty="0"/>
+              <a:rPr lang="pl-PL" sz="9600" b="1" dirty="0"/>
               <a:t> </a:t>
             </a:r>
             <a:r>
-              <a:rPr lang="en-GB" dirty="0"/>
+              <a:rPr lang="en-GB" sz="9600" b="1" dirty="0"/>
               <a:t>scanner</a:t>
             </a:r>
           </a:p>
@@ -3392,11 +3602,19 @@
             <p:ph type="subTitle" idx="1"/>
           </p:nvPr>
         </p:nvSpPr>
-        <p:spPr/>
-        <p:txBody>
-          <a:bodyPr/>
-          <a:lstStyle/>
-          <a:p>
+        <p:spPr>
+          <a:xfrm>
+            <a:off x="1285241" y="4582814"/>
+            <a:ext cx="7132335" cy="1312657"/>
+          </a:xfrm>
+        </p:spPr>
+        <p:txBody>
+          <a:bodyPr anchor="t">
+            <a:normAutofit/>
+          </a:bodyPr>
+          <a:lstStyle/>
+          <a:p>
+            <a:pPr algn="l"/>
             <a:r>
               <a:rPr lang="pl-PL" dirty="0"/>
               <a:t>Jerzy Pawlik</a:t>
@@ -3421,6 +3639,14 @@
 <file path=ppt/slides/slide2.xml><?xml version="1.0" encoding="utf-8"?>
 <p:sld xmlns:a="http://schemas.openxmlformats.org/drawingml/2006/main" xmlns:r="http://schemas.openxmlformats.org/officeDocument/2006/relationships" xmlns:p="http://schemas.openxmlformats.org/presentationml/2006/main">
   <p:cSld>
+    <p:bg>
+      <p:bgPr>
+        <a:solidFill>
+          <a:schemeClr val="bg1"/>
+        </a:solidFill>
+        <a:effectLst/>
+      </p:bgPr>
+    </p:bg>
     <p:spTree>
       <p:nvGrpSpPr>
         <p:cNvPr id="1" name=""/>
@@ -3435,6 +3661,382 @@
           <a:chExt cx="0" cy="0"/>
         </a:xfrm>
       </p:grpSpPr>
+      <p:sp useBgFill="1">
+        <p:nvSpPr>
+          <p:cNvPr id="8" name="Rectangle 7">
+            <a:extLst>
+              <a:ext uri="{FF2B5EF4-FFF2-40B4-BE49-F238E27FC236}">
+                <a16:creationId xmlns:a16="http://schemas.microsoft.com/office/drawing/2014/main" id="{081EA652-8C6A-4E69-BEB9-170809474553}"/>
+              </a:ext>
+              <a:ext uri="{C183D7F6-B498-43B3-948B-1728B52AA6E4}">
+                <adec:decorative xmlns:adec="http://schemas.microsoft.com/office/drawing/2017/decorative" val="1"/>
+              </a:ext>
+            </a:extLst>
+          </p:cNvPr>
+          <p:cNvSpPr>
+            <a:spLocks noGrp="1" noRot="1" noChangeAspect="1" noMove="1" noResize="1" noEditPoints="1" noAdjustHandles="1" noChangeArrowheads="1" noChangeShapeType="1" noTextEdit="1"/>
+          </p:cNvSpPr>
+          <p:nvPr>
+            <p:extLst>
+              <p:ext uri="{386F3935-93C4-4BCD-93E2-E3B085C9AB24}">
+                <p16:designElem xmlns:p16="http://schemas.microsoft.com/office/powerpoint/2015/main" val="1"/>
+              </p:ext>
+            </p:extLst>
+          </p:nvPr>
+        </p:nvSpPr>
+        <p:spPr>
+          <a:xfrm>
+            <a:off x="0" y="0"/>
+            <a:ext cx="12192000" cy="6858000"/>
+          </a:xfrm>
+          <a:prstGeom prst="rect">
+            <a:avLst/>
+          </a:prstGeom>
+          <a:ln>
+            <a:noFill/>
+          </a:ln>
+        </p:spPr>
+        <p:style>
+          <a:lnRef idx="2">
+            <a:schemeClr val="accent1">
+              <a:shade val="50000"/>
+            </a:schemeClr>
+          </a:lnRef>
+          <a:fillRef idx="1">
+            <a:schemeClr val="accent1"/>
+          </a:fillRef>
+          <a:effectRef idx="0">
+            <a:schemeClr val="accent1"/>
+          </a:effectRef>
+          <a:fontRef idx="minor">
+            <a:schemeClr val="lt1"/>
+          </a:fontRef>
+        </p:style>
+        <p:txBody>
+          <a:bodyPr rtlCol="0" anchor="ctr"/>
+          <a:lstStyle/>
+          <a:p>
+            <a:pPr algn="ctr"/>
+            <a:endParaRPr lang="en-US" dirty="0"/>
+          </a:p>
+        </p:txBody>
+      </p:sp>
+      <p:sp>
+        <p:nvSpPr>
+          <p:cNvPr id="10" name="Freeform: Shape 9">
+            <a:extLst>
+              <a:ext uri="{FF2B5EF4-FFF2-40B4-BE49-F238E27FC236}">
+                <a16:creationId xmlns:a16="http://schemas.microsoft.com/office/drawing/2014/main" id="{A4026A73-1F7F-49F2-B319-8CA3B3D53269}"/>
+              </a:ext>
+              <a:ext uri="{C183D7F6-B498-43B3-948B-1728B52AA6E4}">
+                <adec:decorative xmlns:adec="http://schemas.microsoft.com/office/drawing/2017/decorative" val="1"/>
+              </a:ext>
+            </a:extLst>
+          </p:cNvPr>
+          <p:cNvSpPr>
+            <a:spLocks noGrp="1" noRot="1" noChangeAspect="1" noMove="1" noResize="1" noEditPoints="1" noAdjustHandles="1" noChangeArrowheads="1" noChangeShapeType="1" noTextEdit="1"/>
+          </p:cNvSpPr>
+          <p:nvPr>
+            <p:extLst>
+              <p:ext uri="{386F3935-93C4-4BCD-93E2-E3B085C9AB24}">
+                <p16:designElem xmlns:p16="http://schemas.microsoft.com/office/powerpoint/2015/main" val="1"/>
+              </p:ext>
+            </p:extLst>
+          </p:nvPr>
+        </p:nvSpPr>
+        <p:spPr>
+          <a:xfrm>
+            <a:off x="321732" y="321733"/>
+            <a:ext cx="11546828" cy="6214534"/>
+          </a:xfrm>
+          <a:custGeom>
+            <a:avLst/>
+            <a:gdLst>
+              <a:gd name="connsiteX0" fmla="*/ 0 w 11546828"/>
+              <a:gd name="connsiteY0" fmla="*/ 0 h 6214534"/>
+              <a:gd name="connsiteX1" fmla="*/ 7965430 w 11546828"/>
+              <a:gd name="connsiteY1" fmla="*/ 0 h 6214534"/>
+              <a:gd name="connsiteX2" fmla="*/ 7965430 w 11546828"/>
+              <a:gd name="connsiteY2" fmla="*/ 1786 h 6214534"/>
+              <a:gd name="connsiteX3" fmla="*/ 11546828 w 11546828"/>
+              <a:gd name="connsiteY3" fmla="*/ 1786 h 6214534"/>
+              <a:gd name="connsiteX4" fmla="*/ 11546828 w 11546828"/>
+              <a:gd name="connsiteY4" fmla="*/ 2866740 h 6214534"/>
+              <a:gd name="connsiteX5" fmla="*/ 11225095 w 11546828"/>
+              <a:gd name="connsiteY5" fmla="*/ 3179536 h 6214534"/>
+              <a:gd name="connsiteX6" fmla="*/ 11225095 w 11546828"/>
+              <a:gd name="connsiteY6" fmla="*/ 301542 h 6214534"/>
+              <a:gd name="connsiteX7" fmla="*/ 320042 w 11546828"/>
+              <a:gd name="connsiteY7" fmla="*/ 301542 h 6214534"/>
+              <a:gd name="connsiteX8" fmla="*/ 320042 w 11546828"/>
+              <a:gd name="connsiteY8" fmla="*/ 5909424 h 6214534"/>
+              <a:gd name="connsiteX9" fmla="*/ 8417210 w 11546828"/>
+              <a:gd name="connsiteY9" fmla="*/ 5909424 h 6214534"/>
+              <a:gd name="connsiteX10" fmla="*/ 8103383 w 11546828"/>
+              <a:gd name="connsiteY10" fmla="*/ 6214534 h 6214534"/>
+              <a:gd name="connsiteX11" fmla="*/ 7222929 w 11546828"/>
+              <a:gd name="connsiteY11" fmla="*/ 6214534 h 6214534"/>
+              <a:gd name="connsiteX12" fmla="*/ 7222929 w 11546828"/>
+              <a:gd name="connsiteY12" fmla="*/ 6212748 h 6214534"/>
+              <a:gd name="connsiteX13" fmla="*/ 0 w 11546828"/>
+              <a:gd name="connsiteY13" fmla="*/ 6212748 h 6214534"/>
+            </a:gdLst>
+            <a:ahLst/>
+            <a:cxnLst>
+              <a:cxn ang="0">
+                <a:pos x="connsiteX0" y="connsiteY0"/>
+              </a:cxn>
+              <a:cxn ang="0">
+                <a:pos x="connsiteX1" y="connsiteY1"/>
+              </a:cxn>
+              <a:cxn ang="0">
+                <a:pos x="connsiteX2" y="connsiteY2"/>
+              </a:cxn>
+              <a:cxn ang="0">
+                <a:pos x="connsiteX3" y="connsiteY3"/>
+              </a:cxn>
+              <a:cxn ang="0">
+                <a:pos x="connsiteX4" y="connsiteY4"/>
+              </a:cxn>
+              <a:cxn ang="0">
+                <a:pos x="connsiteX5" y="connsiteY5"/>
+              </a:cxn>
+              <a:cxn ang="0">
+                <a:pos x="connsiteX6" y="connsiteY6"/>
+              </a:cxn>
+              <a:cxn ang="0">
+                <a:pos x="connsiteX7" y="connsiteY7"/>
+              </a:cxn>
+              <a:cxn ang="0">
+                <a:pos x="connsiteX8" y="connsiteY8"/>
+              </a:cxn>
+              <a:cxn ang="0">
+                <a:pos x="connsiteX9" y="connsiteY9"/>
+              </a:cxn>
+              <a:cxn ang="0">
+                <a:pos x="connsiteX10" y="connsiteY10"/>
+              </a:cxn>
+              <a:cxn ang="0">
+                <a:pos x="connsiteX11" y="connsiteY11"/>
+              </a:cxn>
+              <a:cxn ang="0">
+                <a:pos x="connsiteX12" y="connsiteY12"/>
+              </a:cxn>
+              <a:cxn ang="0">
+                <a:pos x="connsiteX13" y="connsiteY13"/>
+              </a:cxn>
+            </a:cxnLst>
+            <a:rect l="l" t="t" r="r" b="b"/>
+            <a:pathLst>
+              <a:path w="11546828" h="6214534">
+                <a:moveTo>
+                  <a:pt x="0" y="0"/>
+                </a:moveTo>
+                <a:lnTo>
+                  <a:pt x="7965430" y="0"/>
+                </a:lnTo>
+                <a:lnTo>
+                  <a:pt x="7965430" y="1786"/>
+                </a:lnTo>
+                <a:lnTo>
+                  <a:pt x="11546828" y="1786"/>
+                </a:lnTo>
+                <a:lnTo>
+                  <a:pt x="11546828" y="2866740"/>
+                </a:lnTo>
+                <a:lnTo>
+                  <a:pt x="11225095" y="3179536"/>
+                </a:lnTo>
+                <a:lnTo>
+                  <a:pt x="11225095" y="301542"/>
+                </a:lnTo>
+                <a:lnTo>
+                  <a:pt x="320042" y="301542"/>
+                </a:lnTo>
+                <a:lnTo>
+                  <a:pt x="320042" y="5909424"/>
+                </a:lnTo>
+                <a:lnTo>
+                  <a:pt x="8417210" y="5909424"/>
+                </a:lnTo>
+                <a:lnTo>
+                  <a:pt x="8103383" y="6214534"/>
+                </a:lnTo>
+                <a:lnTo>
+                  <a:pt x="7222929" y="6214534"/>
+                </a:lnTo>
+                <a:lnTo>
+                  <a:pt x="7222929" y="6212748"/>
+                </a:lnTo>
+                <a:lnTo>
+                  <a:pt x="0" y="6212748"/>
+                </a:lnTo>
+                <a:close/>
+              </a:path>
+            </a:pathLst>
+          </a:custGeom>
+          <a:solidFill>
+            <a:schemeClr val="tx1">
+              <a:lumMod val="50000"/>
+              <a:lumOff val="50000"/>
+              <a:alpha val="25000"/>
+            </a:schemeClr>
+          </a:solidFill>
+          <a:ln>
+            <a:noFill/>
+          </a:ln>
+        </p:spPr>
+        <p:style>
+          <a:lnRef idx="2">
+            <a:schemeClr val="accent1">
+              <a:shade val="50000"/>
+            </a:schemeClr>
+          </a:lnRef>
+          <a:fillRef idx="1">
+            <a:schemeClr val="accent1"/>
+          </a:fillRef>
+          <a:effectRef idx="0">
+            <a:schemeClr val="accent1"/>
+          </a:effectRef>
+          <a:fontRef idx="minor">
+            <a:schemeClr val="lt1"/>
+          </a:fontRef>
+        </p:style>
+        <p:txBody>
+          <a:bodyPr wrap="square" rtlCol="0" anchor="ctr">
+            <a:noAutofit/>
+          </a:bodyPr>
+          <a:lstStyle/>
+          <a:p>
+            <a:pPr algn="ctr"/>
+            <a:endParaRPr lang="en-US" dirty="0"/>
+          </a:p>
+        </p:txBody>
+      </p:sp>
+      <p:sp>
+        <p:nvSpPr>
+          <p:cNvPr id="12" name="Right Triangle 11">
+            <a:extLst>
+              <a:ext uri="{FF2B5EF4-FFF2-40B4-BE49-F238E27FC236}">
+                <a16:creationId xmlns:a16="http://schemas.microsoft.com/office/drawing/2014/main" id="{5298780A-33B9-4EA2-8F67-DE68AD62841B}"/>
+              </a:ext>
+              <a:ext uri="{C183D7F6-B498-43B3-948B-1728B52AA6E4}">
+                <adec:decorative xmlns:adec="http://schemas.microsoft.com/office/drawing/2017/decorative" val="1"/>
+              </a:ext>
+            </a:extLst>
+          </p:cNvPr>
+          <p:cNvSpPr>
+            <a:spLocks noGrp="1" noRot="1" noChangeAspect="1" noMove="1" noResize="1" noEditPoints="1" noAdjustHandles="1" noChangeArrowheads="1" noChangeShapeType="1" noTextEdit="1"/>
+          </p:cNvSpPr>
+          <p:nvPr>
+            <p:extLst>
+              <p:ext uri="{386F3935-93C4-4BCD-93E2-E3B085C9AB24}">
+                <p16:designElem xmlns:p16="http://schemas.microsoft.com/office/powerpoint/2015/main" val="1"/>
+              </p:ext>
+            </p:extLst>
+          </p:nvPr>
+        </p:nvSpPr>
+        <p:spPr>
+          <a:xfrm flipH="1">
+            <a:off x="8576720" y="3335867"/>
+            <a:ext cx="3291840" cy="3200400"/>
+          </a:xfrm>
+          <a:prstGeom prst="rtTriangle">
+            <a:avLst/>
+          </a:prstGeom>
+          <a:solidFill>
+            <a:schemeClr val="accent4"/>
+          </a:solidFill>
+          <a:ln>
+            <a:noFill/>
+          </a:ln>
+        </p:spPr>
+        <p:style>
+          <a:lnRef idx="2">
+            <a:schemeClr val="accent1">
+              <a:shade val="50000"/>
+            </a:schemeClr>
+          </a:lnRef>
+          <a:fillRef idx="1">
+            <a:schemeClr val="accent1"/>
+          </a:fillRef>
+          <a:effectRef idx="0">
+            <a:schemeClr val="accent1"/>
+          </a:effectRef>
+          <a:fontRef idx="minor">
+            <a:schemeClr val="lt1"/>
+          </a:fontRef>
+        </p:style>
+        <p:txBody>
+          <a:bodyPr rtlCol="0" anchor="ctr"/>
+          <a:lstStyle/>
+          <a:p>
+            <a:pPr algn="ctr"/>
+            <a:endParaRPr lang="en-US" dirty="0"/>
+          </a:p>
+        </p:txBody>
+      </p:sp>
+      <p:sp>
+        <p:nvSpPr>
+          <p:cNvPr id="14" name="Rectangle 13">
+            <a:extLst>
+              <a:ext uri="{FF2B5EF4-FFF2-40B4-BE49-F238E27FC236}">
+                <a16:creationId xmlns:a16="http://schemas.microsoft.com/office/drawing/2014/main" id="{7F488E8B-4E1E-4402-8935-D4E6C02615C7}"/>
+              </a:ext>
+              <a:ext uri="{C183D7F6-B498-43B3-948B-1728B52AA6E4}">
+                <adec:decorative xmlns:adec="http://schemas.microsoft.com/office/drawing/2017/decorative" val="1"/>
+              </a:ext>
+            </a:extLst>
+          </p:cNvPr>
+          <p:cNvSpPr>
+            <a:spLocks noGrp="1" noRot="1" noChangeAspect="1" noMove="1" noResize="1" noEditPoints="1" noAdjustHandles="1" noChangeArrowheads="1" noChangeShapeType="1" noTextEdit="1"/>
+          </p:cNvSpPr>
+          <p:nvPr>
+            <p:extLst>
+              <p:ext uri="{386F3935-93C4-4BCD-93E2-E3B085C9AB24}">
+                <p16:designElem xmlns:p16="http://schemas.microsoft.com/office/powerpoint/2015/main" val="1"/>
+              </p:ext>
+            </p:extLst>
+          </p:nvPr>
+        </p:nvSpPr>
+        <p:spPr>
+          <a:xfrm>
+            <a:off x="641774" y="623275"/>
+            <a:ext cx="10905053" cy="5607882"/>
+          </a:xfrm>
+          <a:prstGeom prst="rect">
+            <a:avLst/>
+          </a:prstGeom>
+          <a:noFill/>
+          <a:ln w="19050">
+            <a:noFill/>
+          </a:ln>
+        </p:spPr>
+        <p:style>
+          <a:lnRef idx="2">
+            <a:schemeClr val="accent1">
+              <a:shade val="50000"/>
+            </a:schemeClr>
+          </a:lnRef>
+          <a:fillRef idx="1">
+            <a:schemeClr val="accent1"/>
+          </a:fillRef>
+          <a:effectRef idx="0">
+            <a:schemeClr val="accent1"/>
+          </a:effectRef>
+          <a:fontRef idx="minor">
+            <a:schemeClr val="lt1"/>
+          </a:fontRef>
+        </p:style>
+        <p:txBody>
+          <a:bodyPr rtlCol="0" anchor="ctr"/>
+          <a:lstStyle/>
+          <a:p>
+            <a:pPr algn="ctr"/>
+            <a:endParaRPr lang="en-US" dirty="0"/>
+          </a:p>
+        </p:txBody>
+      </p:sp>
       <p:sp>
         <p:nvSpPr>
           <p:cNvPr id="2" name="Title 1">
@@ -3451,26 +4053,89 @@
             <p:ph type="title"/>
           </p:nvPr>
         </p:nvSpPr>
-        <p:spPr/>
-        <p:txBody>
-          <a:bodyPr/>
-          <a:lstStyle/>
-          <a:p>
-            <a:r>
-              <a:rPr lang="pl-PL" dirty="0"/>
+        <p:spPr>
+          <a:xfrm>
+            <a:off x="1006900" y="1188637"/>
+            <a:ext cx="3141430" cy="4480726"/>
+          </a:xfrm>
+        </p:spPr>
+        <p:txBody>
+          <a:bodyPr>
+            <a:normAutofit/>
+          </a:bodyPr>
+          <a:lstStyle/>
+          <a:p>
+            <a:pPr algn="r"/>
+            <a:r>
+              <a:rPr lang="pl-PL" sz="5600" dirty="0"/>
               <a:t>P</a:t>
             </a:r>
             <a:r>
-              <a:rPr lang="en-GB" dirty="0" err="1"/>
+              <a:rPr lang="en-GB" sz="5600" dirty="0" err="1"/>
               <a:t>roblem</a:t>
             </a:r>
             <a:r>
-              <a:rPr lang="en-GB" dirty="0"/>
+              <a:rPr lang="en-GB" sz="5600" dirty="0"/>
               <a:t> definition</a:t>
             </a:r>
           </a:p>
         </p:txBody>
       </p:sp>
+      <p:cxnSp>
+        <p:nvCxnSpPr>
+          <p:cNvPr id="16" name="Straight Connector 15">
+            <a:extLst>
+              <a:ext uri="{FF2B5EF4-FFF2-40B4-BE49-F238E27FC236}">
+                <a16:creationId xmlns:a16="http://schemas.microsoft.com/office/drawing/2014/main" id="{23AAC9B5-8015-485C-ACF9-A750390E9A56}"/>
+              </a:ext>
+              <a:ext uri="{C183D7F6-B498-43B3-948B-1728B52AA6E4}">
+                <adec:decorative xmlns:adec="http://schemas.microsoft.com/office/drawing/2017/decorative" val="1"/>
+              </a:ext>
+            </a:extLst>
+          </p:cNvPr>
+          <p:cNvCxnSpPr>
+            <a:cxnSpLocks noGrp="1" noRot="1" noChangeAspect="1" noMove="1" noResize="1" noEditPoints="1" noAdjustHandles="1" noChangeArrowheads="1" noChangeShapeType="1"/>
+          </p:cNvCxnSpPr>
+          <p:nvPr>
+            <p:extLst>
+              <p:ext uri="{386F3935-93C4-4BCD-93E2-E3B085C9AB24}">
+                <p16:designElem xmlns:p16="http://schemas.microsoft.com/office/powerpoint/2015/main" val="1"/>
+              </p:ext>
+            </p:extLst>
+          </p:nvPr>
+        </p:nvCxnSpPr>
+        <p:spPr>
+          <a:xfrm>
+            <a:off x="4654296" y="1852863"/>
+            <a:ext cx="0" cy="3236495"/>
+          </a:xfrm>
+          <a:prstGeom prst="line">
+            <a:avLst/>
+          </a:prstGeom>
+          <a:ln w="19050" cap="sq">
+            <a:solidFill>
+              <a:schemeClr val="tx1">
+                <a:lumMod val="75000"/>
+                <a:lumOff val="25000"/>
+              </a:schemeClr>
+            </a:solidFill>
+          </a:ln>
+        </p:spPr>
+        <p:style>
+          <a:lnRef idx="1">
+            <a:schemeClr val="accent1"/>
+          </a:lnRef>
+          <a:fillRef idx="0">
+            <a:schemeClr val="accent1"/>
+          </a:fillRef>
+          <a:effectRef idx="0">
+            <a:schemeClr val="accent1"/>
+          </a:effectRef>
+          <a:fontRef idx="minor">
+            <a:schemeClr val="tx1"/>
+          </a:fontRef>
+        </p:style>
+      </p:cxnSp>
       <p:sp>
         <p:nvSpPr>
           <p:cNvPr id="3" name="Content Placeholder 2">
@@ -3487,199 +4152,26 @@
             <p:ph idx="1"/>
           </p:nvPr>
         </p:nvSpPr>
-        <p:spPr/>
-        <p:txBody>
-          <a:bodyPr/>
+        <p:spPr>
+          <a:xfrm>
+            <a:off x="5138928" y="1338729"/>
+            <a:ext cx="4795584" cy="4180542"/>
+          </a:xfrm>
+        </p:spPr>
+        <p:txBody>
+          <a:bodyPr anchor="ctr">
+            <a:normAutofit/>
+          </a:bodyPr>
           <a:lstStyle/>
           <a:p>
             <a:pPr marL="0" indent="0">
               <a:buNone/>
             </a:pPr>
             <a:r>
-              <a:rPr lang="pl-PL" dirty="0" err="1"/>
-              <a:t>Creating</a:t>
-            </a:r>
-            <a:r>
-              <a:rPr lang="pl-PL" dirty="0"/>
-              <a:t> a </a:t>
-            </a:r>
-            <a:r>
-              <a:rPr lang="pl-PL" dirty="0" err="1"/>
-              <a:t>document</a:t>
-            </a:r>
-            <a:r>
-              <a:rPr lang="pl-PL" dirty="0"/>
-              <a:t> </a:t>
-            </a:r>
-            <a:r>
-              <a:rPr lang="pl-PL" dirty="0" err="1"/>
-              <a:t>scanner</a:t>
-            </a:r>
-            <a:r>
-              <a:rPr lang="pl-PL" dirty="0"/>
-              <a:t>, </a:t>
-            </a:r>
-            <a:r>
-              <a:rPr lang="pl-PL" dirty="0" err="1"/>
-              <a:t>that</a:t>
-            </a:r>
-            <a:r>
-              <a:rPr lang="pl-PL" dirty="0"/>
-              <a:t> </a:t>
-            </a:r>
-            <a:r>
-              <a:rPr lang="pl-PL" dirty="0" err="1"/>
-              <a:t>can</a:t>
-            </a:r>
-            <a:r>
-              <a:rPr lang="pl-PL" dirty="0"/>
-              <a:t> </a:t>
-            </a:r>
-            <a:r>
-              <a:rPr lang="pl-PL" dirty="0" err="1"/>
-              <a:t>use</a:t>
-            </a:r>
-            <a:r>
-              <a:rPr lang="pl-PL" dirty="0"/>
-              <a:t>  a laptop </a:t>
-            </a:r>
-            <a:r>
-              <a:rPr lang="pl-PL" dirty="0" err="1"/>
-              <a:t>camera</a:t>
-            </a:r>
-            <a:r>
-              <a:rPr lang="pl-PL" dirty="0"/>
-              <a:t> to </a:t>
-            </a:r>
-            <a:r>
-              <a:rPr lang="pl-PL" dirty="0" err="1"/>
-              <a:t>find</a:t>
-            </a:r>
-            <a:r>
-              <a:rPr lang="pl-PL" dirty="0"/>
-              <a:t> the </a:t>
-            </a:r>
-            <a:r>
-              <a:rPr lang="pl-PL" dirty="0" err="1"/>
-              <a:t>document</a:t>
-            </a:r>
-            <a:r>
-              <a:rPr lang="pl-PL" dirty="0"/>
-              <a:t> on the </a:t>
-            </a:r>
-            <a:r>
-              <a:rPr lang="pl-PL" dirty="0" err="1"/>
-              <a:t>camera</a:t>
-            </a:r>
-            <a:r>
-              <a:rPr lang="pl-PL" dirty="0"/>
-              <a:t> </a:t>
-            </a:r>
-            <a:r>
-              <a:rPr lang="pl-PL" dirty="0" err="1"/>
-              <a:t>view</a:t>
-            </a:r>
-            <a:r>
-              <a:rPr lang="pl-PL" dirty="0"/>
-              <a:t>, </a:t>
-            </a:r>
-            <a:r>
-              <a:rPr lang="pl-PL" dirty="0" err="1"/>
-              <a:t>then</a:t>
-            </a:r>
-            <a:r>
-              <a:rPr lang="pl-PL" dirty="0"/>
-              <a:t> </a:t>
-            </a:r>
-            <a:r>
-              <a:rPr lang="pl-PL" dirty="0" err="1"/>
-              <a:t>extract</a:t>
-            </a:r>
-            <a:r>
-              <a:rPr lang="pl-PL" dirty="0"/>
-              <a:t> </a:t>
-            </a:r>
-            <a:r>
-              <a:rPr lang="pl-PL" dirty="0" err="1"/>
-              <a:t>it</a:t>
-            </a:r>
-            <a:r>
-              <a:rPr lang="pl-PL" dirty="0"/>
-              <a:t> from </a:t>
-            </a:r>
-            <a:r>
-              <a:rPr lang="pl-PL" dirty="0" err="1"/>
-              <a:t>there</a:t>
-            </a:r>
-            <a:r>
-              <a:rPr lang="pl-PL" dirty="0"/>
-              <a:t> </a:t>
-            </a:r>
-            <a:r>
-              <a:rPr lang="pl-PL" dirty="0" err="1"/>
-              <a:t>into</a:t>
-            </a:r>
-            <a:r>
-              <a:rPr lang="pl-PL" dirty="0"/>
-              <a:t> the </a:t>
-            </a:r>
-            <a:r>
-              <a:rPr lang="pl-PL" dirty="0" err="1"/>
-              <a:t>new</a:t>
-            </a:r>
-            <a:r>
-              <a:rPr lang="pl-PL" dirty="0"/>
-              <a:t> file, and </a:t>
-            </a:r>
-            <a:r>
-              <a:rPr lang="pl-PL" dirty="0" err="1"/>
-              <a:t>binarize</a:t>
-            </a:r>
-            <a:r>
-              <a:rPr lang="pl-PL" dirty="0"/>
-              <a:t> </a:t>
-            </a:r>
-            <a:r>
-              <a:rPr lang="pl-PL" dirty="0" err="1"/>
-              <a:t>it</a:t>
-            </a:r>
-            <a:r>
-              <a:rPr lang="pl-PL" dirty="0"/>
-              <a:t> to </a:t>
-            </a:r>
-            <a:r>
-              <a:rPr lang="pl-PL" dirty="0" err="1"/>
-              <a:t>make</a:t>
-            </a:r>
-            <a:r>
-              <a:rPr lang="pl-PL" dirty="0"/>
-              <a:t> </a:t>
-            </a:r>
-            <a:r>
-              <a:rPr lang="pl-PL" dirty="0" err="1"/>
-              <a:t>it</a:t>
-            </a:r>
-            <a:r>
-              <a:rPr lang="pl-PL" dirty="0"/>
-              <a:t> </a:t>
-            </a:r>
-            <a:r>
-              <a:rPr lang="pl-PL" dirty="0" err="1"/>
-              <a:t>easier</a:t>
-            </a:r>
-            <a:r>
-              <a:rPr lang="pl-PL" dirty="0"/>
-              <a:t> to </a:t>
-            </a:r>
-            <a:r>
-              <a:rPr lang="pl-PL" dirty="0" err="1"/>
-              <a:t>read</a:t>
-            </a:r>
-            <a:r>
-              <a:rPr lang="pl-PL" dirty="0"/>
-              <a:t>. </a:t>
-            </a:r>
-            <a:endParaRPr lang="en-GB" dirty="0"/>
+              <a:rPr lang="pl-PL" sz="2400"/>
+              <a:t>Creating a document scanner, that can use  a laptop camera to find the document on the camera view, then extract it from there into the new file, and binarize it to make it easier to read. The output image is black and white.</a:t>
+            </a:r>
+            <a:endParaRPr lang="en-GB" sz="2400"/>
           </a:p>
         </p:txBody>
       </p:sp>
@@ -3699,6 +4191,14 @@
 <file path=ppt/slides/slide3.xml><?xml version="1.0" encoding="utf-8"?>
 <p:sld xmlns:a="http://schemas.openxmlformats.org/drawingml/2006/main" xmlns:r="http://schemas.openxmlformats.org/officeDocument/2006/relationships" xmlns:p="http://schemas.openxmlformats.org/presentationml/2006/main">
   <p:cSld>
+    <p:bg>
+      <p:bgPr>
+        <a:solidFill>
+          <a:schemeClr val="bg1"/>
+        </a:solidFill>
+        <a:effectLst/>
+      </p:bgPr>
+    </p:bg>
     <p:spTree>
       <p:nvGrpSpPr>
         <p:cNvPr id="1" name=""/>
@@ -3713,6 +4213,195 @@
           <a:chExt cx="0" cy="0"/>
         </a:xfrm>
       </p:grpSpPr>
+      <p:sp useBgFill="1">
+        <p:nvSpPr>
+          <p:cNvPr id="9" name="Rectangle 8">
+            <a:extLst>
+              <a:ext uri="{FF2B5EF4-FFF2-40B4-BE49-F238E27FC236}">
+                <a16:creationId xmlns:a16="http://schemas.microsoft.com/office/drawing/2014/main" id="{081EA652-8C6A-4E69-BEB9-170809474553}"/>
+              </a:ext>
+              <a:ext uri="{C183D7F6-B498-43B3-948B-1728B52AA6E4}">
+                <adec:decorative xmlns:adec="http://schemas.microsoft.com/office/drawing/2017/decorative" val="1"/>
+              </a:ext>
+            </a:extLst>
+          </p:cNvPr>
+          <p:cNvSpPr>
+            <a:spLocks noGrp="1" noRot="1" noChangeAspect="1" noMove="1" noResize="1" noEditPoints="1" noAdjustHandles="1" noChangeArrowheads="1" noChangeShapeType="1" noTextEdit="1"/>
+          </p:cNvSpPr>
+          <p:nvPr>
+            <p:extLst>
+              <p:ext uri="{386F3935-93C4-4BCD-93E2-E3B085C9AB24}">
+                <p16:designElem xmlns:p16="http://schemas.microsoft.com/office/powerpoint/2015/main" val="1"/>
+              </p:ext>
+            </p:extLst>
+          </p:nvPr>
+        </p:nvSpPr>
+        <p:spPr>
+          <a:xfrm>
+            <a:off x="0" y="0"/>
+            <a:ext cx="12192000" cy="6858000"/>
+          </a:xfrm>
+          <a:prstGeom prst="rect">
+            <a:avLst/>
+          </a:prstGeom>
+          <a:ln>
+            <a:noFill/>
+          </a:ln>
+        </p:spPr>
+        <p:style>
+          <a:lnRef idx="2">
+            <a:schemeClr val="accent1">
+              <a:shade val="50000"/>
+            </a:schemeClr>
+          </a:lnRef>
+          <a:fillRef idx="1">
+            <a:schemeClr val="accent1"/>
+          </a:fillRef>
+          <a:effectRef idx="0">
+            <a:schemeClr val="accent1"/>
+          </a:effectRef>
+          <a:fontRef idx="minor">
+            <a:schemeClr val="lt1"/>
+          </a:fontRef>
+        </p:style>
+        <p:txBody>
+          <a:bodyPr rtlCol="0" anchor="ctr"/>
+          <a:lstStyle/>
+          <a:p>
+            <a:pPr algn="ctr"/>
+            <a:endParaRPr lang="en-US"/>
+          </a:p>
+        </p:txBody>
+      </p:sp>
+      <p:sp>
+        <p:nvSpPr>
+          <p:cNvPr id="11" name="Right Triangle 10">
+            <a:extLst>
+              <a:ext uri="{FF2B5EF4-FFF2-40B4-BE49-F238E27FC236}">
+                <a16:creationId xmlns:a16="http://schemas.microsoft.com/office/drawing/2014/main" id="{5298780A-33B9-4EA2-8F67-DE68AD62841B}"/>
+              </a:ext>
+              <a:ext uri="{C183D7F6-B498-43B3-948B-1728B52AA6E4}">
+                <adec:decorative xmlns:adec="http://schemas.microsoft.com/office/drawing/2017/decorative" val="1"/>
+              </a:ext>
+            </a:extLst>
+          </p:cNvPr>
+          <p:cNvSpPr>
+            <a:spLocks noGrp="1" noRot="1" noChangeAspect="1" noMove="1" noResize="1" noEditPoints="1" noAdjustHandles="1" noChangeArrowheads="1" noChangeShapeType="1" noTextEdit="1"/>
+          </p:cNvSpPr>
+          <p:nvPr>
+            <p:extLst>
+              <p:ext uri="{386F3935-93C4-4BCD-93E2-E3B085C9AB24}">
+                <p16:designElem xmlns:p16="http://schemas.microsoft.com/office/powerpoint/2015/main" val="1"/>
+              </p:ext>
+            </p:extLst>
+          </p:nvPr>
+        </p:nvSpPr>
+        <p:spPr>
+          <a:xfrm flipH="1">
+            <a:off x="8576720" y="3335867"/>
+            <a:ext cx="3291840" cy="3200400"/>
+          </a:xfrm>
+          <a:prstGeom prst="rtTriangle">
+            <a:avLst/>
+          </a:prstGeom>
+          <a:solidFill>
+            <a:schemeClr val="accent4"/>
+          </a:solidFill>
+          <a:ln>
+            <a:noFill/>
+          </a:ln>
+        </p:spPr>
+        <p:style>
+          <a:lnRef idx="2">
+            <a:schemeClr val="accent1">
+              <a:shade val="50000"/>
+            </a:schemeClr>
+          </a:lnRef>
+          <a:fillRef idx="1">
+            <a:schemeClr val="accent1"/>
+          </a:fillRef>
+          <a:effectRef idx="0">
+            <a:schemeClr val="accent1"/>
+          </a:effectRef>
+          <a:fontRef idx="minor">
+            <a:schemeClr val="lt1"/>
+          </a:fontRef>
+        </p:style>
+        <p:txBody>
+          <a:bodyPr rtlCol="0" anchor="ctr"/>
+          <a:lstStyle/>
+          <a:p>
+            <a:pPr algn="ctr"/>
+            <a:endParaRPr lang="en-US" dirty="0"/>
+          </a:p>
+        </p:txBody>
+      </p:sp>
+      <p:sp>
+        <p:nvSpPr>
+          <p:cNvPr id="13" name="Rectangle 12">
+            <a:extLst>
+              <a:ext uri="{FF2B5EF4-FFF2-40B4-BE49-F238E27FC236}">
+                <a16:creationId xmlns:a16="http://schemas.microsoft.com/office/drawing/2014/main" id="{7F488E8B-4E1E-4402-8935-D4E6C02615C7}"/>
+              </a:ext>
+              <a:ext uri="{C183D7F6-B498-43B3-948B-1728B52AA6E4}">
+                <adec:decorative xmlns:adec="http://schemas.microsoft.com/office/drawing/2017/decorative" val="1"/>
+              </a:ext>
+            </a:extLst>
+          </p:cNvPr>
+          <p:cNvSpPr>
+            <a:spLocks noGrp="1" noRot="1" noChangeAspect="1" noMove="1" noResize="1" noEditPoints="1" noAdjustHandles="1" noChangeArrowheads="1" noChangeShapeType="1" noTextEdit="1"/>
+          </p:cNvSpPr>
+          <p:nvPr>
+            <p:extLst>
+              <p:ext uri="{386F3935-93C4-4BCD-93E2-E3B085C9AB24}">
+                <p16:designElem xmlns:p16="http://schemas.microsoft.com/office/powerpoint/2015/main" val="1"/>
+              </p:ext>
+            </p:extLst>
+          </p:nvPr>
+        </p:nvSpPr>
+        <p:spPr>
+          <a:xfrm>
+            <a:off x="641774" y="623275"/>
+            <a:ext cx="10905053" cy="5607882"/>
+          </a:xfrm>
+          <a:prstGeom prst="rect">
+            <a:avLst/>
+          </a:prstGeom>
+          <a:noFill/>
+          <a:ln w="19050">
+            <a:solidFill>
+              <a:schemeClr val="tx1">
+                <a:lumMod val="75000"/>
+                <a:lumOff val="25000"/>
+              </a:schemeClr>
+            </a:solidFill>
+          </a:ln>
+        </p:spPr>
+        <p:style>
+          <a:lnRef idx="2">
+            <a:schemeClr val="accent1">
+              <a:shade val="50000"/>
+            </a:schemeClr>
+          </a:lnRef>
+          <a:fillRef idx="1">
+            <a:schemeClr val="accent1"/>
+          </a:fillRef>
+          <a:effectRef idx="0">
+            <a:schemeClr val="accent1"/>
+          </a:effectRef>
+          <a:fontRef idx="minor">
+            <a:schemeClr val="lt1"/>
+          </a:fontRef>
+        </p:style>
+        <p:txBody>
+          <a:bodyPr rtlCol="0" anchor="ctr"/>
+          <a:lstStyle/>
+          <a:p>
+            <a:pPr algn="ctr"/>
+            <a:endParaRPr lang="en-US"/>
+          </a:p>
+        </p:txBody>
+      </p:sp>
       <p:sp>
         <p:nvSpPr>
           <p:cNvPr id="2" name="Title 1">
@@ -3729,28 +4418,48 @@
             <p:ph type="title"/>
           </p:nvPr>
         </p:nvSpPr>
-        <p:spPr/>
-        <p:txBody>
-          <a:bodyPr/>
-          <a:lstStyle/>
-          <a:p>
-            <a:r>
-              <a:rPr lang="pl-PL" dirty="0"/>
-              <a:t>The </a:t>
-            </a:r>
-            <a:r>
-              <a:rPr lang="pl-PL" dirty="0" err="1"/>
-              <a:t>pipeline</a:t>
-            </a:r>
-            <a:r>
-              <a:rPr lang="pl-PL" dirty="0"/>
-              <a:t> of the </a:t>
-            </a:r>
-            <a:r>
-              <a:rPr lang="pl-PL" dirty="0" err="1"/>
-              <a:t>project</a:t>
-            </a:r>
-            <a:endParaRPr lang="en-GB" dirty="0"/>
+        <p:spPr>
+          <a:xfrm>
+            <a:off x="677374" y="666192"/>
+            <a:ext cx="10449538" cy="727051"/>
+          </a:xfrm>
+        </p:spPr>
+        <p:txBody>
+          <a:bodyPr anchor="ctr">
+            <a:normAutofit/>
+          </a:bodyPr>
+          <a:lstStyle/>
+          <a:p>
+            <a:r>
+              <a:rPr lang="en-GB" sz="4000" b="1" dirty="0">
+                <a:solidFill>
+                  <a:schemeClr val="bg2">
+                    <a:lumMod val="50000"/>
+                  </a:schemeClr>
+                </a:solidFill>
+              </a:rPr>
+              <a:t>The pipeline of the project</a:t>
+            </a:r>
+            <a:r>
+              <a:rPr lang="pl-PL" sz="4000" b="1" dirty="0">
+                <a:solidFill>
+                  <a:schemeClr val="bg2">
+                    <a:lumMod val="50000"/>
+                  </a:schemeClr>
+                </a:solidFill>
+              </a:rPr>
+              <a:t> </a:t>
+            </a:r>
+            <a:r>
+              <a:rPr lang="en-GB" sz="4000" b="1" dirty="0">
+                <a:solidFill>
+                  <a:schemeClr val="bg2">
+                    <a:lumMod val="50000"/>
+                  </a:schemeClr>
+                </a:solidFill>
+              </a:rPr>
+              <a:t>(system architecture)</a:t>
+            </a:r>
           </a:p>
         </p:txBody>
       </p:sp>
@@ -3770,14 +4479,14 @@
             <p:ph idx="1"/>
             <p:extLst>
               <p:ext uri="{D42A27DB-BD31-4B8C-83A1-F6EECF244321}">
-                <p14:modId xmlns:p14="http://schemas.microsoft.com/office/powerpoint/2010/main" val="1603581189"/>
+                <p14:modId xmlns:p14="http://schemas.microsoft.com/office/powerpoint/2010/main" val="2340562901"/>
               </p:ext>
             </p:extLst>
           </p:nvPr>
         </p:nvGraphicFramePr>
         <p:xfrm>
-          <a:off x="838200" y="1825625"/>
-          <a:ext cx="10515600" cy="3032760"/>
+          <a:off x="677373" y="1393244"/>
+          <a:ext cx="10869454" cy="4329462"/>
         </p:xfrm>
         <a:graphic>
           <a:graphicData uri="http://schemas.openxmlformats.org/drawingml/2006/table">
@@ -3786,14 +4495,21 @@
                 <a:tableStyleId>{5C22544A-7EE6-4342-B048-85BDC9FD1C3A}</a:tableStyleId>
               </a:tblPr>
               <a:tblGrid>
-                <a:gridCol w="5257800">
+                <a:gridCol w="548232">
                   <a:extLst>
                     <a:ext uri="{9D8B030D-6E8A-4147-A177-3AD203B41FA5}">
                       <a16:colId xmlns:a16="http://schemas.microsoft.com/office/drawing/2014/main" val="1001652242"/>
                     </a:ext>
                   </a:extLst>
                 </a:gridCol>
-                <a:gridCol w="5257800">
+                <a:gridCol w="4590765">
+                  <a:extLst>
+                    <a:ext uri="{9D8B030D-6E8A-4147-A177-3AD203B41FA5}">
+                      <a16:colId xmlns:a16="http://schemas.microsoft.com/office/drawing/2014/main" val="3173540601"/>
+                    </a:ext>
+                  </a:extLst>
+                </a:gridCol>
+                <a:gridCol w="5730457">
                   <a:extLst>
                     <a:ext uri="{9D8B030D-6E8A-4147-A177-3AD203B41FA5}">
                       <a16:colId xmlns:a16="http://schemas.microsoft.com/office/drawing/2014/main" val="3439392661"/>
@@ -3801,143 +4517,50 @@
                   </a:extLst>
                 </a:gridCol>
               </a:tblGrid>
-              <a:tr h="370840">
+              <a:tr h="928716">
                 <a:tc>
                   <a:txBody>
                     <a:bodyPr/>
                     <a:lstStyle/>
                     <a:p>
-                      <a:pPr marL="342900" indent="-342900">
+                      <a:pPr marL="0" indent="0" algn="ctr">
                         <a:buFont typeface="+mj-lt"/>
-                        <a:buAutoNum type="arabicPeriod"/>
+                        <a:buNone/>
                       </a:pPr>
                       <a:r>
-                        <a:rPr lang="pl-PL" dirty="0" err="1">
+                        <a:rPr lang="en-GB" sz="4800" b="1" noProof="0" dirty="0">
                           <a:solidFill>
-                            <a:schemeClr val="tx1"/>
+                            <a:schemeClr val="accent4"/>
                           </a:solidFill>
                         </a:rPr>
-                        <a:t>Setting</a:t>
+                        <a:t>1</a:t>
                       </a:r>
-                      <a:r>
-                        <a:rPr lang="pl-PL" dirty="0">
-                          <a:solidFill>
-                            <a:schemeClr val="tx1"/>
-                          </a:solidFill>
-                        </a:rPr>
-                        <a:t> </a:t>
-                      </a:r>
-                      <a:r>
-                        <a:rPr lang="pl-PL" dirty="0" err="1">
-                          <a:solidFill>
-                            <a:schemeClr val="tx1"/>
-                          </a:solidFill>
-                        </a:rPr>
-                        <a:t>up</a:t>
-                      </a:r>
-                      <a:r>
-                        <a:rPr lang="pl-PL" dirty="0">
-                          <a:solidFill>
-                            <a:schemeClr val="tx1"/>
-                          </a:solidFill>
-                        </a:rPr>
-                        <a:t> the </a:t>
-                      </a:r>
-                      <a:r>
-                        <a:rPr lang="pl-PL" dirty="0" err="1">
-                          <a:solidFill>
-                            <a:schemeClr val="tx1"/>
-                          </a:solidFill>
-                        </a:rPr>
-                        <a:t>computer</a:t>
-                      </a:r>
-                      <a:r>
-                        <a:rPr lang="pl-PL" dirty="0">
-                          <a:solidFill>
-                            <a:schemeClr val="tx1"/>
-                          </a:solidFill>
-                        </a:rPr>
-                        <a:t> web </a:t>
-                      </a:r>
-                      <a:r>
-                        <a:rPr lang="pl-PL" dirty="0" err="1">
-                          <a:solidFill>
-                            <a:schemeClr val="tx1"/>
-                          </a:solidFill>
-                        </a:rPr>
-                        <a:t>camera</a:t>
-                      </a:r>
-                      <a:r>
-                        <a:rPr lang="pl-PL" dirty="0">
-                          <a:solidFill>
-                            <a:schemeClr val="tx1"/>
-                          </a:solidFill>
-                        </a:rPr>
-                        <a:t> to </a:t>
-                      </a:r>
-                      <a:r>
-                        <a:rPr lang="pl-PL" dirty="0" err="1">
-                          <a:solidFill>
-                            <a:schemeClr val="tx1"/>
-                          </a:solidFill>
-                        </a:rPr>
-                        <a:t>capture</a:t>
-                      </a:r>
-                      <a:r>
-                        <a:rPr lang="pl-PL" dirty="0">
-                          <a:solidFill>
-                            <a:schemeClr val="tx1"/>
-                          </a:solidFill>
-                        </a:rPr>
-                        <a:t> </a:t>
-                      </a:r>
-                      <a:r>
-                        <a:rPr lang="pl-PL" dirty="0" err="1">
-                          <a:solidFill>
-                            <a:schemeClr val="tx1"/>
-                          </a:solidFill>
-                        </a:rPr>
-                        <a:t>frames</a:t>
-                      </a:r>
-                      <a:endParaRPr lang="pl-PL" dirty="0">
-                        <a:solidFill>
-                          <a:schemeClr val="tx1"/>
-                        </a:solidFill>
-                      </a:endParaRPr>
                     </a:p>
                   </a:txBody>
-                  <a:tcPr>
+                  <a:tcPr marL="52341" marR="52341" marT="26170" marB="26170">
                     <a:lnL w="12700" cap="flat" cmpd="sng" algn="ctr">
-                      <a:solidFill>
-                        <a:schemeClr val="tx1"/>
-                      </a:solidFill>
+                      <a:noFill/>
                       <a:prstDash val="solid"/>
                       <a:round/>
                       <a:headEnd type="none" w="med" len="med"/>
                       <a:tailEnd type="none" w="med" len="med"/>
                     </a:lnL>
                     <a:lnR w="12700" cap="flat" cmpd="sng" algn="ctr">
-                      <a:solidFill>
-                        <a:schemeClr val="tx1"/>
-                      </a:solidFill>
+                      <a:noFill/>
                       <a:prstDash val="solid"/>
                       <a:round/>
                       <a:headEnd type="none" w="med" len="med"/>
                       <a:tailEnd type="none" w="med" len="med"/>
                     </a:lnR>
                     <a:lnT w="12700" cap="flat" cmpd="sng" algn="ctr">
-                      <a:solidFill>
-                        <a:schemeClr val="tx1"/>
-                      </a:solidFill>
+                      <a:noFill/>
                       <a:prstDash val="solid"/>
                       <a:round/>
                       <a:headEnd type="none" w="med" len="med"/>
                       <a:tailEnd type="none" w="med" len="med"/>
                     </a:lnT>
                     <a:lnB w="12700" cap="flat" cmpd="sng" algn="ctr">
-                      <a:solidFill>
-                        <a:schemeClr val="tx1"/>
-                      </a:solidFill>
+                      <a:noFill/>
                       <a:prstDash val="solid"/>
                       <a:round/>
                       <a:headEnd type="none" w="med" len="med"/>
@@ -3961,14 +4584,85 @@
                     <a:bodyPr/>
                     <a:lstStyle/>
                     <a:p>
-                      <a:endParaRPr lang="en-GB"/>
+                      <a:pPr marL="0" indent="0" algn="l">
+                        <a:buFont typeface="+mj-lt"/>
+                        <a:buNone/>
+                      </a:pPr>
+                      <a:r>
+                        <a:rPr lang="en-GB" sz="2800" b="1" noProof="0" dirty="0">
+                          <a:solidFill>
+                            <a:schemeClr val="tx1"/>
+                          </a:solidFill>
+                        </a:rPr>
+                        <a:t>Setting up the computer web camera to capture frames</a:t>
+                      </a:r>
                     </a:p>
                   </a:txBody>
-                  <a:tcPr>
+                  <a:tcPr marL="52341" marR="52341" marT="26170" marB="26170">
                     <a:lnL w="12700" cap="flat" cmpd="sng" algn="ctr">
-                      <a:solidFill>
-                        <a:schemeClr val="tx1"/>
-                      </a:solidFill>
+                      <a:noFill/>
+                      <a:prstDash val="solid"/>
+                      <a:round/>
+                      <a:headEnd type="none" w="med" len="med"/>
+                      <a:tailEnd type="none" w="med" len="med"/>
+                    </a:lnL>
+                    <a:lnR w="12700" cap="flat" cmpd="sng" algn="ctr">
+                      <a:noFill/>
+                      <a:prstDash val="solid"/>
+                      <a:round/>
+                      <a:headEnd type="none" w="med" len="med"/>
+                      <a:tailEnd type="none" w="med" len="med"/>
+                    </a:lnR>
+                    <a:lnT w="12700" cap="flat" cmpd="sng" algn="ctr">
+                      <a:noFill/>
+                      <a:prstDash val="solid"/>
+                      <a:round/>
+                      <a:headEnd type="none" w="med" len="med"/>
+                      <a:tailEnd type="none" w="med" len="med"/>
+                    </a:lnT>
+                    <a:lnB w="12700" cap="flat" cmpd="sng" algn="ctr">
+                      <a:noFill/>
+                      <a:prstDash val="solid"/>
+                      <a:round/>
+                      <a:headEnd type="none" w="med" len="med"/>
+                      <a:tailEnd type="none" w="med" len="med"/>
+                    </a:lnB>
+                    <a:lnTlToBr w="12700" cap="flat" cmpd="sng" algn="ctr">
+                      <a:noFill/>
+                      <a:prstDash val="solid"/>
+                      <a:round/>
+                      <a:headEnd type="none" w="med" len="med"/>
+                      <a:tailEnd type="none" w="med" len="med"/>
+                    </a:lnTlToBr>
+                    <a:lnBlToTr w="12700" cap="flat" cmpd="sng" algn="ctr">
+                      <a:noFill/>
+                      <a:prstDash val="solid"/>
+                      <a:round/>
+                      <a:headEnd type="none" w="med" len="med"/>
+                      <a:tailEnd type="none" w="med" len="med"/>
+                    </a:lnBlToTr>
+                    <a:solidFill>
+                      <a:schemeClr val="bg1"/>
+                    </a:solidFill>
+                  </a:tcPr>
+                </a:tc>
+                <a:tc>
+                  <a:txBody>
+                    <a:bodyPr/>
+                    <a:lstStyle/>
+                    <a:p>
+                      <a:endParaRPr lang="en-GB" sz="1600" dirty="0">
+                        <a:solidFill>
+                          <a:schemeClr val="bg2">
+                            <a:lumMod val="25000"/>
+                          </a:schemeClr>
+                        </a:solidFill>
+                      </a:endParaRPr>
+                    </a:p>
+                  </a:txBody>
+                  <a:tcPr marL="52341" marR="52341" marT="26170" marB="26170">
+                    <a:lnL w="12700" cap="flat" cmpd="sng" algn="ctr">
+                      <a:noFill/>
                       <a:prstDash val="solid"/>
                       <a:round/>
                       <a:headEnd type="none" w="med" len="med"/>
@@ -3984,18 +4678,14 @@
                       <a:tailEnd type="none" w="med" len="med"/>
                     </a:lnR>
                     <a:lnT w="12700" cap="flat" cmpd="sng" algn="ctr">
-                      <a:solidFill>
-                        <a:schemeClr val="tx1"/>
-                      </a:solidFill>
+                      <a:noFill/>
                       <a:prstDash val="solid"/>
                       <a:round/>
                       <a:headEnd type="none" w="med" len="med"/>
                       <a:tailEnd type="none" w="med" len="med"/>
                     </a:lnT>
                     <a:lnB w="12700" cap="flat" cmpd="sng" algn="ctr">
-                      <a:solidFill>
-                        <a:schemeClr val="tx1"/>
-                      </a:solidFill>
+                      <a:noFill/>
                       <a:prstDash val="solid"/>
                       <a:round/>
                       <a:headEnd type="none" w="med" len="med"/>
@@ -4020,7 +4710,81 @@
                   </a:ext>
                 </a:extLst>
               </a:tr>
-              <a:tr h="370840">
+              <a:tr h="1010966">
+                <a:tc>
+                  <a:txBody>
+                    <a:bodyPr/>
+                    <a:lstStyle/>
+                    <a:p>
+                      <a:pPr marL="0" marR="0" lvl="0" indent="0" algn="ctr" defTabSz="914400" rtl="0" eaLnBrk="1" fontAlgn="auto" latinLnBrk="0" hangingPunct="1">
+                        <a:lnSpc>
+                          <a:spcPct val="100000"/>
+                        </a:lnSpc>
+                        <a:spcBef>
+                          <a:spcPts val="0"/>
+                        </a:spcBef>
+                        <a:spcAft>
+                          <a:spcPts val="0"/>
+                        </a:spcAft>
+                        <a:buClrTx/>
+                        <a:buSzTx/>
+                        <a:buFont typeface="+mj-lt"/>
+                        <a:buNone/>
+                        <a:tabLst/>
+                        <a:defRPr/>
+                      </a:pPr>
+                      <a:r>
+                        <a:rPr lang="en-GB" sz="4800" b="1" noProof="0" dirty="0">
+                          <a:solidFill>
+                            <a:schemeClr val="accent4"/>
+                          </a:solidFill>
+                        </a:rPr>
+                        <a:t>2</a:t>
+                      </a:r>
+                    </a:p>
+                  </a:txBody>
+                  <a:tcPr marL="52341" marR="52341" marT="26170" marB="26170">
+                    <a:lnL w="12700" cap="flat" cmpd="sng" algn="ctr">
+                      <a:noFill/>
+                      <a:prstDash val="solid"/>
+                      <a:round/>
+                      <a:headEnd type="none" w="med" len="med"/>
+                      <a:tailEnd type="none" w="med" len="med"/>
+                    </a:lnL>
+                    <a:lnR w="12700" cap="flat" cmpd="sng" algn="ctr">
+                      <a:noFill/>
+                      <a:prstDash val="solid"/>
+                      <a:round/>
+                      <a:headEnd type="none" w="med" len="med"/>
+                      <a:tailEnd type="none" w="med" len="med"/>
+                    </a:lnR>
+                    <a:lnT w="12700" cap="flat" cmpd="sng" algn="ctr">
+                      <a:noFill/>
+                      <a:prstDash val="solid"/>
+                      <a:round/>
+                      <a:headEnd type="none" w="med" len="med"/>
+                      <a:tailEnd type="none" w="med" len="med"/>
+                    </a:lnT>
+                    <a:lnB w="12700" cap="flat" cmpd="sng" algn="ctr">
+                      <a:noFill/>
+                      <a:prstDash val="solid"/>
+                      <a:round/>
+                      <a:headEnd type="none" w="med" len="med"/>
+                      <a:tailEnd type="none" w="med" len="med"/>
+                    </a:lnB>
+                    <a:lnTlToBr w="12700" cmpd="sng">
+                      <a:noFill/>
+                      <a:prstDash val="solid"/>
+                    </a:lnTlToBr>
+                    <a:lnBlToTr w="12700" cmpd="sng">
+                      <a:noFill/>
+                      <a:prstDash val="solid"/>
+                    </a:lnBlToTr>
+                    <a:solidFill>
+                      <a:schemeClr val="bg1"/>
+                    </a:solidFill>
+                  </a:tcPr>
+                </a:tc>
                 <a:tc>
                   <a:txBody>
                     <a:bodyPr/>
@@ -4044,104 +4808,57 @@
                         <a:defRPr/>
                       </a:pPr>
                       <a:r>
-                        <a:rPr lang="pl-PL" dirty="0">
+                        <a:rPr lang="en-GB" sz="2800" b="1" noProof="0" dirty="0">
                           <a:solidFill>
                             <a:schemeClr val="tx1"/>
                           </a:solidFill>
                         </a:rPr>
-                        <a:t>2 .  </a:t>
+                        <a:t>Detecting the document contours</a:t>
                       </a:r>
-                      <a:r>
-                        <a:rPr lang="pl-PL" dirty="0" err="1">
-                          <a:solidFill>
-                            <a:schemeClr val="tx1"/>
-                          </a:solidFill>
-                        </a:rPr>
-                        <a:t>Detecting</a:t>
-                      </a:r>
-                      <a:r>
-                        <a:rPr lang="pl-PL" dirty="0">
-                          <a:solidFill>
-                            <a:schemeClr val="tx1"/>
-                          </a:solidFill>
-                        </a:rPr>
-                        <a:t> the </a:t>
-                      </a:r>
-                      <a:r>
-                        <a:rPr lang="pl-PL" dirty="0" err="1">
-                          <a:solidFill>
-                            <a:schemeClr val="tx1"/>
-                          </a:solidFill>
-                        </a:rPr>
-                        <a:t>document</a:t>
-                      </a:r>
-                      <a:r>
-                        <a:rPr lang="pl-PL" dirty="0">
-                          <a:solidFill>
-                            <a:schemeClr val="tx1"/>
-                          </a:solidFill>
-                        </a:rPr>
-                        <a:t> </a:t>
-                      </a:r>
-                      <a:r>
-                        <a:rPr lang="pl-PL" dirty="0" err="1">
-                          <a:solidFill>
-                            <a:schemeClr val="tx1"/>
-                          </a:solidFill>
-                        </a:rPr>
-                        <a:t>contours</a:t>
-                      </a:r>
-                      <a:endParaRPr lang="pl-PL" dirty="0">
-                        <a:solidFill>
-                          <a:schemeClr val="tx1"/>
-                        </a:solidFill>
-                      </a:endParaRPr>
                     </a:p>
                   </a:txBody>
-                  <a:tcPr>
+                  <a:tcPr marL="52341" marR="52341" marT="26170" marB="26170">
                     <a:lnL w="12700" cap="flat" cmpd="sng" algn="ctr">
-                      <a:solidFill>
-                        <a:schemeClr val="tx1"/>
-                      </a:solidFill>
+                      <a:noFill/>
                       <a:prstDash val="solid"/>
                       <a:round/>
                       <a:headEnd type="none" w="med" len="med"/>
                       <a:tailEnd type="none" w="med" len="med"/>
                     </a:lnL>
                     <a:lnR w="12700" cap="flat" cmpd="sng" algn="ctr">
-                      <a:solidFill>
-                        <a:schemeClr val="tx1"/>
-                      </a:solidFill>
+                      <a:noFill/>
                       <a:prstDash val="solid"/>
                       <a:round/>
                       <a:headEnd type="none" w="med" len="med"/>
                       <a:tailEnd type="none" w="med" len="med"/>
                     </a:lnR>
                     <a:lnT w="12700" cap="flat" cmpd="sng" algn="ctr">
-                      <a:solidFill>
-                        <a:schemeClr val="tx1"/>
-                      </a:solidFill>
+                      <a:noFill/>
                       <a:prstDash val="solid"/>
                       <a:round/>
                       <a:headEnd type="none" w="med" len="med"/>
                       <a:tailEnd type="none" w="med" len="med"/>
                     </a:lnT>
                     <a:lnB w="12700" cap="flat" cmpd="sng" algn="ctr">
-                      <a:solidFill>
-                        <a:schemeClr val="tx1"/>
-                      </a:solidFill>
+                      <a:noFill/>
                       <a:prstDash val="solid"/>
                       <a:round/>
                       <a:headEnd type="none" w="med" len="med"/>
                       <a:tailEnd type="none" w="med" len="med"/>
                     </a:lnB>
-                    <a:lnTlToBr w="12700" cmpd="sng">
+                    <a:lnTlToBr w="12700" cap="flat" cmpd="sng" algn="ctr">
                       <a:noFill/>
                       <a:prstDash val="solid"/>
+                      <a:round/>
+                      <a:headEnd type="none" w="med" len="med"/>
+                      <a:tailEnd type="none" w="med" len="med"/>
                     </a:lnTlToBr>
-                    <a:lnBlToTr w="12700" cmpd="sng">
+                    <a:lnBlToTr w="12700" cap="flat" cmpd="sng" algn="ctr">
                       <a:noFill/>
                       <a:prstDash val="solid"/>
+                      <a:round/>
+                      <a:headEnd type="none" w="med" len="med"/>
+                      <a:tailEnd type="none" w="med" len="med"/>
                     </a:lnBlToTr>
                     <a:solidFill>
                       <a:schemeClr val="bg1"/>
@@ -4153,14 +4870,165 @@
                     <a:bodyPr/>
                     <a:lstStyle/>
                     <a:p>
-                      <a:endParaRPr lang="en-GB" dirty="0"/>
+                      <a:pPr marL="342900" indent="-342900">
+                        <a:buFont typeface="+mj-lt"/>
+                        <a:buAutoNum type="arabicPeriod"/>
+                      </a:pPr>
+                      <a:r>
+                        <a:rPr lang="en-GB" sz="1600" noProof="0" dirty="0">
+                          <a:solidFill>
+                            <a:schemeClr val="bg2">
+                              <a:lumMod val="25000"/>
+                            </a:schemeClr>
+                          </a:solidFill>
+                        </a:rPr>
+                        <a:t>Blurring the image with gaussian blur</a:t>
+                      </a:r>
+                    </a:p>
+                    <a:p>
+                      <a:pPr marL="342900" indent="-342900">
+                        <a:buFont typeface="+mj-lt"/>
+                        <a:buAutoNum type="arabicPeriod"/>
+                      </a:pPr>
+                      <a:r>
+                        <a:rPr lang="en-GB" sz="1600" noProof="0" dirty="0">
+                          <a:solidFill>
+                            <a:schemeClr val="bg2">
+                              <a:lumMod val="25000"/>
+                            </a:schemeClr>
+                          </a:solidFill>
+                        </a:rPr>
+                        <a:t>Detecting the edges with canny Edge detector</a:t>
+                      </a:r>
+                    </a:p>
+                    <a:p>
+                      <a:pPr marL="342900" marR="0" lvl="0" indent="-342900" algn="l" defTabSz="914400" rtl="0" eaLnBrk="1" fontAlgn="auto" latinLnBrk="0" hangingPunct="1">
+                        <a:lnSpc>
+                          <a:spcPct val="100000"/>
+                        </a:lnSpc>
+                        <a:spcBef>
+                          <a:spcPts val="0"/>
+                        </a:spcBef>
+                        <a:spcAft>
+                          <a:spcPts val="0"/>
+                        </a:spcAft>
+                        <a:buClrTx/>
+                        <a:buSzTx/>
+                        <a:buFont typeface="+mj-lt"/>
+                        <a:buAutoNum type="arabicPeriod"/>
+                        <a:tabLst/>
+                        <a:defRPr/>
+                      </a:pPr>
+                      <a:r>
+                        <a:rPr lang="en-GB" sz="1600" noProof="0" dirty="0">
+                          <a:solidFill>
+                            <a:schemeClr val="bg2">
+                              <a:lumMod val="25000"/>
+                            </a:schemeClr>
+                          </a:solidFill>
+                        </a:rPr>
+                        <a:t>Finding</a:t>
+                      </a:r>
+                      <a:r>
+                        <a:rPr lang="pl-PL" sz="1600" dirty="0">
+                          <a:solidFill>
+                            <a:schemeClr val="bg2">
+                              <a:lumMod val="25000"/>
+                            </a:schemeClr>
+                          </a:solidFill>
+                        </a:rPr>
+                        <a:t> </a:t>
+                      </a:r>
+                      <a:r>
+                        <a:rPr lang="en-GB" sz="1600" noProof="0" dirty="0">
+                          <a:solidFill>
+                            <a:schemeClr val="bg2">
+                              <a:lumMod val="25000"/>
+                            </a:schemeClr>
+                          </a:solidFill>
+                        </a:rPr>
+                        <a:t>contours on the edges image with </a:t>
+                      </a:r>
+                      <a:r>
+                        <a:rPr lang="en-GB" sz="1600" kern="1200" dirty="0" err="1">
+                          <a:solidFill>
+                            <a:schemeClr val="bg2">
+                              <a:lumMod val="25000"/>
+                            </a:schemeClr>
+                          </a:solidFill>
+                          <a:effectLst/>
+                          <a:latin typeface="+mn-lt"/>
+                          <a:ea typeface="+mn-ea"/>
+                          <a:cs typeface="+mn-cs"/>
+                        </a:rPr>
+                        <a:t>findContours</a:t>
+                      </a:r>
+                      <a:r>
+                        <a:rPr lang="pl-PL" sz="1600" kern="1200" dirty="0">
+                          <a:solidFill>
+                            <a:schemeClr val="bg2">
+                              <a:lumMod val="25000"/>
+                            </a:schemeClr>
+                          </a:solidFill>
+                          <a:effectLst/>
+                          <a:latin typeface="+mn-lt"/>
+                          <a:ea typeface="+mn-ea"/>
+                          <a:cs typeface="+mn-cs"/>
+                        </a:rPr>
+                        <a:t> </a:t>
+                      </a:r>
+                      <a:r>
+                        <a:rPr lang="en-GB" sz="1600" kern="1200" noProof="0" dirty="0">
+                          <a:solidFill>
+                            <a:schemeClr val="bg2">
+                              <a:lumMod val="25000"/>
+                            </a:schemeClr>
+                          </a:solidFill>
+                          <a:effectLst/>
+                          <a:latin typeface="+mn-lt"/>
+                          <a:ea typeface="+mn-ea"/>
+                          <a:cs typeface="+mn-cs"/>
+                        </a:rPr>
+                        <a:t>function</a:t>
+                      </a:r>
+                    </a:p>
+                    <a:p>
+                      <a:pPr marL="342900" marR="0" lvl="0" indent="-342900" algn="l" defTabSz="914400" rtl="0" eaLnBrk="1" fontAlgn="auto" latinLnBrk="0" hangingPunct="1">
+                        <a:lnSpc>
+                          <a:spcPct val="100000"/>
+                        </a:lnSpc>
+                        <a:spcBef>
+                          <a:spcPts val="0"/>
+                        </a:spcBef>
+                        <a:spcAft>
+                          <a:spcPts val="0"/>
+                        </a:spcAft>
+                        <a:buClrTx/>
+                        <a:buSzTx/>
+                        <a:buFont typeface="+mj-lt"/>
+                        <a:buAutoNum type="arabicPeriod"/>
+                        <a:tabLst/>
+                        <a:defRPr/>
+                      </a:pPr>
+                      <a:r>
+                        <a:rPr lang="en-GB" sz="1600" kern="1200" noProof="0" dirty="0">
+                          <a:solidFill>
+                            <a:schemeClr val="bg2">
+                              <a:lumMod val="25000"/>
+                            </a:schemeClr>
+                          </a:solidFill>
+                          <a:effectLst/>
+                          <a:latin typeface="+mn-lt"/>
+                          <a:ea typeface="+mn-ea"/>
+                          <a:cs typeface="+mn-cs"/>
+                        </a:rPr>
+                        <a:t>Finding the biggest contour with 4 vertexes</a:t>
+                      </a:r>
                     </a:p>
                   </a:txBody>
-                  <a:tcPr>
+                  <a:tcPr marL="52341" marR="52341" marT="26170" marB="26170">
                     <a:lnL w="12700" cap="flat" cmpd="sng" algn="ctr">
-                      <a:solidFill>
-                        <a:schemeClr val="tx1"/>
-                      </a:solidFill>
+                      <a:noFill/>
                       <a:prstDash val="solid"/>
                       <a:round/>
                       <a:headEnd type="none" w="med" len="med"/>
@@ -4176,18 +5044,14 @@
                       <a:tailEnd type="none" w="med" len="med"/>
                     </a:lnR>
                     <a:lnT w="12700" cap="flat" cmpd="sng" algn="ctr">
-                      <a:solidFill>
-                        <a:schemeClr val="tx1"/>
-                      </a:solidFill>
+                      <a:noFill/>
                       <a:prstDash val="solid"/>
                       <a:round/>
                       <a:headEnd type="none" w="med" len="med"/>
                       <a:tailEnd type="none" w="med" len="med"/>
                     </a:lnT>
                     <a:lnB w="12700" cap="flat" cmpd="sng" algn="ctr">
-                      <a:solidFill>
-                        <a:schemeClr val="tx1"/>
-                      </a:solidFill>
+                      <a:noFill/>
                       <a:prstDash val="solid"/>
                       <a:round/>
                       <a:headEnd type="none" w="med" len="med"/>
@@ -4212,7 +5076,81 @@
                   </a:ext>
                 </a:extLst>
               </a:tr>
-              <a:tr h="370840">
+              <a:tr h="1333911">
+                <a:tc>
+                  <a:txBody>
+                    <a:bodyPr/>
+                    <a:lstStyle/>
+                    <a:p>
+                      <a:pPr marL="0" marR="0" lvl="0" indent="0" algn="ctr" defTabSz="914400" rtl="0" eaLnBrk="1" fontAlgn="auto" latinLnBrk="0" hangingPunct="1">
+                        <a:lnSpc>
+                          <a:spcPct val="100000"/>
+                        </a:lnSpc>
+                        <a:spcBef>
+                          <a:spcPts val="0"/>
+                        </a:spcBef>
+                        <a:spcAft>
+                          <a:spcPts val="0"/>
+                        </a:spcAft>
+                        <a:buClrTx/>
+                        <a:buSzTx/>
+                        <a:buFontTx/>
+                        <a:buNone/>
+                        <a:tabLst/>
+                        <a:defRPr/>
+                      </a:pPr>
+                      <a:r>
+                        <a:rPr lang="en-GB" sz="4800" b="1" noProof="0" dirty="0">
+                          <a:solidFill>
+                            <a:schemeClr val="accent4"/>
+                          </a:solidFill>
+                        </a:rPr>
+                        <a:t>3</a:t>
+                      </a:r>
+                    </a:p>
+                  </a:txBody>
+                  <a:tcPr marL="52341" marR="52341" marT="26170" marB="26170">
+                    <a:lnL w="12700" cap="flat" cmpd="sng" algn="ctr">
+                      <a:noFill/>
+                      <a:prstDash val="solid"/>
+                      <a:round/>
+                      <a:headEnd type="none" w="med" len="med"/>
+                      <a:tailEnd type="none" w="med" len="med"/>
+                    </a:lnL>
+                    <a:lnR w="12700" cap="flat" cmpd="sng" algn="ctr">
+                      <a:noFill/>
+                      <a:prstDash val="solid"/>
+                      <a:round/>
+                      <a:headEnd type="none" w="med" len="med"/>
+                      <a:tailEnd type="none" w="med" len="med"/>
+                    </a:lnR>
+                    <a:lnT w="12700" cap="flat" cmpd="sng" algn="ctr">
+                      <a:noFill/>
+                      <a:prstDash val="solid"/>
+                      <a:round/>
+                      <a:headEnd type="none" w="med" len="med"/>
+                      <a:tailEnd type="none" w="med" len="med"/>
+                    </a:lnT>
+                    <a:lnB w="12700" cap="flat" cmpd="sng" algn="ctr">
+                      <a:noFill/>
+                      <a:prstDash val="solid"/>
+                      <a:round/>
+                      <a:headEnd type="none" w="med" len="med"/>
+                      <a:tailEnd type="none" w="med" len="med"/>
+                    </a:lnB>
+                    <a:lnTlToBr w="12700" cmpd="sng">
+                      <a:noFill/>
+                      <a:prstDash val="solid"/>
+                    </a:lnTlToBr>
+                    <a:lnBlToTr w="12700" cmpd="sng">
+                      <a:noFill/>
+                      <a:prstDash val="solid"/>
+                    </a:lnBlToTr>
+                    <a:solidFill>
+                      <a:schemeClr val="bg1"/>
+                    </a:solidFill>
+                  </a:tcPr>
+                </a:tc>
                 <a:tc>
                   <a:txBody>
                     <a:bodyPr/>
@@ -4236,132 +5174,58 @@
                         <a:defRPr/>
                       </a:pPr>
                       <a:r>
-                        <a:rPr lang="pl-PL" dirty="0">
+                        <a:rPr lang="en-GB" sz="2800" b="1" noProof="0" dirty="0">
                           <a:solidFill>
                             <a:schemeClr val="tx1"/>
                           </a:solidFill>
                         </a:rPr>
-                        <a:t>3 .  </a:t>
+                        <a:t>cropping the image and transforming it into rectangle</a:t>
                       </a:r>
-                      <a:r>
-                        <a:rPr lang="pl-PL" dirty="0" err="1">
-                          <a:solidFill>
-                            <a:schemeClr val="tx1"/>
-                          </a:solidFill>
-                        </a:rPr>
-                        <a:t>cropping</a:t>
-                      </a:r>
-                      <a:r>
-                        <a:rPr lang="pl-PL" dirty="0">
-                          <a:solidFill>
-                            <a:schemeClr val="tx1"/>
-                          </a:solidFill>
-                        </a:rPr>
-                        <a:t> the image and </a:t>
-                      </a:r>
-                      <a:r>
-                        <a:rPr lang="pl-PL" dirty="0" err="1">
-                          <a:solidFill>
-                            <a:schemeClr val="tx1"/>
-                          </a:solidFill>
-                        </a:rPr>
-                        <a:t>transforming</a:t>
-                      </a:r>
-                      <a:r>
-                        <a:rPr lang="pl-PL" dirty="0">
-                          <a:solidFill>
-                            <a:schemeClr val="tx1"/>
-                          </a:solidFill>
-                        </a:rPr>
-                        <a:t> </a:t>
-                      </a:r>
-                      <a:r>
-                        <a:rPr lang="pl-PL" dirty="0" err="1">
-                          <a:solidFill>
-                            <a:schemeClr val="tx1"/>
-                          </a:solidFill>
-                        </a:rPr>
-                        <a:t>it</a:t>
-                      </a:r>
-                      <a:r>
-                        <a:rPr lang="pl-PL" dirty="0">
-                          <a:solidFill>
-                            <a:schemeClr val="tx1"/>
-                          </a:solidFill>
-                        </a:rPr>
-                        <a:t> </a:t>
-                      </a:r>
-                      <a:r>
-                        <a:rPr lang="pl-PL" dirty="0" err="1">
-                          <a:solidFill>
-                            <a:schemeClr val="tx1"/>
-                          </a:solidFill>
-                        </a:rPr>
-                        <a:t>into</a:t>
-                      </a:r>
-                      <a:r>
-                        <a:rPr lang="pl-PL" dirty="0">
-                          <a:solidFill>
-                            <a:schemeClr val="tx1"/>
-                          </a:solidFill>
-                        </a:rPr>
-                        <a:t> </a:t>
-                      </a:r>
-                      <a:r>
-                        <a:rPr lang="pl-PL" dirty="0" err="1">
-                          <a:solidFill>
-                            <a:schemeClr val="tx1"/>
-                          </a:solidFill>
-                        </a:rPr>
-                        <a:t>rectangle</a:t>
-                      </a:r>
-                      <a:endParaRPr lang="en-GB" dirty="0"/>
+                      <a:endParaRPr lang="en-GB" sz="2800" b="1" noProof="0" dirty="0"/>
                     </a:p>
                   </a:txBody>
-                  <a:tcPr>
+                  <a:tcPr marL="52341" marR="52341" marT="26170" marB="26170">
                     <a:lnL w="12700" cap="flat" cmpd="sng" algn="ctr">
-                      <a:solidFill>
-                        <a:schemeClr val="tx1"/>
-                      </a:solidFill>
+                      <a:noFill/>
                       <a:prstDash val="solid"/>
                       <a:round/>
                       <a:headEnd type="none" w="med" len="med"/>
                       <a:tailEnd type="none" w="med" len="med"/>
                     </a:lnL>
                     <a:lnR w="12700" cap="flat" cmpd="sng" algn="ctr">
-                      <a:solidFill>
-                        <a:schemeClr val="tx1"/>
-                      </a:solidFill>
+                      <a:noFill/>
                       <a:prstDash val="solid"/>
                       <a:round/>
                       <a:headEnd type="none" w="med" len="med"/>
                       <a:tailEnd type="none" w="med" len="med"/>
                     </a:lnR>
                     <a:lnT w="12700" cap="flat" cmpd="sng" algn="ctr">
-                      <a:solidFill>
-                        <a:schemeClr val="tx1"/>
-                      </a:solidFill>
+                      <a:noFill/>
                       <a:prstDash val="solid"/>
                       <a:round/>
                       <a:headEnd type="none" w="med" len="med"/>
                       <a:tailEnd type="none" w="med" len="med"/>
                     </a:lnT>
                     <a:lnB w="12700" cap="flat" cmpd="sng" algn="ctr">
-                      <a:solidFill>
-                        <a:schemeClr val="tx1"/>
-                      </a:solidFill>
+                      <a:noFill/>
                       <a:prstDash val="solid"/>
                       <a:round/>
                       <a:headEnd type="none" w="med" len="med"/>
                       <a:tailEnd type="none" w="med" len="med"/>
                     </a:lnB>
-                    <a:lnTlToBr w="12700" cmpd="sng">
+                    <a:lnTlToBr w="12700" cap="flat" cmpd="sng" algn="ctr">
                       <a:noFill/>
                       <a:prstDash val="solid"/>
+                      <a:round/>
+                      <a:headEnd type="none" w="med" len="med"/>
+                      <a:tailEnd type="none" w="med" len="med"/>
                     </a:lnTlToBr>
-                    <a:lnBlToTr w="12700" cmpd="sng">
+                    <a:lnBlToTr w="12700" cap="flat" cmpd="sng" algn="ctr">
                       <a:noFill/>
                       <a:prstDash val="solid"/>
+                      <a:round/>
+                      <a:headEnd type="none" w="med" len="med"/>
+                      <a:tailEnd type="none" w="med" len="med"/>
                     </a:lnBlToTr>
                     <a:solidFill>
                       <a:schemeClr val="bg1"/>
@@ -4373,14 +5237,110 @@
                     <a:bodyPr/>
                     <a:lstStyle/>
                     <a:p>
-                      <a:endParaRPr lang="en-GB" dirty="0"/>
+                      <a:pPr marL="342900" indent="-342900">
+                        <a:buFont typeface="+mj-lt"/>
+                        <a:buAutoNum type="arabicPeriod"/>
+                      </a:pPr>
+                      <a:r>
+                        <a:rPr lang="en-GB" sz="1600" dirty="0">
+                          <a:solidFill>
+                            <a:schemeClr val="bg2">
+                              <a:lumMod val="25000"/>
+                            </a:schemeClr>
+                          </a:solidFill>
+                        </a:rPr>
+                        <a:t>Orde</a:t>
+                      </a:r>
+                      <a:r>
+                        <a:rPr lang="pl-PL" sz="1600" dirty="0">
+                          <a:solidFill>
+                            <a:schemeClr val="bg2">
+                              <a:lumMod val="25000"/>
+                            </a:schemeClr>
+                          </a:solidFill>
+                        </a:rPr>
+                        <a:t>ring the </a:t>
+                      </a:r>
+                      <a:r>
+                        <a:rPr lang="en-GB" sz="1600" noProof="0" dirty="0">
+                          <a:solidFill>
+                            <a:schemeClr val="bg2">
+                              <a:lumMod val="25000"/>
+                            </a:schemeClr>
+                          </a:solidFill>
+                        </a:rPr>
+                        <a:t>contour</a:t>
+                      </a:r>
+                      <a:r>
+                        <a:rPr lang="pl-PL" sz="1600" dirty="0">
+                          <a:solidFill>
+                            <a:schemeClr val="bg2">
+                              <a:lumMod val="25000"/>
+                            </a:schemeClr>
+                          </a:solidFill>
+                        </a:rPr>
+                        <a:t> </a:t>
+                      </a:r>
+                      <a:r>
+                        <a:rPr lang="en-GB" sz="1600" noProof="0" dirty="0">
+                          <a:solidFill>
+                            <a:schemeClr val="bg2">
+                              <a:lumMod val="25000"/>
+                            </a:schemeClr>
+                          </a:solidFill>
+                        </a:rPr>
+                        <a:t>vertexes</a:t>
+                      </a:r>
+                    </a:p>
+                    <a:p>
+                      <a:pPr marL="342900" indent="-342900">
+                        <a:buFont typeface="+mj-lt"/>
+                        <a:buAutoNum type="arabicPeriod"/>
+                      </a:pPr>
+                      <a:r>
+                        <a:rPr lang="en-GB" sz="1600" noProof="0" dirty="0">
+                          <a:solidFill>
+                            <a:schemeClr val="bg2">
+                              <a:lumMod val="25000"/>
+                            </a:schemeClr>
+                          </a:solidFill>
+                        </a:rPr>
+                        <a:t>Computing the size of the output image</a:t>
+                      </a:r>
+                    </a:p>
+                    <a:p>
+                      <a:pPr marL="342900" indent="-342900">
+                        <a:buFont typeface="+mj-lt"/>
+                        <a:buAutoNum type="arabicPeriod"/>
+                      </a:pPr>
+                      <a:r>
+                        <a:rPr lang="en-GB" sz="1600" noProof="0" dirty="0">
+                          <a:solidFill>
+                            <a:schemeClr val="bg2">
+                              <a:lumMod val="25000"/>
+                            </a:schemeClr>
+                          </a:solidFill>
+                        </a:rPr>
+                        <a:t>Computing the transformation matrix with open CV</a:t>
+                      </a:r>
+                    </a:p>
+                    <a:p>
+                      <a:pPr marL="342900" indent="-342900">
+                        <a:buFont typeface="+mj-lt"/>
+                        <a:buAutoNum type="arabicPeriod"/>
+                      </a:pPr>
+                      <a:endParaRPr lang="pl-PL" sz="1600" dirty="0">
+                        <a:solidFill>
+                          <a:schemeClr val="bg2">
+                            <a:lumMod val="25000"/>
+                          </a:schemeClr>
+                        </a:solidFill>
+                      </a:endParaRPr>
                     </a:p>
                   </a:txBody>
-                  <a:tcPr>
+                  <a:tcPr marL="52341" marR="52341" marT="26170" marB="26170">
                     <a:lnL w="12700" cap="flat" cmpd="sng" algn="ctr">
-                      <a:solidFill>
-                        <a:schemeClr val="tx1"/>
-                      </a:solidFill>
+                      <a:noFill/>
                       <a:prstDash val="solid"/>
                       <a:round/>
                       <a:headEnd type="none" w="med" len="med"/>
@@ -4396,18 +5356,14 @@
                       <a:tailEnd type="none" w="med" len="med"/>
                     </a:lnR>
                     <a:lnT w="12700" cap="flat" cmpd="sng" algn="ctr">
-                      <a:solidFill>
-                        <a:schemeClr val="tx1"/>
-                      </a:solidFill>
+                      <a:noFill/>
                       <a:prstDash val="solid"/>
                       <a:round/>
                       <a:headEnd type="none" w="med" len="med"/>
                       <a:tailEnd type="none" w="med" len="med"/>
                     </a:lnT>
                     <a:lnB w="12700" cap="flat" cmpd="sng" algn="ctr">
-                      <a:solidFill>
-                        <a:schemeClr val="tx1"/>
-                      </a:solidFill>
+                      <a:noFill/>
                       <a:prstDash val="solid"/>
                       <a:round/>
                       <a:headEnd type="none" w="med" len="med"/>
@@ -4432,7 +5388,65 @@
                   </a:ext>
                 </a:extLst>
               </a:tr>
-              <a:tr h="370840">
+              <a:tr h="795295">
+                <a:tc>
+                  <a:txBody>
+                    <a:bodyPr/>
+                    <a:lstStyle/>
+                    <a:p>
+                      <a:pPr algn="ctr"/>
+                      <a:r>
+                        <a:rPr lang="en-GB" sz="4800" b="1" noProof="0" dirty="0">
+                          <a:solidFill>
+                            <a:schemeClr val="accent4"/>
+                          </a:solidFill>
+                        </a:rPr>
+                        <a:t>4</a:t>
+                      </a:r>
+                    </a:p>
+                  </a:txBody>
+                  <a:tcPr marL="52341" marR="52341" marT="26170" marB="26170">
+                    <a:lnL w="12700" cap="flat" cmpd="sng" algn="ctr">
+                      <a:noFill/>
+                      <a:prstDash val="solid"/>
+                      <a:round/>
+                      <a:headEnd type="none" w="med" len="med"/>
+                      <a:tailEnd type="none" w="med" len="med"/>
+                    </a:lnL>
+                    <a:lnR w="12700" cap="flat" cmpd="sng" algn="ctr">
+                      <a:noFill/>
+                      <a:prstDash val="solid"/>
+                      <a:round/>
+                      <a:headEnd type="none" w="med" len="med"/>
+                      <a:tailEnd type="none" w="med" len="med"/>
+                    </a:lnR>
+                    <a:lnT w="12700" cap="flat" cmpd="sng" algn="ctr">
+                      <a:noFill/>
+                      <a:prstDash val="solid"/>
+                      <a:round/>
+                      <a:headEnd type="none" w="med" len="med"/>
+                      <a:tailEnd type="none" w="med" len="med"/>
+                    </a:lnT>
+                    <a:lnB w="12700" cap="flat" cmpd="sng" algn="ctr">
+                      <a:noFill/>
+                      <a:prstDash val="solid"/>
+                      <a:round/>
+                      <a:headEnd type="none" w="med" len="med"/>
+                      <a:tailEnd type="none" w="med" len="med"/>
+                    </a:lnB>
+                    <a:lnTlToBr w="12700" cmpd="sng">
+                      <a:noFill/>
+                      <a:prstDash val="solid"/>
+                    </a:lnTlToBr>
+                    <a:lnBlToTr w="12700" cmpd="sng">
+                      <a:noFill/>
+                      <a:prstDash val="solid"/>
+                    </a:lnBlToTr>
+                    <a:solidFill>
+                      <a:schemeClr val="bg1"/>
+                    </a:solidFill>
+                  </a:tcPr>
+                </a:tc>
                 <a:tc>
                   <a:txBody>
                     <a:bodyPr/>
@@ -4456,83 +5470,57 @@
                         <a:defRPr/>
                       </a:pPr>
                       <a:r>
-                        <a:rPr lang="pl-PL" dirty="0">
+                        <a:rPr lang="en-GB" sz="2800" b="1" noProof="0" dirty="0">
                           <a:solidFill>
                             <a:schemeClr val="tx1"/>
                           </a:solidFill>
                         </a:rPr>
-                        <a:t>4 .  </a:t>
+                        <a:t>Binarization of the image</a:t>
                       </a:r>
-                      <a:r>
-                        <a:rPr lang="pl-PL" dirty="0" err="1">
-                          <a:solidFill>
-                            <a:schemeClr val="tx1"/>
-                          </a:solidFill>
-                        </a:rPr>
-                        <a:t>Binarization</a:t>
-                      </a:r>
-                      <a:r>
-                        <a:rPr lang="pl-PL">
-                          <a:solidFill>
-                            <a:schemeClr val="tx1"/>
-                          </a:solidFill>
-                        </a:rPr>
-                        <a:t> of the image</a:t>
-                      </a:r>
-                      <a:endParaRPr lang="pl-PL" dirty="0">
-                        <a:solidFill>
-                          <a:schemeClr val="tx1"/>
-                        </a:solidFill>
-                      </a:endParaRPr>
-                    </a:p>
-                    <a:p>
-                      <a:endParaRPr lang="en-GB" dirty="0"/>
                     </a:p>
                   </a:txBody>
-                  <a:tcPr>
+                  <a:tcPr marL="52341" marR="52341" marT="26170" marB="26170">
                     <a:lnL w="12700" cap="flat" cmpd="sng" algn="ctr">
-                      <a:solidFill>
-                        <a:schemeClr val="tx1"/>
-                      </a:solidFill>
+                      <a:noFill/>
                       <a:prstDash val="solid"/>
                       <a:round/>
                       <a:headEnd type="none" w="med" len="med"/>
                       <a:tailEnd type="none" w="med" len="med"/>
                     </a:lnL>
                     <a:lnR w="12700" cap="flat" cmpd="sng" algn="ctr">
-                      <a:solidFill>
-                        <a:schemeClr val="tx1"/>
-                      </a:solidFill>
+                      <a:noFill/>
                       <a:prstDash val="solid"/>
                       <a:round/>
                       <a:headEnd type="none" w="med" len="med"/>
                       <a:tailEnd type="none" w="med" len="med"/>
                     </a:lnR>
                     <a:lnT w="12700" cap="flat" cmpd="sng" algn="ctr">
-                      <a:solidFill>
-                        <a:schemeClr val="tx1"/>
-                      </a:solidFill>
+                      <a:noFill/>
                       <a:prstDash val="solid"/>
                       <a:round/>
                       <a:headEnd type="none" w="med" len="med"/>
                       <a:tailEnd type="none" w="med" len="med"/>
                     </a:lnT>
                     <a:lnB w="12700" cap="flat" cmpd="sng" algn="ctr">
-                      <a:solidFill>
-                        <a:schemeClr val="tx1"/>
-                      </a:solidFill>
+                      <a:noFill/>
                       <a:prstDash val="solid"/>
                       <a:round/>
                       <a:headEnd type="none" w="med" len="med"/>
                       <a:tailEnd type="none" w="med" len="med"/>
                     </a:lnB>
-                    <a:lnTlToBr w="12700" cmpd="sng">
+                    <a:lnTlToBr w="12700" cap="flat" cmpd="sng" algn="ctr">
                       <a:noFill/>
                       <a:prstDash val="solid"/>
+                      <a:round/>
+                      <a:headEnd type="none" w="med" len="med"/>
+                      <a:tailEnd type="none" w="med" len="med"/>
                     </a:lnTlToBr>
-                    <a:lnBlToTr w="12700" cmpd="sng">
+                    <a:lnBlToTr w="12700" cap="flat" cmpd="sng" algn="ctr">
                       <a:noFill/>
                       <a:prstDash val="solid"/>
+                      <a:round/>
+                      <a:headEnd type="none" w="med" len="med"/>
+                      <a:tailEnd type="none" w="med" len="med"/>
                     </a:lnBlToTr>
                     <a:solidFill>
                       <a:schemeClr val="bg1"/>
@@ -4544,14 +5532,18 @@
                     <a:bodyPr/>
                     <a:lstStyle/>
                     <a:p>
-                      <a:endParaRPr lang="en-GB"/>
+                      <a:endParaRPr lang="en-GB" sz="1600" dirty="0">
+                        <a:solidFill>
+                          <a:schemeClr val="bg2">
+                            <a:lumMod val="25000"/>
+                          </a:schemeClr>
+                        </a:solidFill>
+                      </a:endParaRPr>
                     </a:p>
                   </a:txBody>
-                  <a:tcPr>
+                  <a:tcPr marL="52341" marR="52341" marT="26170" marB="26170">
                     <a:lnL w="12700" cap="flat" cmpd="sng" algn="ctr">
-                      <a:solidFill>
-                        <a:schemeClr val="tx1"/>
-                      </a:solidFill>
+                      <a:noFill/>
                       <a:prstDash val="solid"/>
                       <a:round/>
                       <a:headEnd type="none" w="med" len="med"/>
@@ -4567,18 +5559,14 @@
                       <a:tailEnd type="none" w="med" len="med"/>
                     </a:lnR>
                     <a:lnT w="12700" cap="flat" cmpd="sng" algn="ctr">
-                      <a:solidFill>
-                        <a:schemeClr val="tx1"/>
-                      </a:solidFill>
+                      <a:noFill/>
                       <a:prstDash val="solid"/>
                       <a:round/>
                       <a:headEnd type="none" w="med" len="med"/>
                       <a:tailEnd type="none" w="med" len="med"/>
                     </a:lnT>
                     <a:lnB w="12700" cap="flat" cmpd="sng" algn="ctr">
-                      <a:solidFill>
-                        <a:schemeClr val="tx1"/>
-                      </a:solidFill>
+                      <a:noFill/>
                       <a:prstDash val="solid"/>
                       <a:round/>
                       <a:headEnd type="none" w="med" len="med"/>
@@ -4600,269 +5588,6 @@
                 <a:extLst>
                   <a:ext uri="{0D108BD9-81ED-4DB2-BD59-A6C34878D82A}">
                     <a16:rowId xmlns:a16="http://schemas.microsoft.com/office/drawing/2014/main" val="3256169225"/>
-                  </a:ext>
-                </a:extLst>
-              </a:tr>
-              <a:tr h="370840">
-                <a:tc>
-                  <a:txBody>
-                    <a:bodyPr/>
-                    <a:lstStyle/>
-                    <a:p>
-                      <a:pPr marL="0" marR="0" lvl="0" indent="0" algn="l" defTabSz="914400" rtl="0" eaLnBrk="1" fontAlgn="auto" latinLnBrk="0" hangingPunct="1">
-                        <a:lnSpc>
-                          <a:spcPct val="100000"/>
-                        </a:lnSpc>
-                        <a:spcBef>
-                          <a:spcPts val="0"/>
-                        </a:spcBef>
-                        <a:spcAft>
-                          <a:spcPts val="0"/>
-                        </a:spcAft>
-                        <a:buClrTx/>
-                        <a:buSzTx/>
-                        <a:buFontTx/>
-                        <a:buNone/>
-                        <a:tabLst/>
-                        <a:defRPr/>
-                      </a:pPr>
-                      <a:endParaRPr lang="en-GB" dirty="0"/>
-                    </a:p>
-                  </a:txBody>
-                  <a:tcPr>
-                    <a:lnL w="12700" cap="flat" cmpd="sng" algn="ctr">
-                      <a:solidFill>
-                        <a:schemeClr val="tx1"/>
-                      </a:solidFill>
-                      <a:prstDash val="solid"/>
-                      <a:round/>
-                      <a:headEnd type="none" w="med" len="med"/>
-                      <a:tailEnd type="none" w="med" len="med"/>
-                    </a:lnL>
-                    <a:lnR w="12700" cap="flat" cmpd="sng" algn="ctr">
-                      <a:solidFill>
-                        <a:schemeClr val="tx1"/>
-                      </a:solidFill>
-                      <a:prstDash val="solid"/>
-                      <a:round/>
-                      <a:headEnd type="none" w="med" len="med"/>
-                      <a:tailEnd type="none" w="med" len="med"/>
-                    </a:lnR>
-                    <a:lnT w="12700" cap="flat" cmpd="sng" algn="ctr">
-                      <a:solidFill>
-                        <a:schemeClr val="tx1"/>
-                      </a:solidFill>
-                      <a:prstDash val="solid"/>
-                      <a:round/>
-                      <a:headEnd type="none" w="med" len="med"/>
-                      <a:tailEnd type="none" w="med" len="med"/>
-                    </a:lnT>
-                    <a:lnB w="12700" cap="flat" cmpd="sng" algn="ctr">
-                      <a:solidFill>
-                        <a:schemeClr val="tx1"/>
-                      </a:solidFill>
-                      <a:prstDash val="solid"/>
-                      <a:round/>
-                      <a:headEnd type="none" w="med" len="med"/>
-                      <a:tailEnd type="none" w="med" len="med"/>
-                    </a:lnB>
-                    <a:lnTlToBr w="12700" cmpd="sng">
-                      <a:noFill/>
-                      <a:prstDash val="solid"/>
-                    </a:lnTlToBr>
-                    <a:lnBlToTr w="12700" cmpd="sng">
-                      <a:noFill/>
-                      <a:prstDash val="solid"/>
-                    </a:lnBlToTr>
-                    <a:solidFill>
-                      <a:schemeClr val="bg1"/>
-                    </a:solidFill>
-                  </a:tcPr>
-                </a:tc>
-                <a:tc>
-                  <a:txBody>
-                    <a:bodyPr/>
-                    <a:lstStyle/>
-                    <a:p>
-                      <a:endParaRPr lang="en-GB"/>
-                    </a:p>
-                  </a:txBody>
-                  <a:tcPr>
-                    <a:lnL w="12700" cap="flat" cmpd="sng" algn="ctr">
-                      <a:solidFill>
-                        <a:schemeClr val="tx1"/>
-                      </a:solidFill>
-                      <a:prstDash val="solid"/>
-                      <a:round/>
-                      <a:headEnd type="none" w="med" len="med"/>
-                      <a:tailEnd type="none" w="med" len="med"/>
-                    </a:lnL>
-                    <a:lnR w="12700" cap="flat" cmpd="sng" algn="ctr">
-                      <a:solidFill>
-                        <a:schemeClr val="tx1"/>
-                      </a:solidFill>
-                      <a:prstDash val="solid"/>
-                      <a:round/>
-                      <a:headEnd type="none" w="med" len="med"/>
-                      <a:tailEnd type="none" w="med" len="med"/>
-                    </a:lnR>
-                    <a:lnT w="12700" cap="flat" cmpd="sng" algn="ctr">
-                      <a:solidFill>
-                        <a:schemeClr val="tx1"/>
-                      </a:solidFill>
-                      <a:prstDash val="solid"/>
-                      <a:round/>
-                      <a:headEnd type="none" w="med" len="med"/>
-                      <a:tailEnd type="none" w="med" len="med"/>
-                    </a:lnT>
-                    <a:lnB w="12700" cap="flat" cmpd="sng" algn="ctr">
-                      <a:solidFill>
-                        <a:schemeClr val="tx1"/>
-                      </a:solidFill>
-                      <a:prstDash val="solid"/>
-                      <a:round/>
-                      <a:headEnd type="none" w="med" len="med"/>
-                      <a:tailEnd type="none" w="med" len="med"/>
-                    </a:lnB>
-                    <a:lnTlToBr w="12700" cmpd="sng">
-                      <a:noFill/>
-                      <a:prstDash val="solid"/>
-                    </a:lnTlToBr>
-                    <a:lnBlToTr w="12700" cmpd="sng">
-                      <a:noFill/>
-                      <a:prstDash val="solid"/>
-                    </a:lnBlToTr>
-                    <a:solidFill>
-                      <a:schemeClr val="bg1"/>
-                    </a:solidFill>
-                  </a:tcPr>
-                </a:tc>
-                <a:extLst>
-                  <a:ext uri="{0D108BD9-81ED-4DB2-BD59-A6C34878D82A}">
-                    <a16:rowId xmlns:a16="http://schemas.microsoft.com/office/drawing/2014/main" val="638632619"/>
-                  </a:ext>
-                </a:extLst>
-              </a:tr>
-              <a:tr h="370840">
-                <a:tc>
-                  <a:txBody>
-                    <a:bodyPr/>
-                    <a:lstStyle/>
-                    <a:p>
-                      <a:endParaRPr lang="en-GB"/>
-                    </a:p>
-                  </a:txBody>
-                  <a:tcPr>
-                    <a:lnL w="12700" cap="flat" cmpd="sng" algn="ctr">
-                      <a:solidFill>
-                        <a:schemeClr val="tx1"/>
-                      </a:solidFill>
-                      <a:prstDash val="solid"/>
-                      <a:round/>
-                      <a:headEnd type="none" w="med" len="med"/>
-                      <a:tailEnd type="none" w="med" len="med"/>
-                    </a:lnL>
-                    <a:lnR w="12700" cap="flat" cmpd="sng" algn="ctr">
-                      <a:solidFill>
-                        <a:schemeClr val="tx1"/>
-                      </a:solidFill>
-                      <a:prstDash val="solid"/>
-                      <a:round/>
-                      <a:headEnd type="none" w="med" len="med"/>
-                      <a:tailEnd type="none" w="med" len="med"/>
-                    </a:lnR>
-                    <a:lnT w="12700" cap="flat" cmpd="sng" algn="ctr">
-                      <a:solidFill>
-                        <a:schemeClr val="tx1"/>
-                      </a:solidFill>
-                      <a:prstDash val="solid"/>
-                      <a:round/>
-                      <a:headEnd type="none" w="med" len="med"/>
-                      <a:tailEnd type="none" w="med" len="med"/>
-                    </a:lnT>
-                    <a:lnB w="12700" cap="flat" cmpd="sng" algn="ctr">
-                      <a:solidFill>
-                        <a:schemeClr val="tx1"/>
-                      </a:solidFill>
-                      <a:prstDash val="solid"/>
-                      <a:round/>
-                      <a:headEnd type="none" w="med" len="med"/>
-                      <a:tailEnd type="none" w="med" len="med"/>
-                    </a:lnB>
-                    <a:lnTlToBr w="12700" cmpd="sng">
-                      <a:noFill/>
-                      <a:prstDash val="solid"/>
-                    </a:lnTlToBr>
-                    <a:lnBlToTr w="12700" cmpd="sng">
-                      <a:noFill/>
-                      <a:prstDash val="solid"/>
-                    </a:lnBlToTr>
-                    <a:solidFill>
-                      <a:schemeClr val="bg1"/>
-                    </a:solidFill>
-                  </a:tcPr>
-                </a:tc>
-                <a:tc>
-                  <a:txBody>
-                    <a:bodyPr/>
-                    <a:lstStyle/>
-                    <a:p>
-                      <a:endParaRPr lang="en-GB" dirty="0"/>
-                    </a:p>
-                  </a:txBody>
-                  <a:tcPr>
-                    <a:lnL w="12700" cap="flat" cmpd="sng" algn="ctr">
-                      <a:solidFill>
-                        <a:schemeClr val="tx1"/>
-                      </a:solidFill>
-                      <a:prstDash val="solid"/>
-                      <a:round/>
-                      <a:headEnd type="none" w="med" len="med"/>
-                      <a:tailEnd type="none" w="med" len="med"/>
-                    </a:lnL>
-                    <a:lnR w="12700" cap="flat" cmpd="sng" algn="ctr">
-                      <a:solidFill>
-                        <a:schemeClr val="tx1"/>
-                      </a:solidFill>
-                      <a:prstDash val="solid"/>
-                      <a:round/>
-                      <a:headEnd type="none" w="med" len="med"/>
-                      <a:tailEnd type="none" w="med" len="med"/>
-                    </a:lnR>
-                    <a:lnT w="12700" cap="flat" cmpd="sng" algn="ctr">
-                      <a:solidFill>
-                        <a:schemeClr val="tx1"/>
-                      </a:solidFill>
-                      <a:prstDash val="solid"/>
-                      <a:round/>
-                      <a:headEnd type="none" w="med" len="med"/>
-                      <a:tailEnd type="none" w="med" len="med"/>
-                    </a:lnT>
-                    <a:lnB w="12700" cap="flat" cmpd="sng" algn="ctr">
-                      <a:solidFill>
-                        <a:schemeClr val="tx1"/>
-                      </a:solidFill>
-                      <a:prstDash val="solid"/>
-                      <a:round/>
-                      <a:headEnd type="none" w="med" len="med"/>
-                      <a:tailEnd type="none" w="med" len="med"/>
-                    </a:lnB>
-                    <a:lnTlToBr w="12700" cmpd="sng">
-                      <a:noFill/>
-                      <a:prstDash val="solid"/>
-                    </a:lnTlToBr>
-                    <a:lnBlToTr w="12700" cmpd="sng">
-                      <a:noFill/>
-                      <a:prstDash val="solid"/>
-                    </a:lnBlToTr>
-                    <a:solidFill>
-                      <a:schemeClr val="bg1"/>
-                    </a:solidFill>
-                  </a:tcPr>
-                </a:tc>
-                <a:extLst>
-                  <a:ext uri="{0D108BD9-81ED-4DB2-BD59-A6C34878D82A}">
-                    <a16:rowId xmlns:a16="http://schemas.microsoft.com/office/drawing/2014/main" val="142771991"/>
                   </a:ext>
                 </a:extLst>
               </a:tr>
@@ -4886,6 +5611,14 @@
 <file path=ppt/slides/slide4.xml><?xml version="1.0" encoding="utf-8"?>
 <p:sld xmlns:a="http://schemas.openxmlformats.org/drawingml/2006/main" xmlns:r="http://schemas.openxmlformats.org/officeDocument/2006/relationships" xmlns:p="http://schemas.openxmlformats.org/presentationml/2006/main">
   <p:cSld>
+    <p:bg>
+      <p:bgPr>
+        <a:solidFill>
+          <a:schemeClr val="bg1"/>
+        </a:solidFill>
+        <a:effectLst/>
+      </p:bgPr>
+    </p:bg>
     <p:spTree>
       <p:nvGrpSpPr>
         <p:cNvPr id="1" name=""/>
@@ -4900,6 +5633,355 @@
           <a:chExt cx="0" cy="0"/>
         </a:xfrm>
       </p:grpSpPr>
+      <p:sp useBgFill="1">
+        <p:nvSpPr>
+          <p:cNvPr id="20" name="Rectangle 19">
+            <a:extLst>
+              <a:ext uri="{FF2B5EF4-FFF2-40B4-BE49-F238E27FC236}">
+                <a16:creationId xmlns:a16="http://schemas.microsoft.com/office/drawing/2014/main" id="{9D25F302-27C5-414F-97F8-6EA0A6C028BA}"/>
+              </a:ext>
+              <a:ext uri="{C183D7F6-B498-43B3-948B-1728B52AA6E4}">
+                <adec:decorative xmlns:adec="http://schemas.microsoft.com/office/drawing/2017/decorative" val="1"/>
+              </a:ext>
+            </a:extLst>
+          </p:cNvPr>
+          <p:cNvSpPr>
+            <a:spLocks noGrp="1" noRot="1" noChangeAspect="1" noMove="1" noResize="1" noEditPoints="1" noAdjustHandles="1" noChangeArrowheads="1" noChangeShapeType="1" noTextEdit="1"/>
+          </p:cNvSpPr>
+          <p:nvPr>
+            <p:extLst>
+              <p:ext uri="{386F3935-93C4-4BCD-93E2-E3B085C9AB24}">
+                <p16:designElem xmlns:p16="http://schemas.microsoft.com/office/powerpoint/2015/main" val="1"/>
+              </p:ext>
+            </p:extLst>
+          </p:nvPr>
+        </p:nvSpPr>
+        <p:spPr>
+          <a:xfrm>
+            <a:off x="0" y="0"/>
+            <a:ext cx="12192000" cy="6858000"/>
+          </a:xfrm>
+          <a:prstGeom prst="rect">
+            <a:avLst/>
+          </a:prstGeom>
+          <a:ln>
+            <a:noFill/>
+          </a:ln>
+        </p:spPr>
+        <p:style>
+          <a:lnRef idx="2">
+            <a:schemeClr val="accent1">
+              <a:shade val="50000"/>
+            </a:schemeClr>
+          </a:lnRef>
+          <a:fillRef idx="1">
+            <a:schemeClr val="accent1"/>
+          </a:fillRef>
+          <a:effectRef idx="0">
+            <a:schemeClr val="accent1"/>
+          </a:effectRef>
+          <a:fontRef idx="minor">
+            <a:schemeClr val="lt1"/>
+          </a:fontRef>
+        </p:style>
+        <p:txBody>
+          <a:bodyPr rtlCol="0" anchor="ctr"/>
+          <a:lstStyle/>
+          <a:p>
+            <a:pPr algn="ctr"/>
+            <a:endParaRPr lang="en-US" dirty="0"/>
+          </a:p>
+        </p:txBody>
+      </p:sp>
+      <p:sp>
+        <p:nvSpPr>
+          <p:cNvPr id="22" name="Freeform: Shape 21">
+            <a:extLst>
+              <a:ext uri="{FF2B5EF4-FFF2-40B4-BE49-F238E27FC236}">
+                <a16:creationId xmlns:a16="http://schemas.microsoft.com/office/drawing/2014/main" id="{041C67D0-A496-4B86-BF61-263FF9EFD7F0}"/>
+              </a:ext>
+              <a:ext uri="{C183D7F6-B498-43B3-948B-1728B52AA6E4}">
+                <adec:decorative xmlns:adec="http://schemas.microsoft.com/office/drawing/2017/decorative" val="1"/>
+              </a:ext>
+            </a:extLst>
+          </p:cNvPr>
+          <p:cNvSpPr>
+            <a:spLocks noGrp="1" noRot="1" noChangeAspect="1" noMove="1" noResize="1" noEditPoints="1" noAdjustHandles="1" noChangeArrowheads="1" noChangeShapeType="1" noTextEdit="1"/>
+          </p:cNvSpPr>
+          <p:nvPr>
+            <p:extLst>
+              <p:ext uri="{386F3935-93C4-4BCD-93E2-E3B085C9AB24}">
+                <p16:designElem xmlns:p16="http://schemas.microsoft.com/office/powerpoint/2015/main" val="1"/>
+              </p:ext>
+            </p:extLst>
+          </p:nvPr>
+        </p:nvSpPr>
+        <p:spPr>
+          <a:xfrm>
+            <a:off x="5296068" y="320442"/>
+            <a:ext cx="6572492" cy="6212748"/>
+          </a:xfrm>
+          <a:custGeom>
+            <a:avLst/>
+            <a:gdLst>
+              <a:gd name="connsiteX0" fmla="*/ 0 w 6572492"/>
+              <a:gd name="connsiteY0" fmla="*/ 0 h 6212748"/>
+              <a:gd name="connsiteX1" fmla="*/ 2248593 w 6572492"/>
+              <a:gd name="connsiteY1" fmla="*/ 0 h 6212748"/>
+              <a:gd name="connsiteX2" fmla="*/ 2694770 w 6572492"/>
+              <a:gd name="connsiteY2" fmla="*/ 0 h 6212748"/>
+              <a:gd name="connsiteX3" fmla="*/ 2991094 w 6572492"/>
+              <a:gd name="connsiteY3" fmla="*/ 0 h 6212748"/>
+              <a:gd name="connsiteX4" fmla="*/ 6572492 w 6572492"/>
+              <a:gd name="connsiteY4" fmla="*/ 0 h 6212748"/>
+              <a:gd name="connsiteX5" fmla="*/ 6572492 w 6572492"/>
+              <a:gd name="connsiteY5" fmla="*/ 2864954 h 6212748"/>
+              <a:gd name="connsiteX6" fmla="*/ 3129047 w 6572492"/>
+              <a:gd name="connsiteY6" fmla="*/ 6212748 h 6212748"/>
+              <a:gd name="connsiteX7" fmla="*/ 2694770 w 6572492"/>
+              <a:gd name="connsiteY7" fmla="*/ 6212748 h 6212748"/>
+              <a:gd name="connsiteX8" fmla="*/ 2248593 w 6572492"/>
+              <a:gd name="connsiteY8" fmla="*/ 6212748 h 6212748"/>
+              <a:gd name="connsiteX9" fmla="*/ 0 w 6572492"/>
+              <a:gd name="connsiteY9" fmla="*/ 6212748 h 6212748"/>
+            </a:gdLst>
+            <a:ahLst/>
+            <a:cxnLst>
+              <a:cxn ang="0">
+                <a:pos x="connsiteX0" y="connsiteY0"/>
+              </a:cxn>
+              <a:cxn ang="0">
+                <a:pos x="connsiteX1" y="connsiteY1"/>
+              </a:cxn>
+              <a:cxn ang="0">
+                <a:pos x="connsiteX2" y="connsiteY2"/>
+              </a:cxn>
+              <a:cxn ang="0">
+                <a:pos x="connsiteX3" y="connsiteY3"/>
+              </a:cxn>
+              <a:cxn ang="0">
+                <a:pos x="connsiteX4" y="connsiteY4"/>
+              </a:cxn>
+              <a:cxn ang="0">
+                <a:pos x="connsiteX5" y="connsiteY5"/>
+              </a:cxn>
+              <a:cxn ang="0">
+                <a:pos x="connsiteX6" y="connsiteY6"/>
+              </a:cxn>
+              <a:cxn ang="0">
+                <a:pos x="connsiteX7" y="connsiteY7"/>
+              </a:cxn>
+              <a:cxn ang="0">
+                <a:pos x="connsiteX8" y="connsiteY8"/>
+              </a:cxn>
+              <a:cxn ang="0">
+                <a:pos x="connsiteX9" y="connsiteY9"/>
+              </a:cxn>
+            </a:cxnLst>
+            <a:rect l="l" t="t" r="r" b="b"/>
+            <a:pathLst>
+              <a:path w="6572492" h="6212748">
+                <a:moveTo>
+                  <a:pt x="0" y="0"/>
+                </a:moveTo>
+                <a:lnTo>
+                  <a:pt x="2248593" y="0"/>
+                </a:lnTo>
+                <a:lnTo>
+                  <a:pt x="2694770" y="0"/>
+                </a:lnTo>
+                <a:lnTo>
+                  <a:pt x="2991094" y="0"/>
+                </a:lnTo>
+                <a:lnTo>
+                  <a:pt x="6572492" y="0"/>
+                </a:lnTo>
+                <a:lnTo>
+                  <a:pt x="6572492" y="2864954"/>
+                </a:lnTo>
+                <a:lnTo>
+                  <a:pt x="3129047" y="6212748"/>
+                </a:lnTo>
+                <a:lnTo>
+                  <a:pt x="2694770" y="6212748"/>
+                </a:lnTo>
+                <a:lnTo>
+                  <a:pt x="2248593" y="6212748"/>
+                </a:lnTo>
+                <a:lnTo>
+                  <a:pt x="0" y="6212748"/>
+                </a:lnTo>
+                <a:close/>
+              </a:path>
+            </a:pathLst>
+          </a:custGeom>
+          <a:solidFill>
+            <a:schemeClr val="tx1">
+              <a:lumMod val="50000"/>
+              <a:lumOff val="50000"/>
+              <a:alpha val="25000"/>
+            </a:schemeClr>
+          </a:solidFill>
+          <a:ln>
+            <a:noFill/>
+          </a:ln>
+        </p:spPr>
+        <p:style>
+          <a:lnRef idx="2">
+            <a:schemeClr val="accent1">
+              <a:shade val="50000"/>
+            </a:schemeClr>
+          </a:lnRef>
+          <a:fillRef idx="1">
+            <a:schemeClr val="accent1"/>
+          </a:fillRef>
+          <a:effectRef idx="0">
+            <a:schemeClr val="accent1"/>
+          </a:effectRef>
+          <a:fontRef idx="minor">
+            <a:schemeClr val="lt1"/>
+          </a:fontRef>
+        </p:style>
+        <p:txBody>
+          <a:bodyPr wrap="square" rtlCol="0" anchor="ctr">
+            <a:noAutofit/>
+          </a:bodyPr>
+          <a:lstStyle/>
+          <a:p>
+            <a:pPr algn="ctr"/>
+            <a:endParaRPr lang="en-US" dirty="0"/>
+          </a:p>
+        </p:txBody>
+      </p:sp>
+      <p:sp>
+        <p:nvSpPr>
+          <p:cNvPr id="24" name="Right Triangle 23">
+            <a:extLst>
+              <a:ext uri="{FF2B5EF4-FFF2-40B4-BE49-F238E27FC236}">
+                <a16:creationId xmlns:a16="http://schemas.microsoft.com/office/drawing/2014/main" id="{830A36F8-48C2-4842-A87B-8CE8DF4E7FD2}"/>
+              </a:ext>
+              <a:ext uri="{C183D7F6-B498-43B3-948B-1728B52AA6E4}">
+                <adec:decorative xmlns:adec="http://schemas.microsoft.com/office/drawing/2017/decorative" val="1"/>
+              </a:ext>
+            </a:extLst>
+          </p:cNvPr>
+          <p:cNvSpPr>
+            <a:spLocks noGrp="1" noRot="1" noChangeAspect="1" noMove="1" noResize="1" noEditPoints="1" noAdjustHandles="1" noChangeArrowheads="1" noChangeShapeType="1" noTextEdit="1"/>
+          </p:cNvSpPr>
+          <p:nvPr>
+            <p:extLst>
+              <p:ext uri="{386F3935-93C4-4BCD-93E2-E3B085C9AB24}">
+                <p16:designElem xmlns:p16="http://schemas.microsoft.com/office/powerpoint/2015/main" val="1"/>
+              </p:ext>
+            </p:extLst>
+          </p:nvPr>
+        </p:nvSpPr>
+        <p:spPr>
+          <a:xfrm flipH="1">
+            <a:off x="8576720" y="3335867"/>
+            <a:ext cx="3291840" cy="3200400"/>
+          </a:xfrm>
+          <a:prstGeom prst="rtTriangle">
+            <a:avLst/>
+          </a:prstGeom>
+          <a:solidFill>
+            <a:schemeClr val="accent4"/>
+          </a:solidFill>
+          <a:ln>
+            <a:noFill/>
+          </a:ln>
+        </p:spPr>
+        <p:style>
+          <a:lnRef idx="2">
+            <a:schemeClr val="accent1">
+              <a:shade val="50000"/>
+            </a:schemeClr>
+          </a:lnRef>
+          <a:fillRef idx="1">
+            <a:schemeClr val="accent1"/>
+          </a:fillRef>
+          <a:effectRef idx="0">
+            <a:schemeClr val="accent1"/>
+          </a:effectRef>
+          <a:fontRef idx="minor">
+            <a:schemeClr val="lt1"/>
+          </a:fontRef>
+        </p:style>
+        <p:txBody>
+          <a:bodyPr rtlCol="0" anchor="ctr"/>
+          <a:lstStyle/>
+          <a:p>
+            <a:pPr algn="ctr"/>
+            <a:endParaRPr lang="en-US" dirty="0"/>
+          </a:p>
+        </p:txBody>
+      </p:sp>
+      <p:sp>
+        <p:nvSpPr>
+          <p:cNvPr id="26" name="Rectangle 25">
+            <a:extLst>
+              <a:ext uri="{FF2B5EF4-FFF2-40B4-BE49-F238E27FC236}">
+                <a16:creationId xmlns:a16="http://schemas.microsoft.com/office/drawing/2014/main" id="{8F451A30-466B-4996-9BA5-CD6ABCC6D558}"/>
+              </a:ext>
+              <a:ext uri="{C183D7F6-B498-43B3-948B-1728B52AA6E4}">
+                <adec:decorative xmlns:adec="http://schemas.microsoft.com/office/drawing/2017/decorative" val="1"/>
+              </a:ext>
+            </a:extLst>
+          </p:cNvPr>
+          <p:cNvSpPr>
+            <a:spLocks noGrp="1" noRot="1" noChangeAspect="1" noMove="1" noResize="1" noEditPoints="1" noAdjustHandles="1" noChangeArrowheads="1" noChangeShapeType="1" noTextEdit="1"/>
+          </p:cNvSpPr>
+          <p:nvPr>
+            <p:extLst>
+              <p:ext uri="{386F3935-93C4-4BCD-93E2-E3B085C9AB24}">
+                <p16:designElem xmlns:p16="http://schemas.microsoft.com/office/powerpoint/2015/main" val="1"/>
+              </p:ext>
+            </p:extLst>
+          </p:nvPr>
+        </p:nvSpPr>
+        <p:spPr>
+          <a:xfrm>
+            <a:off x="641774" y="623275"/>
+            <a:ext cx="10905053" cy="5607882"/>
+          </a:xfrm>
+          <a:prstGeom prst="rect">
+            <a:avLst/>
+          </a:prstGeom>
+          <a:noFill/>
+          <a:ln w="19050">
+            <a:solidFill>
+              <a:schemeClr val="tx1">
+                <a:lumMod val="75000"/>
+                <a:lumOff val="25000"/>
+              </a:schemeClr>
+            </a:solidFill>
+          </a:ln>
+        </p:spPr>
+        <p:style>
+          <a:lnRef idx="2">
+            <a:schemeClr val="accent1">
+              <a:shade val="50000"/>
+            </a:schemeClr>
+          </a:lnRef>
+          <a:fillRef idx="1">
+            <a:schemeClr val="accent1"/>
+          </a:fillRef>
+          <a:effectRef idx="0">
+            <a:schemeClr val="accent1"/>
+          </a:effectRef>
+          <a:fontRef idx="minor">
+            <a:schemeClr val="lt1"/>
+          </a:fontRef>
+        </p:style>
+        <p:txBody>
+          <a:bodyPr rtlCol="0" anchor="ctr"/>
+          <a:lstStyle/>
+          <a:p>
+            <a:pPr algn="ctr"/>
+            <a:endParaRPr lang="en-US" dirty="0"/>
+          </a:p>
+        </p:txBody>
+      </p:sp>
       <p:sp>
         <p:nvSpPr>
           <p:cNvPr id="2" name="Title 1">
@@ -4916,42 +5998,39 @@
             <p:ph type="title"/>
           </p:nvPr>
         </p:nvSpPr>
-        <p:spPr/>
-        <p:txBody>
-          <a:bodyPr/>
-          <a:lstStyle/>
-          <a:p>
-            <a:r>
-              <a:rPr lang="pl-PL" dirty="0" err="1"/>
-              <a:t>Perspective</a:t>
-            </a:r>
-            <a:r>
-              <a:rPr lang="pl-PL" dirty="0"/>
-              <a:t> </a:t>
-            </a:r>
-            <a:r>
-              <a:rPr lang="pl-PL" dirty="0" err="1"/>
-              <a:t>transformation</a:t>
-            </a:r>
-            <a:endParaRPr lang="en-GB" dirty="0"/>
+        <p:spPr>
+          <a:xfrm>
+            <a:off x="5780700" y="1188637"/>
+            <a:ext cx="5327272" cy="1642850"/>
+          </a:xfrm>
+        </p:spPr>
+        <p:txBody>
+          <a:bodyPr vert="horz" lIns="91440" tIns="45720" rIns="91440" bIns="45720" rtlCol="0" anchor="ctr">
+            <a:normAutofit/>
+          </a:bodyPr>
+          <a:lstStyle/>
+          <a:p>
+            <a:pPr algn="r"/>
+            <a:r>
+              <a:rPr lang="en-US" sz="5400" b="1" dirty="0"/>
+              <a:t>Perspective transformation</a:t>
+            </a:r>
           </a:p>
         </p:txBody>
       </p:sp>
       <p:pic>
         <p:nvPicPr>
-          <p:cNvPr id="5" name="Content Placeholder 4">
-            <a:extLst>
-              <a:ext uri="{FF2B5EF4-FFF2-40B4-BE49-F238E27FC236}">
-                <a16:creationId xmlns:a16="http://schemas.microsoft.com/office/drawing/2014/main" id="{CE942844-A446-68F4-C9DD-72B6F0B16C3F}"/>
+          <p:cNvPr id="14" name="Picture 13">
+            <a:extLst>
+              <a:ext uri="{FF2B5EF4-FFF2-40B4-BE49-F238E27FC236}">
+                <a16:creationId xmlns:a16="http://schemas.microsoft.com/office/drawing/2014/main" id="{46890D6D-0032-4B13-D43F-E12D52FDF691}"/>
               </a:ext>
             </a:extLst>
           </p:cNvPr>
           <p:cNvPicPr>
-            <a:picLocks noGrp="1" noChangeAspect="1"/>
+            <a:picLocks noChangeAspect="1"/>
           </p:cNvPicPr>
-          <p:nvPr>
-            <p:ph idx="1"/>
-          </p:nvPr>
+          <p:nvPr/>
         </p:nvPicPr>
         <p:blipFill>
           <a:blip r:embed="rId2"/>
@@ -4961,24 +6040,29 @@
         </p:blipFill>
         <p:spPr>
           <a:xfrm>
-            <a:off x="942256" y="1598593"/>
-            <a:ext cx="10307488" cy="943107"/>
+            <a:off x="802355" y="1719125"/>
+            <a:ext cx="4444400" cy="2411086"/>
           </a:xfrm>
+          <a:prstGeom prst="rect">
+            <a:avLst/>
+          </a:prstGeom>
         </p:spPr>
       </p:pic>
       <p:pic>
         <p:nvPicPr>
-          <p:cNvPr id="14" name="Picture 13">
-            <a:extLst>
-              <a:ext uri="{FF2B5EF4-FFF2-40B4-BE49-F238E27FC236}">
-                <a16:creationId xmlns:a16="http://schemas.microsoft.com/office/drawing/2014/main" id="{46890D6D-0032-4B13-D43F-E12D52FDF691}"/>
+          <p:cNvPr id="5" name="Content Placeholder 4">
+            <a:extLst>
+              <a:ext uri="{FF2B5EF4-FFF2-40B4-BE49-F238E27FC236}">
+                <a16:creationId xmlns:a16="http://schemas.microsoft.com/office/drawing/2014/main" id="{CE942844-A446-68F4-C9DD-72B6F0B16C3F}"/>
               </a:ext>
             </a:extLst>
           </p:cNvPr>
           <p:cNvPicPr>
-            <a:picLocks noChangeAspect="1"/>
+            <a:picLocks noGrp="1" noChangeAspect="1"/>
           </p:cNvPicPr>
-          <p:nvPr/>
+          <p:nvPr>
+            <p:ph idx="1"/>
+          </p:nvPr>
         </p:nvPicPr>
         <p:blipFill>
           <a:blip r:embed="rId3"/>
@@ -4988,8 +6072,8 @@
         </p:blipFill>
         <p:spPr>
           <a:xfrm>
-            <a:off x="5983163" y="2856295"/>
-            <a:ext cx="5370637" cy="2920011"/>
+            <a:off x="686232" y="5215358"/>
+            <a:ext cx="10860595" cy="1004602"/>
           </a:xfrm>
           <a:prstGeom prst="rect">
             <a:avLst/>
@@ -5010,186 +6094,31 @@
         </p:nvSpPr>
         <p:spPr>
           <a:xfrm>
-            <a:off x="942256" y="3071973"/>
-            <a:ext cx="4759901" cy="1631216"/>
+            <a:off x="5780700" y="3086514"/>
+            <a:ext cx="5407857" cy="1852490"/>
           </a:xfrm>
           <a:prstGeom prst="rect">
             <a:avLst/>
           </a:prstGeom>
-          <a:noFill/>
         </p:spPr>
         <p:txBody>
-          <a:bodyPr wrap="square" rtlCol="0">
-            <a:spAutoFit/>
+          <a:bodyPr vert="horz" lIns="91440" tIns="45720" rIns="91440" bIns="45720" rtlCol="0" anchor="t">
+            <a:normAutofit/>
           </a:bodyPr>
           <a:lstStyle/>
           <a:p>
-            <a:pPr algn="just"/>
-            <a:r>
-              <a:rPr lang="pl-PL" sz="2000" dirty="0" err="1"/>
-              <a:t>Transformation</a:t>
-            </a:r>
-            <a:r>
-              <a:rPr lang="pl-PL" sz="2000" dirty="0"/>
-              <a:t> matrix </a:t>
-            </a:r>
-            <a:r>
-              <a:rPr lang="pl-PL" sz="2000" dirty="0" err="1"/>
-              <a:t>is</a:t>
-            </a:r>
-            <a:r>
-              <a:rPr lang="pl-PL" sz="2000" dirty="0"/>
-              <a:t> </a:t>
-            </a:r>
-            <a:r>
-              <a:rPr lang="pl-PL" sz="2000" dirty="0" err="1"/>
-              <a:t>defined</a:t>
-            </a:r>
-            <a:r>
-              <a:rPr lang="pl-PL" sz="2000" dirty="0"/>
-              <a:t> by 8 </a:t>
-            </a:r>
-            <a:r>
-              <a:rPr lang="pl-PL" sz="2000" dirty="0" err="1"/>
-              <a:t>constants</a:t>
-            </a:r>
-            <a:r>
-              <a:rPr lang="pl-PL" sz="2000" dirty="0"/>
-              <a:t>. </a:t>
-            </a:r>
-            <a:r>
-              <a:rPr lang="pl-PL" sz="2000" dirty="0" err="1"/>
-              <a:t>If</a:t>
-            </a:r>
-            <a:r>
-              <a:rPr lang="pl-PL" sz="2000" dirty="0"/>
-              <a:t> we </a:t>
-            </a:r>
-            <a:r>
-              <a:rPr lang="pl-PL" sz="2000" dirty="0" err="1"/>
-              <a:t>know</a:t>
-            </a:r>
-            <a:r>
-              <a:rPr lang="pl-PL" sz="2000" dirty="0"/>
-              <a:t> </a:t>
-            </a:r>
-            <a:r>
-              <a:rPr lang="pl-PL" sz="2000" dirty="0" err="1"/>
-              <a:t>location</a:t>
-            </a:r>
-            <a:r>
-              <a:rPr lang="pl-PL" sz="2000" dirty="0"/>
-              <a:t> of </a:t>
-            </a:r>
-            <a:r>
-              <a:rPr lang="pl-PL" sz="2000" dirty="0" err="1"/>
-              <a:t>at</a:t>
-            </a:r>
-            <a:r>
-              <a:rPr lang="pl-PL" sz="2000" dirty="0"/>
-              <a:t> </a:t>
-            </a:r>
-            <a:r>
-              <a:rPr lang="pl-PL" sz="2000" dirty="0" err="1"/>
-              <a:t>least</a:t>
-            </a:r>
-            <a:r>
-              <a:rPr lang="pl-PL" sz="2000" dirty="0"/>
-              <a:t> 4 the same </a:t>
-            </a:r>
-            <a:r>
-              <a:rPr lang="pl-PL" sz="2000" dirty="0" err="1"/>
-              <a:t>points</a:t>
-            </a:r>
-            <a:r>
-              <a:rPr lang="pl-PL" sz="2000" dirty="0"/>
-              <a:t> in </a:t>
-            </a:r>
-            <a:r>
-              <a:rPr lang="pl-PL" sz="2000" dirty="0" err="1"/>
-              <a:t>both</a:t>
-            </a:r>
-            <a:r>
-              <a:rPr lang="pl-PL" sz="2000" dirty="0"/>
-              <a:t> </a:t>
-            </a:r>
-            <a:r>
-              <a:rPr lang="pl-PL" sz="2000" dirty="0" err="1"/>
-              <a:t>input</a:t>
-            </a:r>
-            <a:r>
-              <a:rPr lang="pl-PL" sz="2000" dirty="0"/>
-              <a:t> and </a:t>
-            </a:r>
-            <a:r>
-              <a:rPr lang="pl-PL" sz="2000" dirty="0" err="1"/>
-              <a:t>output</a:t>
-            </a:r>
-            <a:r>
-              <a:rPr lang="pl-PL" sz="2000" dirty="0"/>
-              <a:t> </a:t>
-            </a:r>
-            <a:r>
-              <a:rPr lang="pl-PL" sz="2000" dirty="0" err="1"/>
-              <a:t>images</a:t>
-            </a:r>
-            <a:r>
-              <a:rPr lang="pl-PL" sz="2000" dirty="0"/>
-              <a:t> we </a:t>
-            </a:r>
-            <a:r>
-              <a:rPr lang="pl-PL" sz="2000" dirty="0" err="1"/>
-              <a:t>get</a:t>
-            </a:r>
-            <a:r>
-              <a:rPr lang="pl-PL" sz="2000" dirty="0"/>
-              <a:t> 8 </a:t>
-            </a:r>
-            <a:r>
-              <a:rPr lang="pl-PL" sz="2000" dirty="0" err="1"/>
-              <a:t>equations</a:t>
-            </a:r>
-            <a:r>
-              <a:rPr lang="pl-PL" sz="2000" dirty="0"/>
-              <a:t> and 8 </a:t>
-            </a:r>
-            <a:r>
-              <a:rPr lang="pl-PL" sz="2000" dirty="0" err="1"/>
-              <a:t>unknowns</a:t>
-            </a:r>
-            <a:r>
-              <a:rPr lang="pl-PL" sz="2000" dirty="0"/>
-              <a:t>, </a:t>
-            </a:r>
-            <a:r>
-              <a:rPr lang="pl-PL" sz="2000" dirty="0" err="1"/>
-              <a:t>what</a:t>
-            </a:r>
-            <a:r>
-              <a:rPr lang="pl-PL" sz="2000" dirty="0"/>
-              <a:t> </a:t>
-            </a:r>
-            <a:r>
-              <a:rPr lang="pl-PL" sz="2000" dirty="0" err="1"/>
-              <a:t>can</a:t>
-            </a:r>
-            <a:r>
-              <a:rPr lang="pl-PL" sz="2000" dirty="0"/>
-              <a:t> be </a:t>
-            </a:r>
-            <a:r>
-              <a:rPr lang="pl-PL" sz="2000" dirty="0" err="1"/>
-              <a:t>easily</a:t>
-            </a:r>
-            <a:r>
-              <a:rPr lang="pl-PL" sz="2000" dirty="0"/>
-              <a:t> </a:t>
-            </a:r>
-            <a:r>
-              <a:rPr lang="pl-PL" sz="2000" dirty="0" err="1"/>
-              <a:t>solved</a:t>
-            </a:r>
-            <a:endParaRPr lang="en-GB" sz="2000" dirty="0"/>
+            <a:pPr algn="just">
+              <a:lnSpc>
+                <a:spcPct val="90000"/>
+              </a:lnSpc>
+              <a:spcAft>
+                <a:spcPts val="600"/>
+              </a:spcAft>
+            </a:pPr>
+            <a:r>
+              <a:rPr lang="en-US" sz="2000" dirty="0"/>
+              <a:t>Transformation matrix is defined by 8 constants. If we know location of at least 4 the same points in both input and output images we get 8 equations and 8 unknowns, what can be easily solved</a:t>
+            </a:r>
           </a:p>
         </p:txBody>
       </p:sp>
@@ -5249,7 +6178,7 @@
               <a:t>Input </a:t>
             </a:r>
             <a:r>
-              <a:rPr lang="pl-PL" dirty="0" err="1"/>
+              <a:rPr lang="en-GB" dirty="0"/>
               <a:t>output</a:t>
             </a:r>
             <a:r>
@@ -5257,10 +6186,9 @@
               <a:t> </a:t>
             </a:r>
             <a:r>
-              <a:rPr lang="pl-PL" dirty="0" err="1"/>
+              <a:rPr lang="en-GB" dirty="0"/>
               <a:t>samples</a:t>
             </a:r>
-            <a:endParaRPr lang="en-GB" dirty="0"/>
           </a:p>
         </p:txBody>
       </p:sp>
@@ -5293,6 +6221,342 @@
     <p:extLst>
       <p:ext uri="{BB962C8B-B14F-4D97-AF65-F5344CB8AC3E}">
         <p14:creationId xmlns:p14="http://schemas.microsoft.com/office/powerpoint/2010/main" val="2041825249"/>
+      </p:ext>
+    </p:extLst>
+  </p:cSld>
+  <p:clrMapOvr>
+    <a:masterClrMapping/>
+  </p:clrMapOvr>
+</p:sld>
+</file>
+
+<file path=ppt/slides/slide6.xml><?xml version="1.0" encoding="utf-8"?>
+<p:sld xmlns:a="http://schemas.openxmlformats.org/drawingml/2006/main" xmlns:r="http://schemas.openxmlformats.org/officeDocument/2006/relationships" xmlns:p="http://schemas.openxmlformats.org/presentationml/2006/main">
+  <p:cSld>
+    <p:bg>
+      <p:bgPr>
+        <a:solidFill>
+          <a:schemeClr val="bg1"/>
+        </a:solidFill>
+        <a:effectLst/>
+      </p:bgPr>
+    </p:bg>
+    <p:spTree>
+      <p:nvGrpSpPr>
+        <p:cNvPr id="1" name=""/>
+        <p:cNvGrpSpPr/>
+        <p:nvPr/>
+      </p:nvGrpSpPr>
+      <p:grpSpPr>
+        <a:xfrm>
+          <a:off x="0" y="0"/>
+          <a:ext cx="0" cy="0"/>
+          <a:chOff x="0" y="0"/>
+          <a:chExt cx="0" cy="0"/>
+        </a:xfrm>
+      </p:grpSpPr>
+      <p:sp useBgFill="1">
+        <p:nvSpPr>
+          <p:cNvPr id="8" name="Rectangle 7">
+            <a:extLst>
+              <a:ext uri="{FF2B5EF4-FFF2-40B4-BE49-F238E27FC236}">
+                <a16:creationId xmlns:a16="http://schemas.microsoft.com/office/drawing/2014/main" id="{081EA652-8C6A-4E69-BEB9-170809474553}"/>
+              </a:ext>
+              <a:ext uri="{C183D7F6-B498-43B3-948B-1728B52AA6E4}">
+                <adec:decorative xmlns:adec="http://schemas.microsoft.com/office/drawing/2017/decorative" val="1"/>
+              </a:ext>
+            </a:extLst>
+          </p:cNvPr>
+          <p:cNvSpPr>
+            <a:spLocks noGrp="1" noRot="1" noChangeAspect="1" noMove="1" noResize="1" noEditPoints="1" noAdjustHandles="1" noChangeArrowheads="1" noChangeShapeType="1" noTextEdit="1"/>
+          </p:cNvSpPr>
+          <p:nvPr>
+            <p:extLst>
+              <p:ext uri="{386F3935-93C4-4BCD-93E2-E3B085C9AB24}">
+                <p16:designElem xmlns:p16="http://schemas.microsoft.com/office/powerpoint/2015/main" val="1"/>
+              </p:ext>
+            </p:extLst>
+          </p:nvPr>
+        </p:nvSpPr>
+        <p:spPr>
+          <a:xfrm>
+            <a:off x="0" y="0"/>
+            <a:ext cx="12192000" cy="6858000"/>
+          </a:xfrm>
+          <a:prstGeom prst="rect">
+            <a:avLst/>
+          </a:prstGeom>
+          <a:ln>
+            <a:noFill/>
+          </a:ln>
+        </p:spPr>
+        <p:style>
+          <a:lnRef idx="2">
+            <a:schemeClr val="accent1">
+              <a:shade val="50000"/>
+            </a:schemeClr>
+          </a:lnRef>
+          <a:fillRef idx="1">
+            <a:schemeClr val="accent1"/>
+          </a:fillRef>
+          <a:effectRef idx="0">
+            <a:schemeClr val="accent1"/>
+          </a:effectRef>
+          <a:fontRef idx="minor">
+            <a:schemeClr val="lt1"/>
+          </a:fontRef>
+        </p:style>
+        <p:txBody>
+          <a:bodyPr rtlCol="0" anchor="ctr"/>
+          <a:lstStyle/>
+          <a:p>
+            <a:pPr algn="ctr"/>
+            <a:endParaRPr lang="en-US"/>
+          </a:p>
+        </p:txBody>
+      </p:sp>
+      <p:sp>
+        <p:nvSpPr>
+          <p:cNvPr id="10" name="Right Triangle 9">
+            <a:extLst>
+              <a:ext uri="{FF2B5EF4-FFF2-40B4-BE49-F238E27FC236}">
+                <a16:creationId xmlns:a16="http://schemas.microsoft.com/office/drawing/2014/main" id="{5298780A-33B9-4EA2-8F67-DE68AD62841B}"/>
+              </a:ext>
+              <a:ext uri="{C183D7F6-B498-43B3-948B-1728B52AA6E4}">
+                <adec:decorative xmlns:adec="http://schemas.microsoft.com/office/drawing/2017/decorative" val="1"/>
+              </a:ext>
+            </a:extLst>
+          </p:cNvPr>
+          <p:cNvSpPr>
+            <a:spLocks noGrp="1" noRot="1" noChangeAspect="1" noMove="1" noResize="1" noEditPoints="1" noAdjustHandles="1" noChangeArrowheads="1" noChangeShapeType="1" noTextEdit="1"/>
+          </p:cNvSpPr>
+          <p:nvPr>
+            <p:extLst>
+              <p:ext uri="{386F3935-93C4-4BCD-93E2-E3B085C9AB24}">
+                <p16:designElem xmlns:p16="http://schemas.microsoft.com/office/powerpoint/2015/main" val="1"/>
+              </p:ext>
+            </p:extLst>
+          </p:nvPr>
+        </p:nvSpPr>
+        <p:spPr>
+          <a:xfrm flipH="1">
+            <a:off x="8576720" y="3335867"/>
+            <a:ext cx="3291840" cy="3200400"/>
+          </a:xfrm>
+          <a:prstGeom prst="rtTriangle">
+            <a:avLst/>
+          </a:prstGeom>
+          <a:solidFill>
+            <a:schemeClr val="accent4"/>
+          </a:solidFill>
+          <a:ln>
+            <a:noFill/>
+          </a:ln>
+        </p:spPr>
+        <p:style>
+          <a:lnRef idx="2">
+            <a:schemeClr val="accent1">
+              <a:shade val="50000"/>
+            </a:schemeClr>
+          </a:lnRef>
+          <a:fillRef idx="1">
+            <a:schemeClr val="accent1"/>
+          </a:fillRef>
+          <a:effectRef idx="0">
+            <a:schemeClr val="accent1"/>
+          </a:effectRef>
+          <a:fontRef idx="minor">
+            <a:schemeClr val="lt1"/>
+          </a:fontRef>
+        </p:style>
+        <p:txBody>
+          <a:bodyPr rtlCol="0" anchor="ctr"/>
+          <a:lstStyle/>
+          <a:p>
+            <a:pPr algn="ctr"/>
+            <a:endParaRPr lang="en-US" dirty="0"/>
+          </a:p>
+        </p:txBody>
+      </p:sp>
+      <p:sp>
+        <p:nvSpPr>
+          <p:cNvPr id="12" name="Rectangle 11">
+            <a:extLst>
+              <a:ext uri="{FF2B5EF4-FFF2-40B4-BE49-F238E27FC236}">
+                <a16:creationId xmlns:a16="http://schemas.microsoft.com/office/drawing/2014/main" id="{7F488E8B-4E1E-4402-8935-D4E6C02615C7}"/>
+              </a:ext>
+              <a:ext uri="{C183D7F6-B498-43B3-948B-1728B52AA6E4}">
+                <adec:decorative xmlns:adec="http://schemas.microsoft.com/office/drawing/2017/decorative" val="1"/>
+              </a:ext>
+            </a:extLst>
+          </p:cNvPr>
+          <p:cNvSpPr>
+            <a:spLocks noGrp="1" noRot="1" noChangeAspect="1" noMove="1" noResize="1" noEditPoints="1" noAdjustHandles="1" noChangeArrowheads="1" noChangeShapeType="1" noTextEdit="1"/>
+          </p:cNvSpPr>
+          <p:nvPr>
+            <p:extLst>
+              <p:ext uri="{386F3935-93C4-4BCD-93E2-E3B085C9AB24}">
+                <p16:designElem xmlns:p16="http://schemas.microsoft.com/office/powerpoint/2015/main" val="1"/>
+              </p:ext>
+            </p:extLst>
+          </p:nvPr>
+        </p:nvSpPr>
+        <p:spPr>
+          <a:xfrm>
+            <a:off x="641774" y="623275"/>
+            <a:ext cx="10905053" cy="5607882"/>
+          </a:xfrm>
+          <a:prstGeom prst="rect">
+            <a:avLst/>
+          </a:prstGeom>
+          <a:noFill/>
+          <a:ln w="19050">
+            <a:solidFill>
+              <a:schemeClr val="tx1">
+                <a:lumMod val="75000"/>
+                <a:lumOff val="25000"/>
+              </a:schemeClr>
+            </a:solidFill>
+          </a:ln>
+        </p:spPr>
+        <p:style>
+          <a:lnRef idx="2">
+            <a:schemeClr val="accent1">
+              <a:shade val="50000"/>
+            </a:schemeClr>
+          </a:lnRef>
+          <a:fillRef idx="1">
+            <a:schemeClr val="accent1"/>
+          </a:fillRef>
+          <a:effectRef idx="0">
+            <a:schemeClr val="accent1"/>
+          </a:effectRef>
+          <a:fontRef idx="minor">
+            <a:schemeClr val="lt1"/>
+          </a:fontRef>
+        </p:style>
+        <p:txBody>
+          <a:bodyPr rtlCol="0" anchor="ctr"/>
+          <a:lstStyle/>
+          <a:p>
+            <a:pPr algn="ctr"/>
+            <a:endParaRPr lang="en-US"/>
+          </a:p>
+        </p:txBody>
+      </p:sp>
+      <p:sp>
+        <p:nvSpPr>
+          <p:cNvPr id="2" name="Title 1">
+            <a:extLst>
+              <a:ext uri="{FF2B5EF4-FFF2-40B4-BE49-F238E27FC236}">
+                <a16:creationId xmlns:a16="http://schemas.microsoft.com/office/drawing/2014/main" id="{0CE4E1F4-69A7-BC56-F6A5-91A55C30EEFE}"/>
+              </a:ext>
+            </a:extLst>
+          </p:cNvPr>
+          <p:cNvSpPr>
+            <a:spLocks noGrp="1"/>
+          </p:cNvSpPr>
+          <p:nvPr>
+            <p:ph type="title"/>
+          </p:nvPr>
+        </p:nvSpPr>
+        <p:spPr>
+          <a:xfrm>
+            <a:off x="1285240" y="1050595"/>
+            <a:ext cx="8074815" cy="1618489"/>
+          </a:xfrm>
+        </p:spPr>
+        <p:txBody>
+          <a:bodyPr anchor="ctr">
+            <a:normAutofit/>
+          </a:bodyPr>
+          <a:lstStyle/>
+          <a:p>
+            <a:r>
+              <a:rPr lang="pl-PL" sz="6700"/>
+              <a:t>Future improvements</a:t>
+            </a:r>
+            <a:endParaRPr lang="en-GB" sz="6700"/>
+          </a:p>
+        </p:txBody>
+      </p:sp>
+      <p:sp>
+        <p:nvSpPr>
+          <p:cNvPr id="3" name="Content Placeholder 2">
+            <a:extLst>
+              <a:ext uri="{FF2B5EF4-FFF2-40B4-BE49-F238E27FC236}">
+                <a16:creationId xmlns:a16="http://schemas.microsoft.com/office/drawing/2014/main" id="{670488B0-CC94-6C50-F4D3-C6E37C9A3CB7}"/>
+              </a:ext>
+            </a:extLst>
+          </p:cNvPr>
+          <p:cNvSpPr>
+            <a:spLocks noGrp="1"/>
+          </p:cNvSpPr>
+          <p:nvPr>
+            <p:ph idx="1"/>
+          </p:nvPr>
+        </p:nvSpPr>
+        <p:spPr>
+          <a:xfrm>
+            <a:off x="1285240" y="2969469"/>
+            <a:ext cx="8074815" cy="2800395"/>
+          </a:xfrm>
+        </p:spPr>
+        <p:txBody>
+          <a:bodyPr anchor="t">
+            <a:normAutofit/>
+          </a:bodyPr>
+          <a:lstStyle/>
+          <a:p>
+            <a:pPr marL="514350" indent="-514350">
+              <a:buFont typeface="+mj-lt"/>
+              <a:buAutoNum type="arabicPeriod"/>
+            </a:pPr>
+            <a:r>
+              <a:rPr lang="pl-PL" sz="2400"/>
+              <a:t>Applying better resolution camera</a:t>
+            </a:r>
+          </a:p>
+          <a:p>
+            <a:pPr marL="514350" indent="-514350">
+              <a:buFont typeface="+mj-lt"/>
+              <a:buAutoNum type="arabicPeriod"/>
+            </a:pPr>
+            <a:r>
+              <a:rPr lang="pl-PL" sz="2400"/>
+              <a:t>More accurate computation of the output image size (by now camera has to be on the plane parrarel to the document)</a:t>
+            </a:r>
+          </a:p>
+          <a:p>
+            <a:pPr marL="514350" indent="-514350">
+              <a:buFont typeface="+mj-lt"/>
+              <a:buAutoNum type="arabicPeriod"/>
+            </a:pPr>
+            <a:r>
+              <a:rPr lang="pl-PL" sz="2400"/>
+              <a:t>Creating a version for colour images</a:t>
+            </a:r>
+          </a:p>
+          <a:p>
+            <a:pPr marL="514350" indent="-514350">
+              <a:buFont typeface="+mj-lt"/>
+              <a:buAutoNum type="arabicPeriod"/>
+            </a:pPr>
+            <a:endParaRPr lang="pl-PL" sz="2400"/>
+          </a:p>
+          <a:p>
+            <a:pPr marL="514350" indent="-514350">
+              <a:buFont typeface="+mj-lt"/>
+              <a:buAutoNum type="arabicPeriod"/>
+            </a:pPr>
+            <a:endParaRPr lang="en-GB" sz="2400"/>
+          </a:p>
+        </p:txBody>
+      </p:sp>
+    </p:spTree>
+    <p:extLst>
+      <p:ext uri="{BB962C8B-B14F-4D97-AF65-F5344CB8AC3E}">
+        <p14:creationId xmlns:p14="http://schemas.microsoft.com/office/powerpoint/2010/main" val="3444691788"/>
       </p:ext>
     </p:extLst>
   </p:cSld>

--- a/document_scanner.pptx
+++ b/document_scanner.pptx
@@ -4,13 +4,28 @@
   <p:sldMasterIdLst>
     <p:sldMasterId id="2147483648" r:id="rId1"/>
   </p:sldMasterIdLst>
+  <p:notesMasterIdLst>
+    <p:notesMasterId r:id="rId20"/>
+  </p:notesMasterIdLst>
   <p:sldIdLst>
     <p:sldId id="256" r:id="rId2"/>
     <p:sldId id="257" r:id="rId3"/>
     <p:sldId id="259" r:id="rId4"/>
     <p:sldId id="258" r:id="rId5"/>
-    <p:sldId id="260" r:id="rId6"/>
-    <p:sldId id="261" r:id="rId7"/>
+    <p:sldId id="274" r:id="rId6"/>
+    <p:sldId id="279" r:id="rId7"/>
+    <p:sldId id="264" r:id="rId8"/>
+    <p:sldId id="277" r:id="rId9"/>
+    <p:sldId id="265" r:id="rId10"/>
+    <p:sldId id="266" r:id="rId11"/>
+    <p:sldId id="272" r:id="rId12"/>
+    <p:sldId id="273" r:id="rId13"/>
+    <p:sldId id="267" r:id="rId14"/>
+    <p:sldId id="270" r:id="rId15"/>
+    <p:sldId id="271" r:id="rId16"/>
+    <p:sldId id="275" r:id="rId17"/>
+    <p:sldId id="276" r:id="rId18"/>
+    <p:sldId id="261" r:id="rId19"/>
   </p:sldIdLst>
   <p:sldSz cx="12192000" cy="6858000"/>
   <p:notesSz cx="6858000" cy="9144000"/>
@@ -118,7 +133,19 @@
             <p14:sldId id="257"/>
             <p14:sldId id="259"/>
             <p14:sldId id="258"/>
-            <p14:sldId id="260"/>
+            <p14:sldId id="274"/>
+            <p14:sldId id="279"/>
+            <p14:sldId id="264"/>
+            <p14:sldId id="277"/>
+            <p14:sldId id="265"/>
+            <p14:sldId id="266"/>
+            <p14:sldId id="272"/>
+            <p14:sldId id="273"/>
+            <p14:sldId id="267"/>
+            <p14:sldId id="270"/>
+            <p14:sldId id="271"/>
+            <p14:sldId id="275"/>
+            <p14:sldId id="276"/>
             <p14:sldId id="261"/>
           </p14:sldIdLst>
         </p14:section>
@@ -129,6 +156,450 @@
     </p:ext>
   </p:extLst>
 </p:presentation>
+</file>
+
+<file path=ppt/notesMasters/notesMaster1.xml><?xml version="1.0" encoding="utf-8"?>
+<p:notesMaster xmlns:a="http://schemas.openxmlformats.org/drawingml/2006/main" xmlns:r="http://schemas.openxmlformats.org/officeDocument/2006/relationships" xmlns:p="http://schemas.openxmlformats.org/presentationml/2006/main">
+  <p:cSld>
+    <p:bg>
+      <p:bgRef idx="1001">
+        <a:schemeClr val="bg1"/>
+      </p:bgRef>
+    </p:bg>
+    <p:spTree>
+      <p:nvGrpSpPr>
+        <p:cNvPr id="1" name=""/>
+        <p:cNvGrpSpPr/>
+        <p:nvPr/>
+      </p:nvGrpSpPr>
+      <p:grpSpPr>
+        <a:xfrm>
+          <a:off x="0" y="0"/>
+          <a:ext cx="0" cy="0"/>
+          <a:chOff x="0" y="0"/>
+          <a:chExt cx="0" cy="0"/>
+        </a:xfrm>
+      </p:grpSpPr>
+      <p:sp>
+        <p:nvSpPr>
+          <p:cNvPr id="2" name="Header Placeholder 1"/>
+          <p:cNvSpPr>
+            <a:spLocks noGrp="1"/>
+          </p:cNvSpPr>
+          <p:nvPr>
+            <p:ph type="hdr" sz="quarter"/>
+          </p:nvPr>
+        </p:nvSpPr>
+        <p:spPr>
+          <a:xfrm>
+            <a:off x="0" y="0"/>
+            <a:ext cx="2971800" cy="458788"/>
+          </a:xfrm>
+          <a:prstGeom prst="rect">
+            <a:avLst/>
+          </a:prstGeom>
+        </p:spPr>
+        <p:txBody>
+          <a:bodyPr vert="horz" lIns="91440" tIns="45720" rIns="91440" bIns="45720" rtlCol="0"/>
+          <a:lstStyle>
+            <a:lvl1pPr algn="l">
+              <a:defRPr sz="1200"/>
+            </a:lvl1pPr>
+          </a:lstStyle>
+          <a:p>
+            <a:endParaRPr lang="en-GB"/>
+          </a:p>
+        </p:txBody>
+      </p:sp>
+      <p:sp>
+        <p:nvSpPr>
+          <p:cNvPr id="3" name="Date Placeholder 2"/>
+          <p:cNvSpPr>
+            <a:spLocks noGrp="1"/>
+          </p:cNvSpPr>
+          <p:nvPr>
+            <p:ph type="dt" idx="1"/>
+          </p:nvPr>
+        </p:nvSpPr>
+        <p:spPr>
+          <a:xfrm>
+            <a:off x="3884613" y="0"/>
+            <a:ext cx="2971800" cy="458788"/>
+          </a:xfrm>
+          <a:prstGeom prst="rect">
+            <a:avLst/>
+          </a:prstGeom>
+        </p:spPr>
+        <p:txBody>
+          <a:bodyPr vert="horz" lIns="91440" tIns="45720" rIns="91440" bIns="45720" rtlCol="0"/>
+          <a:lstStyle>
+            <a:lvl1pPr algn="r">
+              <a:defRPr sz="1200"/>
+            </a:lvl1pPr>
+          </a:lstStyle>
+          <a:p>
+            <a:fld id="{46CE449F-E7CB-46E1-8278-0C47421AA5BC}" type="datetimeFigureOut">
+              <a:rPr lang="en-GB" smtClean="0"/>
+              <a:t>14/01/2024</a:t>
+            </a:fld>
+            <a:endParaRPr lang="en-GB"/>
+          </a:p>
+        </p:txBody>
+      </p:sp>
+      <p:sp>
+        <p:nvSpPr>
+          <p:cNvPr id="4" name="Slide Image Placeholder 3"/>
+          <p:cNvSpPr>
+            <a:spLocks noGrp="1" noRot="1" noChangeAspect="1"/>
+          </p:cNvSpPr>
+          <p:nvPr>
+            <p:ph type="sldImg" idx="2"/>
+          </p:nvPr>
+        </p:nvSpPr>
+        <p:spPr>
+          <a:xfrm>
+            <a:off x="685800" y="1143000"/>
+            <a:ext cx="5486400" cy="3086100"/>
+          </a:xfrm>
+          <a:prstGeom prst="rect">
+            <a:avLst/>
+          </a:prstGeom>
+          <a:noFill/>
+          <a:ln w="12700">
+            <a:solidFill>
+              <a:prstClr val="black"/>
+            </a:solidFill>
+          </a:ln>
+        </p:spPr>
+        <p:txBody>
+          <a:bodyPr vert="horz" lIns="91440" tIns="45720" rIns="91440" bIns="45720" rtlCol="0" anchor="ctr"/>
+          <a:lstStyle/>
+          <a:p>
+            <a:endParaRPr lang="en-GB"/>
+          </a:p>
+        </p:txBody>
+      </p:sp>
+      <p:sp>
+        <p:nvSpPr>
+          <p:cNvPr id="5" name="Notes Placeholder 4"/>
+          <p:cNvSpPr>
+            <a:spLocks noGrp="1"/>
+          </p:cNvSpPr>
+          <p:nvPr>
+            <p:ph type="body" sz="quarter" idx="3"/>
+          </p:nvPr>
+        </p:nvSpPr>
+        <p:spPr>
+          <a:xfrm>
+            <a:off x="685800" y="4400550"/>
+            <a:ext cx="5486400" cy="3600450"/>
+          </a:xfrm>
+          <a:prstGeom prst="rect">
+            <a:avLst/>
+          </a:prstGeom>
+        </p:spPr>
+        <p:txBody>
+          <a:bodyPr vert="horz" lIns="91440" tIns="45720" rIns="91440" bIns="45720" rtlCol="0"/>
+          <a:lstStyle/>
+          <a:p>
+            <a:pPr lvl="0"/>
+            <a:r>
+              <a:rPr lang="en-GB"/>
+              <a:t>Click to edit Master text styles</a:t>
+            </a:r>
+          </a:p>
+          <a:p>
+            <a:pPr lvl="1"/>
+            <a:r>
+              <a:rPr lang="en-GB"/>
+              <a:t>Second level</a:t>
+            </a:r>
+          </a:p>
+          <a:p>
+            <a:pPr lvl="2"/>
+            <a:r>
+              <a:rPr lang="en-GB"/>
+              <a:t>Third level</a:t>
+            </a:r>
+          </a:p>
+          <a:p>
+            <a:pPr lvl="3"/>
+            <a:r>
+              <a:rPr lang="en-GB"/>
+              <a:t>Fourth level</a:t>
+            </a:r>
+          </a:p>
+          <a:p>
+            <a:pPr lvl="4"/>
+            <a:r>
+              <a:rPr lang="en-GB"/>
+              <a:t>Fifth level</a:t>
+            </a:r>
+          </a:p>
+        </p:txBody>
+      </p:sp>
+      <p:sp>
+        <p:nvSpPr>
+          <p:cNvPr id="6" name="Footer Placeholder 5"/>
+          <p:cNvSpPr>
+            <a:spLocks noGrp="1"/>
+          </p:cNvSpPr>
+          <p:nvPr>
+            <p:ph type="ftr" sz="quarter" idx="4"/>
+          </p:nvPr>
+        </p:nvSpPr>
+        <p:spPr>
+          <a:xfrm>
+            <a:off x="0" y="8685213"/>
+            <a:ext cx="2971800" cy="458787"/>
+          </a:xfrm>
+          <a:prstGeom prst="rect">
+            <a:avLst/>
+          </a:prstGeom>
+        </p:spPr>
+        <p:txBody>
+          <a:bodyPr vert="horz" lIns="91440" tIns="45720" rIns="91440" bIns="45720" rtlCol="0" anchor="b"/>
+          <a:lstStyle>
+            <a:lvl1pPr algn="l">
+              <a:defRPr sz="1200"/>
+            </a:lvl1pPr>
+          </a:lstStyle>
+          <a:p>
+            <a:endParaRPr lang="en-GB"/>
+          </a:p>
+        </p:txBody>
+      </p:sp>
+      <p:sp>
+        <p:nvSpPr>
+          <p:cNvPr id="7" name="Slide Number Placeholder 6"/>
+          <p:cNvSpPr>
+            <a:spLocks noGrp="1"/>
+          </p:cNvSpPr>
+          <p:nvPr>
+            <p:ph type="sldNum" sz="quarter" idx="5"/>
+          </p:nvPr>
+        </p:nvSpPr>
+        <p:spPr>
+          <a:xfrm>
+            <a:off x="3884613" y="8685213"/>
+            <a:ext cx="2971800" cy="458787"/>
+          </a:xfrm>
+          <a:prstGeom prst="rect">
+            <a:avLst/>
+          </a:prstGeom>
+        </p:spPr>
+        <p:txBody>
+          <a:bodyPr vert="horz" lIns="91440" tIns="45720" rIns="91440" bIns="45720" rtlCol="0" anchor="b"/>
+          <a:lstStyle>
+            <a:lvl1pPr algn="r">
+              <a:defRPr sz="1200"/>
+            </a:lvl1pPr>
+          </a:lstStyle>
+          <a:p>
+            <a:fld id="{5869A4F9-457D-411E-BF19-23ED2D5B714D}" type="slidenum">
+              <a:rPr lang="en-GB" smtClean="0"/>
+              <a:t>‹#›</a:t>
+            </a:fld>
+            <a:endParaRPr lang="en-GB"/>
+          </a:p>
+        </p:txBody>
+      </p:sp>
+    </p:spTree>
+    <p:extLst>
+      <p:ext uri="{BB962C8B-B14F-4D97-AF65-F5344CB8AC3E}">
+        <p14:creationId xmlns:p14="http://schemas.microsoft.com/office/powerpoint/2010/main" val="2063784314"/>
+      </p:ext>
+    </p:extLst>
+  </p:cSld>
+  <p:clrMap bg1="lt1" tx1="dk1" bg2="lt2" tx2="dk2" accent1="accent1" accent2="accent2" accent3="accent3" accent4="accent4" accent5="accent5" accent6="accent6" hlink="hlink" folHlink="folHlink"/>
+  <p:notesStyle>
+    <a:lvl1pPr marL="0" algn="l" defTabSz="914400" rtl="0" eaLnBrk="1" latinLnBrk="0" hangingPunct="1">
+      <a:defRPr sz="1200" kern="1200">
+        <a:solidFill>
+          <a:schemeClr val="tx1"/>
+        </a:solidFill>
+        <a:latin typeface="+mn-lt"/>
+        <a:ea typeface="+mn-ea"/>
+        <a:cs typeface="+mn-cs"/>
+      </a:defRPr>
+    </a:lvl1pPr>
+    <a:lvl2pPr marL="457200" algn="l" defTabSz="914400" rtl="0" eaLnBrk="1" latinLnBrk="0" hangingPunct="1">
+      <a:defRPr sz="1200" kern="1200">
+        <a:solidFill>
+          <a:schemeClr val="tx1"/>
+        </a:solidFill>
+        <a:latin typeface="+mn-lt"/>
+        <a:ea typeface="+mn-ea"/>
+        <a:cs typeface="+mn-cs"/>
+      </a:defRPr>
+    </a:lvl2pPr>
+    <a:lvl3pPr marL="914400" algn="l" defTabSz="914400" rtl="0" eaLnBrk="1" latinLnBrk="0" hangingPunct="1">
+      <a:defRPr sz="1200" kern="1200">
+        <a:solidFill>
+          <a:schemeClr val="tx1"/>
+        </a:solidFill>
+        <a:latin typeface="+mn-lt"/>
+        <a:ea typeface="+mn-ea"/>
+        <a:cs typeface="+mn-cs"/>
+      </a:defRPr>
+    </a:lvl3pPr>
+    <a:lvl4pPr marL="1371600" algn="l" defTabSz="914400" rtl="0" eaLnBrk="1" latinLnBrk="0" hangingPunct="1">
+      <a:defRPr sz="1200" kern="1200">
+        <a:solidFill>
+          <a:schemeClr val="tx1"/>
+        </a:solidFill>
+        <a:latin typeface="+mn-lt"/>
+        <a:ea typeface="+mn-ea"/>
+        <a:cs typeface="+mn-cs"/>
+      </a:defRPr>
+    </a:lvl4pPr>
+    <a:lvl5pPr marL="1828800" algn="l" defTabSz="914400" rtl="0" eaLnBrk="1" latinLnBrk="0" hangingPunct="1">
+      <a:defRPr sz="1200" kern="1200">
+        <a:solidFill>
+          <a:schemeClr val="tx1"/>
+        </a:solidFill>
+        <a:latin typeface="+mn-lt"/>
+        <a:ea typeface="+mn-ea"/>
+        <a:cs typeface="+mn-cs"/>
+      </a:defRPr>
+    </a:lvl5pPr>
+    <a:lvl6pPr marL="2286000" algn="l" defTabSz="914400" rtl="0" eaLnBrk="1" latinLnBrk="0" hangingPunct="1">
+      <a:defRPr sz="1200" kern="1200">
+        <a:solidFill>
+          <a:schemeClr val="tx1"/>
+        </a:solidFill>
+        <a:latin typeface="+mn-lt"/>
+        <a:ea typeface="+mn-ea"/>
+        <a:cs typeface="+mn-cs"/>
+      </a:defRPr>
+    </a:lvl6pPr>
+    <a:lvl7pPr marL="2743200" algn="l" defTabSz="914400" rtl="0" eaLnBrk="1" latinLnBrk="0" hangingPunct="1">
+      <a:defRPr sz="1200" kern="1200">
+        <a:solidFill>
+          <a:schemeClr val="tx1"/>
+        </a:solidFill>
+        <a:latin typeface="+mn-lt"/>
+        <a:ea typeface="+mn-ea"/>
+        <a:cs typeface="+mn-cs"/>
+      </a:defRPr>
+    </a:lvl7pPr>
+    <a:lvl8pPr marL="3200400" algn="l" defTabSz="914400" rtl="0" eaLnBrk="1" latinLnBrk="0" hangingPunct="1">
+      <a:defRPr sz="1200" kern="1200">
+        <a:solidFill>
+          <a:schemeClr val="tx1"/>
+        </a:solidFill>
+        <a:latin typeface="+mn-lt"/>
+        <a:ea typeface="+mn-ea"/>
+        <a:cs typeface="+mn-cs"/>
+      </a:defRPr>
+    </a:lvl8pPr>
+    <a:lvl9pPr marL="3657600" algn="l" defTabSz="914400" rtl="0" eaLnBrk="1" latinLnBrk="0" hangingPunct="1">
+      <a:defRPr sz="1200" kern="1200">
+        <a:solidFill>
+          <a:schemeClr val="tx1"/>
+        </a:solidFill>
+        <a:latin typeface="+mn-lt"/>
+        <a:ea typeface="+mn-ea"/>
+        <a:cs typeface="+mn-cs"/>
+      </a:defRPr>
+    </a:lvl9pPr>
+  </p:notesStyle>
+</p:notesMaster>
+</file>
+
+<file path=ppt/notesSlides/notesSlide1.xml><?xml version="1.0" encoding="utf-8"?>
+<p:notes xmlns:a="http://schemas.openxmlformats.org/drawingml/2006/main" xmlns:r="http://schemas.openxmlformats.org/officeDocument/2006/relationships" xmlns:p="http://schemas.openxmlformats.org/presentationml/2006/main">
+  <p:cSld>
+    <p:spTree>
+      <p:nvGrpSpPr>
+        <p:cNvPr id="1" name=""/>
+        <p:cNvGrpSpPr/>
+        <p:nvPr/>
+      </p:nvGrpSpPr>
+      <p:grpSpPr>
+        <a:xfrm>
+          <a:off x="0" y="0"/>
+          <a:ext cx="0" cy="0"/>
+          <a:chOff x="0" y="0"/>
+          <a:chExt cx="0" cy="0"/>
+        </a:xfrm>
+      </p:grpSpPr>
+      <p:sp>
+        <p:nvSpPr>
+          <p:cNvPr id="2" name="Slide Image Placeholder 1"/>
+          <p:cNvSpPr>
+            <a:spLocks noGrp="1" noRot="1" noChangeAspect="1"/>
+          </p:cNvSpPr>
+          <p:nvPr>
+            <p:ph type="sldImg"/>
+          </p:nvPr>
+        </p:nvSpPr>
+        <p:spPr/>
+      </p:sp>
+      <p:sp>
+        <p:nvSpPr>
+          <p:cNvPr id="3" name="Notes Placeholder 2"/>
+          <p:cNvSpPr>
+            <a:spLocks noGrp="1"/>
+          </p:cNvSpPr>
+          <p:nvPr>
+            <p:ph type="body" idx="1"/>
+          </p:nvPr>
+        </p:nvSpPr>
+        <p:spPr/>
+        <p:txBody>
+          <a:bodyPr/>
+          <a:lstStyle/>
+          <a:p>
+            <a:r>
+              <a:rPr lang="en-GB" dirty="0"/>
+              <a:t>The function </a:t>
+            </a:r>
+            <a:r>
+              <a:rPr lang="en-GB" dirty="0" err="1"/>
+              <a:t>four_point_transform</a:t>
+            </a:r>
+            <a:r>
+              <a:rPr lang="en-GB" dirty="0"/>
+              <a:t>, that I use orders contour points  and computes transformation matrix</a:t>
+            </a:r>
+          </a:p>
+        </p:txBody>
+      </p:sp>
+      <p:sp>
+        <p:nvSpPr>
+          <p:cNvPr id="4" name="Slide Number Placeholder 3"/>
+          <p:cNvSpPr>
+            <a:spLocks noGrp="1"/>
+          </p:cNvSpPr>
+          <p:nvPr>
+            <p:ph type="sldNum" sz="quarter" idx="5"/>
+          </p:nvPr>
+        </p:nvSpPr>
+        <p:spPr/>
+        <p:txBody>
+          <a:bodyPr/>
+          <a:lstStyle/>
+          <a:p>
+            <a:fld id="{5869A4F9-457D-411E-BF19-23ED2D5B714D}" type="slidenum">
+              <a:rPr lang="en-GB" smtClean="0"/>
+              <a:t>4</a:t>
+            </a:fld>
+            <a:endParaRPr lang="en-GB"/>
+          </a:p>
+        </p:txBody>
+      </p:sp>
+    </p:spTree>
+    <p:extLst>
+      <p:ext uri="{BB962C8B-B14F-4D97-AF65-F5344CB8AC3E}">
+        <p14:creationId xmlns:p14="http://schemas.microsoft.com/office/powerpoint/2010/main" val="3938783346"/>
+      </p:ext>
+    </p:extLst>
+  </p:cSld>
+  <p:clrMapOvr>
+    <a:masterClrMapping/>
+  </p:clrMapOvr>
+</p:notes>
 </file>
 
 <file path=ppt/slideLayouts/slideLayout1.xml><?xml version="1.0" encoding="utf-8"?>
@@ -278,7 +749,7 @@
           <a:p>
             <a:fld id="{3E981CA3-87AD-4034-9902-765A519CB999}" type="datetimeFigureOut">
               <a:rPr lang="en-GB" smtClean="0"/>
-              <a:t>31/12/2023</a:t>
+              <a:t>14/01/2024</a:t>
             </a:fld>
             <a:endParaRPr lang="en-GB" dirty="0"/>
           </a:p>
@@ -476,7 +947,7 @@
           <a:p>
             <a:fld id="{3E981CA3-87AD-4034-9902-765A519CB999}" type="datetimeFigureOut">
               <a:rPr lang="en-GB" smtClean="0"/>
-              <a:t>31/12/2023</a:t>
+              <a:t>14/01/2024</a:t>
             </a:fld>
             <a:endParaRPr lang="en-GB" dirty="0"/>
           </a:p>
@@ -684,7 +1155,7 @@
           <a:p>
             <a:fld id="{3E981CA3-87AD-4034-9902-765A519CB999}" type="datetimeFigureOut">
               <a:rPr lang="en-GB" smtClean="0"/>
-              <a:t>31/12/2023</a:t>
+              <a:t>14/01/2024</a:t>
             </a:fld>
             <a:endParaRPr lang="en-GB" dirty="0"/>
           </a:p>
@@ -882,7 +1353,7 @@
           <a:p>
             <a:fld id="{3E981CA3-87AD-4034-9902-765A519CB999}" type="datetimeFigureOut">
               <a:rPr lang="en-GB" smtClean="0"/>
-              <a:t>31/12/2023</a:t>
+              <a:t>14/01/2024</a:t>
             </a:fld>
             <a:endParaRPr lang="en-GB" dirty="0"/>
           </a:p>
@@ -1157,7 +1628,7 @@
           <a:p>
             <a:fld id="{3E981CA3-87AD-4034-9902-765A519CB999}" type="datetimeFigureOut">
               <a:rPr lang="en-GB" smtClean="0"/>
-              <a:t>31/12/2023</a:t>
+              <a:t>14/01/2024</a:t>
             </a:fld>
             <a:endParaRPr lang="en-GB" dirty="0"/>
           </a:p>
@@ -1422,7 +1893,7 @@
           <a:p>
             <a:fld id="{3E981CA3-87AD-4034-9902-765A519CB999}" type="datetimeFigureOut">
               <a:rPr lang="en-GB" smtClean="0"/>
-              <a:t>31/12/2023</a:t>
+              <a:t>14/01/2024</a:t>
             </a:fld>
             <a:endParaRPr lang="en-GB" dirty="0"/>
           </a:p>
@@ -1834,7 +2305,7 @@
           <a:p>
             <a:fld id="{3E981CA3-87AD-4034-9902-765A519CB999}" type="datetimeFigureOut">
               <a:rPr lang="en-GB" smtClean="0"/>
-              <a:t>31/12/2023</a:t>
+              <a:t>14/01/2024</a:t>
             </a:fld>
             <a:endParaRPr lang="en-GB" dirty="0"/>
           </a:p>
@@ -1975,7 +2446,7 @@
           <a:p>
             <a:fld id="{3E981CA3-87AD-4034-9902-765A519CB999}" type="datetimeFigureOut">
               <a:rPr lang="en-GB" smtClean="0"/>
-              <a:t>31/12/2023</a:t>
+              <a:t>14/01/2024</a:t>
             </a:fld>
             <a:endParaRPr lang="en-GB" dirty="0"/>
           </a:p>
@@ -2088,7 +2559,7 @@
           <a:p>
             <a:fld id="{3E981CA3-87AD-4034-9902-765A519CB999}" type="datetimeFigureOut">
               <a:rPr lang="en-GB" smtClean="0"/>
-              <a:t>31/12/2023</a:t>
+              <a:t>14/01/2024</a:t>
             </a:fld>
             <a:endParaRPr lang="en-GB" dirty="0"/>
           </a:p>
@@ -2399,7 +2870,7 @@
           <a:p>
             <a:fld id="{3E981CA3-87AD-4034-9902-765A519CB999}" type="datetimeFigureOut">
               <a:rPr lang="en-GB" smtClean="0"/>
-              <a:t>31/12/2023</a:t>
+              <a:t>14/01/2024</a:t>
             </a:fld>
             <a:endParaRPr lang="en-GB" dirty="0"/>
           </a:p>
@@ -2687,7 +3158,7 @@
           <a:p>
             <a:fld id="{3E981CA3-87AD-4034-9902-765A519CB999}" type="datetimeFigureOut">
               <a:rPr lang="en-GB" smtClean="0"/>
-              <a:t>31/12/2023</a:t>
+              <a:t>14/01/2024</a:t>
             </a:fld>
             <a:endParaRPr lang="en-GB" dirty="0"/>
           </a:p>
@@ -2764,9 +3235,12 @@
 <p:sldMaster xmlns:a="http://schemas.openxmlformats.org/drawingml/2006/main" xmlns:r="http://schemas.openxmlformats.org/officeDocument/2006/relationships" xmlns:p="http://schemas.openxmlformats.org/presentationml/2006/main">
   <p:cSld>
     <p:bg>
-      <p:bgRef idx="1001">
-        <a:schemeClr val="bg1"/>
-      </p:bgRef>
+      <p:bgPr>
+        <a:solidFill>
+          <a:schemeClr val="bg1"/>
+        </a:solidFill>
+        <a:effectLst/>
+      </p:bgPr>
     </p:bg>
     <p:spTree>
       <p:nvGrpSpPr>
@@ -2928,7 +3402,7 @@
           <a:p>
             <a:fld id="{3E981CA3-87AD-4034-9902-765A519CB999}" type="datetimeFigureOut">
               <a:rPr lang="en-GB" smtClean="0"/>
-              <a:t>31/12/2023</a:t>
+              <a:t>14/01/2024</a:t>
             </a:fld>
             <a:endParaRPr lang="en-GB" dirty="0"/>
           </a:p>
@@ -3331,6 +3805,306 @@
 <file path=ppt/slides/slide1.xml><?xml version="1.0" encoding="utf-8"?>
 <p:sld xmlns:a="http://schemas.openxmlformats.org/drawingml/2006/main" xmlns:r="http://schemas.openxmlformats.org/officeDocument/2006/relationships" xmlns:p="http://schemas.openxmlformats.org/presentationml/2006/main">
   <p:cSld>
+    <p:spTree>
+      <p:nvGrpSpPr>
+        <p:cNvPr id="1" name=""/>
+        <p:cNvGrpSpPr/>
+        <p:nvPr/>
+      </p:nvGrpSpPr>
+      <p:grpSpPr>
+        <a:xfrm>
+          <a:off x="0" y="0"/>
+          <a:ext cx="0" cy="0"/>
+          <a:chOff x="0" y="0"/>
+          <a:chExt cx="0" cy="0"/>
+        </a:xfrm>
+      </p:grpSpPr>
+      <p:sp useBgFill="1">
+        <p:nvSpPr>
+          <p:cNvPr id="8" name="Rectangle 7">
+            <a:extLst>
+              <a:ext uri="{FF2B5EF4-FFF2-40B4-BE49-F238E27FC236}">
+                <a16:creationId xmlns:a16="http://schemas.microsoft.com/office/drawing/2014/main" id="{934F1179-B481-4F9E-BCA3-AFB972070F83}"/>
+              </a:ext>
+              <a:ext uri="{C183D7F6-B498-43B3-948B-1728B52AA6E4}">
+                <adec:decorative xmlns:adec="http://schemas.microsoft.com/office/drawing/2017/decorative" val="1"/>
+              </a:ext>
+            </a:extLst>
+          </p:cNvPr>
+          <p:cNvSpPr>
+            <a:spLocks noGrp="1" noRot="1" noChangeAspect="1" noMove="1" noResize="1" noEditPoints="1" noAdjustHandles="1" noChangeArrowheads="1" noChangeShapeType="1" noTextEdit="1"/>
+          </p:cNvSpPr>
+          <p:nvPr>
+            <p:extLst>
+              <p:ext uri="{386F3935-93C4-4BCD-93E2-E3B085C9AB24}">
+                <p16:designElem xmlns:p16="http://schemas.microsoft.com/office/powerpoint/2015/main" val="1"/>
+              </p:ext>
+            </p:extLst>
+          </p:nvPr>
+        </p:nvSpPr>
+        <p:spPr>
+          <a:xfrm>
+            <a:off x="0" y="0"/>
+            <a:ext cx="12192000" cy="6858000"/>
+          </a:xfrm>
+          <a:prstGeom prst="rect">
+            <a:avLst/>
+          </a:prstGeom>
+          <a:ln>
+            <a:noFill/>
+          </a:ln>
+        </p:spPr>
+        <p:style>
+          <a:lnRef idx="2">
+            <a:schemeClr val="accent1">
+              <a:shade val="50000"/>
+            </a:schemeClr>
+          </a:lnRef>
+          <a:fillRef idx="1">
+            <a:schemeClr val="accent1"/>
+          </a:fillRef>
+          <a:effectRef idx="0">
+            <a:schemeClr val="accent1"/>
+          </a:effectRef>
+          <a:fontRef idx="minor">
+            <a:schemeClr val="lt1"/>
+          </a:fontRef>
+        </p:style>
+        <p:txBody>
+          <a:bodyPr rtlCol="0" anchor="ctr"/>
+          <a:lstStyle/>
+          <a:p>
+            <a:pPr algn="ctr"/>
+            <a:endParaRPr lang="en-US" dirty="0"/>
+          </a:p>
+        </p:txBody>
+      </p:sp>
+      <p:sp>
+        <p:nvSpPr>
+          <p:cNvPr id="10" name="Right Triangle 9">
+            <a:extLst>
+              <a:ext uri="{FF2B5EF4-FFF2-40B4-BE49-F238E27FC236}">
+                <a16:creationId xmlns:a16="http://schemas.microsoft.com/office/drawing/2014/main" id="{827DC2C4-B485-428A-BF4A-472D2967F47F}"/>
+              </a:ext>
+              <a:ext uri="{C183D7F6-B498-43B3-948B-1728B52AA6E4}">
+                <adec:decorative xmlns:adec="http://schemas.microsoft.com/office/drawing/2017/decorative" val="1"/>
+              </a:ext>
+            </a:extLst>
+          </p:cNvPr>
+          <p:cNvSpPr>
+            <a:spLocks noGrp="1" noRot="1" noChangeAspect="1" noMove="1" noResize="1" noEditPoints="1" noAdjustHandles="1" noChangeArrowheads="1" noChangeShapeType="1" noTextEdit="1"/>
+          </p:cNvSpPr>
+          <p:nvPr>
+            <p:extLst>
+              <p:ext uri="{386F3935-93C4-4BCD-93E2-E3B085C9AB24}">
+                <p16:designElem xmlns:p16="http://schemas.microsoft.com/office/powerpoint/2015/main" val="1"/>
+              </p:ext>
+            </p:extLst>
+          </p:nvPr>
+        </p:nvSpPr>
+        <p:spPr>
+          <a:xfrm flipH="1">
+            <a:off x="8576720" y="3335867"/>
+            <a:ext cx="3291840" cy="3200400"/>
+          </a:xfrm>
+          <a:prstGeom prst="rtTriangle">
+            <a:avLst/>
+          </a:prstGeom>
+          <a:solidFill>
+            <a:schemeClr val="accent4"/>
+          </a:solidFill>
+          <a:ln>
+            <a:noFill/>
+          </a:ln>
+        </p:spPr>
+        <p:style>
+          <a:lnRef idx="2">
+            <a:schemeClr val="accent1">
+              <a:shade val="50000"/>
+            </a:schemeClr>
+          </a:lnRef>
+          <a:fillRef idx="1">
+            <a:schemeClr val="accent1"/>
+          </a:fillRef>
+          <a:effectRef idx="0">
+            <a:schemeClr val="accent1"/>
+          </a:effectRef>
+          <a:fontRef idx="minor">
+            <a:schemeClr val="lt1"/>
+          </a:fontRef>
+        </p:style>
+        <p:txBody>
+          <a:bodyPr rtlCol="0" anchor="ctr"/>
+          <a:lstStyle/>
+          <a:p>
+            <a:pPr algn="ctr"/>
+            <a:endParaRPr lang="en-US" dirty="0"/>
+          </a:p>
+        </p:txBody>
+      </p:sp>
+      <p:sp>
+        <p:nvSpPr>
+          <p:cNvPr id="12" name="Rectangle 11">
+            <a:extLst>
+              <a:ext uri="{FF2B5EF4-FFF2-40B4-BE49-F238E27FC236}">
+                <a16:creationId xmlns:a16="http://schemas.microsoft.com/office/drawing/2014/main" id="{EE04B5EB-F158-4507-90DD-BD23620C7CC9}"/>
+              </a:ext>
+              <a:ext uri="{C183D7F6-B498-43B3-948B-1728B52AA6E4}">
+                <adec:decorative xmlns:adec="http://schemas.microsoft.com/office/drawing/2017/decorative" val="1"/>
+              </a:ext>
+            </a:extLst>
+          </p:cNvPr>
+          <p:cNvSpPr>
+            <a:spLocks noGrp="1" noRot="1" noChangeAspect="1" noMove="1" noResize="1" noEditPoints="1" noAdjustHandles="1" noChangeArrowheads="1" noChangeShapeType="1" noTextEdit="1"/>
+          </p:cNvSpPr>
+          <p:nvPr>
+            <p:extLst>
+              <p:ext uri="{386F3935-93C4-4BCD-93E2-E3B085C9AB24}">
+                <p16:designElem xmlns:p16="http://schemas.microsoft.com/office/powerpoint/2015/main" val="1"/>
+              </p:ext>
+            </p:extLst>
+          </p:nvPr>
+        </p:nvSpPr>
+        <p:spPr>
+          <a:xfrm>
+            <a:off x="641774" y="623275"/>
+            <a:ext cx="10905053" cy="5607882"/>
+          </a:xfrm>
+          <a:prstGeom prst="rect">
+            <a:avLst/>
+          </a:prstGeom>
+          <a:noFill/>
+          <a:ln w="19050">
+            <a:solidFill>
+              <a:schemeClr val="tx1">
+                <a:lumMod val="75000"/>
+                <a:lumOff val="25000"/>
+              </a:schemeClr>
+            </a:solidFill>
+          </a:ln>
+        </p:spPr>
+        <p:style>
+          <a:lnRef idx="2">
+            <a:schemeClr val="accent1">
+              <a:shade val="50000"/>
+            </a:schemeClr>
+          </a:lnRef>
+          <a:fillRef idx="1">
+            <a:schemeClr val="accent1"/>
+          </a:fillRef>
+          <a:effectRef idx="0">
+            <a:schemeClr val="accent1"/>
+          </a:effectRef>
+          <a:fontRef idx="minor">
+            <a:schemeClr val="lt1"/>
+          </a:fontRef>
+        </p:style>
+        <p:txBody>
+          <a:bodyPr rtlCol="0" anchor="ctr"/>
+          <a:lstStyle/>
+          <a:p>
+            <a:pPr algn="ctr"/>
+            <a:endParaRPr lang="en-US" dirty="0"/>
+          </a:p>
+        </p:txBody>
+      </p:sp>
+      <p:sp>
+        <p:nvSpPr>
+          <p:cNvPr id="2" name="Title 1">
+            <a:extLst>
+              <a:ext uri="{FF2B5EF4-FFF2-40B4-BE49-F238E27FC236}">
+                <a16:creationId xmlns:a16="http://schemas.microsoft.com/office/drawing/2014/main" id="{E054F5E7-5523-68BD-6928-3220C3153977}"/>
+              </a:ext>
+            </a:extLst>
+          </p:cNvPr>
+          <p:cNvSpPr>
+            <a:spLocks noGrp="1"/>
+          </p:cNvSpPr>
+          <p:nvPr>
+            <p:ph type="ctrTitle"/>
+          </p:nvPr>
+        </p:nvSpPr>
+        <p:spPr>
+          <a:xfrm>
+            <a:off x="1285241" y="1008993"/>
+            <a:ext cx="9231410" cy="3542045"/>
+          </a:xfrm>
+        </p:spPr>
+        <p:txBody>
+          <a:bodyPr anchor="b">
+            <a:normAutofit/>
+          </a:bodyPr>
+          <a:lstStyle/>
+          <a:p>
+            <a:pPr algn="l"/>
+            <a:r>
+              <a:rPr lang="en-GB" sz="9600" b="1" dirty="0"/>
+              <a:t>Document</a:t>
+            </a:r>
+            <a:r>
+              <a:rPr lang="pl-PL" sz="9600" b="1" dirty="0"/>
+              <a:t> </a:t>
+            </a:r>
+            <a:r>
+              <a:rPr lang="en-GB" sz="9600" b="1" dirty="0"/>
+              <a:t>scanner</a:t>
+            </a:r>
+          </a:p>
+        </p:txBody>
+      </p:sp>
+      <p:sp>
+        <p:nvSpPr>
+          <p:cNvPr id="3" name="Subtitle 2">
+            <a:extLst>
+              <a:ext uri="{FF2B5EF4-FFF2-40B4-BE49-F238E27FC236}">
+                <a16:creationId xmlns:a16="http://schemas.microsoft.com/office/drawing/2014/main" id="{C6886476-5C3B-6C4A-DA5C-DFF16A7281CE}"/>
+              </a:ext>
+            </a:extLst>
+          </p:cNvPr>
+          <p:cNvSpPr>
+            <a:spLocks noGrp="1"/>
+          </p:cNvSpPr>
+          <p:nvPr>
+            <p:ph type="subTitle" idx="1"/>
+          </p:nvPr>
+        </p:nvSpPr>
+        <p:spPr>
+          <a:xfrm>
+            <a:off x="1285241" y="4582814"/>
+            <a:ext cx="7132335" cy="1312657"/>
+          </a:xfrm>
+        </p:spPr>
+        <p:txBody>
+          <a:bodyPr anchor="t">
+            <a:normAutofit/>
+          </a:bodyPr>
+          <a:lstStyle/>
+          <a:p>
+            <a:pPr algn="l"/>
+            <a:r>
+              <a:rPr lang="pl-PL" dirty="0"/>
+              <a:t>Jerzy Pawlik</a:t>
+            </a:r>
+            <a:endParaRPr lang="en-GB" dirty="0"/>
+          </a:p>
+        </p:txBody>
+      </p:sp>
+    </p:spTree>
+    <p:extLst>
+      <p:ext uri="{BB962C8B-B14F-4D97-AF65-F5344CB8AC3E}">
+        <p14:creationId xmlns:p14="http://schemas.microsoft.com/office/powerpoint/2010/main" val="473667771"/>
+      </p:ext>
+    </p:extLst>
+  </p:cSld>
+  <p:clrMapOvr>
+    <a:masterClrMapping/>
+  </p:clrMapOvr>
+</p:sld>
+</file>
+
+<file path=ppt/slides/slide10.xml><?xml version="1.0" encoding="utf-8"?>
+<p:sld xmlns:a="http://schemas.openxmlformats.org/drawingml/2006/main" xmlns:r="http://schemas.openxmlformats.org/officeDocument/2006/relationships" xmlns:p="http://schemas.openxmlformats.org/presentationml/2006/main">
+  <p:cSld>
     <p:bg>
       <p:bgPr>
         <a:solidFill>
@@ -3355,10 +4129,10 @@
       </p:grpSpPr>
       <p:sp useBgFill="1">
         <p:nvSpPr>
-          <p:cNvPr id="8" name="Rectangle 7">
-            <a:extLst>
-              <a:ext uri="{FF2B5EF4-FFF2-40B4-BE49-F238E27FC236}">
-                <a16:creationId xmlns:a16="http://schemas.microsoft.com/office/drawing/2014/main" id="{934F1179-B481-4F9E-BCA3-AFB972070F83}"/>
+          <p:cNvPr id="10" name="Rectangle 9">
+            <a:extLst>
+              <a:ext uri="{FF2B5EF4-FFF2-40B4-BE49-F238E27FC236}">
+                <a16:creationId xmlns:a16="http://schemas.microsoft.com/office/drawing/2014/main" id="{BA79A7CF-01AF-4178-9369-94E0C90EB046}"/>
               </a:ext>
               <a:ext uri="{C183D7F6-B498-43B3-948B-1728B52AA6E4}">
                 <adec:decorative xmlns:adec="http://schemas.microsoft.com/office/drawing/2017/decorative" val="1"/>
@@ -3379,7 +4153,7 @@
         <p:spPr>
           <a:xfrm>
             <a:off x="0" y="0"/>
-            <a:ext cx="12192000" cy="6858000"/>
+            <a:ext cx="12191999" cy="6857365"/>
           </a:xfrm>
           <a:prstGeom prst="rect">
             <a:avLst/>
@@ -3409,16 +4183,58 @@
           <a:lstStyle/>
           <a:p>
             <a:pPr algn="ctr"/>
-            <a:endParaRPr lang="en-US" dirty="0"/>
-          </a:p>
-        </p:txBody>
-      </p:sp>
-      <p:sp>
-        <p:nvSpPr>
-          <p:cNvPr id="10" name="Right Triangle 9">
-            <a:extLst>
-              <a:ext uri="{FF2B5EF4-FFF2-40B4-BE49-F238E27FC236}">
-                <a16:creationId xmlns:a16="http://schemas.microsoft.com/office/drawing/2014/main" id="{827DC2C4-B485-428A-BF4A-472D2967F47F}"/>
+            <a:endParaRPr lang="en-US"/>
+          </a:p>
+        </p:txBody>
+      </p:sp>
+      <p:sp>
+        <p:nvSpPr>
+          <p:cNvPr id="2" name="Title 1">
+            <a:extLst>
+              <a:ext uri="{FF2B5EF4-FFF2-40B4-BE49-F238E27FC236}">
+                <a16:creationId xmlns:a16="http://schemas.microsoft.com/office/drawing/2014/main" id="{ACE69801-F334-F46C-EC88-CCB678824ED0}"/>
+              </a:ext>
+            </a:extLst>
+          </p:cNvPr>
+          <p:cNvSpPr>
+            <a:spLocks noGrp="1"/>
+          </p:cNvSpPr>
+          <p:nvPr>
+            <p:ph type="title"/>
+          </p:nvPr>
+        </p:nvSpPr>
+        <p:spPr>
+          <a:xfrm>
+            <a:off x="9267909" y="2023110"/>
+            <a:ext cx="2469624" cy="2846070"/>
+          </a:xfrm>
+        </p:spPr>
+        <p:txBody>
+          <a:bodyPr vert="horz" lIns="91440" tIns="45720" rIns="91440" bIns="45720" rtlCol="0" anchor="ctr">
+            <a:normAutofit/>
+          </a:bodyPr>
+          <a:lstStyle/>
+          <a:p>
+            <a:r>
+              <a:rPr lang="en-US" sz="3700" kern="1200">
+                <a:solidFill>
+                  <a:schemeClr val="tx1"/>
+                </a:solidFill>
+                <a:latin typeface="+mj-lt"/>
+                <a:ea typeface="+mj-ea"/>
+                <a:cs typeface="+mj-cs"/>
+              </a:rPr>
+              <a:t>Bolded text</a:t>
+            </a:r>
+          </a:p>
+        </p:txBody>
+      </p:sp>
+      <p:sp>
+        <p:nvSpPr>
+          <p:cNvPr id="12" name="Rectangle 11">
+            <a:extLst>
+              <a:ext uri="{FF2B5EF4-FFF2-40B4-BE49-F238E27FC236}">
+                <a16:creationId xmlns:a16="http://schemas.microsoft.com/office/drawing/2014/main" id="{99413ED5-9ED4-4772-BCE4-2BCAE6B12E35}"/>
               </a:ext>
               <a:ext uri="{C183D7F6-B498-43B3-948B-1728B52AA6E4}">
                 <adec:decorative xmlns:adec="http://schemas.microsoft.com/office/drawing/2017/decorative" val="1"/>
@@ -3437,11 +4253,11 @@
           </p:nvPr>
         </p:nvSpPr>
         <p:spPr>
-          <a:xfrm flipH="1">
-            <a:off x="8576720" y="3335867"/>
-            <a:ext cx="3291840" cy="3200400"/>
-          </a:xfrm>
-          <a:prstGeom prst="rtTriangle">
+          <a:xfrm rot="16200000">
+            <a:off x="3433973" y="-827233"/>
+            <a:ext cx="1715478" cy="8583421"/>
+          </a:xfrm>
+          <a:prstGeom prst="rect">
             <a:avLst/>
           </a:prstGeom>
           <a:solidFill>
@@ -3478,10 +4294,10 @@
       </p:sp>
       <p:sp>
         <p:nvSpPr>
-          <p:cNvPr id="12" name="Rectangle 11">
-            <a:extLst>
-              <a:ext uri="{FF2B5EF4-FFF2-40B4-BE49-F238E27FC236}">
-                <a16:creationId xmlns:a16="http://schemas.microsoft.com/office/drawing/2014/main" id="{EE04B5EB-F158-4507-90DD-BD23620C7CC9}"/>
+          <p:cNvPr id="14" name="Rectangle 13">
+            <a:extLst>
+              <a:ext uri="{FF2B5EF4-FFF2-40B4-BE49-F238E27FC236}">
+                <a16:creationId xmlns:a16="http://schemas.microsoft.com/office/drawing/2014/main" id="{04357C93-F0CB-4A1C-8F77-4E9063789819}"/>
               </a:ext>
               <a:ext uri="{C183D7F6-B498-43B3-948B-1728B52AA6E4}">
                 <adec:decorative xmlns:adec="http://schemas.microsoft.com/office/drawing/2017/decorative" val="1"/>
@@ -3501,21 +4317,25 @@
         </p:nvSpPr>
         <p:spPr>
           <a:xfrm>
-            <a:off x="641774" y="623275"/>
-            <a:ext cx="10905053" cy="5607882"/>
+            <a:off x="302085" y="664308"/>
+            <a:ext cx="8082632" cy="5600340"/>
           </a:xfrm>
           <a:prstGeom prst="rect">
             <a:avLst/>
           </a:prstGeom>
-          <a:noFill/>
-          <a:ln w="19050">
-            <a:solidFill>
-              <a:schemeClr val="tx1">
-                <a:lumMod val="75000"/>
-                <a:lumOff val="25000"/>
-              </a:schemeClr>
-            </a:solidFill>
+          <a:solidFill>
+            <a:schemeClr val="bg1"/>
+          </a:solidFill>
+          <a:ln>
+            <a:noFill/>
           </a:ln>
+          <a:effectLst>
+            <a:outerShdw blurRad="139700" dist="127000" dir="5400000" algn="t" rotWithShape="0">
+              <a:prstClr val="black">
+                <a:alpha val="15000"/>
+              </a:prstClr>
+            </a:outerShdw>
+          </a:effectLst>
         </p:spPr>
         <p:style>
           <a:lnRef idx="2">
@@ -3538,7 +4358,206 @@
           <a:lstStyle/>
           <a:p>
             <a:pPr algn="ctr"/>
-            <a:endParaRPr lang="en-US" dirty="0"/>
+            <a:endParaRPr lang="en-US"/>
+          </a:p>
+        </p:txBody>
+      </p:sp>
+      <p:pic>
+        <p:nvPicPr>
+          <p:cNvPr id="5" name="Content Placeholder 4" descr="A close-up of a document&#10;&#10;Description automatically generated">
+            <a:extLst>
+              <a:ext uri="{FF2B5EF4-FFF2-40B4-BE49-F238E27FC236}">
+                <a16:creationId xmlns:a16="http://schemas.microsoft.com/office/drawing/2014/main" id="{AFD56430-C11D-6E67-F438-A3D164347411}"/>
+              </a:ext>
+            </a:extLst>
+          </p:cNvPr>
+          <p:cNvPicPr>
+            <a:picLocks noGrp="1" noChangeAspect="1"/>
+          </p:cNvPicPr>
+          <p:nvPr>
+            <p:ph idx="1"/>
+          </p:nvPr>
+        </p:nvPicPr>
+        <p:blipFill>
+          <a:blip r:embed="rId2">
+            <a:extLst>
+              <a:ext uri="{28A0092B-C50C-407E-A947-70E740481C1C}">
+                <a14:useLocalDpi xmlns:a14="http://schemas.microsoft.com/office/drawing/2010/main" val="0"/>
+              </a:ext>
+            </a:extLst>
+          </a:blip>
+          <a:stretch>
+            <a:fillRect/>
+          </a:stretch>
+        </p:blipFill>
+        <p:spPr>
+          <a:xfrm>
+            <a:off x="545238" y="953738"/>
+            <a:ext cx="7608304" cy="5021480"/>
+          </a:xfrm>
+          <a:prstGeom prst="rect">
+            <a:avLst/>
+          </a:prstGeom>
+        </p:spPr>
+      </p:pic>
+      <p:sp>
+        <p:nvSpPr>
+          <p:cNvPr id="16" name="Rectangle 15">
+            <a:extLst>
+              <a:ext uri="{FF2B5EF4-FFF2-40B4-BE49-F238E27FC236}">
+                <a16:creationId xmlns:a16="http://schemas.microsoft.com/office/drawing/2014/main" id="{90F533E9-6690-41A8-A372-4C6C622D028D}"/>
+              </a:ext>
+              <a:ext uri="{C183D7F6-B498-43B3-948B-1728B52AA6E4}">
+                <adec:decorative xmlns:adec="http://schemas.microsoft.com/office/drawing/2017/decorative" val="1"/>
+              </a:ext>
+            </a:extLst>
+          </p:cNvPr>
+          <p:cNvSpPr>
+            <a:spLocks noGrp="1" noRot="1" noChangeAspect="1" noMove="1" noResize="1" noEditPoints="1" noAdjustHandles="1" noChangeArrowheads="1" noChangeShapeType="1" noTextEdit="1"/>
+          </p:cNvSpPr>
+          <p:nvPr>
+            <p:extLst>
+              <p:ext uri="{386F3935-93C4-4BCD-93E2-E3B085C9AB24}">
+                <p16:designElem xmlns:p16="http://schemas.microsoft.com/office/powerpoint/2015/main" val="1"/>
+              </p:ext>
+            </p:extLst>
+          </p:nvPr>
+        </p:nvSpPr>
+        <p:spPr>
+          <a:xfrm rot="5400000">
+            <a:off x="7950447" y="3392097"/>
+            <a:ext cx="1719072" cy="152382"/>
+          </a:xfrm>
+          <a:prstGeom prst="rect">
+            <a:avLst/>
+          </a:prstGeom>
+          <a:solidFill>
+            <a:schemeClr val="accent4"/>
+          </a:solidFill>
+          <a:ln>
+            <a:noFill/>
+          </a:ln>
+        </p:spPr>
+        <p:style>
+          <a:lnRef idx="2">
+            <a:schemeClr val="accent1">
+              <a:shade val="50000"/>
+            </a:schemeClr>
+          </a:lnRef>
+          <a:fillRef idx="1">
+            <a:schemeClr val="accent1"/>
+          </a:fillRef>
+          <a:effectRef idx="0">
+            <a:schemeClr val="accent1"/>
+          </a:effectRef>
+          <a:fontRef idx="minor">
+            <a:schemeClr val="lt1"/>
+          </a:fontRef>
+        </p:style>
+        <p:txBody>
+          <a:bodyPr rtlCol="0" anchor="ctr"/>
+          <a:lstStyle/>
+          <a:p>
+            <a:pPr algn="ctr"/>
+            <a:endParaRPr lang="en-US"/>
+          </a:p>
+        </p:txBody>
+      </p:sp>
+    </p:spTree>
+    <p:extLst>
+      <p:ext uri="{BB962C8B-B14F-4D97-AF65-F5344CB8AC3E}">
+        <p14:creationId xmlns:p14="http://schemas.microsoft.com/office/powerpoint/2010/main" val="132023574"/>
+      </p:ext>
+    </p:extLst>
+  </p:cSld>
+  <p:clrMapOvr>
+    <a:masterClrMapping/>
+  </p:clrMapOvr>
+</p:sld>
+</file>
+
+<file path=ppt/slides/slide11.xml><?xml version="1.0" encoding="utf-8"?>
+<p:sld xmlns:a="http://schemas.openxmlformats.org/drawingml/2006/main" xmlns:r="http://schemas.openxmlformats.org/officeDocument/2006/relationships" xmlns:p="http://schemas.openxmlformats.org/presentationml/2006/main">
+  <p:cSld>
+    <p:bg>
+      <p:bgPr>
+        <a:solidFill>
+          <a:schemeClr val="bg1"/>
+        </a:solidFill>
+        <a:effectLst/>
+      </p:bgPr>
+    </p:bg>
+    <p:spTree>
+      <p:nvGrpSpPr>
+        <p:cNvPr id="1" name=""/>
+        <p:cNvGrpSpPr/>
+        <p:nvPr/>
+      </p:nvGrpSpPr>
+      <p:grpSpPr>
+        <a:xfrm>
+          <a:off x="0" y="0"/>
+          <a:ext cx="0" cy="0"/>
+          <a:chOff x="0" y="0"/>
+          <a:chExt cx="0" cy="0"/>
+        </a:xfrm>
+      </p:grpSpPr>
+      <p:sp useBgFill="1">
+        <p:nvSpPr>
+          <p:cNvPr id="12" name="Rectangle 11">
+            <a:extLst>
+              <a:ext uri="{FF2B5EF4-FFF2-40B4-BE49-F238E27FC236}">
+                <a16:creationId xmlns:a16="http://schemas.microsoft.com/office/drawing/2014/main" id="{BA79A7CF-01AF-4178-9369-94E0C90EB046}"/>
+              </a:ext>
+              <a:ext uri="{C183D7F6-B498-43B3-948B-1728B52AA6E4}">
+                <adec:decorative xmlns:adec="http://schemas.microsoft.com/office/drawing/2017/decorative" val="1"/>
+              </a:ext>
+            </a:extLst>
+          </p:cNvPr>
+          <p:cNvSpPr>
+            <a:spLocks noGrp="1" noRot="1" noChangeAspect="1" noMove="1" noResize="1" noEditPoints="1" noAdjustHandles="1" noChangeArrowheads="1" noChangeShapeType="1" noTextEdit="1"/>
+          </p:cNvSpPr>
+          <p:nvPr>
+            <p:extLst>
+              <p:ext uri="{386F3935-93C4-4BCD-93E2-E3B085C9AB24}">
+                <p16:designElem xmlns:p16="http://schemas.microsoft.com/office/powerpoint/2015/main" val="1"/>
+              </p:ext>
+            </p:extLst>
+          </p:nvPr>
+        </p:nvSpPr>
+        <p:spPr>
+          <a:xfrm>
+            <a:off x="0" y="0"/>
+            <a:ext cx="12191999" cy="6857365"/>
+          </a:xfrm>
+          <a:prstGeom prst="rect">
+            <a:avLst/>
+          </a:prstGeom>
+          <a:ln>
+            <a:noFill/>
+          </a:ln>
+        </p:spPr>
+        <p:style>
+          <a:lnRef idx="2">
+            <a:schemeClr val="accent1">
+              <a:shade val="50000"/>
+            </a:schemeClr>
+          </a:lnRef>
+          <a:fillRef idx="1">
+            <a:schemeClr val="accent1"/>
+          </a:fillRef>
+          <a:effectRef idx="0">
+            <a:schemeClr val="accent1"/>
+          </a:effectRef>
+          <a:fontRef idx="minor">
+            <a:schemeClr val="lt1"/>
+          </a:fontRef>
+        </p:style>
+        <p:txBody>
+          <a:bodyPr rtlCol="0" anchor="ctr"/>
+          <a:lstStyle/>
+          <a:p>
+            <a:pPr algn="ctr"/>
+            <a:endParaRPr lang="en-US"/>
           </a:p>
         </p:txBody>
       </p:sp>
@@ -3547,7 +4566,7 @@
           <p:cNvPr id="2" name="Title 1">
             <a:extLst>
               <a:ext uri="{FF2B5EF4-FFF2-40B4-BE49-F238E27FC236}">
-                <a16:creationId xmlns:a16="http://schemas.microsoft.com/office/drawing/2014/main" id="{E054F5E7-5523-68BD-6928-3220C3153977}"/>
+                <a16:creationId xmlns:a16="http://schemas.microsoft.com/office/drawing/2014/main" id="{FF3DF9B0-2892-8BE1-185F-0BC9D7F91B92}"/>
               </a:ext>
             </a:extLst>
           </p:cNvPr>
@@ -3555,78 +4574,4085 @@
             <a:spLocks noGrp="1"/>
           </p:cNvSpPr>
           <p:nvPr>
-            <p:ph type="ctrTitle"/>
+            <p:ph type="title"/>
           </p:nvPr>
         </p:nvSpPr>
         <p:spPr>
           <a:xfrm>
-            <a:off x="1285241" y="1008993"/>
-            <a:ext cx="9231410" cy="3542045"/>
-          </a:xfrm>
-        </p:spPr>
-        <p:txBody>
-          <a:bodyPr anchor="b">
+            <a:off x="9267909" y="2023110"/>
+            <a:ext cx="2469624" cy="2846070"/>
+          </a:xfrm>
+        </p:spPr>
+        <p:txBody>
+          <a:bodyPr vert="horz" lIns="91440" tIns="45720" rIns="91440" bIns="45720" rtlCol="0" anchor="ctr">
             <a:normAutofit/>
           </a:bodyPr>
           <a:lstStyle/>
           <a:p>
-            <a:pPr algn="l"/>
             <a:r>
-              <a:rPr lang="en-GB" sz="9600" b="1" dirty="0"/>
-              <a:t>Document</a:t>
+              <a:rPr lang="en-US" sz="3700" kern="1200">
+                <a:solidFill>
+                  <a:schemeClr val="tx1"/>
+                </a:solidFill>
+                <a:latin typeface="+mj-lt"/>
+                <a:ea typeface="+mj-ea"/>
+                <a:cs typeface="+mj-cs"/>
+              </a:rPr>
+              <a:t>Denoised</a:t>
+            </a:r>
+          </a:p>
+        </p:txBody>
+      </p:sp>
+      <p:sp>
+        <p:nvSpPr>
+          <p:cNvPr id="14" name="Rectangle 13">
+            <a:extLst>
+              <a:ext uri="{FF2B5EF4-FFF2-40B4-BE49-F238E27FC236}">
+                <a16:creationId xmlns:a16="http://schemas.microsoft.com/office/drawing/2014/main" id="{99413ED5-9ED4-4772-BCE4-2BCAE6B12E35}"/>
+              </a:ext>
+              <a:ext uri="{C183D7F6-B498-43B3-948B-1728B52AA6E4}">
+                <adec:decorative xmlns:adec="http://schemas.microsoft.com/office/drawing/2017/decorative" val="1"/>
+              </a:ext>
+            </a:extLst>
+          </p:cNvPr>
+          <p:cNvSpPr>
+            <a:spLocks noGrp="1" noRot="1" noChangeAspect="1" noMove="1" noResize="1" noEditPoints="1" noAdjustHandles="1" noChangeArrowheads="1" noChangeShapeType="1" noTextEdit="1"/>
+          </p:cNvSpPr>
+          <p:nvPr>
+            <p:extLst>
+              <p:ext uri="{386F3935-93C4-4BCD-93E2-E3B085C9AB24}">
+                <p16:designElem xmlns:p16="http://schemas.microsoft.com/office/powerpoint/2015/main" val="1"/>
+              </p:ext>
+            </p:extLst>
+          </p:nvPr>
+        </p:nvSpPr>
+        <p:spPr>
+          <a:xfrm rot="16200000">
+            <a:off x="3433973" y="-827233"/>
+            <a:ext cx="1715478" cy="8583421"/>
+          </a:xfrm>
+          <a:prstGeom prst="rect">
+            <a:avLst/>
+          </a:prstGeom>
+          <a:solidFill>
+            <a:schemeClr val="accent4"/>
+          </a:solidFill>
+          <a:ln>
+            <a:noFill/>
+          </a:ln>
+        </p:spPr>
+        <p:style>
+          <a:lnRef idx="2">
+            <a:schemeClr val="accent1">
+              <a:shade val="50000"/>
+            </a:schemeClr>
+          </a:lnRef>
+          <a:fillRef idx="1">
+            <a:schemeClr val="accent1"/>
+          </a:fillRef>
+          <a:effectRef idx="0">
+            <a:schemeClr val="accent1"/>
+          </a:effectRef>
+          <a:fontRef idx="minor">
+            <a:schemeClr val="lt1"/>
+          </a:fontRef>
+        </p:style>
+        <p:txBody>
+          <a:bodyPr rtlCol="0" anchor="ctr"/>
+          <a:lstStyle/>
+          <a:p>
+            <a:pPr algn="ctr"/>
+            <a:endParaRPr lang="en-US" dirty="0"/>
+          </a:p>
+        </p:txBody>
+      </p:sp>
+      <p:sp>
+        <p:nvSpPr>
+          <p:cNvPr id="16" name="Rectangle 15">
+            <a:extLst>
+              <a:ext uri="{FF2B5EF4-FFF2-40B4-BE49-F238E27FC236}">
+                <a16:creationId xmlns:a16="http://schemas.microsoft.com/office/drawing/2014/main" id="{04357C93-F0CB-4A1C-8F77-4E9063789819}"/>
+              </a:ext>
+              <a:ext uri="{C183D7F6-B498-43B3-948B-1728B52AA6E4}">
+                <adec:decorative xmlns:adec="http://schemas.microsoft.com/office/drawing/2017/decorative" val="1"/>
+              </a:ext>
+            </a:extLst>
+          </p:cNvPr>
+          <p:cNvSpPr>
+            <a:spLocks noGrp="1" noRot="1" noChangeAspect="1" noMove="1" noResize="1" noEditPoints="1" noAdjustHandles="1" noChangeArrowheads="1" noChangeShapeType="1" noTextEdit="1"/>
+          </p:cNvSpPr>
+          <p:nvPr>
+            <p:extLst>
+              <p:ext uri="{386F3935-93C4-4BCD-93E2-E3B085C9AB24}">
+                <p16:designElem xmlns:p16="http://schemas.microsoft.com/office/powerpoint/2015/main" val="1"/>
+              </p:ext>
+            </p:extLst>
+          </p:nvPr>
+        </p:nvSpPr>
+        <p:spPr>
+          <a:xfrm>
+            <a:off x="302085" y="664308"/>
+            <a:ext cx="8082632" cy="5600340"/>
+          </a:xfrm>
+          <a:prstGeom prst="rect">
+            <a:avLst/>
+          </a:prstGeom>
+          <a:solidFill>
+            <a:schemeClr val="bg1"/>
+          </a:solidFill>
+          <a:ln>
+            <a:noFill/>
+          </a:ln>
+          <a:effectLst>
+            <a:outerShdw blurRad="139700" dist="127000" dir="5400000" algn="t" rotWithShape="0">
+              <a:prstClr val="black">
+                <a:alpha val="15000"/>
+              </a:prstClr>
+            </a:outerShdw>
+          </a:effectLst>
+        </p:spPr>
+        <p:style>
+          <a:lnRef idx="2">
+            <a:schemeClr val="accent1">
+              <a:shade val="50000"/>
+            </a:schemeClr>
+          </a:lnRef>
+          <a:fillRef idx="1">
+            <a:schemeClr val="accent1"/>
+          </a:fillRef>
+          <a:effectRef idx="0">
+            <a:schemeClr val="accent1"/>
+          </a:effectRef>
+          <a:fontRef idx="minor">
+            <a:schemeClr val="lt1"/>
+          </a:fontRef>
+        </p:style>
+        <p:txBody>
+          <a:bodyPr rtlCol="0" anchor="ctr"/>
+          <a:lstStyle/>
+          <a:p>
+            <a:pPr algn="ctr"/>
+            <a:endParaRPr lang="en-US"/>
+          </a:p>
+        </p:txBody>
+      </p:sp>
+      <p:pic>
+        <p:nvPicPr>
+          <p:cNvPr id="7" name="Content Placeholder 6" descr="A close-up of a document&#10;&#10;Description automatically generated">
+            <a:extLst>
+              <a:ext uri="{FF2B5EF4-FFF2-40B4-BE49-F238E27FC236}">
+                <a16:creationId xmlns:a16="http://schemas.microsoft.com/office/drawing/2014/main" id="{22777BF9-8258-407F-6728-62CD0D767D15}"/>
+              </a:ext>
+            </a:extLst>
+          </p:cNvPr>
+          <p:cNvPicPr>
+            <a:picLocks noGrp="1" noChangeAspect="1"/>
+          </p:cNvPicPr>
+          <p:nvPr>
+            <p:ph idx="1"/>
+          </p:nvPr>
+        </p:nvPicPr>
+        <p:blipFill>
+          <a:blip r:embed="rId2">
+            <a:extLst>
+              <a:ext uri="{28A0092B-C50C-407E-A947-70E740481C1C}">
+                <a14:useLocalDpi xmlns:a14="http://schemas.microsoft.com/office/drawing/2010/main" val="0"/>
+              </a:ext>
+            </a:extLst>
+          </a:blip>
+          <a:stretch>
+            <a:fillRect/>
+          </a:stretch>
+        </p:blipFill>
+        <p:spPr>
+          <a:xfrm>
+            <a:off x="545238" y="953738"/>
+            <a:ext cx="7608304" cy="5021480"/>
+          </a:xfrm>
+          <a:prstGeom prst="rect">
+            <a:avLst/>
+          </a:prstGeom>
+        </p:spPr>
+      </p:pic>
+      <p:sp>
+        <p:nvSpPr>
+          <p:cNvPr id="18" name="Rectangle 17">
+            <a:extLst>
+              <a:ext uri="{FF2B5EF4-FFF2-40B4-BE49-F238E27FC236}">
+                <a16:creationId xmlns:a16="http://schemas.microsoft.com/office/drawing/2014/main" id="{90F533E9-6690-41A8-A372-4C6C622D028D}"/>
+              </a:ext>
+              <a:ext uri="{C183D7F6-B498-43B3-948B-1728B52AA6E4}">
+                <adec:decorative xmlns:adec="http://schemas.microsoft.com/office/drawing/2017/decorative" val="1"/>
+              </a:ext>
+            </a:extLst>
+          </p:cNvPr>
+          <p:cNvSpPr>
+            <a:spLocks noGrp="1" noRot="1" noChangeAspect="1" noMove="1" noResize="1" noEditPoints="1" noAdjustHandles="1" noChangeArrowheads="1" noChangeShapeType="1" noTextEdit="1"/>
+          </p:cNvSpPr>
+          <p:nvPr>
+            <p:extLst>
+              <p:ext uri="{386F3935-93C4-4BCD-93E2-E3B085C9AB24}">
+                <p16:designElem xmlns:p16="http://schemas.microsoft.com/office/powerpoint/2015/main" val="1"/>
+              </p:ext>
+            </p:extLst>
+          </p:nvPr>
+        </p:nvSpPr>
+        <p:spPr>
+          <a:xfrm rot="5400000">
+            <a:off x="7950447" y="3392097"/>
+            <a:ext cx="1719072" cy="152382"/>
+          </a:xfrm>
+          <a:prstGeom prst="rect">
+            <a:avLst/>
+          </a:prstGeom>
+          <a:solidFill>
+            <a:schemeClr val="accent4"/>
+          </a:solidFill>
+          <a:ln>
+            <a:noFill/>
+          </a:ln>
+        </p:spPr>
+        <p:style>
+          <a:lnRef idx="2">
+            <a:schemeClr val="accent1">
+              <a:shade val="50000"/>
+            </a:schemeClr>
+          </a:lnRef>
+          <a:fillRef idx="1">
+            <a:schemeClr val="accent1"/>
+          </a:fillRef>
+          <a:effectRef idx="0">
+            <a:schemeClr val="accent1"/>
+          </a:effectRef>
+          <a:fontRef idx="minor">
+            <a:schemeClr val="lt1"/>
+          </a:fontRef>
+        </p:style>
+        <p:txBody>
+          <a:bodyPr rtlCol="0" anchor="ctr"/>
+          <a:lstStyle/>
+          <a:p>
+            <a:pPr algn="ctr"/>
+            <a:endParaRPr lang="en-US"/>
+          </a:p>
+        </p:txBody>
+      </p:sp>
+    </p:spTree>
+    <p:extLst>
+      <p:ext uri="{BB962C8B-B14F-4D97-AF65-F5344CB8AC3E}">
+        <p14:creationId xmlns:p14="http://schemas.microsoft.com/office/powerpoint/2010/main" val="869576789"/>
+      </p:ext>
+    </p:extLst>
+  </p:cSld>
+  <p:clrMapOvr>
+    <a:masterClrMapping/>
+  </p:clrMapOvr>
+</p:sld>
+</file>
+
+<file path=ppt/slides/slide12.xml><?xml version="1.0" encoding="utf-8"?>
+<p:sld xmlns:a="http://schemas.openxmlformats.org/drawingml/2006/main" xmlns:r="http://schemas.openxmlformats.org/officeDocument/2006/relationships" xmlns:p="http://schemas.openxmlformats.org/presentationml/2006/main">
+  <p:cSld>
+    <p:bg>
+      <p:bgPr>
+        <a:solidFill>
+          <a:schemeClr val="bg1"/>
+        </a:solidFill>
+        <a:effectLst/>
+      </p:bgPr>
+    </p:bg>
+    <p:spTree>
+      <p:nvGrpSpPr>
+        <p:cNvPr id="1" name=""/>
+        <p:cNvGrpSpPr/>
+        <p:nvPr/>
+      </p:nvGrpSpPr>
+      <p:grpSpPr>
+        <a:xfrm>
+          <a:off x="0" y="0"/>
+          <a:ext cx="0" cy="0"/>
+          <a:chOff x="0" y="0"/>
+          <a:chExt cx="0" cy="0"/>
+        </a:xfrm>
+      </p:grpSpPr>
+      <p:sp useBgFill="1">
+        <p:nvSpPr>
+          <p:cNvPr id="25" name="Rectangle 24">
+            <a:extLst>
+              <a:ext uri="{FF2B5EF4-FFF2-40B4-BE49-F238E27FC236}">
+                <a16:creationId xmlns:a16="http://schemas.microsoft.com/office/drawing/2014/main" id="{201CC55D-ED54-4C5C-95E6-10947BD1103B}"/>
+              </a:ext>
+              <a:ext uri="{C183D7F6-B498-43B3-948B-1728B52AA6E4}">
+                <adec:decorative xmlns:adec="http://schemas.microsoft.com/office/drawing/2017/decorative" val="1"/>
+              </a:ext>
+            </a:extLst>
+          </p:cNvPr>
+          <p:cNvSpPr>
+            <a:spLocks noGrp="1" noRot="1" noChangeAspect="1" noMove="1" noResize="1" noEditPoints="1" noAdjustHandles="1" noChangeArrowheads="1" noChangeShapeType="1" noTextEdit="1"/>
+          </p:cNvSpPr>
+          <p:nvPr>
+            <p:extLst>
+              <p:ext uri="{386F3935-93C4-4BCD-93E2-E3B085C9AB24}">
+                <p16:designElem xmlns:p16="http://schemas.microsoft.com/office/powerpoint/2015/main" val="1"/>
+              </p:ext>
+            </p:extLst>
+          </p:nvPr>
+        </p:nvSpPr>
+        <p:spPr>
+          <a:xfrm>
+            <a:off x="0" y="0"/>
+            <a:ext cx="12191999" cy="6857365"/>
+          </a:xfrm>
+          <a:prstGeom prst="rect">
+            <a:avLst/>
+          </a:prstGeom>
+          <a:ln>
+            <a:noFill/>
+          </a:ln>
+        </p:spPr>
+        <p:style>
+          <a:lnRef idx="2">
+            <a:schemeClr val="accent1">
+              <a:shade val="50000"/>
+            </a:schemeClr>
+          </a:lnRef>
+          <a:fillRef idx="1">
+            <a:schemeClr val="accent1"/>
+          </a:fillRef>
+          <a:effectRef idx="0">
+            <a:schemeClr val="accent1"/>
+          </a:effectRef>
+          <a:fontRef idx="minor">
+            <a:schemeClr val="lt1"/>
+          </a:fontRef>
+        </p:style>
+        <p:txBody>
+          <a:bodyPr rtlCol="0" anchor="ctr"/>
+          <a:lstStyle/>
+          <a:p>
+            <a:pPr algn="ctr"/>
+            <a:endParaRPr lang="en-US"/>
+          </a:p>
+        </p:txBody>
+      </p:sp>
+      <p:sp>
+        <p:nvSpPr>
+          <p:cNvPr id="2" name="Title 1">
+            <a:extLst>
+              <a:ext uri="{FF2B5EF4-FFF2-40B4-BE49-F238E27FC236}">
+                <a16:creationId xmlns:a16="http://schemas.microsoft.com/office/drawing/2014/main" id="{FAFE475A-C315-C1E6-07C0-AF1ADF1C8B6C}"/>
+              </a:ext>
+            </a:extLst>
+          </p:cNvPr>
+          <p:cNvSpPr>
+            <a:spLocks noGrp="1"/>
+          </p:cNvSpPr>
+          <p:nvPr>
+            <p:ph type="title"/>
+          </p:nvPr>
+        </p:nvSpPr>
+        <p:spPr>
+          <a:xfrm>
+            <a:off x="589560" y="856180"/>
+            <a:ext cx="4560584" cy="1128068"/>
+          </a:xfrm>
+        </p:spPr>
+        <p:txBody>
+          <a:bodyPr vert="horz" lIns="91440" tIns="45720" rIns="91440" bIns="45720" rtlCol="0" anchor="ctr">
+            <a:normAutofit/>
+          </a:bodyPr>
+          <a:lstStyle/>
+          <a:p>
+            <a:r>
+              <a:rPr lang="en-US" sz="4000" kern="1200">
+                <a:latin typeface="+mj-lt"/>
+                <a:ea typeface="+mj-ea"/>
+                <a:cs typeface="+mj-cs"/>
+              </a:rPr>
+              <a:t>Input</a:t>
+            </a:r>
+          </a:p>
+        </p:txBody>
+      </p:sp>
+      <p:grpSp>
+        <p:nvGrpSpPr>
+          <p:cNvPr id="27" name="Group 26">
+            <a:extLst>
+              <a:ext uri="{FF2B5EF4-FFF2-40B4-BE49-F238E27FC236}">
+                <a16:creationId xmlns:a16="http://schemas.microsoft.com/office/drawing/2014/main" id="{1DE889C7-FAD6-4397-98E2-05D503484459}"/>
+              </a:ext>
+              <a:ext uri="{C183D7F6-B498-43B3-948B-1728B52AA6E4}">
+                <adec:decorative xmlns:adec="http://schemas.microsoft.com/office/drawing/2017/decorative" val="1"/>
+              </a:ext>
+            </a:extLst>
+          </p:cNvPr>
+          <p:cNvGrpSpPr>
+            <a:grpSpLocks noGrp="1" noUngrp="1" noRot="1" noChangeAspect="1" noMove="1" noResize="1"/>
+          </p:cNvGrpSpPr>
+          <p:nvPr>
+            <p:extLst>
+              <p:ext uri="{386F3935-93C4-4BCD-93E2-E3B085C9AB24}">
+                <p16:designElem xmlns:p16="http://schemas.microsoft.com/office/powerpoint/2015/main" val="1"/>
+              </p:ext>
+            </p:extLst>
+          </p:nvPr>
+        </p:nvGrpSpPr>
+        <p:grpSpPr>
+          <a:xfrm>
+            <a:off x="0" y="1083484"/>
+            <a:ext cx="355196" cy="673460"/>
+            <a:chOff x="0" y="823811"/>
+            <a:chExt cx="355196" cy="673460"/>
+          </a:xfrm>
+        </p:grpSpPr>
+        <p:sp>
+          <p:nvSpPr>
+            <p:cNvPr id="28" name="Rectangle 27">
+              <a:extLst>
+                <a:ext uri="{FF2B5EF4-FFF2-40B4-BE49-F238E27FC236}">
+                  <a16:creationId xmlns:a16="http://schemas.microsoft.com/office/drawing/2014/main" id="{F399A70F-F8CD-4992-9EF5-6CF15472E73F}"/>
+                </a:ext>
+                <a:ext uri="{C183D7F6-B498-43B3-948B-1728B52AA6E4}">
+                  <adec:decorative xmlns:adec="http://schemas.microsoft.com/office/drawing/2017/decorative" val="1"/>
+                </a:ext>
+              </a:extLst>
+            </p:cNvPr>
+            <p:cNvSpPr/>
+            <p:nvPr>
+              <p:extLst>
+                <p:ext uri="{386F3935-93C4-4BCD-93E2-E3B085C9AB24}">
+                  <p16:designElem xmlns:p16="http://schemas.microsoft.com/office/powerpoint/2015/main" val="1"/>
+                </p:ext>
+              </p:extLst>
+            </p:nvPr>
+          </p:nvSpPr>
+          <p:spPr>
+            <a:xfrm>
+              <a:off x="0" y="823811"/>
+              <a:ext cx="87363" cy="673460"/>
+            </a:xfrm>
+            <a:prstGeom prst="rect">
+              <a:avLst/>
+            </a:prstGeom>
+            <a:solidFill>
+              <a:schemeClr val="accent4"/>
+            </a:solidFill>
+            <a:ln>
+              <a:noFill/>
+            </a:ln>
+          </p:spPr>
+          <p:style>
+            <a:lnRef idx="2">
+              <a:schemeClr val="accent1">
+                <a:shade val="50000"/>
+              </a:schemeClr>
+            </a:lnRef>
+            <a:fillRef idx="1">
+              <a:schemeClr val="accent1"/>
+            </a:fillRef>
+            <a:effectRef idx="0">
+              <a:schemeClr val="accent1"/>
+            </a:effectRef>
+            <a:fontRef idx="minor">
+              <a:schemeClr val="lt1"/>
+            </a:fontRef>
+          </p:style>
+          <p:txBody>
+            <a:bodyPr rtlCol="0" anchor="ctr"/>
+            <a:lstStyle/>
+            <a:p>
+              <a:pPr algn="ctr"/>
+              <a:endParaRPr lang="en-US"/>
+            </a:p>
+          </p:txBody>
+        </p:sp>
+        <p:sp>
+          <p:nvSpPr>
+            <p:cNvPr id="29" name="Rectangle 28">
+              <a:extLst>
+                <a:ext uri="{FF2B5EF4-FFF2-40B4-BE49-F238E27FC236}">
+                  <a16:creationId xmlns:a16="http://schemas.microsoft.com/office/drawing/2014/main" id="{48F4FEDC-6D80-458C-A665-075D9B9500FD}"/>
+                </a:ext>
+                <a:ext uri="{C183D7F6-B498-43B3-948B-1728B52AA6E4}">
+                  <adec:decorative xmlns:adec="http://schemas.microsoft.com/office/drawing/2017/decorative" val="1"/>
+                </a:ext>
+              </a:extLst>
+            </p:cNvPr>
+            <p:cNvSpPr/>
+            <p:nvPr>
+              <p:extLst>
+                <p:ext uri="{386F3935-93C4-4BCD-93E2-E3B085C9AB24}">
+                  <p16:designElem xmlns:p16="http://schemas.microsoft.com/office/powerpoint/2015/main" val="1"/>
+                </p:ext>
+              </p:extLst>
+            </p:nvPr>
+          </p:nvSpPr>
+          <p:spPr>
+            <a:xfrm>
+              <a:off x="159341" y="823811"/>
+              <a:ext cx="195855" cy="673460"/>
+            </a:xfrm>
+            <a:prstGeom prst="rect">
+              <a:avLst/>
+            </a:prstGeom>
+            <a:solidFill>
+              <a:schemeClr val="accent4"/>
+            </a:solidFill>
+            <a:ln>
+              <a:noFill/>
+            </a:ln>
+          </p:spPr>
+          <p:style>
+            <a:lnRef idx="2">
+              <a:schemeClr val="accent1">
+                <a:shade val="50000"/>
+              </a:schemeClr>
+            </a:lnRef>
+            <a:fillRef idx="1">
+              <a:schemeClr val="accent1"/>
+            </a:fillRef>
+            <a:effectRef idx="0">
+              <a:schemeClr val="accent1"/>
+            </a:effectRef>
+            <a:fontRef idx="minor">
+              <a:schemeClr val="lt1"/>
+            </a:fontRef>
+          </p:style>
+          <p:txBody>
+            <a:bodyPr rtlCol="0" anchor="ctr"/>
+            <a:lstStyle/>
+            <a:p>
+              <a:pPr algn="ctr"/>
+              <a:endParaRPr lang="en-US"/>
+            </a:p>
+          </p:txBody>
+        </p:sp>
+      </p:grpSp>
+      <p:sp>
+        <p:nvSpPr>
+          <p:cNvPr id="31" name="Rectangle 30">
+            <a:extLst>
+              <a:ext uri="{FF2B5EF4-FFF2-40B4-BE49-F238E27FC236}">
+                <a16:creationId xmlns:a16="http://schemas.microsoft.com/office/drawing/2014/main" id="{3873B707-463F-40B0-8227-E8CC6C67EB25}"/>
+              </a:ext>
+              <a:ext uri="{C183D7F6-B498-43B3-948B-1728B52AA6E4}">
+                <adec:decorative xmlns:adec="http://schemas.microsoft.com/office/drawing/2017/decorative" val="1"/>
+              </a:ext>
+            </a:extLst>
+          </p:cNvPr>
+          <p:cNvSpPr>
+            <a:spLocks noGrp="1" noRot="1" noChangeAspect="1" noMove="1" noResize="1" noEditPoints="1" noAdjustHandles="1" noChangeArrowheads="1" noChangeShapeType="1" noTextEdit="1"/>
+          </p:cNvSpPr>
+          <p:nvPr>
+            <p:extLst>
+              <p:ext uri="{386F3935-93C4-4BCD-93E2-E3B085C9AB24}">
+                <p16:designElem xmlns:p16="http://schemas.microsoft.com/office/powerpoint/2015/main" val="1"/>
+              </p:ext>
+            </p:extLst>
+          </p:nvPr>
+        </p:nvSpPr>
+        <p:spPr>
+          <a:xfrm flipH="1">
+            <a:off x="665085" y="2090569"/>
+            <a:ext cx="4297680" cy="27432"/>
+          </a:xfrm>
+          <a:prstGeom prst="rect">
+            <a:avLst/>
+          </a:prstGeom>
+          <a:solidFill>
+            <a:schemeClr val="accent4"/>
+          </a:solidFill>
+          <a:ln>
+            <a:noFill/>
+          </a:ln>
+        </p:spPr>
+        <p:style>
+          <a:lnRef idx="2">
+            <a:schemeClr val="accent1">
+              <a:shade val="50000"/>
+            </a:schemeClr>
+          </a:lnRef>
+          <a:fillRef idx="1">
+            <a:schemeClr val="accent1"/>
+          </a:fillRef>
+          <a:effectRef idx="0">
+            <a:schemeClr val="accent1"/>
+          </a:effectRef>
+          <a:fontRef idx="minor">
+            <a:schemeClr val="lt1"/>
+          </a:fontRef>
+        </p:style>
+        <p:txBody>
+          <a:bodyPr rtlCol="0" anchor="ctr"/>
+          <a:lstStyle/>
+          <a:p>
+            <a:pPr algn="ctr"/>
+            <a:endParaRPr lang="en-US"/>
+          </a:p>
+        </p:txBody>
+      </p:sp>
+      <p:sp>
+        <p:nvSpPr>
+          <p:cNvPr id="22" name="Content Placeholder 21">
+            <a:extLst>
+              <a:ext uri="{FF2B5EF4-FFF2-40B4-BE49-F238E27FC236}">
+                <a16:creationId xmlns:a16="http://schemas.microsoft.com/office/drawing/2014/main" id="{7079166B-4236-D95D-0641-6F1764B0EADB}"/>
+              </a:ext>
+            </a:extLst>
+          </p:cNvPr>
+          <p:cNvSpPr>
+            <a:spLocks noGrp="1"/>
+          </p:cNvSpPr>
+          <p:nvPr>
+            <p:ph idx="1"/>
+          </p:nvPr>
+        </p:nvSpPr>
+        <p:spPr>
+          <a:xfrm>
+            <a:off x="590719" y="2330505"/>
+            <a:ext cx="4559425" cy="3979585"/>
+          </a:xfrm>
+        </p:spPr>
+        <p:txBody>
+          <a:bodyPr anchor="ctr">
+            <a:normAutofit/>
+          </a:bodyPr>
+          <a:lstStyle/>
+          <a:p>
+            <a:endParaRPr lang="en-US" sz="2000"/>
+          </a:p>
+        </p:txBody>
+      </p:sp>
+      <p:sp>
+        <p:nvSpPr>
+          <p:cNvPr id="33" name="Rectangle 32">
+            <a:extLst>
+              <a:ext uri="{FF2B5EF4-FFF2-40B4-BE49-F238E27FC236}">
+                <a16:creationId xmlns:a16="http://schemas.microsoft.com/office/drawing/2014/main" id="{C13237C8-E62C-4F0D-A318-BD6FB6C2D138}"/>
+              </a:ext>
+              <a:ext uri="{C183D7F6-B498-43B3-948B-1728B52AA6E4}">
+                <adec:decorative xmlns:adec="http://schemas.microsoft.com/office/drawing/2017/decorative" val="1"/>
+              </a:ext>
+            </a:extLst>
+          </p:cNvPr>
+          <p:cNvSpPr>
+            <a:spLocks noGrp="1" noRot="1" noChangeAspect="1" noMove="1" noResize="1" noEditPoints="1" noAdjustHandles="1" noChangeArrowheads="1" noChangeShapeType="1" noTextEdit="1"/>
+          </p:cNvSpPr>
+          <p:nvPr>
+            <p:extLst>
+              <p:ext uri="{386F3935-93C4-4BCD-93E2-E3B085C9AB24}">
+                <p16:designElem xmlns:p16="http://schemas.microsoft.com/office/powerpoint/2015/main" val="1"/>
+              </p:ext>
+            </p:extLst>
+          </p:nvPr>
+        </p:nvSpPr>
+        <p:spPr>
+          <a:xfrm flipH="1">
+            <a:off x="10697670" y="0"/>
+            <a:ext cx="1494330" cy="6858000"/>
+          </a:xfrm>
+          <a:prstGeom prst="rect">
+            <a:avLst/>
+          </a:prstGeom>
+          <a:solidFill>
+            <a:schemeClr val="accent4"/>
+          </a:solidFill>
+          <a:ln>
+            <a:noFill/>
+          </a:ln>
+        </p:spPr>
+        <p:style>
+          <a:lnRef idx="2">
+            <a:schemeClr val="accent1">
+              <a:shade val="50000"/>
+            </a:schemeClr>
+          </a:lnRef>
+          <a:fillRef idx="1">
+            <a:schemeClr val="accent1"/>
+          </a:fillRef>
+          <a:effectRef idx="0">
+            <a:schemeClr val="accent1"/>
+          </a:effectRef>
+          <a:fontRef idx="minor">
+            <a:schemeClr val="lt1"/>
+          </a:fontRef>
+        </p:style>
+        <p:txBody>
+          <a:bodyPr rtlCol="0" anchor="ctr"/>
+          <a:lstStyle/>
+          <a:p>
+            <a:pPr algn="ctr"/>
+            <a:endParaRPr lang="en-US"/>
+          </a:p>
+        </p:txBody>
+      </p:sp>
+      <p:sp>
+        <p:nvSpPr>
+          <p:cNvPr id="35" name="Rectangle 34">
+            <a:extLst>
+              <a:ext uri="{FF2B5EF4-FFF2-40B4-BE49-F238E27FC236}">
+                <a16:creationId xmlns:a16="http://schemas.microsoft.com/office/drawing/2014/main" id="{19C9EAEA-39D0-4B0E-A0EB-51E7B26740B1}"/>
+              </a:ext>
+              <a:ext uri="{C183D7F6-B498-43B3-948B-1728B52AA6E4}">
+                <adec:decorative xmlns:adec="http://schemas.microsoft.com/office/drawing/2017/decorative" val="1"/>
+              </a:ext>
+            </a:extLst>
+          </p:cNvPr>
+          <p:cNvSpPr>
+            <a:spLocks noGrp="1" noRot="1" noChangeAspect="1" noMove="1" noResize="1" noEditPoints="1" noAdjustHandles="1" noChangeArrowheads="1" noChangeShapeType="1" noTextEdit="1"/>
+          </p:cNvSpPr>
+          <p:nvPr>
+            <p:extLst>
+              <p:ext uri="{386F3935-93C4-4BCD-93E2-E3B085C9AB24}">
+                <p16:designElem xmlns:p16="http://schemas.microsoft.com/office/powerpoint/2015/main" val="1"/>
+              </p:ext>
+            </p:extLst>
+          </p:nvPr>
+        </p:nvSpPr>
+        <p:spPr>
+          <a:xfrm>
+            <a:off x="5685810" y="513853"/>
+            <a:ext cx="6009366" cy="5834577"/>
+          </a:xfrm>
+          <a:prstGeom prst="rect">
+            <a:avLst/>
+          </a:prstGeom>
+          <a:solidFill>
+            <a:schemeClr val="bg1"/>
+          </a:solidFill>
+          <a:ln>
+            <a:noFill/>
+          </a:ln>
+          <a:effectLst>
+            <a:outerShdw blurRad="139700" dist="127000" dir="5400000" algn="t" rotWithShape="0">
+              <a:prstClr val="black">
+                <a:alpha val="15000"/>
+              </a:prstClr>
+            </a:outerShdw>
+          </a:effectLst>
+        </p:spPr>
+        <p:style>
+          <a:lnRef idx="2">
+            <a:schemeClr val="accent1">
+              <a:shade val="50000"/>
+            </a:schemeClr>
+          </a:lnRef>
+          <a:fillRef idx="1">
+            <a:schemeClr val="accent1"/>
+          </a:fillRef>
+          <a:effectRef idx="0">
+            <a:schemeClr val="accent1"/>
+          </a:effectRef>
+          <a:fontRef idx="minor">
+            <a:schemeClr val="lt1"/>
+          </a:fontRef>
+        </p:style>
+        <p:txBody>
+          <a:bodyPr rtlCol="0" anchor="ctr"/>
+          <a:lstStyle/>
+          <a:p>
+            <a:pPr algn="ctr"/>
+            <a:endParaRPr lang="en-US"/>
+          </a:p>
+        </p:txBody>
+      </p:sp>
+      <p:pic>
+        <p:nvPicPr>
+          <p:cNvPr id="7" name="Content Placeholder 6" descr="A close-up of a receipt&#10;&#10;Description automatically generated">
+            <a:extLst>
+              <a:ext uri="{FF2B5EF4-FFF2-40B4-BE49-F238E27FC236}">
+                <a16:creationId xmlns:a16="http://schemas.microsoft.com/office/drawing/2014/main" id="{99EC90BC-A628-DD9D-0F15-3E288DDC61D3}"/>
+              </a:ext>
+            </a:extLst>
+          </p:cNvPr>
+          <p:cNvPicPr>
+            <a:picLocks noChangeAspect="1"/>
+          </p:cNvPicPr>
+          <p:nvPr/>
+        </p:nvPicPr>
+        <p:blipFill rotWithShape="1">
+          <a:blip r:embed="rId2">
+            <a:extLst>
+              <a:ext uri="{28A0092B-C50C-407E-A947-70E740481C1C}">
+                <a14:useLocalDpi xmlns:a14="http://schemas.microsoft.com/office/drawing/2010/main" val="0"/>
+              </a:ext>
+            </a:extLst>
+          </a:blip>
+          <a:srcRect l="8190" r="14442"/>
+          <a:stretch/>
+        </p:blipFill>
+        <p:spPr>
+          <a:xfrm>
+            <a:off x="4613097" y="-635"/>
+            <a:ext cx="7082079" cy="6865242"/>
+          </a:xfrm>
+          <a:prstGeom prst="rect">
+            <a:avLst/>
+          </a:prstGeom>
+        </p:spPr>
+      </p:pic>
+    </p:spTree>
+    <p:extLst>
+      <p:ext uri="{BB962C8B-B14F-4D97-AF65-F5344CB8AC3E}">
+        <p14:creationId xmlns:p14="http://schemas.microsoft.com/office/powerpoint/2010/main" val="2824732157"/>
+      </p:ext>
+    </p:extLst>
+  </p:cSld>
+  <p:clrMapOvr>
+    <a:masterClrMapping/>
+  </p:clrMapOvr>
+</p:sld>
+</file>
+
+<file path=ppt/slides/slide13.xml><?xml version="1.0" encoding="utf-8"?>
+<p:sld xmlns:a="http://schemas.openxmlformats.org/drawingml/2006/main" xmlns:r="http://schemas.openxmlformats.org/officeDocument/2006/relationships" xmlns:p="http://schemas.openxmlformats.org/presentationml/2006/main">
+  <p:cSld>
+    <p:bg>
+      <p:bgPr>
+        <a:solidFill>
+          <a:schemeClr val="bg1"/>
+        </a:solidFill>
+        <a:effectLst/>
+      </p:bgPr>
+    </p:bg>
+    <p:spTree>
+      <p:nvGrpSpPr>
+        <p:cNvPr id="1" name=""/>
+        <p:cNvGrpSpPr/>
+        <p:nvPr/>
+      </p:nvGrpSpPr>
+      <p:grpSpPr>
+        <a:xfrm>
+          <a:off x="0" y="0"/>
+          <a:ext cx="0" cy="0"/>
+          <a:chOff x="0" y="0"/>
+          <a:chExt cx="0" cy="0"/>
+        </a:xfrm>
+      </p:grpSpPr>
+      <p:sp useBgFill="1">
+        <p:nvSpPr>
+          <p:cNvPr id="29" name="Rectangle 28">
+            <a:extLst>
+              <a:ext uri="{FF2B5EF4-FFF2-40B4-BE49-F238E27FC236}">
+                <a16:creationId xmlns:a16="http://schemas.microsoft.com/office/drawing/2014/main" id="{201CC55D-ED54-4C5C-95E6-10947BD1103B}"/>
+              </a:ext>
+              <a:ext uri="{C183D7F6-B498-43B3-948B-1728B52AA6E4}">
+                <adec:decorative xmlns:adec="http://schemas.microsoft.com/office/drawing/2017/decorative" val="1"/>
+              </a:ext>
+            </a:extLst>
+          </p:cNvPr>
+          <p:cNvSpPr>
+            <a:spLocks noGrp="1" noRot="1" noChangeAspect="1" noMove="1" noResize="1" noEditPoints="1" noAdjustHandles="1" noChangeArrowheads="1" noChangeShapeType="1" noTextEdit="1"/>
+          </p:cNvSpPr>
+          <p:nvPr>
+            <p:extLst>
+              <p:ext uri="{386F3935-93C4-4BCD-93E2-E3B085C9AB24}">
+                <p16:designElem xmlns:p16="http://schemas.microsoft.com/office/powerpoint/2015/main" val="1"/>
+              </p:ext>
+            </p:extLst>
+          </p:nvPr>
+        </p:nvSpPr>
+        <p:spPr>
+          <a:xfrm>
+            <a:off x="0" y="0"/>
+            <a:ext cx="12191999" cy="6857365"/>
+          </a:xfrm>
+          <a:prstGeom prst="rect">
+            <a:avLst/>
+          </a:prstGeom>
+          <a:ln>
+            <a:noFill/>
+          </a:ln>
+        </p:spPr>
+        <p:style>
+          <a:lnRef idx="2">
+            <a:schemeClr val="accent1">
+              <a:shade val="50000"/>
+            </a:schemeClr>
+          </a:lnRef>
+          <a:fillRef idx="1">
+            <a:schemeClr val="accent1"/>
+          </a:fillRef>
+          <a:effectRef idx="0">
+            <a:schemeClr val="accent1"/>
+          </a:effectRef>
+          <a:fontRef idx="minor">
+            <a:schemeClr val="lt1"/>
+          </a:fontRef>
+        </p:style>
+        <p:txBody>
+          <a:bodyPr rtlCol="0" anchor="ctr"/>
+          <a:lstStyle/>
+          <a:p>
+            <a:pPr algn="ctr"/>
+            <a:endParaRPr lang="en-US"/>
+          </a:p>
+        </p:txBody>
+      </p:sp>
+      <p:sp>
+        <p:nvSpPr>
+          <p:cNvPr id="2" name="Title 1">
+            <a:extLst>
+              <a:ext uri="{FF2B5EF4-FFF2-40B4-BE49-F238E27FC236}">
+                <a16:creationId xmlns:a16="http://schemas.microsoft.com/office/drawing/2014/main" id="{FF3DF9B0-2892-8BE1-185F-0BC9D7F91B92}"/>
+              </a:ext>
+            </a:extLst>
+          </p:cNvPr>
+          <p:cNvSpPr>
+            <a:spLocks noGrp="1"/>
+          </p:cNvSpPr>
+          <p:nvPr>
+            <p:ph type="title"/>
+          </p:nvPr>
+        </p:nvSpPr>
+        <p:spPr>
+          <a:xfrm>
+            <a:off x="589560" y="856180"/>
+            <a:ext cx="4560584" cy="1128068"/>
+          </a:xfrm>
+        </p:spPr>
+        <p:txBody>
+          <a:bodyPr anchor="ctr">
+            <a:normAutofit/>
+          </a:bodyPr>
+          <a:lstStyle/>
+          <a:p>
+            <a:r>
+              <a:rPr lang="en-GB" sz="4000"/>
+              <a:t>Cropped </a:t>
+            </a:r>
+          </a:p>
+        </p:txBody>
+      </p:sp>
+      <p:grpSp>
+        <p:nvGrpSpPr>
+          <p:cNvPr id="31" name="Group 30">
+            <a:extLst>
+              <a:ext uri="{FF2B5EF4-FFF2-40B4-BE49-F238E27FC236}">
+                <a16:creationId xmlns:a16="http://schemas.microsoft.com/office/drawing/2014/main" id="{1DE889C7-FAD6-4397-98E2-05D503484459}"/>
+              </a:ext>
+              <a:ext uri="{C183D7F6-B498-43B3-948B-1728B52AA6E4}">
+                <adec:decorative xmlns:adec="http://schemas.microsoft.com/office/drawing/2017/decorative" val="1"/>
+              </a:ext>
+            </a:extLst>
+          </p:cNvPr>
+          <p:cNvGrpSpPr>
+            <a:grpSpLocks noGrp="1" noUngrp="1" noRot="1" noChangeAspect="1" noMove="1" noResize="1"/>
+          </p:cNvGrpSpPr>
+          <p:nvPr>
+            <p:extLst>
+              <p:ext uri="{386F3935-93C4-4BCD-93E2-E3B085C9AB24}">
+                <p16:designElem xmlns:p16="http://schemas.microsoft.com/office/powerpoint/2015/main" val="1"/>
+              </p:ext>
+            </p:extLst>
+          </p:nvPr>
+        </p:nvGrpSpPr>
+        <p:grpSpPr>
+          <a:xfrm>
+            <a:off x="0" y="1083484"/>
+            <a:ext cx="355196" cy="673460"/>
+            <a:chOff x="0" y="823811"/>
+            <a:chExt cx="355196" cy="673460"/>
+          </a:xfrm>
+        </p:grpSpPr>
+        <p:sp>
+          <p:nvSpPr>
+            <p:cNvPr id="25" name="Rectangle 24">
+              <a:extLst>
+                <a:ext uri="{FF2B5EF4-FFF2-40B4-BE49-F238E27FC236}">
+                  <a16:creationId xmlns:a16="http://schemas.microsoft.com/office/drawing/2014/main" id="{F399A70F-F8CD-4992-9EF5-6CF15472E73F}"/>
+                </a:ext>
+                <a:ext uri="{C183D7F6-B498-43B3-948B-1728B52AA6E4}">
+                  <adec:decorative xmlns:adec="http://schemas.microsoft.com/office/drawing/2017/decorative" val="1"/>
+                </a:ext>
+              </a:extLst>
+            </p:cNvPr>
+            <p:cNvSpPr/>
+            <p:nvPr>
+              <p:extLst>
+                <p:ext uri="{386F3935-93C4-4BCD-93E2-E3B085C9AB24}">
+                  <p16:designElem xmlns:p16="http://schemas.microsoft.com/office/powerpoint/2015/main" val="1"/>
+                </p:ext>
+              </p:extLst>
+            </p:nvPr>
+          </p:nvSpPr>
+          <p:spPr>
+            <a:xfrm>
+              <a:off x="0" y="823811"/>
+              <a:ext cx="87363" cy="673460"/>
+            </a:xfrm>
+            <a:prstGeom prst="rect">
+              <a:avLst/>
+            </a:prstGeom>
+            <a:solidFill>
+              <a:schemeClr val="accent4"/>
+            </a:solidFill>
+            <a:ln>
+              <a:noFill/>
+            </a:ln>
+          </p:spPr>
+          <p:style>
+            <a:lnRef idx="2">
+              <a:schemeClr val="accent1">
+                <a:shade val="50000"/>
+              </a:schemeClr>
+            </a:lnRef>
+            <a:fillRef idx="1">
+              <a:schemeClr val="accent1"/>
+            </a:fillRef>
+            <a:effectRef idx="0">
+              <a:schemeClr val="accent1"/>
+            </a:effectRef>
+            <a:fontRef idx="minor">
+              <a:schemeClr val="lt1"/>
+            </a:fontRef>
+          </p:style>
+          <p:txBody>
+            <a:bodyPr rtlCol="0" anchor="ctr"/>
+            <a:lstStyle/>
+            <a:p>
+              <a:pPr algn="ctr"/>
+              <a:endParaRPr lang="en-US"/>
+            </a:p>
+          </p:txBody>
+        </p:sp>
+        <p:sp>
+          <p:nvSpPr>
+            <p:cNvPr id="33" name="Rectangle 32">
+              <a:extLst>
+                <a:ext uri="{FF2B5EF4-FFF2-40B4-BE49-F238E27FC236}">
+                  <a16:creationId xmlns:a16="http://schemas.microsoft.com/office/drawing/2014/main" id="{48F4FEDC-6D80-458C-A665-075D9B9500FD}"/>
+                </a:ext>
+                <a:ext uri="{C183D7F6-B498-43B3-948B-1728B52AA6E4}">
+                  <adec:decorative xmlns:adec="http://schemas.microsoft.com/office/drawing/2017/decorative" val="1"/>
+                </a:ext>
+              </a:extLst>
+            </p:cNvPr>
+            <p:cNvSpPr/>
+            <p:nvPr>
+              <p:extLst>
+                <p:ext uri="{386F3935-93C4-4BCD-93E2-E3B085C9AB24}">
+                  <p16:designElem xmlns:p16="http://schemas.microsoft.com/office/powerpoint/2015/main" val="1"/>
+                </p:ext>
+              </p:extLst>
+            </p:nvPr>
+          </p:nvSpPr>
+          <p:spPr>
+            <a:xfrm>
+              <a:off x="159341" y="823811"/>
+              <a:ext cx="195855" cy="673460"/>
+            </a:xfrm>
+            <a:prstGeom prst="rect">
+              <a:avLst/>
+            </a:prstGeom>
+            <a:solidFill>
+              <a:schemeClr val="accent4"/>
+            </a:solidFill>
+            <a:ln>
+              <a:noFill/>
+            </a:ln>
+          </p:spPr>
+          <p:style>
+            <a:lnRef idx="2">
+              <a:schemeClr val="accent1">
+                <a:shade val="50000"/>
+              </a:schemeClr>
+            </a:lnRef>
+            <a:fillRef idx="1">
+              <a:schemeClr val="accent1"/>
+            </a:fillRef>
+            <a:effectRef idx="0">
+              <a:schemeClr val="accent1"/>
+            </a:effectRef>
+            <a:fontRef idx="minor">
+              <a:schemeClr val="lt1"/>
+            </a:fontRef>
+          </p:style>
+          <p:txBody>
+            <a:bodyPr rtlCol="0" anchor="ctr"/>
+            <a:lstStyle/>
+            <a:p>
+              <a:pPr algn="ctr"/>
+              <a:endParaRPr lang="en-US"/>
+            </a:p>
+          </p:txBody>
+        </p:sp>
+      </p:grpSp>
+      <p:sp>
+        <p:nvSpPr>
+          <p:cNvPr id="28" name="Rectangle 27">
+            <a:extLst>
+              <a:ext uri="{FF2B5EF4-FFF2-40B4-BE49-F238E27FC236}">
+                <a16:creationId xmlns:a16="http://schemas.microsoft.com/office/drawing/2014/main" id="{3873B707-463F-40B0-8227-E8CC6C67EB25}"/>
+              </a:ext>
+              <a:ext uri="{C183D7F6-B498-43B3-948B-1728B52AA6E4}">
+                <adec:decorative xmlns:adec="http://schemas.microsoft.com/office/drawing/2017/decorative" val="1"/>
+              </a:ext>
+            </a:extLst>
+          </p:cNvPr>
+          <p:cNvSpPr>
+            <a:spLocks noGrp="1" noRot="1" noChangeAspect="1" noMove="1" noResize="1" noEditPoints="1" noAdjustHandles="1" noChangeArrowheads="1" noChangeShapeType="1" noTextEdit="1"/>
+          </p:cNvSpPr>
+          <p:nvPr>
+            <p:extLst>
+              <p:ext uri="{386F3935-93C4-4BCD-93E2-E3B085C9AB24}">
+                <p16:designElem xmlns:p16="http://schemas.microsoft.com/office/powerpoint/2015/main" val="1"/>
+              </p:ext>
+            </p:extLst>
+          </p:nvPr>
+        </p:nvSpPr>
+        <p:spPr>
+          <a:xfrm flipH="1">
+            <a:off x="665085" y="2090569"/>
+            <a:ext cx="4297680" cy="27432"/>
+          </a:xfrm>
+          <a:prstGeom prst="rect">
+            <a:avLst/>
+          </a:prstGeom>
+          <a:solidFill>
+            <a:schemeClr val="accent4"/>
+          </a:solidFill>
+          <a:ln>
+            <a:noFill/>
+          </a:ln>
+        </p:spPr>
+        <p:style>
+          <a:lnRef idx="2">
+            <a:schemeClr val="accent1">
+              <a:shade val="50000"/>
+            </a:schemeClr>
+          </a:lnRef>
+          <a:fillRef idx="1">
+            <a:schemeClr val="accent1"/>
+          </a:fillRef>
+          <a:effectRef idx="0">
+            <a:schemeClr val="accent1"/>
+          </a:effectRef>
+          <a:fontRef idx="minor">
+            <a:schemeClr val="lt1"/>
+          </a:fontRef>
+        </p:style>
+        <p:txBody>
+          <a:bodyPr rtlCol="0" anchor="ctr"/>
+          <a:lstStyle/>
+          <a:p>
+            <a:pPr algn="ctr"/>
+            <a:endParaRPr lang="en-US"/>
+          </a:p>
+        </p:txBody>
+      </p:sp>
+      <p:sp>
+        <p:nvSpPr>
+          <p:cNvPr id="19" name="Content Placeholder 18">
+            <a:extLst>
+              <a:ext uri="{FF2B5EF4-FFF2-40B4-BE49-F238E27FC236}">
+                <a16:creationId xmlns:a16="http://schemas.microsoft.com/office/drawing/2014/main" id="{320F9559-596E-0E0C-3437-3F416215EA25}"/>
+              </a:ext>
+            </a:extLst>
+          </p:cNvPr>
+          <p:cNvSpPr>
+            <a:spLocks noGrp="1"/>
+          </p:cNvSpPr>
+          <p:nvPr>
+            <p:ph idx="1"/>
+          </p:nvPr>
+        </p:nvSpPr>
+        <p:spPr>
+          <a:xfrm>
+            <a:off x="590719" y="2330505"/>
+            <a:ext cx="4559425" cy="3979585"/>
+          </a:xfrm>
+        </p:spPr>
+        <p:txBody>
+          <a:bodyPr anchor="ctr">
+            <a:normAutofit/>
+          </a:bodyPr>
+          <a:lstStyle/>
+          <a:p>
+            <a:endParaRPr lang="en-US" sz="2000"/>
+          </a:p>
+        </p:txBody>
+      </p:sp>
+      <p:sp>
+        <p:nvSpPr>
+          <p:cNvPr id="30" name="Rectangle 29">
+            <a:extLst>
+              <a:ext uri="{FF2B5EF4-FFF2-40B4-BE49-F238E27FC236}">
+                <a16:creationId xmlns:a16="http://schemas.microsoft.com/office/drawing/2014/main" id="{C13237C8-E62C-4F0D-A318-BD6FB6C2D138}"/>
+              </a:ext>
+              <a:ext uri="{C183D7F6-B498-43B3-948B-1728B52AA6E4}">
+                <adec:decorative xmlns:adec="http://schemas.microsoft.com/office/drawing/2017/decorative" val="1"/>
+              </a:ext>
+            </a:extLst>
+          </p:cNvPr>
+          <p:cNvSpPr>
+            <a:spLocks noGrp="1" noRot="1" noChangeAspect="1" noMove="1" noResize="1" noEditPoints="1" noAdjustHandles="1" noChangeArrowheads="1" noChangeShapeType="1" noTextEdit="1"/>
+          </p:cNvSpPr>
+          <p:nvPr>
+            <p:extLst>
+              <p:ext uri="{386F3935-93C4-4BCD-93E2-E3B085C9AB24}">
+                <p16:designElem xmlns:p16="http://schemas.microsoft.com/office/powerpoint/2015/main" val="1"/>
+              </p:ext>
+            </p:extLst>
+          </p:nvPr>
+        </p:nvSpPr>
+        <p:spPr>
+          <a:xfrm flipH="1">
+            <a:off x="10697670" y="0"/>
+            <a:ext cx="1494330" cy="6858000"/>
+          </a:xfrm>
+          <a:prstGeom prst="rect">
+            <a:avLst/>
+          </a:prstGeom>
+          <a:solidFill>
+            <a:schemeClr val="accent4"/>
+          </a:solidFill>
+          <a:ln>
+            <a:noFill/>
+          </a:ln>
+        </p:spPr>
+        <p:style>
+          <a:lnRef idx="2">
+            <a:schemeClr val="accent1">
+              <a:shade val="50000"/>
+            </a:schemeClr>
+          </a:lnRef>
+          <a:fillRef idx="1">
+            <a:schemeClr val="accent1"/>
+          </a:fillRef>
+          <a:effectRef idx="0">
+            <a:schemeClr val="accent1"/>
+          </a:effectRef>
+          <a:fontRef idx="minor">
+            <a:schemeClr val="lt1"/>
+          </a:fontRef>
+        </p:style>
+        <p:txBody>
+          <a:bodyPr rtlCol="0" anchor="ctr"/>
+          <a:lstStyle/>
+          <a:p>
+            <a:pPr algn="ctr"/>
+            <a:endParaRPr lang="en-US"/>
+          </a:p>
+        </p:txBody>
+      </p:sp>
+      <p:sp>
+        <p:nvSpPr>
+          <p:cNvPr id="32" name="Rectangle 31">
+            <a:extLst>
+              <a:ext uri="{FF2B5EF4-FFF2-40B4-BE49-F238E27FC236}">
+                <a16:creationId xmlns:a16="http://schemas.microsoft.com/office/drawing/2014/main" id="{19C9EAEA-39D0-4B0E-A0EB-51E7B26740B1}"/>
+              </a:ext>
+              <a:ext uri="{C183D7F6-B498-43B3-948B-1728B52AA6E4}">
+                <adec:decorative xmlns:adec="http://schemas.microsoft.com/office/drawing/2017/decorative" val="1"/>
+              </a:ext>
+            </a:extLst>
+          </p:cNvPr>
+          <p:cNvSpPr>
+            <a:spLocks noGrp="1" noRot="1" noChangeAspect="1" noMove="1" noResize="1" noEditPoints="1" noAdjustHandles="1" noChangeArrowheads="1" noChangeShapeType="1" noTextEdit="1"/>
+          </p:cNvSpPr>
+          <p:nvPr>
+            <p:extLst>
+              <p:ext uri="{386F3935-93C4-4BCD-93E2-E3B085C9AB24}">
+                <p16:designElem xmlns:p16="http://schemas.microsoft.com/office/powerpoint/2015/main" val="1"/>
+              </p:ext>
+            </p:extLst>
+          </p:nvPr>
+        </p:nvSpPr>
+        <p:spPr>
+          <a:xfrm>
+            <a:off x="5685810" y="513853"/>
+            <a:ext cx="6009366" cy="5834577"/>
+          </a:xfrm>
+          <a:prstGeom prst="rect">
+            <a:avLst/>
+          </a:prstGeom>
+          <a:solidFill>
+            <a:schemeClr val="bg1"/>
+          </a:solidFill>
+          <a:ln>
+            <a:noFill/>
+          </a:ln>
+          <a:effectLst>
+            <a:outerShdw blurRad="139700" dist="127000" dir="5400000" algn="t" rotWithShape="0">
+              <a:prstClr val="black">
+                <a:alpha val="15000"/>
+              </a:prstClr>
+            </a:outerShdw>
+          </a:effectLst>
+        </p:spPr>
+        <p:style>
+          <a:lnRef idx="2">
+            <a:schemeClr val="accent1">
+              <a:shade val="50000"/>
+            </a:schemeClr>
+          </a:lnRef>
+          <a:fillRef idx="1">
+            <a:schemeClr val="accent1"/>
+          </a:fillRef>
+          <a:effectRef idx="0">
+            <a:schemeClr val="accent1"/>
+          </a:effectRef>
+          <a:fontRef idx="minor">
+            <a:schemeClr val="lt1"/>
+          </a:fontRef>
+        </p:style>
+        <p:txBody>
+          <a:bodyPr rtlCol="0" anchor="ctr"/>
+          <a:lstStyle/>
+          <a:p>
+            <a:pPr algn="ctr"/>
+            <a:endParaRPr lang="en-US"/>
+          </a:p>
+        </p:txBody>
+      </p:sp>
+      <p:pic>
+        <p:nvPicPr>
+          <p:cNvPr id="15" name="Content Placeholder 14" descr="A receipt with numbers and letters&#10;&#10;Description automatically generated">
+            <a:extLst>
+              <a:ext uri="{FF2B5EF4-FFF2-40B4-BE49-F238E27FC236}">
+                <a16:creationId xmlns:a16="http://schemas.microsoft.com/office/drawing/2014/main" id="{37AE2850-513A-CC75-2B58-4292D13C24F1}"/>
+              </a:ext>
+            </a:extLst>
+          </p:cNvPr>
+          <p:cNvPicPr>
+            <a:picLocks noChangeAspect="1"/>
+          </p:cNvPicPr>
+          <p:nvPr/>
+        </p:nvPicPr>
+        <p:blipFill rotWithShape="1">
+          <a:blip r:embed="rId2">
+            <a:extLst>
+              <a:ext uri="{28A0092B-C50C-407E-A947-70E740481C1C}">
+                <a14:useLocalDpi xmlns:a14="http://schemas.microsoft.com/office/drawing/2010/main" val="0"/>
+              </a:ext>
+            </a:extLst>
+          </a:blip>
+          <a:srcRect t="14452" r="-3" b="-3"/>
+          <a:stretch/>
+        </p:blipFill>
+        <p:spPr>
+          <a:xfrm>
+            <a:off x="4621223" y="-1"/>
+            <a:ext cx="7073954" cy="6857365"/>
+          </a:xfrm>
+          <a:prstGeom prst="rect">
+            <a:avLst/>
+          </a:prstGeom>
+        </p:spPr>
+      </p:pic>
+    </p:spTree>
+    <p:extLst>
+      <p:ext uri="{BB962C8B-B14F-4D97-AF65-F5344CB8AC3E}">
+        <p14:creationId xmlns:p14="http://schemas.microsoft.com/office/powerpoint/2010/main" val="599654568"/>
+      </p:ext>
+    </p:extLst>
+  </p:cSld>
+  <p:clrMapOvr>
+    <a:masterClrMapping/>
+  </p:clrMapOvr>
+</p:sld>
+</file>
+
+<file path=ppt/slides/slide14.xml><?xml version="1.0" encoding="utf-8"?>
+<p:sld xmlns:a="http://schemas.openxmlformats.org/drawingml/2006/main" xmlns:r="http://schemas.openxmlformats.org/officeDocument/2006/relationships" xmlns:p="http://schemas.openxmlformats.org/presentationml/2006/main">
+  <p:cSld>
+    <p:bg>
+      <p:bgPr>
+        <a:solidFill>
+          <a:schemeClr val="bg1"/>
+        </a:solidFill>
+        <a:effectLst/>
+      </p:bgPr>
+    </p:bg>
+    <p:spTree>
+      <p:nvGrpSpPr>
+        <p:cNvPr id="1" name=""/>
+        <p:cNvGrpSpPr/>
+        <p:nvPr/>
+      </p:nvGrpSpPr>
+      <p:grpSpPr>
+        <a:xfrm>
+          <a:off x="0" y="0"/>
+          <a:ext cx="0" cy="0"/>
+          <a:chOff x="0" y="0"/>
+          <a:chExt cx="0" cy="0"/>
+        </a:xfrm>
+      </p:grpSpPr>
+      <p:sp useBgFill="1">
+        <p:nvSpPr>
+          <p:cNvPr id="14" name="Rectangle 13">
+            <a:extLst>
+              <a:ext uri="{FF2B5EF4-FFF2-40B4-BE49-F238E27FC236}">
+                <a16:creationId xmlns:a16="http://schemas.microsoft.com/office/drawing/2014/main" id="{201CC55D-ED54-4C5C-95E6-10947BD1103B}"/>
+              </a:ext>
+              <a:ext uri="{C183D7F6-B498-43B3-948B-1728B52AA6E4}">
+                <adec:decorative xmlns:adec="http://schemas.microsoft.com/office/drawing/2017/decorative" val="1"/>
+              </a:ext>
+            </a:extLst>
+          </p:cNvPr>
+          <p:cNvSpPr>
+            <a:spLocks noGrp="1" noRot="1" noChangeAspect="1" noMove="1" noResize="1" noEditPoints="1" noAdjustHandles="1" noChangeArrowheads="1" noChangeShapeType="1" noTextEdit="1"/>
+          </p:cNvSpPr>
+          <p:nvPr>
+            <p:extLst>
+              <p:ext uri="{386F3935-93C4-4BCD-93E2-E3B085C9AB24}">
+                <p16:designElem xmlns:p16="http://schemas.microsoft.com/office/powerpoint/2015/main" val="1"/>
+              </p:ext>
+            </p:extLst>
+          </p:nvPr>
+        </p:nvSpPr>
+        <p:spPr>
+          <a:xfrm>
+            <a:off x="0" y="0"/>
+            <a:ext cx="12191999" cy="6857365"/>
+          </a:xfrm>
+          <a:prstGeom prst="rect">
+            <a:avLst/>
+          </a:prstGeom>
+          <a:ln>
+            <a:noFill/>
+          </a:ln>
+        </p:spPr>
+        <p:style>
+          <a:lnRef idx="2">
+            <a:schemeClr val="accent1">
+              <a:shade val="50000"/>
+            </a:schemeClr>
+          </a:lnRef>
+          <a:fillRef idx="1">
+            <a:schemeClr val="accent1"/>
+          </a:fillRef>
+          <a:effectRef idx="0">
+            <a:schemeClr val="accent1"/>
+          </a:effectRef>
+          <a:fontRef idx="minor">
+            <a:schemeClr val="lt1"/>
+          </a:fontRef>
+        </p:style>
+        <p:txBody>
+          <a:bodyPr rtlCol="0" anchor="ctr"/>
+          <a:lstStyle/>
+          <a:p>
+            <a:pPr algn="ctr"/>
+            <a:endParaRPr lang="en-US"/>
+          </a:p>
+        </p:txBody>
+      </p:sp>
+      <p:sp>
+        <p:nvSpPr>
+          <p:cNvPr id="2" name="Title 1">
+            <a:extLst>
+              <a:ext uri="{FF2B5EF4-FFF2-40B4-BE49-F238E27FC236}">
+                <a16:creationId xmlns:a16="http://schemas.microsoft.com/office/drawing/2014/main" id="{FC6EB284-42BB-79F8-FEF3-377744304021}"/>
+              </a:ext>
+            </a:extLst>
+          </p:cNvPr>
+          <p:cNvSpPr>
+            <a:spLocks noGrp="1"/>
+          </p:cNvSpPr>
+          <p:nvPr>
+            <p:ph type="title"/>
+          </p:nvPr>
+        </p:nvSpPr>
+        <p:spPr>
+          <a:xfrm>
+            <a:off x="589560" y="856180"/>
+            <a:ext cx="4560584" cy="1128068"/>
+          </a:xfrm>
+        </p:spPr>
+        <p:txBody>
+          <a:bodyPr anchor="ctr">
+            <a:normAutofit/>
+          </a:bodyPr>
+          <a:lstStyle/>
+          <a:p>
+            <a:r>
+              <a:rPr lang="en-GB" sz="4000"/>
+              <a:t>Thresholded</a:t>
+            </a:r>
+          </a:p>
+        </p:txBody>
+      </p:sp>
+      <p:grpSp>
+        <p:nvGrpSpPr>
+          <p:cNvPr id="16" name="Group 15">
+            <a:extLst>
+              <a:ext uri="{FF2B5EF4-FFF2-40B4-BE49-F238E27FC236}">
+                <a16:creationId xmlns:a16="http://schemas.microsoft.com/office/drawing/2014/main" id="{1DE889C7-FAD6-4397-98E2-05D503484459}"/>
+              </a:ext>
+              <a:ext uri="{C183D7F6-B498-43B3-948B-1728B52AA6E4}">
+                <adec:decorative xmlns:adec="http://schemas.microsoft.com/office/drawing/2017/decorative" val="1"/>
+              </a:ext>
+            </a:extLst>
+          </p:cNvPr>
+          <p:cNvGrpSpPr>
+            <a:grpSpLocks noGrp="1" noUngrp="1" noRot="1" noChangeAspect="1" noMove="1" noResize="1"/>
+          </p:cNvGrpSpPr>
+          <p:nvPr>
+            <p:extLst>
+              <p:ext uri="{386F3935-93C4-4BCD-93E2-E3B085C9AB24}">
+                <p16:designElem xmlns:p16="http://schemas.microsoft.com/office/powerpoint/2015/main" val="1"/>
+              </p:ext>
+            </p:extLst>
+          </p:nvPr>
+        </p:nvGrpSpPr>
+        <p:grpSpPr>
+          <a:xfrm>
+            <a:off x="0" y="1083484"/>
+            <a:ext cx="355196" cy="673460"/>
+            <a:chOff x="0" y="823811"/>
+            <a:chExt cx="355196" cy="673460"/>
+          </a:xfrm>
+        </p:grpSpPr>
+        <p:sp>
+          <p:nvSpPr>
+            <p:cNvPr id="17" name="Rectangle 16">
+              <a:extLst>
+                <a:ext uri="{FF2B5EF4-FFF2-40B4-BE49-F238E27FC236}">
+                  <a16:creationId xmlns:a16="http://schemas.microsoft.com/office/drawing/2014/main" id="{F399A70F-F8CD-4992-9EF5-6CF15472E73F}"/>
+                </a:ext>
+                <a:ext uri="{C183D7F6-B498-43B3-948B-1728B52AA6E4}">
+                  <adec:decorative xmlns:adec="http://schemas.microsoft.com/office/drawing/2017/decorative" val="1"/>
+                </a:ext>
+              </a:extLst>
+            </p:cNvPr>
+            <p:cNvSpPr/>
+            <p:nvPr>
+              <p:extLst>
+                <p:ext uri="{386F3935-93C4-4BCD-93E2-E3B085C9AB24}">
+                  <p16:designElem xmlns:p16="http://schemas.microsoft.com/office/powerpoint/2015/main" val="1"/>
+                </p:ext>
+              </p:extLst>
+            </p:nvPr>
+          </p:nvSpPr>
+          <p:spPr>
+            <a:xfrm>
+              <a:off x="0" y="823811"/>
+              <a:ext cx="87363" cy="673460"/>
+            </a:xfrm>
+            <a:prstGeom prst="rect">
+              <a:avLst/>
+            </a:prstGeom>
+            <a:solidFill>
+              <a:schemeClr val="accent4"/>
+            </a:solidFill>
+            <a:ln>
+              <a:noFill/>
+            </a:ln>
+          </p:spPr>
+          <p:style>
+            <a:lnRef idx="2">
+              <a:schemeClr val="accent1">
+                <a:shade val="50000"/>
+              </a:schemeClr>
+            </a:lnRef>
+            <a:fillRef idx="1">
+              <a:schemeClr val="accent1"/>
+            </a:fillRef>
+            <a:effectRef idx="0">
+              <a:schemeClr val="accent1"/>
+            </a:effectRef>
+            <a:fontRef idx="minor">
+              <a:schemeClr val="lt1"/>
+            </a:fontRef>
+          </p:style>
+          <p:txBody>
+            <a:bodyPr rtlCol="0" anchor="ctr"/>
+            <a:lstStyle/>
+            <a:p>
+              <a:pPr algn="ctr"/>
+              <a:endParaRPr lang="en-US"/>
+            </a:p>
+          </p:txBody>
+        </p:sp>
+        <p:sp>
+          <p:nvSpPr>
+            <p:cNvPr id="18" name="Rectangle 17">
+              <a:extLst>
+                <a:ext uri="{FF2B5EF4-FFF2-40B4-BE49-F238E27FC236}">
+                  <a16:creationId xmlns:a16="http://schemas.microsoft.com/office/drawing/2014/main" id="{48F4FEDC-6D80-458C-A665-075D9B9500FD}"/>
+                </a:ext>
+                <a:ext uri="{C183D7F6-B498-43B3-948B-1728B52AA6E4}">
+                  <adec:decorative xmlns:adec="http://schemas.microsoft.com/office/drawing/2017/decorative" val="1"/>
+                </a:ext>
+              </a:extLst>
+            </p:cNvPr>
+            <p:cNvSpPr/>
+            <p:nvPr>
+              <p:extLst>
+                <p:ext uri="{386F3935-93C4-4BCD-93E2-E3B085C9AB24}">
+                  <p16:designElem xmlns:p16="http://schemas.microsoft.com/office/powerpoint/2015/main" val="1"/>
+                </p:ext>
+              </p:extLst>
+            </p:nvPr>
+          </p:nvSpPr>
+          <p:spPr>
+            <a:xfrm>
+              <a:off x="159341" y="823811"/>
+              <a:ext cx="195855" cy="673460"/>
+            </a:xfrm>
+            <a:prstGeom prst="rect">
+              <a:avLst/>
+            </a:prstGeom>
+            <a:solidFill>
+              <a:schemeClr val="accent4"/>
+            </a:solidFill>
+            <a:ln>
+              <a:noFill/>
+            </a:ln>
+          </p:spPr>
+          <p:style>
+            <a:lnRef idx="2">
+              <a:schemeClr val="accent1">
+                <a:shade val="50000"/>
+              </a:schemeClr>
+            </a:lnRef>
+            <a:fillRef idx="1">
+              <a:schemeClr val="accent1"/>
+            </a:fillRef>
+            <a:effectRef idx="0">
+              <a:schemeClr val="accent1"/>
+            </a:effectRef>
+            <a:fontRef idx="minor">
+              <a:schemeClr val="lt1"/>
+            </a:fontRef>
+          </p:style>
+          <p:txBody>
+            <a:bodyPr rtlCol="0" anchor="ctr"/>
+            <a:lstStyle/>
+            <a:p>
+              <a:pPr algn="ctr"/>
+              <a:endParaRPr lang="en-US"/>
+            </a:p>
+          </p:txBody>
+        </p:sp>
+      </p:grpSp>
+      <p:sp>
+        <p:nvSpPr>
+          <p:cNvPr id="20" name="Rectangle 19">
+            <a:extLst>
+              <a:ext uri="{FF2B5EF4-FFF2-40B4-BE49-F238E27FC236}">
+                <a16:creationId xmlns:a16="http://schemas.microsoft.com/office/drawing/2014/main" id="{3873B707-463F-40B0-8227-E8CC6C67EB25}"/>
+              </a:ext>
+              <a:ext uri="{C183D7F6-B498-43B3-948B-1728B52AA6E4}">
+                <adec:decorative xmlns:adec="http://schemas.microsoft.com/office/drawing/2017/decorative" val="1"/>
+              </a:ext>
+            </a:extLst>
+          </p:cNvPr>
+          <p:cNvSpPr>
+            <a:spLocks noGrp="1" noRot="1" noChangeAspect="1" noMove="1" noResize="1" noEditPoints="1" noAdjustHandles="1" noChangeArrowheads="1" noChangeShapeType="1" noTextEdit="1"/>
+          </p:cNvSpPr>
+          <p:nvPr>
+            <p:extLst>
+              <p:ext uri="{386F3935-93C4-4BCD-93E2-E3B085C9AB24}">
+                <p16:designElem xmlns:p16="http://schemas.microsoft.com/office/powerpoint/2015/main" val="1"/>
+              </p:ext>
+            </p:extLst>
+          </p:nvPr>
+        </p:nvSpPr>
+        <p:spPr>
+          <a:xfrm flipH="1">
+            <a:off x="665085" y="2090569"/>
+            <a:ext cx="4297680" cy="27432"/>
+          </a:xfrm>
+          <a:prstGeom prst="rect">
+            <a:avLst/>
+          </a:prstGeom>
+          <a:solidFill>
+            <a:schemeClr val="accent4"/>
+          </a:solidFill>
+          <a:ln>
+            <a:noFill/>
+          </a:ln>
+        </p:spPr>
+        <p:style>
+          <a:lnRef idx="2">
+            <a:schemeClr val="accent1">
+              <a:shade val="50000"/>
+            </a:schemeClr>
+          </a:lnRef>
+          <a:fillRef idx="1">
+            <a:schemeClr val="accent1"/>
+          </a:fillRef>
+          <a:effectRef idx="0">
+            <a:schemeClr val="accent1"/>
+          </a:effectRef>
+          <a:fontRef idx="minor">
+            <a:schemeClr val="lt1"/>
+          </a:fontRef>
+        </p:style>
+        <p:txBody>
+          <a:bodyPr rtlCol="0" anchor="ctr"/>
+          <a:lstStyle/>
+          <a:p>
+            <a:pPr algn="ctr"/>
+            <a:endParaRPr lang="en-US"/>
+          </a:p>
+        </p:txBody>
+      </p:sp>
+      <p:sp>
+        <p:nvSpPr>
+          <p:cNvPr id="11" name="Content Placeholder 10">
+            <a:extLst>
+              <a:ext uri="{FF2B5EF4-FFF2-40B4-BE49-F238E27FC236}">
+                <a16:creationId xmlns:a16="http://schemas.microsoft.com/office/drawing/2014/main" id="{C1846E61-E316-FAD8-D725-1AB7BD662FDA}"/>
+              </a:ext>
+            </a:extLst>
+          </p:cNvPr>
+          <p:cNvSpPr>
+            <a:spLocks noGrp="1"/>
+          </p:cNvSpPr>
+          <p:nvPr>
+            <p:ph idx="1"/>
+          </p:nvPr>
+        </p:nvSpPr>
+        <p:spPr>
+          <a:xfrm>
+            <a:off x="590719" y="2330505"/>
+            <a:ext cx="4559425" cy="3979585"/>
+          </a:xfrm>
+        </p:spPr>
+        <p:txBody>
+          <a:bodyPr anchor="ctr">
+            <a:normAutofit/>
+          </a:bodyPr>
+          <a:lstStyle/>
+          <a:p>
+            <a:endParaRPr lang="en-US" sz="2000"/>
+          </a:p>
+        </p:txBody>
+      </p:sp>
+      <p:sp>
+        <p:nvSpPr>
+          <p:cNvPr id="22" name="Rectangle 21">
+            <a:extLst>
+              <a:ext uri="{FF2B5EF4-FFF2-40B4-BE49-F238E27FC236}">
+                <a16:creationId xmlns:a16="http://schemas.microsoft.com/office/drawing/2014/main" id="{C13237C8-E62C-4F0D-A318-BD6FB6C2D138}"/>
+              </a:ext>
+              <a:ext uri="{C183D7F6-B498-43B3-948B-1728B52AA6E4}">
+                <adec:decorative xmlns:adec="http://schemas.microsoft.com/office/drawing/2017/decorative" val="1"/>
+              </a:ext>
+            </a:extLst>
+          </p:cNvPr>
+          <p:cNvSpPr>
+            <a:spLocks noGrp="1" noRot="1" noChangeAspect="1" noMove="1" noResize="1" noEditPoints="1" noAdjustHandles="1" noChangeArrowheads="1" noChangeShapeType="1" noTextEdit="1"/>
+          </p:cNvSpPr>
+          <p:nvPr>
+            <p:extLst>
+              <p:ext uri="{386F3935-93C4-4BCD-93E2-E3B085C9AB24}">
+                <p16:designElem xmlns:p16="http://schemas.microsoft.com/office/powerpoint/2015/main" val="1"/>
+              </p:ext>
+            </p:extLst>
+          </p:nvPr>
+        </p:nvSpPr>
+        <p:spPr>
+          <a:xfrm flipH="1">
+            <a:off x="10697670" y="0"/>
+            <a:ext cx="1494330" cy="6858000"/>
+          </a:xfrm>
+          <a:prstGeom prst="rect">
+            <a:avLst/>
+          </a:prstGeom>
+          <a:solidFill>
+            <a:schemeClr val="accent4"/>
+          </a:solidFill>
+          <a:ln>
+            <a:noFill/>
+          </a:ln>
+        </p:spPr>
+        <p:style>
+          <a:lnRef idx="2">
+            <a:schemeClr val="accent1">
+              <a:shade val="50000"/>
+            </a:schemeClr>
+          </a:lnRef>
+          <a:fillRef idx="1">
+            <a:schemeClr val="accent1"/>
+          </a:fillRef>
+          <a:effectRef idx="0">
+            <a:schemeClr val="accent1"/>
+          </a:effectRef>
+          <a:fontRef idx="minor">
+            <a:schemeClr val="lt1"/>
+          </a:fontRef>
+        </p:style>
+        <p:txBody>
+          <a:bodyPr rtlCol="0" anchor="ctr"/>
+          <a:lstStyle/>
+          <a:p>
+            <a:pPr algn="ctr"/>
+            <a:endParaRPr lang="en-US"/>
+          </a:p>
+        </p:txBody>
+      </p:sp>
+      <p:sp>
+        <p:nvSpPr>
+          <p:cNvPr id="24" name="Rectangle 23">
+            <a:extLst>
+              <a:ext uri="{FF2B5EF4-FFF2-40B4-BE49-F238E27FC236}">
+                <a16:creationId xmlns:a16="http://schemas.microsoft.com/office/drawing/2014/main" id="{19C9EAEA-39D0-4B0E-A0EB-51E7B26740B1}"/>
+              </a:ext>
+              <a:ext uri="{C183D7F6-B498-43B3-948B-1728B52AA6E4}">
+                <adec:decorative xmlns:adec="http://schemas.microsoft.com/office/drawing/2017/decorative" val="1"/>
+              </a:ext>
+            </a:extLst>
+          </p:cNvPr>
+          <p:cNvSpPr>
+            <a:spLocks noGrp="1" noRot="1" noChangeAspect="1" noMove="1" noResize="1" noEditPoints="1" noAdjustHandles="1" noChangeArrowheads="1" noChangeShapeType="1" noTextEdit="1"/>
+          </p:cNvSpPr>
+          <p:nvPr>
+            <p:extLst>
+              <p:ext uri="{386F3935-93C4-4BCD-93E2-E3B085C9AB24}">
+                <p16:designElem xmlns:p16="http://schemas.microsoft.com/office/powerpoint/2015/main" val="1"/>
+              </p:ext>
+            </p:extLst>
+          </p:nvPr>
+        </p:nvSpPr>
+        <p:spPr>
+          <a:xfrm>
+            <a:off x="5685810" y="513853"/>
+            <a:ext cx="6009366" cy="5834577"/>
+          </a:xfrm>
+          <a:prstGeom prst="rect">
+            <a:avLst/>
+          </a:prstGeom>
+          <a:solidFill>
+            <a:schemeClr val="bg1"/>
+          </a:solidFill>
+          <a:ln>
+            <a:noFill/>
+          </a:ln>
+          <a:effectLst>
+            <a:outerShdw blurRad="139700" dist="127000" dir="5400000" algn="t" rotWithShape="0">
+              <a:prstClr val="black">
+                <a:alpha val="15000"/>
+              </a:prstClr>
+            </a:outerShdw>
+          </a:effectLst>
+        </p:spPr>
+        <p:style>
+          <a:lnRef idx="2">
+            <a:schemeClr val="accent1">
+              <a:shade val="50000"/>
+            </a:schemeClr>
+          </a:lnRef>
+          <a:fillRef idx="1">
+            <a:schemeClr val="accent1"/>
+          </a:fillRef>
+          <a:effectRef idx="0">
+            <a:schemeClr val="accent1"/>
+          </a:effectRef>
+          <a:fontRef idx="minor">
+            <a:schemeClr val="lt1"/>
+          </a:fontRef>
+        </p:style>
+        <p:txBody>
+          <a:bodyPr rtlCol="0" anchor="ctr"/>
+          <a:lstStyle/>
+          <a:p>
+            <a:pPr algn="ctr"/>
+            <a:endParaRPr lang="en-US"/>
+          </a:p>
+        </p:txBody>
+      </p:sp>
+      <p:pic>
+        <p:nvPicPr>
+          <p:cNvPr id="7" name="Content Placeholder 6" descr="A receipt with numbers and letters&#10;&#10;Description automatically generated">
+            <a:extLst>
+              <a:ext uri="{FF2B5EF4-FFF2-40B4-BE49-F238E27FC236}">
+                <a16:creationId xmlns:a16="http://schemas.microsoft.com/office/drawing/2014/main" id="{8F9081D9-50E0-0D6C-83E3-D98A9CFB4413}"/>
+              </a:ext>
+            </a:extLst>
+          </p:cNvPr>
+          <p:cNvPicPr>
+            <a:picLocks noChangeAspect="1"/>
+          </p:cNvPicPr>
+          <p:nvPr/>
+        </p:nvPicPr>
+        <p:blipFill rotWithShape="1">
+          <a:blip r:embed="rId2">
+            <a:extLst>
+              <a:ext uri="{28A0092B-C50C-407E-A947-70E740481C1C}">
+                <a14:useLocalDpi xmlns:a14="http://schemas.microsoft.com/office/drawing/2010/main" val="0"/>
+              </a:ext>
+            </a:extLst>
+          </a:blip>
+          <a:srcRect t="12586" r="-3" b="1864"/>
+          <a:stretch/>
+        </p:blipFill>
+        <p:spPr>
+          <a:xfrm>
+            <a:off x="4602822" y="-636"/>
+            <a:ext cx="7092355" cy="6875203"/>
+          </a:xfrm>
+          <a:prstGeom prst="rect">
+            <a:avLst/>
+          </a:prstGeom>
+        </p:spPr>
+      </p:pic>
+    </p:spTree>
+    <p:extLst>
+      <p:ext uri="{BB962C8B-B14F-4D97-AF65-F5344CB8AC3E}">
+        <p14:creationId xmlns:p14="http://schemas.microsoft.com/office/powerpoint/2010/main" val="2724221404"/>
+      </p:ext>
+    </p:extLst>
+  </p:cSld>
+  <p:clrMapOvr>
+    <a:masterClrMapping/>
+  </p:clrMapOvr>
+</p:sld>
+</file>
+
+<file path=ppt/slides/slide15.xml><?xml version="1.0" encoding="utf-8"?>
+<p:sld xmlns:a="http://schemas.openxmlformats.org/drawingml/2006/main" xmlns:r="http://schemas.openxmlformats.org/officeDocument/2006/relationships" xmlns:p="http://schemas.openxmlformats.org/presentationml/2006/main">
+  <p:cSld>
+    <p:bg>
+      <p:bgPr>
+        <a:solidFill>
+          <a:schemeClr val="bg1"/>
+        </a:solidFill>
+        <a:effectLst/>
+      </p:bgPr>
+    </p:bg>
+    <p:spTree>
+      <p:nvGrpSpPr>
+        <p:cNvPr id="1" name=""/>
+        <p:cNvGrpSpPr/>
+        <p:nvPr/>
+      </p:nvGrpSpPr>
+      <p:grpSpPr>
+        <a:xfrm>
+          <a:off x="0" y="0"/>
+          <a:ext cx="0" cy="0"/>
+          <a:chOff x="0" y="0"/>
+          <a:chExt cx="0" cy="0"/>
+        </a:xfrm>
+      </p:grpSpPr>
+      <p:sp useBgFill="1">
+        <p:nvSpPr>
+          <p:cNvPr id="14" name="Rectangle 13">
+            <a:extLst>
+              <a:ext uri="{FF2B5EF4-FFF2-40B4-BE49-F238E27FC236}">
+                <a16:creationId xmlns:a16="http://schemas.microsoft.com/office/drawing/2014/main" id="{201CC55D-ED54-4C5C-95E6-10947BD1103B}"/>
+              </a:ext>
+              <a:ext uri="{C183D7F6-B498-43B3-948B-1728B52AA6E4}">
+                <adec:decorative xmlns:adec="http://schemas.microsoft.com/office/drawing/2017/decorative" val="1"/>
+              </a:ext>
+            </a:extLst>
+          </p:cNvPr>
+          <p:cNvSpPr>
+            <a:spLocks noGrp="1" noRot="1" noChangeAspect="1" noMove="1" noResize="1" noEditPoints="1" noAdjustHandles="1" noChangeArrowheads="1" noChangeShapeType="1" noTextEdit="1"/>
+          </p:cNvSpPr>
+          <p:nvPr>
+            <p:extLst>
+              <p:ext uri="{386F3935-93C4-4BCD-93E2-E3B085C9AB24}">
+                <p16:designElem xmlns:p16="http://schemas.microsoft.com/office/powerpoint/2015/main" val="1"/>
+              </p:ext>
+            </p:extLst>
+          </p:nvPr>
+        </p:nvSpPr>
+        <p:spPr>
+          <a:xfrm>
+            <a:off x="0" y="0"/>
+            <a:ext cx="12191999" cy="6857365"/>
+          </a:xfrm>
+          <a:prstGeom prst="rect">
+            <a:avLst/>
+          </a:prstGeom>
+          <a:ln>
+            <a:noFill/>
+          </a:ln>
+        </p:spPr>
+        <p:style>
+          <a:lnRef idx="2">
+            <a:schemeClr val="accent1">
+              <a:shade val="50000"/>
+            </a:schemeClr>
+          </a:lnRef>
+          <a:fillRef idx="1">
+            <a:schemeClr val="accent1"/>
+          </a:fillRef>
+          <a:effectRef idx="0">
+            <a:schemeClr val="accent1"/>
+          </a:effectRef>
+          <a:fontRef idx="minor">
+            <a:schemeClr val="lt1"/>
+          </a:fontRef>
+        </p:style>
+        <p:txBody>
+          <a:bodyPr rtlCol="0" anchor="ctr"/>
+          <a:lstStyle/>
+          <a:p>
+            <a:pPr algn="ctr"/>
+            <a:endParaRPr lang="en-US"/>
+          </a:p>
+        </p:txBody>
+      </p:sp>
+      <p:sp>
+        <p:nvSpPr>
+          <p:cNvPr id="2" name="Title 1">
+            <a:extLst>
+              <a:ext uri="{FF2B5EF4-FFF2-40B4-BE49-F238E27FC236}">
+                <a16:creationId xmlns:a16="http://schemas.microsoft.com/office/drawing/2014/main" id="{ACE69801-F334-F46C-EC88-CCB678824ED0}"/>
+              </a:ext>
+            </a:extLst>
+          </p:cNvPr>
+          <p:cNvSpPr>
+            <a:spLocks noGrp="1"/>
+          </p:cNvSpPr>
+          <p:nvPr>
+            <p:ph type="title"/>
+          </p:nvPr>
+        </p:nvSpPr>
+        <p:spPr>
+          <a:xfrm>
+            <a:off x="589560" y="856180"/>
+            <a:ext cx="4560584" cy="1128068"/>
+          </a:xfrm>
+        </p:spPr>
+        <p:txBody>
+          <a:bodyPr anchor="ctr">
+            <a:normAutofit/>
+          </a:bodyPr>
+          <a:lstStyle/>
+          <a:p>
+            <a:r>
+              <a:rPr lang="en-GB" sz="4000"/>
+              <a:t>Bolded text</a:t>
+            </a:r>
+          </a:p>
+        </p:txBody>
+      </p:sp>
+      <p:grpSp>
+        <p:nvGrpSpPr>
+          <p:cNvPr id="16" name="Group 15">
+            <a:extLst>
+              <a:ext uri="{FF2B5EF4-FFF2-40B4-BE49-F238E27FC236}">
+                <a16:creationId xmlns:a16="http://schemas.microsoft.com/office/drawing/2014/main" id="{1DE889C7-FAD6-4397-98E2-05D503484459}"/>
+              </a:ext>
+              <a:ext uri="{C183D7F6-B498-43B3-948B-1728B52AA6E4}">
+                <adec:decorative xmlns:adec="http://schemas.microsoft.com/office/drawing/2017/decorative" val="1"/>
+              </a:ext>
+            </a:extLst>
+          </p:cNvPr>
+          <p:cNvGrpSpPr>
+            <a:grpSpLocks noGrp="1" noUngrp="1" noRot="1" noChangeAspect="1" noMove="1" noResize="1"/>
+          </p:cNvGrpSpPr>
+          <p:nvPr>
+            <p:extLst>
+              <p:ext uri="{386F3935-93C4-4BCD-93E2-E3B085C9AB24}">
+                <p16:designElem xmlns:p16="http://schemas.microsoft.com/office/powerpoint/2015/main" val="1"/>
+              </p:ext>
+            </p:extLst>
+          </p:nvPr>
+        </p:nvGrpSpPr>
+        <p:grpSpPr>
+          <a:xfrm>
+            <a:off x="0" y="1083484"/>
+            <a:ext cx="355196" cy="673460"/>
+            <a:chOff x="0" y="823811"/>
+            <a:chExt cx="355196" cy="673460"/>
+          </a:xfrm>
+        </p:grpSpPr>
+        <p:sp>
+          <p:nvSpPr>
+            <p:cNvPr id="17" name="Rectangle 16">
+              <a:extLst>
+                <a:ext uri="{FF2B5EF4-FFF2-40B4-BE49-F238E27FC236}">
+                  <a16:creationId xmlns:a16="http://schemas.microsoft.com/office/drawing/2014/main" id="{F399A70F-F8CD-4992-9EF5-6CF15472E73F}"/>
+                </a:ext>
+                <a:ext uri="{C183D7F6-B498-43B3-948B-1728B52AA6E4}">
+                  <adec:decorative xmlns:adec="http://schemas.microsoft.com/office/drawing/2017/decorative" val="1"/>
+                </a:ext>
+              </a:extLst>
+            </p:cNvPr>
+            <p:cNvSpPr/>
+            <p:nvPr>
+              <p:extLst>
+                <p:ext uri="{386F3935-93C4-4BCD-93E2-E3B085C9AB24}">
+                  <p16:designElem xmlns:p16="http://schemas.microsoft.com/office/powerpoint/2015/main" val="1"/>
+                </p:ext>
+              </p:extLst>
+            </p:nvPr>
+          </p:nvSpPr>
+          <p:spPr>
+            <a:xfrm>
+              <a:off x="0" y="823811"/>
+              <a:ext cx="87363" cy="673460"/>
+            </a:xfrm>
+            <a:prstGeom prst="rect">
+              <a:avLst/>
+            </a:prstGeom>
+            <a:solidFill>
+              <a:schemeClr val="accent4"/>
+            </a:solidFill>
+            <a:ln>
+              <a:noFill/>
+            </a:ln>
+          </p:spPr>
+          <p:style>
+            <a:lnRef idx="2">
+              <a:schemeClr val="accent1">
+                <a:shade val="50000"/>
+              </a:schemeClr>
+            </a:lnRef>
+            <a:fillRef idx="1">
+              <a:schemeClr val="accent1"/>
+            </a:fillRef>
+            <a:effectRef idx="0">
+              <a:schemeClr val="accent1"/>
+            </a:effectRef>
+            <a:fontRef idx="minor">
+              <a:schemeClr val="lt1"/>
+            </a:fontRef>
+          </p:style>
+          <p:txBody>
+            <a:bodyPr rtlCol="0" anchor="ctr"/>
+            <a:lstStyle/>
+            <a:p>
+              <a:pPr algn="ctr"/>
+              <a:endParaRPr lang="en-US"/>
+            </a:p>
+          </p:txBody>
+        </p:sp>
+        <p:sp>
+          <p:nvSpPr>
+            <p:cNvPr id="18" name="Rectangle 17">
+              <a:extLst>
+                <a:ext uri="{FF2B5EF4-FFF2-40B4-BE49-F238E27FC236}">
+                  <a16:creationId xmlns:a16="http://schemas.microsoft.com/office/drawing/2014/main" id="{48F4FEDC-6D80-458C-A665-075D9B9500FD}"/>
+                </a:ext>
+                <a:ext uri="{C183D7F6-B498-43B3-948B-1728B52AA6E4}">
+                  <adec:decorative xmlns:adec="http://schemas.microsoft.com/office/drawing/2017/decorative" val="1"/>
+                </a:ext>
+              </a:extLst>
+            </p:cNvPr>
+            <p:cNvSpPr/>
+            <p:nvPr>
+              <p:extLst>
+                <p:ext uri="{386F3935-93C4-4BCD-93E2-E3B085C9AB24}">
+                  <p16:designElem xmlns:p16="http://schemas.microsoft.com/office/powerpoint/2015/main" val="1"/>
+                </p:ext>
+              </p:extLst>
+            </p:nvPr>
+          </p:nvSpPr>
+          <p:spPr>
+            <a:xfrm>
+              <a:off x="159341" y="823811"/>
+              <a:ext cx="195855" cy="673460"/>
+            </a:xfrm>
+            <a:prstGeom prst="rect">
+              <a:avLst/>
+            </a:prstGeom>
+            <a:solidFill>
+              <a:schemeClr val="accent4"/>
+            </a:solidFill>
+            <a:ln>
+              <a:noFill/>
+            </a:ln>
+          </p:spPr>
+          <p:style>
+            <a:lnRef idx="2">
+              <a:schemeClr val="accent1">
+                <a:shade val="50000"/>
+              </a:schemeClr>
+            </a:lnRef>
+            <a:fillRef idx="1">
+              <a:schemeClr val="accent1"/>
+            </a:fillRef>
+            <a:effectRef idx="0">
+              <a:schemeClr val="accent1"/>
+            </a:effectRef>
+            <a:fontRef idx="minor">
+              <a:schemeClr val="lt1"/>
+            </a:fontRef>
+          </p:style>
+          <p:txBody>
+            <a:bodyPr rtlCol="0" anchor="ctr"/>
+            <a:lstStyle/>
+            <a:p>
+              <a:pPr algn="ctr"/>
+              <a:endParaRPr lang="en-US"/>
+            </a:p>
+          </p:txBody>
+        </p:sp>
+      </p:grpSp>
+      <p:sp>
+        <p:nvSpPr>
+          <p:cNvPr id="20" name="Rectangle 19">
+            <a:extLst>
+              <a:ext uri="{FF2B5EF4-FFF2-40B4-BE49-F238E27FC236}">
+                <a16:creationId xmlns:a16="http://schemas.microsoft.com/office/drawing/2014/main" id="{3873B707-463F-40B0-8227-E8CC6C67EB25}"/>
+              </a:ext>
+              <a:ext uri="{C183D7F6-B498-43B3-948B-1728B52AA6E4}">
+                <adec:decorative xmlns:adec="http://schemas.microsoft.com/office/drawing/2017/decorative" val="1"/>
+              </a:ext>
+            </a:extLst>
+          </p:cNvPr>
+          <p:cNvSpPr>
+            <a:spLocks noGrp="1" noRot="1" noChangeAspect="1" noMove="1" noResize="1" noEditPoints="1" noAdjustHandles="1" noChangeArrowheads="1" noChangeShapeType="1" noTextEdit="1"/>
+          </p:cNvSpPr>
+          <p:nvPr>
+            <p:extLst>
+              <p:ext uri="{386F3935-93C4-4BCD-93E2-E3B085C9AB24}">
+                <p16:designElem xmlns:p16="http://schemas.microsoft.com/office/powerpoint/2015/main" val="1"/>
+              </p:ext>
+            </p:extLst>
+          </p:nvPr>
+        </p:nvSpPr>
+        <p:spPr>
+          <a:xfrm flipH="1">
+            <a:off x="665085" y="2090569"/>
+            <a:ext cx="4297680" cy="27432"/>
+          </a:xfrm>
+          <a:prstGeom prst="rect">
+            <a:avLst/>
+          </a:prstGeom>
+          <a:solidFill>
+            <a:schemeClr val="accent4"/>
+          </a:solidFill>
+          <a:ln>
+            <a:noFill/>
+          </a:ln>
+        </p:spPr>
+        <p:style>
+          <a:lnRef idx="2">
+            <a:schemeClr val="accent1">
+              <a:shade val="50000"/>
+            </a:schemeClr>
+          </a:lnRef>
+          <a:fillRef idx="1">
+            <a:schemeClr val="accent1"/>
+          </a:fillRef>
+          <a:effectRef idx="0">
+            <a:schemeClr val="accent1"/>
+          </a:effectRef>
+          <a:fontRef idx="minor">
+            <a:schemeClr val="lt1"/>
+          </a:fontRef>
+        </p:style>
+        <p:txBody>
+          <a:bodyPr rtlCol="0" anchor="ctr"/>
+          <a:lstStyle/>
+          <a:p>
+            <a:pPr algn="ctr"/>
+            <a:endParaRPr lang="en-US"/>
+          </a:p>
+        </p:txBody>
+      </p:sp>
+      <p:sp>
+        <p:nvSpPr>
+          <p:cNvPr id="11" name="Content Placeholder 10">
+            <a:extLst>
+              <a:ext uri="{FF2B5EF4-FFF2-40B4-BE49-F238E27FC236}">
+                <a16:creationId xmlns:a16="http://schemas.microsoft.com/office/drawing/2014/main" id="{A1F5BFB9-EAF8-2AC1-1B32-FB4FA685B194}"/>
+              </a:ext>
+            </a:extLst>
+          </p:cNvPr>
+          <p:cNvSpPr>
+            <a:spLocks noGrp="1"/>
+          </p:cNvSpPr>
+          <p:nvPr>
+            <p:ph idx="1"/>
+          </p:nvPr>
+        </p:nvSpPr>
+        <p:spPr>
+          <a:xfrm>
+            <a:off x="590719" y="2330505"/>
+            <a:ext cx="4559425" cy="3979585"/>
+          </a:xfrm>
+        </p:spPr>
+        <p:txBody>
+          <a:bodyPr anchor="ctr">
+            <a:normAutofit/>
+          </a:bodyPr>
+          <a:lstStyle/>
+          <a:p>
+            <a:endParaRPr lang="en-US" sz="2000"/>
+          </a:p>
+        </p:txBody>
+      </p:sp>
+      <p:sp>
+        <p:nvSpPr>
+          <p:cNvPr id="22" name="Rectangle 21">
+            <a:extLst>
+              <a:ext uri="{FF2B5EF4-FFF2-40B4-BE49-F238E27FC236}">
+                <a16:creationId xmlns:a16="http://schemas.microsoft.com/office/drawing/2014/main" id="{C13237C8-E62C-4F0D-A318-BD6FB6C2D138}"/>
+              </a:ext>
+              <a:ext uri="{C183D7F6-B498-43B3-948B-1728B52AA6E4}">
+                <adec:decorative xmlns:adec="http://schemas.microsoft.com/office/drawing/2017/decorative" val="1"/>
+              </a:ext>
+            </a:extLst>
+          </p:cNvPr>
+          <p:cNvSpPr>
+            <a:spLocks noGrp="1" noRot="1" noChangeAspect="1" noMove="1" noResize="1" noEditPoints="1" noAdjustHandles="1" noChangeArrowheads="1" noChangeShapeType="1" noTextEdit="1"/>
+          </p:cNvSpPr>
+          <p:nvPr>
+            <p:extLst>
+              <p:ext uri="{386F3935-93C4-4BCD-93E2-E3B085C9AB24}">
+                <p16:designElem xmlns:p16="http://schemas.microsoft.com/office/powerpoint/2015/main" val="1"/>
+              </p:ext>
+            </p:extLst>
+          </p:nvPr>
+        </p:nvSpPr>
+        <p:spPr>
+          <a:xfrm flipH="1">
+            <a:off x="10697670" y="0"/>
+            <a:ext cx="1494330" cy="6858000"/>
+          </a:xfrm>
+          <a:prstGeom prst="rect">
+            <a:avLst/>
+          </a:prstGeom>
+          <a:solidFill>
+            <a:schemeClr val="accent4"/>
+          </a:solidFill>
+          <a:ln>
+            <a:noFill/>
+          </a:ln>
+        </p:spPr>
+        <p:style>
+          <a:lnRef idx="2">
+            <a:schemeClr val="accent1">
+              <a:shade val="50000"/>
+            </a:schemeClr>
+          </a:lnRef>
+          <a:fillRef idx="1">
+            <a:schemeClr val="accent1"/>
+          </a:fillRef>
+          <a:effectRef idx="0">
+            <a:schemeClr val="accent1"/>
+          </a:effectRef>
+          <a:fontRef idx="minor">
+            <a:schemeClr val="lt1"/>
+          </a:fontRef>
+        </p:style>
+        <p:txBody>
+          <a:bodyPr rtlCol="0" anchor="ctr"/>
+          <a:lstStyle/>
+          <a:p>
+            <a:pPr algn="ctr"/>
+            <a:endParaRPr lang="en-US"/>
+          </a:p>
+        </p:txBody>
+      </p:sp>
+      <p:sp>
+        <p:nvSpPr>
+          <p:cNvPr id="24" name="Rectangle 23">
+            <a:extLst>
+              <a:ext uri="{FF2B5EF4-FFF2-40B4-BE49-F238E27FC236}">
+                <a16:creationId xmlns:a16="http://schemas.microsoft.com/office/drawing/2014/main" id="{19C9EAEA-39D0-4B0E-A0EB-51E7B26740B1}"/>
+              </a:ext>
+              <a:ext uri="{C183D7F6-B498-43B3-948B-1728B52AA6E4}">
+                <adec:decorative xmlns:adec="http://schemas.microsoft.com/office/drawing/2017/decorative" val="1"/>
+              </a:ext>
+            </a:extLst>
+          </p:cNvPr>
+          <p:cNvSpPr>
+            <a:spLocks noGrp="1" noRot="1" noChangeAspect="1" noMove="1" noResize="1" noEditPoints="1" noAdjustHandles="1" noChangeArrowheads="1" noChangeShapeType="1" noTextEdit="1"/>
+          </p:cNvSpPr>
+          <p:nvPr>
+            <p:extLst>
+              <p:ext uri="{386F3935-93C4-4BCD-93E2-E3B085C9AB24}">
+                <p16:designElem xmlns:p16="http://schemas.microsoft.com/office/powerpoint/2015/main" val="1"/>
+              </p:ext>
+            </p:extLst>
+          </p:nvPr>
+        </p:nvSpPr>
+        <p:spPr>
+          <a:xfrm>
+            <a:off x="5685810" y="513853"/>
+            <a:ext cx="6009366" cy="5834577"/>
+          </a:xfrm>
+          <a:prstGeom prst="rect">
+            <a:avLst/>
+          </a:prstGeom>
+          <a:solidFill>
+            <a:schemeClr val="bg1"/>
+          </a:solidFill>
+          <a:ln>
+            <a:noFill/>
+          </a:ln>
+          <a:effectLst>
+            <a:outerShdw blurRad="139700" dist="127000" dir="5400000" algn="t" rotWithShape="0">
+              <a:prstClr val="black">
+                <a:alpha val="15000"/>
+              </a:prstClr>
+            </a:outerShdw>
+          </a:effectLst>
+        </p:spPr>
+        <p:style>
+          <a:lnRef idx="2">
+            <a:schemeClr val="accent1">
+              <a:shade val="50000"/>
+            </a:schemeClr>
+          </a:lnRef>
+          <a:fillRef idx="1">
+            <a:schemeClr val="accent1"/>
+          </a:fillRef>
+          <a:effectRef idx="0">
+            <a:schemeClr val="accent1"/>
+          </a:effectRef>
+          <a:fontRef idx="minor">
+            <a:schemeClr val="lt1"/>
+          </a:fontRef>
+        </p:style>
+        <p:txBody>
+          <a:bodyPr rtlCol="0" anchor="ctr"/>
+          <a:lstStyle/>
+          <a:p>
+            <a:pPr algn="ctr"/>
+            <a:endParaRPr lang="en-US"/>
+          </a:p>
+        </p:txBody>
+      </p:sp>
+      <p:pic>
+        <p:nvPicPr>
+          <p:cNvPr id="7" name="Content Placeholder 6">
+            <a:extLst>
+              <a:ext uri="{FF2B5EF4-FFF2-40B4-BE49-F238E27FC236}">
+                <a16:creationId xmlns:a16="http://schemas.microsoft.com/office/drawing/2014/main" id="{F0CF79F3-108A-0AC3-CD95-97EF3A42B3E1}"/>
+              </a:ext>
+            </a:extLst>
+          </p:cNvPr>
+          <p:cNvPicPr>
+            <a:picLocks noChangeAspect="1"/>
+          </p:cNvPicPr>
+          <p:nvPr/>
+        </p:nvPicPr>
+        <p:blipFill rotWithShape="1">
+          <a:blip r:embed="rId2">
+            <a:extLst>
+              <a:ext uri="{28A0092B-C50C-407E-A947-70E740481C1C}">
+                <a14:useLocalDpi xmlns:a14="http://schemas.microsoft.com/office/drawing/2010/main" val="0"/>
+              </a:ext>
+            </a:extLst>
+          </a:blip>
+          <a:srcRect t="9973" r="-3" b="4477"/>
+          <a:stretch/>
+        </p:blipFill>
+        <p:spPr>
+          <a:xfrm>
+            <a:off x="4621222" y="-635"/>
+            <a:ext cx="7073954" cy="6857365"/>
+          </a:xfrm>
+          <a:prstGeom prst="rect">
+            <a:avLst/>
+          </a:prstGeom>
+        </p:spPr>
+      </p:pic>
+    </p:spTree>
+    <p:extLst>
+      <p:ext uri="{BB962C8B-B14F-4D97-AF65-F5344CB8AC3E}">
+        <p14:creationId xmlns:p14="http://schemas.microsoft.com/office/powerpoint/2010/main" val="3408870924"/>
+      </p:ext>
+    </p:extLst>
+  </p:cSld>
+  <p:clrMapOvr>
+    <a:masterClrMapping/>
+  </p:clrMapOvr>
+</p:sld>
+</file>
+
+<file path=ppt/slides/slide16.xml><?xml version="1.0" encoding="utf-8"?>
+<p:sld xmlns:a="http://schemas.openxmlformats.org/drawingml/2006/main" xmlns:r="http://schemas.openxmlformats.org/officeDocument/2006/relationships" xmlns:p="http://schemas.openxmlformats.org/presentationml/2006/main">
+  <p:cSld>
+    <p:bg>
+      <p:bgPr>
+        <a:solidFill>
+          <a:schemeClr val="bg1"/>
+        </a:solidFill>
+        <a:effectLst/>
+      </p:bgPr>
+    </p:bg>
+    <p:spTree>
+      <p:nvGrpSpPr>
+        <p:cNvPr id="1" name=""/>
+        <p:cNvGrpSpPr/>
+        <p:nvPr/>
+      </p:nvGrpSpPr>
+      <p:grpSpPr>
+        <a:xfrm>
+          <a:off x="0" y="0"/>
+          <a:ext cx="0" cy="0"/>
+          <a:chOff x="0" y="0"/>
+          <a:chExt cx="0" cy="0"/>
+        </a:xfrm>
+      </p:grpSpPr>
+      <p:sp useBgFill="1">
+        <p:nvSpPr>
+          <p:cNvPr id="13" name="Rectangle 12">
+            <a:extLst>
+              <a:ext uri="{FF2B5EF4-FFF2-40B4-BE49-F238E27FC236}">
+                <a16:creationId xmlns:a16="http://schemas.microsoft.com/office/drawing/2014/main" id="{201CC55D-ED54-4C5C-95E6-10947BD1103B}"/>
+              </a:ext>
+              <a:ext uri="{C183D7F6-B498-43B3-948B-1728B52AA6E4}">
+                <adec:decorative xmlns:adec="http://schemas.microsoft.com/office/drawing/2017/decorative" val="1"/>
+              </a:ext>
+            </a:extLst>
+          </p:cNvPr>
+          <p:cNvSpPr>
+            <a:spLocks noGrp="1" noRot="1" noChangeAspect="1" noMove="1" noResize="1" noEditPoints="1" noAdjustHandles="1" noChangeArrowheads="1" noChangeShapeType="1" noTextEdit="1"/>
+          </p:cNvSpPr>
+          <p:nvPr>
+            <p:extLst>
+              <p:ext uri="{386F3935-93C4-4BCD-93E2-E3B085C9AB24}">
+                <p16:designElem xmlns:p16="http://schemas.microsoft.com/office/powerpoint/2015/main" val="1"/>
+              </p:ext>
+            </p:extLst>
+          </p:nvPr>
+        </p:nvSpPr>
+        <p:spPr>
+          <a:xfrm>
+            <a:off x="0" y="0"/>
+            <a:ext cx="12191999" cy="6857365"/>
+          </a:xfrm>
+          <a:prstGeom prst="rect">
+            <a:avLst/>
+          </a:prstGeom>
+          <a:ln>
+            <a:noFill/>
+          </a:ln>
+        </p:spPr>
+        <p:style>
+          <a:lnRef idx="2">
+            <a:schemeClr val="accent1">
+              <a:shade val="50000"/>
+            </a:schemeClr>
+          </a:lnRef>
+          <a:fillRef idx="1">
+            <a:schemeClr val="accent1"/>
+          </a:fillRef>
+          <a:effectRef idx="0">
+            <a:schemeClr val="accent1"/>
+          </a:effectRef>
+          <a:fontRef idx="minor">
+            <a:schemeClr val="lt1"/>
+          </a:fontRef>
+        </p:style>
+        <p:txBody>
+          <a:bodyPr rtlCol="0" anchor="ctr"/>
+          <a:lstStyle/>
+          <a:p>
+            <a:pPr algn="ctr"/>
+            <a:endParaRPr lang="en-US"/>
+          </a:p>
+        </p:txBody>
+      </p:sp>
+      <p:sp>
+        <p:nvSpPr>
+          <p:cNvPr id="2" name="Title 1">
+            <a:extLst>
+              <a:ext uri="{FF2B5EF4-FFF2-40B4-BE49-F238E27FC236}">
+                <a16:creationId xmlns:a16="http://schemas.microsoft.com/office/drawing/2014/main" id="{FF3DF9B0-2892-8BE1-185F-0BC9D7F91B92}"/>
+              </a:ext>
+            </a:extLst>
+          </p:cNvPr>
+          <p:cNvSpPr>
+            <a:spLocks noGrp="1"/>
+          </p:cNvSpPr>
+          <p:nvPr>
+            <p:ph type="title"/>
+          </p:nvPr>
+        </p:nvSpPr>
+        <p:spPr>
+          <a:xfrm>
+            <a:off x="589560" y="856180"/>
+            <a:ext cx="4560584" cy="1128068"/>
+          </a:xfrm>
+        </p:spPr>
+        <p:txBody>
+          <a:bodyPr anchor="ctr">
+            <a:normAutofit/>
+          </a:bodyPr>
+          <a:lstStyle/>
+          <a:p>
+            <a:r>
+              <a:rPr lang="en-GB" sz="4000"/>
+              <a:t>Denoised</a:t>
+            </a:r>
+          </a:p>
+        </p:txBody>
+      </p:sp>
+      <p:grpSp>
+        <p:nvGrpSpPr>
+          <p:cNvPr id="15" name="Group 14">
+            <a:extLst>
+              <a:ext uri="{FF2B5EF4-FFF2-40B4-BE49-F238E27FC236}">
+                <a16:creationId xmlns:a16="http://schemas.microsoft.com/office/drawing/2014/main" id="{1DE889C7-FAD6-4397-98E2-05D503484459}"/>
+              </a:ext>
+              <a:ext uri="{C183D7F6-B498-43B3-948B-1728B52AA6E4}">
+                <adec:decorative xmlns:adec="http://schemas.microsoft.com/office/drawing/2017/decorative" val="1"/>
+              </a:ext>
+            </a:extLst>
+          </p:cNvPr>
+          <p:cNvGrpSpPr>
+            <a:grpSpLocks noGrp="1" noUngrp="1" noRot="1" noChangeAspect="1" noMove="1" noResize="1"/>
+          </p:cNvGrpSpPr>
+          <p:nvPr>
+            <p:extLst>
+              <p:ext uri="{386F3935-93C4-4BCD-93E2-E3B085C9AB24}">
+                <p16:designElem xmlns:p16="http://schemas.microsoft.com/office/powerpoint/2015/main" val="1"/>
+              </p:ext>
+            </p:extLst>
+          </p:nvPr>
+        </p:nvGrpSpPr>
+        <p:grpSpPr>
+          <a:xfrm>
+            <a:off x="0" y="1083484"/>
+            <a:ext cx="355196" cy="673460"/>
+            <a:chOff x="0" y="823811"/>
+            <a:chExt cx="355196" cy="673460"/>
+          </a:xfrm>
+        </p:grpSpPr>
+        <p:sp>
+          <p:nvSpPr>
+            <p:cNvPr id="16" name="Rectangle 15">
+              <a:extLst>
+                <a:ext uri="{FF2B5EF4-FFF2-40B4-BE49-F238E27FC236}">
+                  <a16:creationId xmlns:a16="http://schemas.microsoft.com/office/drawing/2014/main" id="{F399A70F-F8CD-4992-9EF5-6CF15472E73F}"/>
+                </a:ext>
+                <a:ext uri="{C183D7F6-B498-43B3-948B-1728B52AA6E4}">
+                  <adec:decorative xmlns:adec="http://schemas.microsoft.com/office/drawing/2017/decorative" val="1"/>
+                </a:ext>
+              </a:extLst>
+            </p:cNvPr>
+            <p:cNvSpPr/>
+            <p:nvPr>
+              <p:extLst>
+                <p:ext uri="{386F3935-93C4-4BCD-93E2-E3B085C9AB24}">
+                  <p16:designElem xmlns:p16="http://schemas.microsoft.com/office/powerpoint/2015/main" val="1"/>
+                </p:ext>
+              </p:extLst>
+            </p:nvPr>
+          </p:nvSpPr>
+          <p:spPr>
+            <a:xfrm>
+              <a:off x="0" y="823811"/>
+              <a:ext cx="87363" cy="673460"/>
+            </a:xfrm>
+            <a:prstGeom prst="rect">
+              <a:avLst/>
+            </a:prstGeom>
+            <a:solidFill>
+              <a:schemeClr val="accent4"/>
+            </a:solidFill>
+            <a:ln>
+              <a:noFill/>
+            </a:ln>
+          </p:spPr>
+          <p:style>
+            <a:lnRef idx="2">
+              <a:schemeClr val="accent1">
+                <a:shade val="50000"/>
+              </a:schemeClr>
+            </a:lnRef>
+            <a:fillRef idx="1">
+              <a:schemeClr val="accent1"/>
+            </a:fillRef>
+            <a:effectRef idx="0">
+              <a:schemeClr val="accent1"/>
+            </a:effectRef>
+            <a:fontRef idx="minor">
+              <a:schemeClr val="lt1"/>
+            </a:fontRef>
+          </p:style>
+          <p:txBody>
+            <a:bodyPr rtlCol="0" anchor="ctr"/>
+            <a:lstStyle/>
+            <a:p>
+              <a:pPr algn="ctr"/>
+              <a:endParaRPr lang="en-US"/>
+            </a:p>
+          </p:txBody>
+        </p:sp>
+        <p:sp>
+          <p:nvSpPr>
+            <p:cNvPr id="17" name="Rectangle 16">
+              <a:extLst>
+                <a:ext uri="{FF2B5EF4-FFF2-40B4-BE49-F238E27FC236}">
+                  <a16:creationId xmlns:a16="http://schemas.microsoft.com/office/drawing/2014/main" id="{48F4FEDC-6D80-458C-A665-075D9B9500FD}"/>
+                </a:ext>
+                <a:ext uri="{C183D7F6-B498-43B3-948B-1728B52AA6E4}">
+                  <adec:decorative xmlns:adec="http://schemas.microsoft.com/office/drawing/2017/decorative" val="1"/>
+                </a:ext>
+              </a:extLst>
+            </p:cNvPr>
+            <p:cNvSpPr/>
+            <p:nvPr>
+              <p:extLst>
+                <p:ext uri="{386F3935-93C4-4BCD-93E2-E3B085C9AB24}">
+                  <p16:designElem xmlns:p16="http://schemas.microsoft.com/office/powerpoint/2015/main" val="1"/>
+                </p:ext>
+              </p:extLst>
+            </p:nvPr>
+          </p:nvSpPr>
+          <p:spPr>
+            <a:xfrm>
+              <a:off x="159341" y="823811"/>
+              <a:ext cx="195855" cy="673460"/>
+            </a:xfrm>
+            <a:prstGeom prst="rect">
+              <a:avLst/>
+            </a:prstGeom>
+            <a:solidFill>
+              <a:schemeClr val="accent4"/>
+            </a:solidFill>
+            <a:ln>
+              <a:noFill/>
+            </a:ln>
+          </p:spPr>
+          <p:style>
+            <a:lnRef idx="2">
+              <a:schemeClr val="accent1">
+                <a:shade val="50000"/>
+              </a:schemeClr>
+            </a:lnRef>
+            <a:fillRef idx="1">
+              <a:schemeClr val="accent1"/>
+            </a:fillRef>
+            <a:effectRef idx="0">
+              <a:schemeClr val="accent1"/>
+            </a:effectRef>
+            <a:fontRef idx="minor">
+              <a:schemeClr val="lt1"/>
+            </a:fontRef>
+          </p:style>
+          <p:txBody>
+            <a:bodyPr rtlCol="0" anchor="ctr"/>
+            <a:lstStyle/>
+            <a:p>
+              <a:pPr algn="ctr"/>
+              <a:endParaRPr lang="en-US"/>
+            </a:p>
+          </p:txBody>
+        </p:sp>
+      </p:grpSp>
+      <p:sp>
+        <p:nvSpPr>
+          <p:cNvPr id="19" name="Rectangle 18">
+            <a:extLst>
+              <a:ext uri="{FF2B5EF4-FFF2-40B4-BE49-F238E27FC236}">
+                <a16:creationId xmlns:a16="http://schemas.microsoft.com/office/drawing/2014/main" id="{3873B707-463F-40B0-8227-E8CC6C67EB25}"/>
+              </a:ext>
+              <a:ext uri="{C183D7F6-B498-43B3-948B-1728B52AA6E4}">
+                <adec:decorative xmlns:adec="http://schemas.microsoft.com/office/drawing/2017/decorative" val="1"/>
+              </a:ext>
+            </a:extLst>
+          </p:cNvPr>
+          <p:cNvSpPr>
+            <a:spLocks noGrp="1" noRot="1" noChangeAspect="1" noMove="1" noResize="1" noEditPoints="1" noAdjustHandles="1" noChangeArrowheads="1" noChangeShapeType="1" noTextEdit="1"/>
+          </p:cNvSpPr>
+          <p:nvPr>
+            <p:extLst>
+              <p:ext uri="{386F3935-93C4-4BCD-93E2-E3B085C9AB24}">
+                <p16:designElem xmlns:p16="http://schemas.microsoft.com/office/powerpoint/2015/main" val="1"/>
+              </p:ext>
+            </p:extLst>
+          </p:nvPr>
+        </p:nvSpPr>
+        <p:spPr>
+          <a:xfrm flipH="1">
+            <a:off x="665085" y="2090569"/>
+            <a:ext cx="4297680" cy="27432"/>
+          </a:xfrm>
+          <a:prstGeom prst="rect">
+            <a:avLst/>
+          </a:prstGeom>
+          <a:solidFill>
+            <a:schemeClr val="accent4"/>
+          </a:solidFill>
+          <a:ln>
+            <a:noFill/>
+          </a:ln>
+        </p:spPr>
+        <p:style>
+          <a:lnRef idx="2">
+            <a:schemeClr val="accent1">
+              <a:shade val="50000"/>
+            </a:schemeClr>
+          </a:lnRef>
+          <a:fillRef idx="1">
+            <a:schemeClr val="accent1"/>
+          </a:fillRef>
+          <a:effectRef idx="0">
+            <a:schemeClr val="accent1"/>
+          </a:effectRef>
+          <a:fontRef idx="minor">
+            <a:schemeClr val="lt1"/>
+          </a:fontRef>
+        </p:style>
+        <p:txBody>
+          <a:bodyPr rtlCol="0" anchor="ctr"/>
+          <a:lstStyle/>
+          <a:p>
+            <a:pPr algn="ctr"/>
+            <a:endParaRPr lang="en-US"/>
+          </a:p>
+        </p:txBody>
+      </p:sp>
+      <p:sp>
+        <p:nvSpPr>
+          <p:cNvPr id="10" name="Content Placeholder 9">
+            <a:extLst>
+              <a:ext uri="{FF2B5EF4-FFF2-40B4-BE49-F238E27FC236}">
+                <a16:creationId xmlns:a16="http://schemas.microsoft.com/office/drawing/2014/main" id="{F8C91976-7AC9-9446-6E4F-0723E3A59BB2}"/>
+              </a:ext>
+            </a:extLst>
+          </p:cNvPr>
+          <p:cNvSpPr>
+            <a:spLocks noGrp="1"/>
+          </p:cNvSpPr>
+          <p:nvPr>
+            <p:ph idx="1"/>
+          </p:nvPr>
+        </p:nvSpPr>
+        <p:spPr>
+          <a:xfrm>
+            <a:off x="590719" y="2330505"/>
+            <a:ext cx="4559425" cy="3979585"/>
+          </a:xfrm>
+        </p:spPr>
+        <p:txBody>
+          <a:bodyPr anchor="ctr">
+            <a:normAutofit/>
+          </a:bodyPr>
+          <a:lstStyle/>
+          <a:p>
+            <a:endParaRPr lang="en-US" sz="2000"/>
+          </a:p>
+        </p:txBody>
+      </p:sp>
+      <p:sp>
+        <p:nvSpPr>
+          <p:cNvPr id="21" name="Rectangle 20">
+            <a:extLst>
+              <a:ext uri="{FF2B5EF4-FFF2-40B4-BE49-F238E27FC236}">
+                <a16:creationId xmlns:a16="http://schemas.microsoft.com/office/drawing/2014/main" id="{C13237C8-E62C-4F0D-A318-BD6FB6C2D138}"/>
+              </a:ext>
+              <a:ext uri="{C183D7F6-B498-43B3-948B-1728B52AA6E4}">
+                <adec:decorative xmlns:adec="http://schemas.microsoft.com/office/drawing/2017/decorative" val="1"/>
+              </a:ext>
+            </a:extLst>
+          </p:cNvPr>
+          <p:cNvSpPr>
+            <a:spLocks noGrp="1" noRot="1" noChangeAspect="1" noMove="1" noResize="1" noEditPoints="1" noAdjustHandles="1" noChangeArrowheads="1" noChangeShapeType="1" noTextEdit="1"/>
+          </p:cNvSpPr>
+          <p:nvPr>
+            <p:extLst>
+              <p:ext uri="{386F3935-93C4-4BCD-93E2-E3B085C9AB24}">
+                <p16:designElem xmlns:p16="http://schemas.microsoft.com/office/powerpoint/2015/main" val="1"/>
+              </p:ext>
+            </p:extLst>
+          </p:nvPr>
+        </p:nvSpPr>
+        <p:spPr>
+          <a:xfrm flipH="1">
+            <a:off x="10697670" y="0"/>
+            <a:ext cx="1494330" cy="6858000"/>
+          </a:xfrm>
+          <a:prstGeom prst="rect">
+            <a:avLst/>
+          </a:prstGeom>
+          <a:solidFill>
+            <a:schemeClr val="accent4"/>
+          </a:solidFill>
+          <a:ln>
+            <a:noFill/>
+          </a:ln>
+        </p:spPr>
+        <p:style>
+          <a:lnRef idx="2">
+            <a:schemeClr val="accent1">
+              <a:shade val="50000"/>
+            </a:schemeClr>
+          </a:lnRef>
+          <a:fillRef idx="1">
+            <a:schemeClr val="accent1"/>
+          </a:fillRef>
+          <a:effectRef idx="0">
+            <a:schemeClr val="accent1"/>
+          </a:effectRef>
+          <a:fontRef idx="minor">
+            <a:schemeClr val="lt1"/>
+          </a:fontRef>
+        </p:style>
+        <p:txBody>
+          <a:bodyPr rtlCol="0" anchor="ctr"/>
+          <a:lstStyle/>
+          <a:p>
+            <a:pPr algn="ctr"/>
+            <a:endParaRPr lang="en-US"/>
+          </a:p>
+        </p:txBody>
+      </p:sp>
+      <p:sp>
+        <p:nvSpPr>
+          <p:cNvPr id="23" name="Rectangle 22">
+            <a:extLst>
+              <a:ext uri="{FF2B5EF4-FFF2-40B4-BE49-F238E27FC236}">
+                <a16:creationId xmlns:a16="http://schemas.microsoft.com/office/drawing/2014/main" id="{19C9EAEA-39D0-4B0E-A0EB-51E7B26740B1}"/>
+              </a:ext>
+              <a:ext uri="{C183D7F6-B498-43B3-948B-1728B52AA6E4}">
+                <adec:decorative xmlns:adec="http://schemas.microsoft.com/office/drawing/2017/decorative" val="1"/>
+              </a:ext>
+            </a:extLst>
+          </p:cNvPr>
+          <p:cNvSpPr>
+            <a:spLocks noGrp="1" noRot="1" noChangeAspect="1" noMove="1" noResize="1" noEditPoints="1" noAdjustHandles="1" noChangeArrowheads="1" noChangeShapeType="1" noTextEdit="1"/>
+          </p:cNvSpPr>
+          <p:nvPr>
+            <p:extLst>
+              <p:ext uri="{386F3935-93C4-4BCD-93E2-E3B085C9AB24}">
+                <p16:designElem xmlns:p16="http://schemas.microsoft.com/office/powerpoint/2015/main" val="1"/>
+              </p:ext>
+            </p:extLst>
+          </p:nvPr>
+        </p:nvSpPr>
+        <p:spPr>
+          <a:xfrm>
+            <a:off x="5685810" y="513853"/>
+            <a:ext cx="6009366" cy="5834577"/>
+          </a:xfrm>
+          <a:prstGeom prst="rect">
+            <a:avLst/>
+          </a:prstGeom>
+          <a:solidFill>
+            <a:schemeClr val="bg1"/>
+          </a:solidFill>
+          <a:ln>
+            <a:noFill/>
+          </a:ln>
+          <a:effectLst>
+            <a:outerShdw blurRad="139700" dist="127000" dir="5400000" algn="t" rotWithShape="0">
+              <a:prstClr val="black">
+                <a:alpha val="15000"/>
+              </a:prstClr>
+            </a:outerShdw>
+          </a:effectLst>
+        </p:spPr>
+        <p:style>
+          <a:lnRef idx="2">
+            <a:schemeClr val="accent1">
+              <a:shade val="50000"/>
+            </a:schemeClr>
+          </a:lnRef>
+          <a:fillRef idx="1">
+            <a:schemeClr val="accent1"/>
+          </a:fillRef>
+          <a:effectRef idx="0">
+            <a:schemeClr val="accent1"/>
+          </a:effectRef>
+          <a:fontRef idx="minor">
+            <a:schemeClr val="lt1"/>
+          </a:fontRef>
+        </p:style>
+        <p:txBody>
+          <a:bodyPr rtlCol="0" anchor="ctr"/>
+          <a:lstStyle/>
+          <a:p>
+            <a:pPr algn="ctr"/>
+            <a:endParaRPr lang="en-US"/>
+          </a:p>
+        </p:txBody>
+      </p:sp>
+      <p:pic>
+        <p:nvPicPr>
+          <p:cNvPr id="6" name="Content Placeholder 5" descr="A close-up of a receipt&#10;&#10;Description automatically generated">
+            <a:extLst>
+              <a:ext uri="{FF2B5EF4-FFF2-40B4-BE49-F238E27FC236}">
+                <a16:creationId xmlns:a16="http://schemas.microsoft.com/office/drawing/2014/main" id="{08B0D042-67D9-3795-F798-7C1E8FC6A966}"/>
+              </a:ext>
+            </a:extLst>
+          </p:cNvPr>
+          <p:cNvPicPr>
+            <a:picLocks noChangeAspect="1"/>
+          </p:cNvPicPr>
+          <p:nvPr/>
+        </p:nvPicPr>
+        <p:blipFill rotWithShape="1">
+          <a:blip r:embed="rId2">
+            <a:extLst>
+              <a:ext uri="{28A0092B-C50C-407E-A947-70E740481C1C}">
+                <a14:useLocalDpi xmlns:a14="http://schemas.microsoft.com/office/drawing/2010/main" val="0"/>
+              </a:ext>
+            </a:extLst>
+          </a:blip>
+          <a:srcRect t="10373" r="-3" b="4077"/>
+          <a:stretch/>
+        </p:blipFill>
+        <p:spPr>
+          <a:xfrm>
+            <a:off x="4592548" y="-635"/>
+            <a:ext cx="7102629" cy="6885162"/>
+          </a:xfrm>
+          <a:prstGeom prst="rect">
+            <a:avLst/>
+          </a:prstGeom>
+        </p:spPr>
+      </p:pic>
+    </p:spTree>
+    <p:extLst>
+      <p:ext uri="{BB962C8B-B14F-4D97-AF65-F5344CB8AC3E}">
+        <p14:creationId xmlns:p14="http://schemas.microsoft.com/office/powerpoint/2010/main" val="2681952489"/>
+      </p:ext>
+    </p:extLst>
+  </p:cSld>
+  <p:clrMapOvr>
+    <a:masterClrMapping/>
+  </p:clrMapOvr>
+</p:sld>
+</file>
+
+<file path=ppt/slides/slide17.xml><?xml version="1.0" encoding="utf-8"?>
+<p:sld xmlns:a="http://schemas.openxmlformats.org/drawingml/2006/main" xmlns:r="http://schemas.openxmlformats.org/officeDocument/2006/relationships" xmlns:p="http://schemas.openxmlformats.org/presentationml/2006/main">
+  <p:cSld>
+    <p:spTree>
+      <p:nvGrpSpPr>
+        <p:cNvPr id="1" name=""/>
+        <p:cNvGrpSpPr/>
+        <p:nvPr/>
+      </p:nvGrpSpPr>
+      <p:grpSpPr>
+        <a:xfrm>
+          <a:off x="0" y="0"/>
+          <a:ext cx="0" cy="0"/>
+          <a:chOff x="0" y="0"/>
+          <a:chExt cx="0" cy="0"/>
+        </a:xfrm>
+      </p:grpSpPr>
+      <p:sp useBgFill="1">
+        <p:nvSpPr>
+          <p:cNvPr id="8" name="Rectangle 7">
+            <a:extLst>
+              <a:ext uri="{FF2B5EF4-FFF2-40B4-BE49-F238E27FC236}">
+                <a16:creationId xmlns:a16="http://schemas.microsoft.com/office/drawing/2014/main" id="{081EA652-8C6A-4E69-BEB9-170809474553}"/>
+              </a:ext>
+              <a:ext uri="{C183D7F6-B498-43B3-948B-1728B52AA6E4}">
+                <adec:decorative xmlns:adec="http://schemas.microsoft.com/office/drawing/2017/decorative" val="1"/>
+              </a:ext>
+            </a:extLst>
+          </p:cNvPr>
+          <p:cNvSpPr>
+            <a:spLocks noGrp="1" noRot="1" noChangeAspect="1" noMove="1" noResize="1" noEditPoints="1" noAdjustHandles="1" noChangeArrowheads="1" noChangeShapeType="1" noTextEdit="1"/>
+          </p:cNvSpPr>
+          <p:nvPr>
+            <p:extLst>
+              <p:ext uri="{386F3935-93C4-4BCD-93E2-E3B085C9AB24}">
+                <p16:designElem xmlns:p16="http://schemas.microsoft.com/office/powerpoint/2015/main" val="1"/>
+              </p:ext>
+            </p:extLst>
+          </p:nvPr>
+        </p:nvSpPr>
+        <p:spPr>
+          <a:xfrm>
+            <a:off x="0" y="0"/>
+            <a:ext cx="12192000" cy="6858000"/>
+          </a:xfrm>
+          <a:prstGeom prst="rect">
+            <a:avLst/>
+          </a:prstGeom>
+          <a:ln>
+            <a:noFill/>
+          </a:ln>
+        </p:spPr>
+        <p:style>
+          <a:lnRef idx="2">
+            <a:schemeClr val="accent1">
+              <a:shade val="50000"/>
+            </a:schemeClr>
+          </a:lnRef>
+          <a:fillRef idx="1">
+            <a:schemeClr val="accent1"/>
+          </a:fillRef>
+          <a:effectRef idx="0">
+            <a:schemeClr val="accent1"/>
+          </a:effectRef>
+          <a:fontRef idx="minor">
+            <a:schemeClr val="lt1"/>
+          </a:fontRef>
+        </p:style>
+        <p:txBody>
+          <a:bodyPr rtlCol="0" anchor="ctr"/>
+          <a:lstStyle/>
+          <a:p>
+            <a:pPr algn="ctr"/>
+            <a:endParaRPr lang="en-US"/>
+          </a:p>
+        </p:txBody>
+      </p:sp>
+      <p:sp>
+        <p:nvSpPr>
+          <p:cNvPr id="10" name="Right Triangle 9">
+            <a:extLst>
+              <a:ext uri="{FF2B5EF4-FFF2-40B4-BE49-F238E27FC236}">
+                <a16:creationId xmlns:a16="http://schemas.microsoft.com/office/drawing/2014/main" id="{5298780A-33B9-4EA2-8F67-DE68AD62841B}"/>
+              </a:ext>
+              <a:ext uri="{C183D7F6-B498-43B3-948B-1728B52AA6E4}">
+                <adec:decorative xmlns:adec="http://schemas.microsoft.com/office/drawing/2017/decorative" val="1"/>
+              </a:ext>
+            </a:extLst>
+          </p:cNvPr>
+          <p:cNvSpPr>
+            <a:spLocks noGrp="1" noRot="1" noChangeAspect="1" noMove="1" noResize="1" noEditPoints="1" noAdjustHandles="1" noChangeArrowheads="1" noChangeShapeType="1" noTextEdit="1"/>
+          </p:cNvSpPr>
+          <p:nvPr>
+            <p:extLst>
+              <p:ext uri="{386F3935-93C4-4BCD-93E2-E3B085C9AB24}">
+                <p16:designElem xmlns:p16="http://schemas.microsoft.com/office/powerpoint/2015/main" val="1"/>
+              </p:ext>
+            </p:extLst>
+          </p:nvPr>
+        </p:nvSpPr>
+        <p:spPr>
+          <a:xfrm flipH="1">
+            <a:off x="8576720" y="3335867"/>
+            <a:ext cx="3291840" cy="3200400"/>
+          </a:xfrm>
+          <a:prstGeom prst="rtTriangle">
+            <a:avLst/>
+          </a:prstGeom>
+          <a:solidFill>
+            <a:schemeClr val="accent4"/>
+          </a:solidFill>
+          <a:ln>
+            <a:noFill/>
+          </a:ln>
+        </p:spPr>
+        <p:style>
+          <a:lnRef idx="2">
+            <a:schemeClr val="accent1">
+              <a:shade val="50000"/>
+            </a:schemeClr>
+          </a:lnRef>
+          <a:fillRef idx="1">
+            <a:schemeClr val="accent1"/>
+          </a:fillRef>
+          <a:effectRef idx="0">
+            <a:schemeClr val="accent1"/>
+          </a:effectRef>
+          <a:fontRef idx="minor">
+            <a:schemeClr val="lt1"/>
+          </a:fontRef>
+        </p:style>
+        <p:txBody>
+          <a:bodyPr rtlCol="0" anchor="ctr"/>
+          <a:lstStyle/>
+          <a:p>
+            <a:pPr algn="ctr"/>
+            <a:endParaRPr lang="en-US" dirty="0"/>
+          </a:p>
+        </p:txBody>
+      </p:sp>
+      <p:sp>
+        <p:nvSpPr>
+          <p:cNvPr id="12" name="Rectangle 11">
+            <a:extLst>
+              <a:ext uri="{FF2B5EF4-FFF2-40B4-BE49-F238E27FC236}">
+                <a16:creationId xmlns:a16="http://schemas.microsoft.com/office/drawing/2014/main" id="{7F488E8B-4E1E-4402-8935-D4E6C02615C7}"/>
+              </a:ext>
+              <a:ext uri="{C183D7F6-B498-43B3-948B-1728B52AA6E4}">
+                <adec:decorative xmlns:adec="http://schemas.microsoft.com/office/drawing/2017/decorative" val="1"/>
+              </a:ext>
+            </a:extLst>
+          </p:cNvPr>
+          <p:cNvSpPr>
+            <a:spLocks noGrp="1" noRot="1" noChangeAspect="1" noMove="1" noResize="1" noEditPoints="1" noAdjustHandles="1" noChangeArrowheads="1" noChangeShapeType="1" noTextEdit="1"/>
+          </p:cNvSpPr>
+          <p:nvPr>
+            <p:extLst>
+              <p:ext uri="{386F3935-93C4-4BCD-93E2-E3B085C9AB24}">
+                <p16:designElem xmlns:p16="http://schemas.microsoft.com/office/powerpoint/2015/main" val="1"/>
+              </p:ext>
+            </p:extLst>
+          </p:nvPr>
+        </p:nvSpPr>
+        <p:spPr>
+          <a:xfrm>
+            <a:off x="641774" y="623275"/>
+            <a:ext cx="10905053" cy="5607882"/>
+          </a:xfrm>
+          <a:prstGeom prst="rect">
+            <a:avLst/>
+          </a:prstGeom>
+          <a:noFill/>
+          <a:ln w="19050">
+            <a:solidFill>
+              <a:schemeClr val="tx1">
+                <a:lumMod val="75000"/>
+                <a:lumOff val="25000"/>
+              </a:schemeClr>
+            </a:solidFill>
+          </a:ln>
+        </p:spPr>
+        <p:style>
+          <a:lnRef idx="2">
+            <a:schemeClr val="accent1">
+              <a:shade val="50000"/>
+            </a:schemeClr>
+          </a:lnRef>
+          <a:fillRef idx="1">
+            <a:schemeClr val="accent1"/>
+          </a:fillRef>
+          <a:effectRef idx="0">
+            <a:schemeClr val="accent1"/>
+          </a:effectRef>
+          <a:fontRef idx="minor">
+            <a:schemeClr val="lt1"/>
+          </a:fontRef>
+        </p:style>
+        <p:txBody>
+          <a:bodyPr rtlCol="0" anchor="ctr"/>
+          <a:lstStyle/>
+          <a:p>
+            <a:pPr algn="ctr"/>
+            <a:endParaRPr lang="en-US"/>
+          </a:p>
+        </p:txBody>
+      </p:sp>
+      <p:sp>
+        <p:nvSpPr>
+          <p:cNvPr id="2" name="Title 1">
+            <a:extLst>
+              <a:ext uri="{FF2B5EF4-FFF2-40B4-BE49-F238E27FC236}">
+                <a16:creationId xmlns:a16="http://schemas.microsoft.com/office/drawing/2014/main" id="{0CE4E1F4-69A7-BC56-F6A5-91A55C30EEFE}"/>
+              </a:ext>
+            </a:extLst>
+          </p:cNvPr>
+          <p:cNvSpPr>
+            <a:spLocks noGrp="1"/>
+          </p:cNvSpPr>
+          <p:nvPr>
+            <p:ph type="title"/>
+          </p:nvPr>
+        </p:nvSpPr>
+        <p:spPr>
+          <a:xfrm>
+            <a:off x="653478" y="642973"/>
+            <a:ext cx="8074815" cy="983688"/>
+          </a:xfrm>
+        </p:spPr>
+        <p:txBody>
+          <a:bodyPr anchor="ctr">
+            <a:normAutofit fontScale="90000"/>
+          </a:bodyPr>
+          <a:lstStyle/>
+          <a:p>
+            <a:r>
+              <a:rPr lang="en-GB" sz="6700" dirty="0"/>
+              <a:t>Limitations</a:t>
+            </a:r>
+          </a:p>
+        </p:txBody>
+      </p:sp>
+      <p:sp>
+        <p:nvSpPr>
+          <p:cNvPr id="3" name="Content Placeholder 2">
+            <a:extLst>
+              <a:ext uri="{FF2B5EF4-FFF2-40B4-BE49-F238E27FC236}">
+                <a16:creationId xmlns:a16="http://schemas.microsoft.com/office/drawing/2014/main" id="{670488B0-CC94-6C50-F4D3-C6E37C9A3CB7}"/>
+              </a:ext>
+            </a:extLst>
+          </p:cNvPr>
+          <p:cNvSpPr>
+            <a:spLocks noGrp="1"/>
+          </p:cNvSpPr>
+          <p:nvPr>
+            <p:ph idx="1"/>
+          </p:nvPr>
+        </p:nvSpPr>
+        <p:spPr>
+          <a:xfrm>
+            <a:off x="1285240" y="2969469"/>
+            <a:ext cx="8074815" cy="2800395"/>
+          </a:xfrm>
+        </p:spPr>
+        <p:txBody>
+          <a:bodyPr anchor="t">
+            <a:normAutofit/>
+          </a:bodyPr>
+          <a:lstStyle/>
+          <a:p>
+            <a:pPr marL="0" indent="0">
+              <a:buNone/>
+            </a:pPr>
+            <a:endParaRPr lang="pl-PL" sz="2400" dirty="0"/>
+          </a:p>
+          <a:p>
+            <a:pPr marL="514350" indent="-514350">
+              <a:buFont typeface="+mj-lt"/>
+              <a:buAutoNum type="arabicPeriod"/>
+            </a:pPr>
+            <a:endParaRPr lang="en-GB" sz="2400" dirty="0"/>
+          </a:p>
+        </p:txBody>
+      </p:sp>
+      <p:pic>
+        <p:nvPicPr>
+          <p:cNvPr id="5" name="Picture 4" descr="A close-up of a receipt&#10;&#10;Description automatically generated">
+            <a:extLst>
+              <a:ext uri="{FF2B5EF4-FFF2-40B4-BE49-F238E27FC236}">
+                <a16:creationId xmlns:a16="http://schemas.microsoft.com/office/drawing/2014/main" id="{86EC373E-FC6C-3E4F-36B3-6ADD640D8E33}"/>
+              </a:ext>
+            </a:extLst>
+          </p:cNvPr>
+          <p:cNvPicPr>
+            <a:picLocks noChangeAspect="1"/>
+          </p:cNvPicPr>
+          <p:nvPr/>
+        </p:nvPicPr>
+        <p:blipFill>
+          <a:blip r:embed="rId2">
+            <a:extLst>
+              <a:ext uri="{28A0092B-C50C-407E-A947-70E740481C1C}">
+                <a14:useLocalDpi xmlns:a14="http://schemas.microsoft.com/office/drawing/2010/main" val="0"/>
+              </a:ext>
+            </a:extLst>
+          </a:blip>
+          <a:stretch>
+            <a:fillRect/>
+          </a:stretch>
+        </p:blipFill>
+        <p:spPr>
+          <a:xfrm>
+            <a:off x="4840194" y="623275"/>
+            <a:ext cx="3374832" cy="2531124"/>
+          </a:xfrm>
+          <a:prstGeom prst="rect">
+            <a:avLst/>
+          </a:prstGeom>
+        </p:spPr>
+      </p:pic>
+      <p:pic>
+        <p:nvPicPr>
+          <p:cNvPr id="7" name="Picture 6" descr="A barcode on a white background&#10;&#10;Description automatically generated">
+            <a:extLst>
+              <a:ext uri="{FF2B5EF4-FFF2-40B4-BE49-F238E27FC236}">
+                <a16:creationId xmlns:a16="http://schemas.microsoft.com/office/drawing/2014/main" id="{255FA16A-AD24-1D08-3A1F-0C98921572A2}"/>
+              </a:ext>
+            </a:extLst>
+          </p:cNvPr>
+          <p:cNvPicPr>
+            <a:picLocks noChangeAspect="1"/>
+          </p:cNvPicPr>
+          <p:nvPr/>
+        </p:nvPicPr>
+        <p:blipFill>
+          <a:blip r:embed="rId3">
+            <a:extLst>
+              <a:ext uri="{28A0092B-C50C-407E-A947-70E740481C1C}">
+                <a14:useLocalDpi xmlns:a14="http://schemas.microsoft.com/office/drawing/2010/main" val="0"/>
+              </a:ext>
+            </a:extLst>
+          </a:blip>
+          <a:stretch>
+            <a:fillRect/>
+          </a:stretch>
+        </p:blipFill>
+        <p:spPr>
+          <a:xfrm>
+            <a:off x="9290399" y="625175"/>
+            <a:ext cx="2234754" cy="3525586"/>
+          </a:xfrm>
+          <a:prstGeom prst="rect">
+            <a:avLst/>
+          </a:prstGeom>
+        </p:spPr>
+      </p:pic>
+      <p:pic>
+        <p:nvPicPr>
+          <p:cNvPr id="11" name="Picture 10" descr="A close-up of a white rectangular object&#10;&#10;Description automatically generated">
+            <a:extLst>
+              <a:ext uri="{FF2B5EF4-FFF2-40B4-BE49-F238E27FC236}">
+                <a16:creationId xmlns:a16="http://schemas.microsoft.com/office/drawing/2014/main" id="{D530ED05-EFB1-2FCF-6B85-3204E74487C3}"/>
+              </a:ext>
+            </a:extLst>
+          </p:cNvPr>
+          <p:cNvPicPr>
+            <a:picLocks noChangeAspect="1"/>
+          </p:cNvPicPr>
+          <p:nvPr/>
+        </p:nvPicPr>
+        <p:blipFill>
+          <a:blip r:embed="rId4">
+            <a:extLst>
+              <a:ext uri="{28A0092B-C50C-407E-A947-70E740481C1C}">
+                <a14:useLocalDpi xmlns:a14="http://schemas.microsoft.com/office/drawing/2010/main" val="0"/>
+              </a:ext>
+            </a:extLst>
+          </a:blip>
+          <a:stretch>
+            <a:fillRect/>
+          </a:stretch>
+        </p:blipFill>
+        <p:spPr>
+          <a:xfrm>
+            <a:off x="640067" y="3762277"/>
+            <a:ext cx="3291840" cy="2468880"/>
+          </a:xfrm>
+          <a:prstGeom prst="rect">
+            <a:avLst/>
+          </a:prstGeom>
+        </p:spPr>
+      </p:pic>
+      <p:pic>
+        <p:nvPicPr>
+          <p:cNvPr id="14" name="Picture 13" descr="A rectangular object with numbers and letters&#10;&#10;Description automatically generated">
+            <a:extLst>
+              <a:ext uri="{FF2B5EF4-FFF2-40B4-BE49-F238E27FC236}">
+                <a16:creationId xmlns:a16="http://schemas.microsoft.com/office/drawing/2014/main" id="{689B8A30-96C0-F404-F69E-76643364D984}"/>
+              </a:ext>
+            </a:extLst>
+          </p:cNvPr>
+          <p:cNvPicPr>
+            <a:picLocks noChangeAspect="1"/>
+          </p:cNvPicPr>
+          <p:nvPr/>
+        </p:nvPicPr>
+        <p:blipFill>
+          <a:blip r:embed="rId5">
+            <a:extLst>
+              <a:ext uri="{28A0092B-C50C-407E-A947-70E740481C1C}">
+                <a14:useLocalDpi xmlns:a14="http://schemas.microsoft.com/office/drawing/2010/main" val="0"/>
+              </a:ext>
+            </a:extLst>
+          </a:blip>
+          <a:stretch>
+            <a:fillRect/>
+          </a:stretch>
+        </p:blipFill>
+        <p:spPr>
+          <a:xfrm>
+            <a:off x="5004878" y="3951257"/>
+            <a:ext cx="3962081" cy="2054142"/>
+          </a:xfrm>
+          <a:prstGeom prst="rect">
+            <a:avLst/>
+          </a:prstGeom>
+        </p:spPr>
+      </p:pic>
+      <p:sp>
+        <p:nvSpPr>
+          <p:cNvPr id="15" name="Arrow: Right 14">
+            <a:extLst>
+              <a:ext uri="{FF2B5EF4-FFF2-40B4-BE49-F238E27FC236}">
+                <a16:creationId xmlns:a16="http://schemas.microsoft.com/office/drawing/2014/main" id="{878825AA-6388-9FAE-B45A-349D4D7F33CB}"/>
+              </a:ext>
+            </a:extLst>
+          </p:cNvPr>
+          <p:cNvSpPr/>
+          <p:nvPr/>
+        </p:nvSpPr>
+        <p:spPr>
+          <a:xfrm>
+            <a:off x="8454926" y="1439927"/>
+            <a:ext cx="667820" cy="1456535"/>
+          </a:xfrm>
+          <a:prstGeom prst="rightArrow">
+            <a:avLst/>
+          </a:prstGeom>
+          <a:solidFill>
+            <a:srgbClr val="FFC000"/>
+          </a:solidFill>
+          <a:ln>
+            <a:noFill/>
+          </a:ln>
+          <a:effectLst>
+            <a:outerShdw blurRad="107950" dist="12700" dir="5400000" algn="ctr">
+              <a:srgbClr val="000000"/>
+            </a:outerShdw>
+          </a:effectLst>
+          <a:scene3d>
+            <a:camera prst="orthographicFront">
+              <a:rot lat="0" lon="0" rev="0"/>
+            </a:camera>
+            <a:lightRig rig="soft" dir="t">
+              <a:rot lat="0" lon="0" rev="0"/>
+            </a:lightRig>
+          </a:scene3d>
+          <a:sp3d contourW="44450" prstMaterial="matte">
+            <a:bevelT w="63500" h="63500" prst="artDeco"/>
+            <a:contourClr>
+              <a:srgbClr val="FFFFFF"/>
+            </a:contourClr>
+          </a:sp3d>
+        </p:spPr>
+        <p:style>
+          <a:lnRef idx="2">
+            <a:schemeClr val="accent2"/>
+          </a:lnRef>
+          <a:fillRef idx="1">
+            <a:schemeClr val="lt1"/>
+          </a:fillRef>
+          <a:effectRef idx="0">
+            <a:schemeClr val="accent2"/>
+          </a:effectRef>
+          <a:fontRef idx="minor">
+            <a:schemeClr val="dk1"/>
+          </a:fontRef>
+        </p:style>
+        <p:txBody>
+          <a:bodyPr rtlCol="0" anchor="ctr"/>
+          <a:lstStyle/>
+          <a:p>
+            <a:pPr algn="ctr"/>
+            <a:endParaRPr lang="en-GB" b="1">
+              <a:ln w="22225">
+                <a:solidFill>
+                  <a:schemeClr val="accent2"/>
+                </a:solidFill>
+                <a:prstDash val="solid"/>
+              </a:ln>
+              <a:solidFill>
+                <a:schemeClr val="accent2">
+                  <a:lumMod val="40000"/>
+                  <a:lumOff val="60000"/>
+                </a:schemeClr>
+              </a:solidFill>
+            </a:endParaRPr>
+          </a:p>
+        </p:txBody>
+      </p:sp>
+      <p:sp>
+        <p:nvSpPr>
+          <p:cNvPr id="16" name="Arrow: Right 15">
+            <a:extLst>
+              <a:ext uri="{FF2B5EF4-FFF2-40B4-BE49-F238E27FC236}">
+                <a16:creationId xmlns:a16="http://schemas.microsoft.com/office/drawing/2014/main" id="{EF451DA2-27CF-BFF5-FE62-C315D4579592}"/>
+              </a:ext>
+            </a:extLst>
+          </p:cNvPr>
+          <p:cNvSpPr/>
+          <p:nvPr/>
+        </p:nvSpPr>
+        <p:spPr>
+          <a:xfrm>
+            <a:off x="4171806" y="4322972"/>
+            <a:ext cx="582297" cy="1481071"/>
+          </a:xfrm>
+          <a:prstGeom prst="rightArrow">
+            <a:avLst/>
+          </a:prstGeom>
+          <a:solidFill>
+            <a:srgbClr val="FFC000"/>
+          </a:solidFill>
+          <a:ln>
+            <a:noFill/>
+          </a:ln>
+          <a:effectLst>
+            <a:outerShdw blurRad="107950" dist="12700" dir="5400000" algn="ctr">
+              <a:srgbClr val="000000"/>
+            </a:outerShdw>
+          </a:effectLst>
+          <a:scene3d>
+            <a:camera prst="orthographicFront">
+              <a:rot lat="0" lon="0" rev="0"/>
+            </a:camera>
+            <a:lightRig rig="soft" dir="t">
+              <a:rot lat="0" lon="0" rev="0"/>
+            </a:lightRig>
+          </a:scene3d>
+          <a:sp3d contourW="44450" prstMaterial="matte">
+            <a:bevelT w="63500" h="63500" prst="artDeco"/>
+            <a:contourClr>
+              <a:srgbClr val="FFFFFF"/>
+            </a:contourClr>
+          </a:sp3d>
+        </p:spPr>
+        <p:style>
+          <a:lnRef idx="2">
+            <a:schemeClr val="accent2"/>
+          </a:lnRef>
+          <a:fillRef idx="1">
+            <a:schemeClr val="lt1"/>
+          </a:fillRef>
+          <a:effectRef idx="0">
+            <a:schemeClr val="accent2"/>
+          </a:effectRef>
+          <a:fontRef idx="minor">
+            <a:schemeClr val="dk1"/>
+          </a:fontRef>
+        </p:style>
+        <p:txBody>
+          <a:bodyPr rtlCol="0" anchor="ctr"/>
+          <a:lstStyle/>
+          <a:p>
+            <a:pPr algn="ctr"/>
+            <a:endParaRPr lang="en-GB"/>
+          </a:p>
+        </p:txBody>
+      </p:sp>
+    </p:spTree>
+    <p:extLst>
+      <p:ext uri="{BB962C8B-B14F-4D97-AF65-F5344CB8AC3E}">
+        <p14:creationId xmlns:p14="http://schemas.microsoft.com/office/powerpoint/2010/main" val="3774493162"/>
+      </p:ext>
+    </p:extLst>
+  </p:cSld>
+  <p:clrMapOvr>
+    <a:masterClrMapping/>
+  </p:clrMapOvr>
+</p:sld>
+</file>
+
+<file path=ppt/slides/slide18.xml><?xml version="1.0" encoding="utf-8"?>
+<p:sld xmlns:a="http://schemas.openxmlformats.org/drawingml/2006/main" xmlns:r="http://schemas.openxmlformats.org/officeDocument/2006/relationships" xmlns:p="http://schemas.openxmlformats.org/presentationml/2006/main">
+  <p:cSld>
+    <p:spTree>
+      <p:nvGrpSpPr>
+        <p:cNvPr id="1" name=""/>
+        <p:cNvGrpSpPr/>
+        <p:nvPr/>
+      </p:nvGrpSpPr>
+      <p:grpSpPr>
+        <a:xfrm>
+          <a:off x="0" y="0"/>
+          <a:ext cx="0" cy="0"/>
+          <a:chOff x="0" y="0"/>
+          <a:chExt cx="0" cy="0"/>
+        </a:xfrm>
+      </p:grpSpPr>
+      <p:sp useBgFill="1">
+        <p:nvSpPr>
+          <p:cNvPr id="8" name="Rectangle 7">
+            <a:extLst>
+              <a:ext uri="{FF2B5EF4-FFF2-40B4-BE49-F238E27FC236}">
+                <a16:creationId xmlns:a16="http://schemas.microsoft.com/office/drawing/2014/main" id="{081EA652-8C6A-4E69-BEB9-170809474553}"/>
+              </a:ext>
+              <a:ext uri="{C183D7F6-B498-43B3-948B-1728B52AA6E4}">
+                <adec:decorative xmlns:adec="http://schemas.microsoft.com/office/drawing/2017/decorative" val="1"/>
+              </a:ext>
+            </a:extLst>
+          </p:cNvPr>
+          <p:cNvSpPr>
+            <a:spLocks noGrp="1" noRot="1" noChangeAspect="1" noMove="1" noResize="1" noEditPoints="1" noAdjustHandles="1" noChangeArrowheads="1" noChangeShapeType="1" noTextEdit="1"/>
+          </p:cNvSpPr>
+          <p:nvPr>
+            <p:extLst>
+              <p:ext uri="{386F3935-93C4-4BCD-93E2-E3B085C9AB24}">
+                <p16:designElem xmlns:p16="http://schemas.microsoft.com/office/powerpoint/2015/main" val="1"/>
+              </p:ext>
+            </p:extLst>
+          </p:nvPr>
+        </p:nvSpPr>
+        <p:spPr>
+          <a:xfrm>
+            <a:off x="0" y="0"/>
+            <a:ext cx="12192000" cy="6858000"/>
+          </a:xfrm>
+          <a:prstGeom prst="rect">
+            <a:avLst/>
+          </a:prstGeom>
+          <a:ln>
+            <a:noFill/>
+          </a:ln>
+        </p:spPr>
+        <p:style>
+          <a:lnRef idx="2">
+            <a:schemeClr val="accent1">
+              <a:shade val="50000"/>
+            </a:schemeClr>
+          </a:lnRef>
+          <a:fillRef idx="1">
+            <a:schemeClr val="accent1"/>
+          </a:fillRef>
+          <a:effectRef idx="0">
+            <a:schemeClr val="accent1"/>
+          </a:effectRef>
+          <a:fontRef idx="minor">
+            <a:schemeClr val="lt1"/>
+          </a:fontRef>
+        </p:style>
+        <p:txBody>
+          <a:bodyPr rtlCol="0" anchor="ctr"/>
+          <a:lstStyle/>
+          <a:p>
+            <a:pPr algn="ctr"/>
+            <a:endParaRPr lang="en-US"/>
+          </a:p>
+        </p:txBody>
+      </p:sp>
+      <p:sp>
+        <p:nvSpPr>
+          <p:cNvPr id="10" name="Right Triangle 9">
+            <a:extLst>
+              <a:ext uri="{FF2B5EF4-FFF2-40B4-BE49-F238E27FC236}">
+                <a16:creationId xmlns:a16="http://schemas.microsoft.com/office/drawing/2014/main" id="{5298780A-33B9-4EA2-8F67-DE68AD62841B}"/>
+              </a:ext>
+              <a:ext uri="{C183D7F6-B498-43B3-948B-1728B52AA6E4}">
+                <adec:decorative xmlns:adec="http://schemas.microsoft.com/office/drawing/2017/decorative" val="1"/>
+              </a:ext>
+            </a:extLst>
+          </p:cNvPr>
+          <p:cNvSpPr>
+            <a:spLocks noGrp="1" noRot="1" noChangeAspect="1" noMove="1" noResize="1" noEditPoints="1" noAdjustHandles="1" noChangeArrowheads="1" noChangeShapeType="1" noTextEdit="1"/>
+          </p:cNvSpPr>
+          <p:nvPr>
+            <p:extLst>
+              <p:ext uri="{386F3935-93C4-4BCD-93E2-E3B085C9AB24}">
+                <p16:designElem xmlns:p16="http://schemas.microsoft.com/office/powerpoint/2015/main" val="1"/>
+              </p:ext>
+            </p:extLst>
+          </p:nvPr>
+        </p:nvSpPr>
+        <p:spPr>
+          <a:xfrm flipH="1">
+            <a:off x="8576720" y="3335867"/>
+            <a:ext cx="3291840" cy="3200400"/>
+          </a:xfrm>
+          <a:prstGeom prst="rtTriangle">
+            <a:avLst/>
+          </a:prstGeom>
+          <a:solidFill>
+            <a:schemeClr val="accent4"/>
+          </a:solidFill>
+          <a:ln>
+            <a:noFill/>
+          </a:ln>
+        </p:spPr>
+        <p:style>
+          <a:lnRef idx="2">
+            <a:schemeClr val="accent1">
+              <a:shade val="50000"/>
+            </a:schemeClr>
+          </a:lnRef>
+          <a:fillRef idx="1">
+            <a:schemeClr val="accent1"/>
+          </a:fillRef>
+          <a:effectRef idx="0">
+            <a:schemeClr val="accent1"/>
+          </a:effectRef>
+          <a:fontRef idx="minor">
+            <a:schemeClr val="lt1"/>
+          </a:fontRef>
+        </p:style>
+        <p:txBody>
+          <a:bodyPr rtlCol="0" anchor="ctr"/>
+          <a:lstStyle/>
+          <a:p>
+            <a:pPr algn="ctr"/>
+            <a:endParaRPr lang="en-US" dirty="0"/>
+          </a:p>
+        </p:txBody>
+      </p:sp>
+      <p:sp>
+        <p:nvSpPr>
+          <p:cNvPr id="12" name="Rectangle 11">
+            <a:extLst>
+              <a:ext uri="{FF2B5EF4-FFF2-40B4-BE49-F238E27FC236}">
+                <a16:creationId xmlns:a16="http://schemas.microsoft.com/office/drawing/2014/main" id="{7F488E8B-4E1E-4402-8935-D4E6C02615C7}"/>
+              </a:ext>
+              <a:ext uri="{C183D7F6-B498-43B3-948B-1728B52AA6E4}">
+                <adec:decorative xmlns:adec="http://schemas.microsoft.com/office/drawing/2017/decorative" val="1"/>
+              </a:ext>
+            </a:extLst>
+          </p:cNvPr>
+          <p:cNvSpPr>
+            <a:spLocks noGrp="1" noRot="1" noChangeAspect="1" noMove="1" noResize="1" noEditPoints="1" noAdjustHandles="1" noChangeArrowheads="1" noChangeShapeType="1" noTextEdit="1"/>
+          </p:cNvSpPr>
+          <p:nvPr>
+            <p:extLst>
+              <p:ext uri="{386F3935-93C4-4BCD-93E2-E3B085C9AB24}">
+                <p16:designElem xmlns:p16="http://schemas.microsoft.com/office/powerpoint/2015/main" val="1"/>
+              </p:ext>
+            </p:extLst>
+          </p:nvPr>
+        </p:nvSpPr>
+        <p:spPr>
+          <a:xfrm>
+            <a:off x="641774" y="623275"/>
+            <a:ext cx="10905053" cy="5607882"/>
+          </a:xfrm>
+          <a:prstGeom prst="rect">
+            <a:avLst/>
+          </a:prstGeom>
+          <a:noFill/>
+          <a:ln w="19050">
+            <a:solidFill>
+              <a:schemeClr val="tx1">
+                <a:lumMod val="75000"/>
+                <a:lumOff val="25000"/>
+              </a:schemeClr>
+            </a:solidFill>
+          </a:ln>
+        </p:spPr>
+        <p:style>
+          <a:lnRef idx="2">
+            <a:schemeClr val="accent1">
+              <a:shade val="50000"/>
+            </a:schemeClr>
+          </a:lnRef>
+          <a:fillRef idx="1">
+            <a:schemeClr val="accent1"/>
+          </a:fillRef>
+          <a:effectRef idx="0">
+            <a:schemeClr val="accent1"/>
+          </a:effectRef>
+          <a:fontRef idx="minor">
+            <a:schemeClr val="lt1"/>
+          </a:fontRef>
+        </p:style>
+        <p:txBody>
+          <a:bodyPr rtlCol="0" anchor="ctr"/>
+          <a:lstStyle/>
+          <a:p>
+            <a:pPr algn="ctr"/>
+            <a:endParaRPr lang="en-US"/>
+          </a:p>
+        </p:txBody>
+      </p:sp>
+      <p:sp>
+        <p:nvSpPr>
+          <p:cNvPr id="2" name="Title 1">
+            <a:extLst>
+              <a:ext uri="{FF2B5EF4-FFF2-40B4-BE49-F238E27FC236}">
+                <a16:creationId xmlns:a16="http://schemas.microsoft.com/office/drawing/2014/main" id="{0CE4E1F4-69A7-BC56-F6A5-91A55C30EEFE}"/>
+              </a:ext>
+            </a:extLst>
+          </p:cNvPr>
+          <p:cNvSpPr>
+            <a:spLocks noGrp="1"/>
+          </p:cNvSpPr>
+          <p:nvPr>
+            <p:ph type="title"/>
+          </p:nvPr>
+        </p:nvSpPr>
+        <p:spPr>
+          <a:xfrm>
+            <a:off x="1285240" y="1050595"/>
+            <a:ext cx="8074815" cy="1618489"/>
+          </a:xfrm>
+        </p:spPr>
+        <p:txBody>
+          <a:bodyPr anchor="ctr">
+            <a:normAutofit/>
+          </a:bodyPr>
+          <a:lstStyle/>
+          <a:p>
+            <a:r>
+              <a:rPr lang="pl-PL" sz="6700"/>
+              <a:t>Future improvements</a:t>
+            </a:r>
+            <a:endParaRPr lang="en-GB" sz="6700"/>
+          </a:p>
+        </p:txBody>
+      </p:sp>
+      <p:sp>
+        <p:nvSpPr>
+          <p:cNvPr id="3" name="Content Placeholder 2">
+            <a:extLst>
+              <a:ext uri="{FF2B5EF4-FFF2-40B4-BE49-F238E27FC236}">
+                <a16:creationId xmlns:a16="http://schemas.microsoft.com/office/drawing/2014/main" id="{670488B0-CC94-6C50-F4D3-C6E37C9A3CB7}"/>
+              </a:ext>
+            </a:extLst>
+          </p:cNvPr>
+          <p:cNvSpPr>
+            <a:spLocks noGrp="1"/>
+          </p:cNvSpPr>
+          <p:nvPr>
+            <p:ph idx="1"/>
+          </p:nvPr>
+        </p:nvSpPr>
+        <p:spPr>
+          <a:xfrm>
+            <a:off x="1285240" y="2969469"/>
+            <a:ext cx="8074815" cy="2800395"/>
+          </a:xfrm>
+        </p:spPr>
+        <p:txBody>
+          <a:bodyPr anchor="t">
+            <a:normAutofit lnSpcReduction="10000"/>
+          </a:bodyPr>
+          <a:lstStyle/>
+          <a:p>
+            <a:pPr marL="514350" indent="-514350">
+              <a:buFont typeface="+mj-lt"/>
+              <a:buAutoNum type="arabicPeriod"/>
+            </a:pPr>
+            <a:r>
+              <a:rPr lang="pl-PL" sz="2400" dirty="0" err="1"/>
+              <a:t>Applying</a:t>
             </a:r>
             <a:r>
-              <a:rPr lang="pl-PL" sz="9600" b="1" dirty="0"/>
+              <a:rPr lang="pl-PL" sz="2400" dirty="0"/>
               <a:t> </a:t>
             </a:r>
             <a:r>
-              <a:rPr lang="en-GB" sz="9600" b="1" dirty="0"/>
-              <a:t>scanner</a:t>
+              <a:rPr lang="pl-PL" sz="2400" dirty="0" err="1"/>
+              <a:t>better</a:t>
             </a:r>
-          </a:p>
-        </p:txBody>
-      </p:sp>
-      <p:sp>
-        <p:nvSpPr>
-          <p:cNvPr id="3" name="Subtitle 2">
-            <a:extLst>
-              <a:ext uri="{FF2B5EF4-FFF2-40B4-BE49-F238E27FC236}">
-                <a16:creationId xmlns:a16="http://schemas.microsoft.com/office/drawing/2014/main" id="{C6886476-5C3B-6C4A-DA5C-DFF16A7281CE}"/>
-              </a:ext>
-            </a:extLst>
-          </p:cNvPr>
-          <p:cNvSpPr>
-            <a:spLocks noGrp="1"/>
-          </p:cNvSpPr>
-          <p:nvPr>
-            <p:ph type="subTitle" idx="1"/>
-          </p:nvPr>
-        </p:nvSpPr>
-        <p:spPr>
-          <a:xfrm>
-            <a:off x="1285241" y="4582814"/>
-            <a:ext cx="7132335" cy="1312657"/>
-          </a:xfrm>
-        </p:spPr>
-        <p:txBody>
-          <a:bodyPr anchor="t">
-            <a:normAutofit/>
-          </a:bodyPr>
-          <a:lstStyle/>
-          <a:p>
-            <a:pPr algn="l"/>
             <a:r>
-              <a:rPr lang="pl-PL" dirty="0"/>
-              <a:t>Jerzy Pawlik</a:t>
+              <a:rPr lang="pl-PL" sz="2400" dirty="0"/>
+              <a:t> resolution </a:t>
             </a:r>
-            <a:endParaRPr lang="en-GB" dirty="0"/>
+            <a:r>
+              <a:rPr lang="pl-PL" sz="2400" dirty="0" err="1"/>
+              <a:t>camera</a:t>
+            </a:r>
+            <a:endParaRPr lang="pl-PL" sz="2400" dirty="0"/>
+          </a:p>
+          <a:p>
+            <a:pPr marL="514350" indent="-514350">
+              <a:buFont typeface="+mj-lt"/>
+              <a:buAutoNum type="arabicPeriod"/>
+            </a:pPr>
+            <a:r>
+              <a:rPr lang="pl-PL" sz="2400" dirty="0" err="1"/>
+              <a:t>More</a:t>
+            </a:r>
+            <a:r>
+              <a:rPr lang="pl-PL" sz="2400" dirty="0"/>
+              <a:t> </a:t>
+            </a:r>
+            <a:r>
+              <a:rPr lang="pl-PL" sz="2400" dirty="0" err="1"/>
+              <a:t>accurate</a:t>
+            </a:r>
+            <a:r>
+              <a:rPr lang="pl-PL" sz="2400" dirty="0"/>
+              <a:t> </a:t>
+            </a:r>
+            <a:r>
+              <a:rPr lang="pl-PL" sz="2400" dirty="0" err="1"/>
+              <a:t>computation</a:t>
+            </a:r>
+            <a:r>
+              <a:rPr lang="pl-PL" sz="2400" dirty="0"/>
+              <a:t> of the </a:t>
+            </a:r>
+            <a:r>
+              <a:rPr lang="pl-PL" sz="2400" dirty="0" err="1"/>
+              <a:t>output</a:t>
+            </a:r>
+            <a:r>
+              <a:rPr lang="pl-PL" sz="2400" dirty="0"/>
+              <a:t> image </a:t>
+            </a:r>
+            <a:r>
+              <a:rPr lang="pl-PL" sz="2400" dirty="0" err="1"/>
+              <a:t>size</a:t>
+            </a:r>
+            <a:r>
+              <a:rPr lang="pl-PL" sz="2400" dirty="0"/>
+              <a:t> (by </a:t>
+            </a:r>
+            <a:r>
+              <a:rPr lang="pl-PL" sz="2400" dirty="0" err="1"/>
+              <a:t>now</a:t>
+            </a:r>
+            <a:r>
+              <a:rPr lang="pl-PL" sz="2400" dirty="0"/>
+              <a:t> </a:t>
+            </a:r>
+            <a:r>
+              <a:rPr lang="pl-PL" sz="2400" dirty="0" err="1"/>
+              <a:t>camera</a:t>
+            </a:r>
+            <a:r>
+              <a:rPr lang="pl-PL" sz="2400" dirty="0"/>
+              <a:t> </a:t>
+            </a:r>
+            <a:r>
+              <a:rPr lang="pl-PL" sz="2400" dirty="0" err="1"/>
+              <a:t>has</a:t>
+            </a:r>
+            <a:r>
+              <a:rPr lang="pl-PL" sz="2400" dirty="0"/>
+              <a:t> to be on the </a:t>
+            </a:r>
+            <a:r>
+              <a:rPr lang="pl-PL" sz="2400" dirty="0" err="1"/>
+              <a:t>plane</a:t>
+            </a:r>
+            <a:r>
+              <a:rPr lang="pl-PL" sz="2400" dirty="0"/>
+              <a:t> </a:t>
+            </a:r>
+            <a:r>
+              <a:rPr lang="pl-PL" sz="2400" dirty="0" err="1"/>
+              <a:t>parrarel</a:t>
+            </a:r>
+            <a:r>
+              <a:rPr lang="pl-PL" sz="2400" dirty="0"/>
+              <a:t> to the </a:t>
+            </a:r>
+            <a:r>
+              <a:rPr lang="pl-PL" sz="2400" dirty="0" err="1"/>
+              <a:t>document</a:t>
+            </a:r>
+            <a:r>
+              <a:rPr lang="pl-PL" sz="2400" dirty="0"/>
+              <a:t>)</a:t>
+            </a:r>
+          </a:p>
+          <a:p>
+            <a:pPr marL="514350" indent="-514350">
+              <a:buFont typeface="+mj-lt"/>
+              <a:buAutoNum type="arabicPeriod"/>
+            </a:pPr>
+            <a:r>
+              <a:rPr lang="pl-PL" sz="2400" dirty="0" err="1"/>
+              <a:t>Creating</a:t>
+            </a:r>
+            <a:r>
+              <a:rPr lang="pl-PL" sz="2400" dirty="0"/>
+              <a:t> a version for </a:t>
+            </a:r>
+            <a:r>
+              <a:rPr lang="pl-PL" sz="2400" dirty="0" err="1"/>
+              <a:t>colour</a:t>
+            </a:r>
+            <a:r>
+              <a:rPr lang="pl-PL" sz="2400" dirty="0"/>
+              <a:t> </a:t>
+            </a:r>
+            <a:r>
+              <a:rPr lang="pl-PL" sz="2400" dirty="0" err="1"/>
+              <a:t>images</a:t>
+            </a:r>
+            <a:endParaRPr lang="en-GB" sz="2400" dirty="0"/>
+          </a:p>
+          <a:p>
+            <a:pPr marL="514350" indent="-514350">
+              <a:buFont typeface="+mj-lt"/>
+              <a:buAutoNum type="arabicPeriod"/>
+            </a:pPr>
+            <a:r>
+              <a:rPr lang="en-GB" sz="2400" dirty="0"/>
+              <a:t>Creating version to read from a folder</a:t>
+            </a:r>
+          </a:p>
+          <a:p>
+            <a:pPr marL="514350" indent="-514350">
+              <a:buFont typeface="+mj-lt"/>
+              <a:buAutoNum type="arabicPeriod"/>
+            </a:pPr>
+            <a:r>
+              <a:rPr lang="en-GB" sz="2400" dirty="0"/>
+              <a:t>Adding functionality to rotate the frame</a:t>
+            </a:r>
+            <a:endParaRPr lang="pl-PL" sz="2400" dirty="0"/>
+          </a:p>
+          <a:p>
+            <a:pPr marL="514350" indent="-514350">
+              <a:buFont typeface="+mj-lt"/>
+              <a:buAutoNum type="arabicPeriod"/>
+            </a:pPr>
+            <a:endParaRPr lang="pl-PL" sz="2400" dirty="0"/>
+          </a:p>
+          <a:p>
+            <a:pPr marL="514350" indent="-514350">
+              <a:buFont typeface="+mj-lt"/>
+              <a:buAutoNum type="arabicPeriod"/>
+            </a:pPr>
+            <a:endParaRPr lang="en-GB" sz="2400" dirty="0"/>
           </a:p>
         </p:txBody>
       </p:sp>
     </p:spTree>
     <p:extLst>
       <p:ext uri="{BB962C8B-B14F-4D97-AF65-F5344CB8AC3E}">
-        <p14:creationId xmlns:p14="http://schemas.microsoft.com/office/powerpoint/2010/main" val="473667771"/>
+        <p14:creationId xmlns:p14="http://schemas.microsoft.com/office/powerpoint/2010/main" val="3444691788"/>
       </p:ext>
     </p:extLst>
   </p:cSld>
@@ -3639,14 +8665,6 @@
 <file path=ppt/slides/slide2.xml><?xml version="1.0" encoding="utf-8"?>
 <p:sld xmlns:a="http://schemas.openxmlformats.org/drawingml/2006/main" xmlns:r="http://schemas.openxmlformats.org/officeDocument/2006/relationships" xmlns:p="http://schemas.openxmlformats.org/presentationml/2006/main">
   <p:cSld>
-    <p:bg>
-      <p:bgPr>
-        <a:solidFill>
-          <a:schemeClr val="bg1"/>
-        </a:solidFill>
-        <a:effectLst/>
-      </p:bgPr>
-    </p:bg>
     <p:spTree>
       <p:nvGrpSpPr>
         <p:cNvPr id="1" name=""/>
@@ -4191,14 +9209,6 @@
 <file path=ppt/slides/slide3.xml><?xml version="1.0" encoding="utf-8"?>
 <p:sld xmlns:a="http://schemas.openxmlformats.org/drawingml/2006/main" xmlns:r="http://schemas.openxmlformats.org/officeDocument/2006/relationships" xmlns:p="http://schemas.openxmlformats.org/presentationml/2006/main">
   <p:cSld>
-    <p:bg>
-      <p:bgPr>
-        <a:solidFill>
-          <a:schemeClr val="bg1"/>
-        </a:solidFill>
-        <a:effectLst/>
-      </p:bgPr>
-    </p:bg>
     <p:spTree>
       <p:nvGrpSpPr>
         <p:cNvPr id="1" name=""/>
@@ -4420,7 +9430,7 @@
         </p:nvSpPr>
         <p:spPr>
           <a:xfrm>
-            <a:off x="677374" y="666192"/>
+            <a:off x="677373" y="623275"/>
             <a:ext cx="10449538" cy="727051"/>
           </a:xfrm>
         </p:spPr>
@@ -4479,14 +9489,14 @@
             <p:ph idx="1"/>
             <p:extLst>
               <p:ext uri="{D42A27DB-BD31-4B8C-83A1-F6EECF244321}">
-                <p14:modId xmlns:p14="http://schemas.microsoft.com/office/powerpoint/2010/main" val="2340562901"/>
+                <p14:modId xmlns:p14="http://schemas.microsoft.com/office/powerpoint/2010/main" val="1913444513"/>
               </p:ext>
             </p:extLst>
           </p:nvPr>
         </p:nvGraphicFramePr>
         <p:xfrm>
-          <a:off x="677373" y="1393244"/>
-          <a:ext cx="10869454" cy="4329462"/>
+          <a:off x="677373" y="1350326"/>
+          <a:ext cx="10869454" cy="4864930"/>
         </p:xfrm>
         <a:graphic>
           <a:graphicData uri="http://schemas.openxmlformats.org/drawingml/2006/table">
@@ -4517,7 +9527,7 @@
                   </a:extLst>
                 </a:gridCol>
               </a:tblGrid>
-              <a:tr h="928716">
+              <a:tr h="873623">
                 <a:tc>
                   <a:txBody>
                     <a:bodyPr/>
@@ -4710,7 +9720,7 @@
                   </a:ext>
                 </a:extLst>
               </a:tr>
-              <a:tr h="1010966">
+              <a:tr h="1226398">
                 <a:tc>
                   <a:txBody>
                     <a:bodyPr/>
@@ -5076,7 +10086,7 @@
                   </a:ext>
                 </a:extLst>
               </a:tr>
-              <a:tr h="1333911">
+              <a:tr h="1119890">
                 <a:tc>
                   <a:txBody>
                     <a:bodyPr/>
@@ -5388,7 +10398,7 @@
                   </a:ext>
                 </a:extLst>
               </a:tr>
-              <a:tr h="795295">
+              <a:tr h="756032">
                 <a:tc>
                   <a:txBody>
                     <a:bodyPr/>
@@ -5532,6 +10542,42 @@
                     <a:bodyPr/>
                     <a:lstStyle/>
                     <a:p>
+                      <a:pPr marL="342900" indent="-342900">
+                        <a:buFont typeface="+mj-lt"/>
+                        <a:buAutoNum type="arabicPeriod"/>
+                      </a:pPr>
+                      <a:r>
+                        <a:rPr lang="en-GB" sz="1600" dirty="0">
+                          <a:solidFill>
+                            <a:schemeClr val="bg2">
+                              <a:lumMod val="25000"/>
+                            </a:schemeClr>
+                          </a:solidFill>
+                        </a:rPr>
+                        <a:t>Scaling image to be bigger</a:t>
+                      </a:r>
+                    </a:p>
+                    <a:p>
+                      <a:pPr marL="342900" indent="-342900">
+                        <a:buFont typeface="+mj-lt"/>
+                        <a:buAutoNum type="arabicPeriod"/>
+                      </a:pPr>
+                      <a:r>
+                        <a:rPr lang="en-GB" sz="1600" dirty="0">
+                          <a:solidFill>
+                            <a:schemeClr val="bg2">
+                              <a:lumMod val="25000"/>
+                            </a:schemeClr>
+                          </a:solidFill>
+                        </a:rPr>
+                        <a:t>Applying adaptive thresholding</a:t>
+                      </a:r>
+                    </a:p>
+                    <a:p>
+                      <a:pPr marL="342900" indent="-342900">
+                        <a:buFont typeface="+mj-lt"/>
+                        <a:buAutoNum type="arabicPeriod"/>
+                      </a:pPr>
                       <a:endParaRPr lang="en-GB" sz="1600" dirty="0">
                         <a:solidFill>
                           <a:schemeClr val="bg2">
@@ -5591,6 +10637,232 @@
                   </a:ext>
                 </a:extLst>
               </a:tr>
+              <a:tr h="756032">
+                <a:tc>
+                  <a:txBody>
+                    <a:bodyPr/>
+                    <a:lstStyle/>
+                    <a:p>
+                      <a:pPr algn="ctr"/>
+                      <a:r>
+                        <a:rPr lang="en-GB" sz="4800" b="1" noProof="0" dirty="0">
+                          <a:solidFill>
+                            <a:schemeClr val="accent4"/>
+                          </a:solidFill>
+                        </a:rPr>
+                        <a:t>5</a:t>
+                      </a:r>
+                    </a:p>
+                  </a:txBody>
+                  <a:tcPr marL="52341" marR="52341" marT="26170" marB="26170">
+                    <a:lnL w="12700" cap="flat" cmpd="sng" algn="ctr">
+                      <a:noFill/>
+                      <a:prstDash val="solid"/>
+                      <a:round/>
+                      <a:headEnd type="none" w="med" len="med"/>
+                      <a:tailEnd type="none" w="med" len="med"/>
+                    </a:lnL>
+                    <a:lnR w="12700" cap="flat" cmpd="sng" algn="ctr">
+                      <a:noFill/>
+                      <a:prstDash val="solid"/>
+                      <a:round/>
+                      <a:headEnd type="none" w="med" len="med"/>
+                      <a:tailEnd type="none" w="med" len="med"/>
+                    </a:lnR>
+                    <a:lnT w="12700" cap="flat" cmpd="sng" algn="ctr">
+                      <a:noFill/>
+                      <a:prstDash val="solid"/>
+                      <a:round/>
+                      <a:headEnd type="none" w="med" len="med"/>
+                      <a:tailEnd type="none" w="med" len="med"/>
+                    </a:lnT>
+                    <a:lnB w="12700" cap="flat" cmpd="sng" algn="ctr">
+                      <a:noFill/>
+                      <a:prstDash val="solid"/>
+                      <a:round/>
+                      <a:headEnd type="none" w="med" len="med"/>
+                      <a:tailEnd type="none" w="med" len="med"/>
+                    </a:lnB>
+                    <a:lnTlToBr w="12700" cmpd="sng">
+                      <a:noFill/>
+                      <a:prstDash val="solid"/>
+                    </a:lnTlToBr>
+                    <a:lnBlToTr w="12700" cmpd="sng">
+                      <a:noFill/>
+                      <a:prstDash val="solid"/>
+                    </a:lnBlToTr>
+                    <a:solidFill>
+                      <a:schemeClr val="bg1"/>
+                    </a:solidFill>
+                  </a:tcPr>
+                </a:tc>
+                <a:tc>
+                  <a:txBody>
+                    <a:bodyPr/>
+                    <a:lstStyle/>
+                    <a:p>
+                      <a:pPr marL="0" marR="0" lvl="0" indent="0" algn="l" defTabSz="914400" rtl="0" eaLnBrk="1" fontAlgn="auto" latinLnBrk="0" hangingPunct="1">
+                        <a:lnSpc>
+                          <a:spcPct val="100000"/>
+                        </a:lnSpc>
+                        <a:spcBef>
+                          <a:spcPts val="0"/>
+                        </a:spcBef>
+                        <a:spcAft>
+                          <a:spcPts val="0"/>
+                        </a:spcAft>
+                        <a:buClrTx/>
+                        <a:buSzTx/>
+                        <a:buFontTx/>
+                        <a:buNone/>
+                        <a:tabLst/>
+                        <a:defRPr/>
+                      </a:pPr>
+                      <a:r>
+                        <a:rPr lang="en-GB" sz="2800" b="1" noProof="0" dirty="0">
+                          <a:solidFill>
+                            <a:schemeClr val="tx1"/>
+                          </a:solidFill>
+                        </a:rPr>
+                        <a:t>Restoration</a:t>
+                      </a:r>
+                    </a:p>
+                  </a:txBody>
+                  <a:tcPr marL="52341" marR="52341" marT="26170" marB="26170">
+                    <a:lnL w="12700" cap="flat" cmpd="sng" algn="ctr">
+                      <a:noFill/>
+                      <a:prstDash val="solid"/>
+                      <a:round/>
+                      <a:headEnd type="none" w="med" len="med"/>
+                      <a:tailEnd type="none" w="med" len="med"/>
+                    </a:lnL>
+                    <a:lnR w="12700" cap="flat" cmpd="sng" algn="ctr">
+                      <a:noFill/>
+                      <a:prstDash val="solid"/>
+                      <a:round/>
+                      <a:headEnd type="none" w="med" len="med"/>
+                      <a:tailEnd type="none" w="med" len="med"/>
+                    </a:lnR>
+                    <a:lnT w="12700" cap="flat" cmpd="sng" algn="ctr">
+                      <a:noFill/>
+                      <a:prstDash val="solid"/>
+                      <a:round/>
+                      <a:headEnd type="none" w="med" len="med"/>
+                      <a:tailEnd type="none" w="med" len="med"/>
+                    </a:lnT>
+                    <a:lnB w="12700" cap="flat" cmpd="sng" algn="ctr">
+                      <a:noFill/>
+                      <a:prstDash val="solid"/>
+                      <a:round/>
+                      <a:headEnd type="none" w="med" len="med"/>
+                      <a:tailEnd type="none" w="med" len="med"/>
+                    </a:lnB>
+                    <a:lnTlToBr w="12700" cap="flat" cmpd="sng" algn="ctr">
+                      <a:noFill/>
+                      <a:prstDash val="solid"/>
+                      <a:round/>
+                      <a:headEnd type="none" w="med" len="med"/>
+                      <a:tailEnd type="none" w="med" len="med"/>
+                    </a:lnTlToBr>
+                    <a:lnBlToTr w="12700" cap="flat" cmpd="sng" algn="ctr">
+                      <a:noFill/>
+                      <a:prstDash val="solid"/>
+                      <a:round/>
+                      <a:headEnd type="none" w="med" len="med"/>
+                      <a:tailEnd type="none" w="med" len="med"/>
+                    </a:lnBlToTr>
+                    <a:solidFill>
+                      <a:schemeClr val="bg1"/>
+                    </a:solidFill>
+                  </a:tcPr>
+                </a:tc>
+                <a:tc>
+                  <a:txBody>
+                    <a:bodyPr/>
+                    <a:lstStyle/>
+                    <a:p>
+                      <a:pPr marL="342900" indent="-342900">
+                        <a:buFont typeface="+mj-lt"/>
+                        <a:buAutoNum type="arabicPeriod"/>
+                      </a:pPr>
+                      <a:r>
+                        <a:rPr lang="en-GB" sz="1600" dirty="0">
+                          <a:solidFill>
+                            <a:schemeClr val="bg2">
+                              <a:lumMod val="25000"/>
+                            </a:schemeClr>
+                          </a:solidFill>
+                        </a:rPr>
+                        <a:t>Bolding the text with morphological operations</a:t>
+                      </a:r>
+                    </a:p>
+                    <a:p>
+                      <a:pPr marL="342900" indent="-342900">
+                        <a:buFont typeface="+mj-lt"/>
+                        <a:buAutoNum type="arabicPeriod"/>
+                      </a:pPr>
+                      <a:r>
+                        <a:rPr lang="en-GB" sz="1600" dirty="0">
+                          <a:solidFill>
+                            <a:schemeClr val="bg2">
+                              <a:lumMod val="25000"/>
+                            </a:schemeClr>
+                          </a:solidFill>
+                        </a:rPr>
+                        <a:t>Removing noise using erosion and median filtering</a:t>
+                      </a:r>
+                    </a:p>
+                  </a:txBody>
+                  <a:tcPr marL="52341" marR="52341" marT="26170" marB="26170">
+                    <a:lnL w="12700" cap="flat" cmpd="sng" algn="ctr">
+                      <a:noFill/>
+                      <a:prstDash val="solid"/>
+                      <a:round/>
+                      <a:headEnd type="none" w="med" len="med"/>
+                      <a:tailEnd type="none" w="med" len="med"/>
+                    </a:lnL>
+                    <a:lnR w="12700" cap="flat" cmpd="sng" algn="ctr">
+                      <a:solidFill>
+                        <a:schemeClr val="tx1"/>
+                      </a:solidFill>
+                      <a:prstDash val="solid"/>
+                      <a:round/>
+                      <a:headEnd type="none" w="med" len="med"/>
+                      <a:tailEnd type="none" w="med" len="med"/>
+                    </a:lnR>
+                    <a:lnT w="12700" cap="flat" cmpd="sng" algn="ctr">
+                      <a:noFill/>
+                      <a:prstDash val="solid"/>
+                      <a:round/>
+                      <a:headEnd type="none" w="med" len="med"/>
+                      <a:tailEnd type="none" w="med" len="med"/>
+                    </a:lnT>
+                    <a:lnB w="12700" cap="flat" cmpd="sng" algn="ctr">
+                      <a:noFill/>
+                      <a:prstDash val="solid"/>
+                      <a:round/>
+                      <a:headEnd type="none" w="med" len="med"/>
+                      <a:tailEnd type="none" w="med" len="med"/>
+                    </a:lnB>
+                    <a:lnTlToBr w="12700" cmpd="sng">
+                      <a:noFill/>
+                      <a:prstDash val="solid"/>
+                    </a:lnTlToBr>
+                    <a:lnBlToTr w="12700" cmpd="sng">
+                      <a:noFill/>
+                      <a:prstDash val="solid"/>
+                    </a:lnBlToTr>
+                    <a:solidFill>
+                      <a:schemeClr val="bg1"/>
+                    </a:solidFill>
+                  </a:tcPr>
+                </a:tc>
+                <a:extLst>
+                  <a:ext uri="{0D108BD9-81ED-4DB2-BD59-A6C34878D82A}">
+                    <a16:rowId xmlns:a16="http://schemas.microsoft.com/office/drawing/2014/main" val="1879735737"/>
+                  </a:ext>
+                </a:extLst>
+              </a:tr>
             </a:tbl>
           </a:graphicData>
         </a:graphic>
@@ -5611,14 +10883,6 @@
 <file path=ppt/slides/slide4.xml><?xml version="1.0" encoding="utf-8"?>
 <p:sld xmlns:a="http://schemas.openxmlformats.org/drawingml/2006/main" xmlns:r="http://schemas.openxmlformats.org/officeDocument/2006/relationships" xmlns:p="http://schemas.openxmlformats.org/presentationml/2006/main">
   <p:cSld>
-    <p:bg>
-      <p:bgPr>
-        <a:solidFill>
-          <a:schemeClr val="bg1"/>
-        </a:solidFill>
-        <a:effectLst/>
-      </p:bgPr>
-    </p:bg>
     <p:spTree>
       <p:nvGrpSpPr>
         <p:cNvPr id="1" name=""/>
@@ -6033,7 +11297,7 @@
           <p:nvPr/>
         </p:nvPicPr>
         <p:blipFill>
-          <a:blip r:embed="rId2"/>
+          <a:blip r:embed="rId3"/>
           <a:stretch>
             <a:fillRect/>
           </a:stretch>
@@ -6065,7 +11329,7 @@
           </p:nvPr>
         </p:nvPicPr>
         <p:blipFill>
-          <a:blip r:embed="rId3"/>
+          <a:blip r:embed="rId4"/>
           <a:stretch>
             <a:fillRect/>
           </a:stretch>
@@ -6152,12 +11416,388 @@
           <a:chExt cx="0" cy="0"/>
         </a:xfrm>
       </p:grpSpPr>
+      <p:sp useBgFill="1">
+        <p:nvSpPr>
+          <p:cNvPr id="8" name="Rectangle 7">
+            <a:extLst>
+              <a:ext uri="{FF2B5EF4-FFF2-40B4-BE49-F238E27FC236}">
+                <a16:creationId xmlns:a16="http://schemas.microsoft.com/office/drawing/2014/main" id="{081EA652-8C6A-4E69-BEB9-170809474553}"/>
+              </a:ext>
+              <a:ext uri="{C183D7F6-B498-43B3-948B-1728B52AA6E4}">
+                <adec:decorative xmlns:adec="http://schemas.microsoft.com/office/drawing/2017/decorative" val="1"/>
+              </a:ext>
+            </a:extLst>
+          </p:cNvPr>
+          <p:cNvSpPr>
+            <a:spLocks noGrp="1" noRot="1" noChangeAspect="1" noMove="1" noResize="1" noEditPoints="1" noAdjustHandles="1" noChangeArrowheads="1" noChangeShapeType="1" noTextEdit="1"/>
+          </p:cNvSpPr>
+          <p:nvPr>
+            <p:extLst>
+              <p:ext uri="{386F3935-93C4-4BCD-93E2-E3B085C9AB24}">
+                <p16:designElem xmlns:p16="http://schemas.microsoft.com/office/powerpoint/2015/main" val="1"/>
+              </p:ext>
+            </p:extLst>
+          </p:nvPr>
+        </p:nvSpPr>
+        <p:spPr>
+          <a:xfrm>
+            <a:off x="0" y="0"/>
+            <a:ext cx="12192000" cy="6858000"/>
+          </a:xfrm>
+          <a:prstGeom prst="rect">
+            <a:avLst/>
+          </a:prstGeom>
+          <a:ln>
+            <a:noFill/>
+          </a:ln>
+        </p:spPr>
+        <p:style>
+          <a:lnRef idx="2">
+            <a:schemeClr val="accent1">
+              <a:shade val="50000"/>
+            </a:schemeClr>
+          </a:lnRef>
+          <a:fillRef idx="1">
+            <a:schemeClr val="accent1"/>
+          </a:fillRef>
+          <a:effectRef idx="0">
+            <a:schemeClr val="accent1"/>
+          </a:effectRef>
+          <a:fontRef idx="minor">
+            <a:schemeClr val="lt1"/>
+          </a:fontRef>
+        </p:style>
+        <p:txBody>
+          <a:bodyPr rtlCol="0" anchor="ctr"/>
+          <a:lstStyle/>
+          <a:p>
+            <a:pPr algn="ctr"/>
+            <a:endParaRPr lang="en-US" dirty="0"/>
+          </a:p>
+        </p:txBody>
+      </p:sp>
+      <p:sp>
+        <p:nvSpPr>
+          <p:cNvPr id="10" name="Freeform: Shape 9">
+            <a:extLst>
+              <a:ext uri="{FF2B5EF4-FFF2-40B4-BE49-F238E27FC236}">
+                <a16:creationId xmlns:a16="http://schemas.microsoft.com/office/drawing/2014/main" id="{A4026A73-1F7F-49F2-B319-8CA3B3D53269}"/>
+              </a:ext>
+              <a:ext uri="{C183D7F6-B498-43B3-948B-1728B52AA6E4}">
+                <adec:decorative xmlns:adec="http://schemas.microsoft.com/office/drawing/2017/decorative" val="1"/>
+              </a:ext>
+            </a:extLst>
+          </p:cNvPr>
+          <p:cNvSpPr>
+            <a:spLocks noGrp="1" noRot="1" noChangeAspect="1" noMove="1" noResize="1" noEditPoints="1" noAdjustHandles="1" noChangeArrowheads="1" noChangeShapeType="1" noTextEdit="1"/>
+          </p:cNvSpPr>
+          <p:nvPr>
+            <p:extLst>
+              <p:ext uri="{386F3935-93C4-4BCD-93E2-E3B085C9AB24}">
+                <p16:designElem xmlns:p16="http://schemas.microsoft.com/office/powerpoint/2015/main" val="1"/>
+              </p:ext>
+            </p:extLst>
+          </p:nvPr>
+        </p:nvSpPr>
+        <p:spPr>
+          <a:xfrm>
+            <a:off x="321732" y="321733"/>
+            <a:ext cx="11546828" cy="6214534"/>
+          </a:xfrm>
+          <a:custGeom>
+            <a:avLst/>
+            <a:gdLst>
+              <a:gd name="connsiteX0" fmla="*/ 0 w 11546828"/>
+              <a:gd name="connsiteY0" fmla="*/ 0 h 6214534"/>
+              <a:gd name="connsiteX1" fmla="*/ 7965430 w 11546828"/>
+              <a:gd name="connsiteY1" fmla="*/ 0 h 6214534"/>
+              <a:gd name="connsiteX2" fmla="*/ 7965430 w 11546828"/>
+              <a:gd name="connsiteY2" fmla="*/ 1786 h 6214534"/>
+              <a:gd name="connsiteX3" fmla="*/ 11546828 w 11546828"/>
+              <a:gd name="connsiteY3" fmla="*/ 1786 h 6214534"/>
+              <a:gd name="connsiteX4" fmla="*/ 11546828 w 11546828"/>
+              <a:gd name="connsiteY4" fmla="*/ 2866740 h 6214534"/>
+              <a:gd name="connsiteX5" fmla="*/ 11225095 w 11546828"/>
+              <a:gd name="connsiteY5" fmla="*/ 3179536 h 6214534"/>
+              <a:gd name="connsiteX6" fmla="*/ 11225095 w 11546828"/>
+              <a:gd name="connsiteY6" fmla="*/ 301542 h 6214534"/>
+              <a:gd name="connsiteX7" fmla="*/ 320042 w 11546828"/>
+              <a:gd name="connsiteY7" fmla="*/ 301542 h 6214534"/>
+              <a:gd name="connsiteX8" fmla="*/ 320042 w 11546828"/>
+              <a:gd name="connsiteY8" fmla="*/ 5909424 h 6214534"/>
+              <a:gd name="connsiteX9" fmla="*/ 8417210 w 11546828"/>
+              <a:gd name="connsiteY9" fmla="*/ 5909424 h 6214534"/>
+              <a:gd name="connsiteX10" fmla="*/ 8103383 w 11546828"/>
+              <a:gd name="connsiteY10" fmla="*/ 6214534 h 6214534"/>
+              <a:gd name="connsiteX11" fmla="*/ 7222929 w 11546828"/>
+              <a:gd name="connsiteY11" fmla="*/ 6214534 h 6214534"/>
+              <a:gd name="connsiteX12" fmla="*/ 7222929 w 11546828"/>
+              <a:gd name="connsiteY12" fmla="*/ 6212748 h 6214534"/>
+              <a:gd name="connsiteX13" fmla="*/ 0 w 11546828"/>
+              <a:gd name="connsiteY13" fmla="*/ 6212748 h 6214534"/>
+            </a:gdLst>
+            <a:ahLst/>
+            <a:cxnLst>
+              <a:cxn ang="0">
+                <a:pos x="connsiteX0" y="connsiteY0"/>
+              </a:cxn>
+              <a:cxn ang="0">
+                <a:pos x="connsiteX1" y="connsiteY1"/>
+              </a:cxn>
+              <a:cxn ang="0">
+                <a:pos x="connsiteX2" y="connsiteY2"/>
+              </a:cxn>
+              <a:cxn ang="0">
+                <a:pos x="connsiteX3" y="connsiteY3"/>
+              </a:cxn>
+              <a:cxn ang="0">
+                <a:pos x="connsiteX4" y="connsiteY4"/>
+              </a:cxn>
+              <a:cxn ang="0">
+                <a:pos x="connsiteX5" y="connsiteY5"/>
+              </a:cxn>
+              <a:cxn ang="0">
+                <a:pos x="connsiteX6" y="connsiteY6"/>
+              </a:cxn>
+              <a:cxn ang="0">
+                <a:pos x="connsiteX7" y="connsiteY7"/>
+              </a:cxn>
+              <a:cxn ang="0">
+                <a:pos x="connsiteX8" y="connsiteY8"/>
+              </a:cxn>
+              <a:cxn ang="0">
+                <a:pos x="connsiteX9" y="connsiteY9"/>
+              </a:cxn>
+              <a:cxn ang="0">
+                <a:pos x="connsiteX10" y="connsiteY10"/>
+              </a:cxn>
+              <a:cxn ang="0">
+                <a:pos x="connsiteX11" y="connsiteY11"/>
+              </a:cxn>
+              <a:cxn ang="0">
+                <a:pos x="connsiteX12" y="connsiteY12"/>
+              </a:cxn>
+              <a:cxn ang="0">
+                <a:pos x="connsiteX13" y="connsiteY13"/>
+              </a:cxn>
+            </a:cxnLst>
+            <a:rect l="l" t="t" r="r" b="b"/>
+            <a:pathLst>
+              <a:path w="11546828" h="6214534">
+                <a:moveTo>
+                  <a:pt x="0" y="0"/>
+                </a:moveTo>
+                <a:lnTo>
+                  <a:pt x="7965430" y="0"/>
+                </a:lnTo>
+                <a:lnTo>
+                  <a:pt x="7965430" y="1786"/>
+                </a:lnTo>
+                <a:lnTo>
+                  <a:pt x="11546828" y="1786"/>
+                </a:lnTo>
+                <a:lnTo>
+                  <a:pt x="11546828" y="2866740"/>
+                </a:lnTo>
+                <a:lnTo>
+                  <a:pt x="11225095" y="3179536"/>
+                </a:lnTo>
+                <a:lnTo>
+                  <a:pt x="11225095" y="301542"/>
+                </a:lnTo>
+                <a:lnTo>
+                  <a:pt x="320042" y="301542"/>
+                </a:lnTo>
+                <a:lnTo>
+                  <a:pt x="320042" y="5909424"/>
+                </a:lnTo>
+                <a:lnTo>
+                  <a:pt x="8417210" y="5909424"/>
+                </a:lnTo>
+                <a:lnTo>
+                  <a:pt x="8103383" y="6214534"/>
+                </a:lnTo>
+                <a:lnTo>
+                  <a:pt x="7222929" y="6214534"/>
+                </a:lnTo>
+                <a:lnTo>
+                  <a:pt x="7222929" y="6212748"/>
+                </a:lnTo>
+                <a:lnTo>
+                  <a:pt x="0" y="6212748"/>
+                </a:lnTo>
+                <a:close/>
+              </a:path>
+            </a:pathLst>
+          </a:custGeom>
+          <a:solidFill>
+            <a:schemeClr val="tx1">
+              <a:lumMod val="50000"/>
+              <a:lumOff val="50000"/>
+              <a:alpha val="25000"/>
+            </a:schemeClr>
+          </a:solidFill>
+          <a:ln>
+            <a:noFill/>
+          </a:ln>
+        </p:spPr>
+        <p:style>
+          <a:lnRef idx="2">
+            <a:schemeClr val="accent1">
+              <a:shade val="50000"/>
+            </a:schemeClr>
+          </a:lnRef>
+          <a:fillRef idx="1">
+            <a:schemeClr val="accent1"/>
+          </a:fillRef>
+          <a:effectRef idx="0">
+            <a:schemeClr val="accent1"/>
+          </a:effectRef>
+          <a:fontRef idx="minor">
+            <a:schemeClr val="lt1"/>
+          </a:fontRef>
+        </p:style>
+        <p:txBody>
+          <a:bodyPr wrap="square" rtlCol="0" anchor="ctr">
+            <a:noAutofit/>
+          </a:bodyPr>
+          <a:lstStyle/>
+          <a:p>
+            <a:pPr algn="ctr"/>
+            <a:endParaRPr lang="en-US" dirty="0"/>
+          </a:p>
+        </p:txBody>
+      </p:sp>
+      <p:sp>
+        <p:nvSpPr>
+          <p:cNvPr id="12" name="Right Triangle 11">
+            <a:extLst>
+              <a:ext uri="{FF2B5EF4-FFF2-40B4-BE49-F238E27FC236}">
+                <a16:creationId xmlns:a16="http://schemas.microsoft.com/office/drawing/2014/main" id="{5298780A-33B9-4EA2-8F67-DE68AD62841B}"/>
+              </a:ext>
+              <a:ext uri="{C183D7F6-B498-43B3-948B-1728B52AA6E4}">
+                <adec:decorative xmlns:adec="http://schemas.microsoft.com/office/drawing/2017/decorative" val="1"/>
+              </a:ext>
+            </a:extLst>
+          </p:cNvPr>
+          <p:cNvSpPr>
+            <a:spLocks noGrp="1" noRot="1" noChangeAspect="1" noMove="1" noResize="1" noEditPoints="1" noAdjustHandles="1" noChangeArrowheads="1" noChangeShapeType="1" noTextEdit="1"/>
+          </p:cNvSpPr>
+          <p:nvPr>
+            <p:extLst>
+              <p:ext uri="{386F3935-93C4-4BCD-93E2-E3B085C9AB24}">
+                <p16:designElem xmlns:p16="http://schemas.microsoft.com/office/powerpoint/2015/main" val="1"/>
+              </p:ext>
+            </p:extLst>
+          </p:nvPr>
+        </p:nvSpPr>
+        <p:spPr>
+          <a:xfrm flipH="1">
+            <a:off x="8576720" y="3335867"/>
+            <a:ext cx="3291840" cy="3200400"/>
+          </a:xfrm>
+          <a:prstGeom prst="rtTriangle">
+            <a:avLst/>
+          </a:prstGeom>
+          <a:solidFill>
+            <a:schemeClr val="accent4"/>
+          </a:solidFill>
+          <a:ln>
+            <a:noFill/>
+          </a:ln>
+        </p:spPr>
+        <p:style>
+          <a:lnRef idx="2">
+            <a:schemeClr val="accent1">
+              <a:shade val="50000"/>
+            </a:schemeClr>
+          </a:lnRef>
+          <a:fillRef idx="1">
+            <a:schemeClr val="accent1"/>
+          </a:fillRef>
+          <a:effectRef idx="0">
+            <a:schemeClr val="accent1"/>
+          </a:effectRef>
+          <a:fontRef idx="minor">
+            <a:schemeClr val="lt1"/>
+          </a:fontRef>
+        </p:style>
+        <p:txBody>
+          <a:bodyPr rtlCol="0" anchor="ctr"/>
+          <a:lstStyle/>
+          <a:p>
+            <a:pPr algn="ctr"/>
+            <a:endParaRPr lang="en-US" dirty="0"/>
+          </a:p>
+        </p:txBody>
+      </p:sp>
+      <p:sp>
+        <p:nvSpPr>
+          <p:cNvPr id="14" name="Rectangle 13">
+            <a:extLst>
+              <a:ext uri="{FF2B5EF4-FFF2-40B4-BE49-F238E27FC236}">
+                <a16:creationId xmlns:a16="http://schemas.microsoft.com/office/drawing/2014/main" id="{7F488E8B-4E1E-4402-8935-D4E6C02615C7}"/>
+              </a:ext>
+              <a:ext uri="{C183D7F6-B498-43B3-948B-1728B52AA6E4}">
+                <adec:decorative xmlns:adec="http://schemas.microsoft.com/office/drawing/2017/decorative" val="1"/>
+              </a:ext>
+            </a:extLst>
+          </p:cNvPr>
+          <p:cNvSpPr>
+            <a:spLocks noGrp="1" noRot="1" noChangeAspect="1" noMove="1" noResize="1" noEditPoints="1" noAdjustHandles="1" noChangeArrowheads="1" noChangeShapeType="1" noTextEdit="1"/>
+          </p:cNvSpPr>
+          <p:nvPr>
+            <p:extLst>
+              <p:ext uri="{386F3935-93C4-4BCD-93E2-E3B085C9AB24}">
+                <p16:designElem xmlns:p16="http://schemas.microsoft.com/office/powerpoint/2015/main" val="1"/>
+              </p:ext>
+            </p:extLst>
+          </p:nvPr>
+        </p:nvSpPr>
+        <p:spPr>
+          <a:xfrm>
+            <a:off x="641774" y="623275"/>
+            <a:ext cx="10905053" cy="5607882"/>
+          </a:xfrm>
+          <a:prstGeom prst="rect">
+            <a:avLst/>
+          </a:prstGeom>
+          <a:noFill/>
+          <a:ln w="19050">
+            <a:noFill/>
+          </a:ln>
+        </p:spPr>
+        <p:style>
+          <a:lnRef idx="2">
+            <a:schemeClr val="accent1">
+              <a:shade val="50000"/>
+            </a:schemeClr>
+          </a:lnRef>
+          <a:fillRef idx="1">
+            <a:schemeClr val="accent1"/>
+          </a:fillRef>
+          <a:effectRef idx="0">
+            <a:schemeClr val="accent1"/>
+          </a:effectRef>
+          <a:fontRef idx="minor">
+            <a:schemeClr val="lt1"/>
+          </a:fontRef>
+        </p:style>
+        <p:txBody>
+          <a:bodyPr rtlCol="0" anchor="ctr"/>
+          <a:lstStyle/>
+          <a:p>
+            <a:pPr algn="ctr"/>
+            <a:endParaRPr lang="en-US" dirty="0"/>
+          </a:p>
+        </p:txBody>
+      </p:sp>
       <p:sp>
         <p:nvSpPr>
           <p:cNvPr id="2" name="Title 1">
             <a:extLst>
               <a:ext uri="{FF2B5EF4-FFF2-40B4-BE49-F238E27FC236}">
-                <a16:creationId xmlns:a16="http://schemas.microsoft.com/office/drawing/2014/main" id="{722C27BD-97BD-2554-30A4-478EDFF37FAD}"/>
+                <a16:creationId xmlns:a16="http://schemas.microsoft.com/office/drawing/2014/main" id="{E9518982-F0BE-BD75-FB23-FA35B6CD0159}"/>
               </a:ext>
             </a:extLst>
           </p:cNvPr>
@@ -6168,59 +11808,397 @@
             <p:ph type="title"/>
           </p:nvPr>
         </p:nvSpPr>
-        <p:spPr/>
-        <p:txBody>
-          <a:bodyPr/>
+        <p:spPr>
+          <a:xfrm>
+            <a:off x="1006899" y="1188637"/>
+            <a:ext cx="3400714" cy="4480726"/>
+          </a:xfrm>
+        </p:spPr>
+        <p:txBody>
+          <a:bodyPr>
+            <a:normAutofit/>
+          </a:bodyPr>
           <a:lstStyle/>
           <a:p>
             <a:r>
-              <a:rPr lang="pl-PL" dirty="0"/>
-              <a:t>Input </a:t>
+              <a:rPr lang="en-GB" sz="3600" dirty="0"/>
+              <a:t>Why do I scale the image?</a:t>
             </a:r>
+          </a:p>
+        </p:txBody>
+      </p:sp>
+      <p:cxnSp>
+        <p:nvCxnSpPr>
+          <p:cNvPr id="16" name="Straight Connector 15">
+            <a:extLst>
+              <a:ext uri="{FF2B5EF4-FFF2-40B4-BE49-F238E27FC236}">
+                <a16:creationId xmlns:a16="http://schemas.microsoft.com/office/drawing/2014/main" id="{23AAC9B5-8015-485C-ACF9-A750390E9A56}"/>
+              </a:ext>
+              <a:ext uri="{C183D7F6-B498-43B3-948B-1728B52AA6E4}">
+                <adec:decorative xmlns:adec="http://schemas.microsoft.com/office/drawing/2017/decorative" val="1"/>
+              </a:ext>
+            </a:extLst>
+          </p:cNvPr>
+          <p:cNvCxnSpPr>
+            <a:cxnSpLocks noGrp="1" noRot="1" noChangeAspect="1" noMove="1" noResize="1" noEditPoints="1" noAdjustHandles="1" noChangeArrowheads="1" noChangeShapeType="1"/>
+          </p:cNvCxnSpPr>
+          <p:nvPr>
+            <p:extLst>
+              <p:ext uri="{386F3935-93C4-4BCD-93E2-E3B085C9AB24}">
+                <p16:designElem xmlns:p16="http://schemas.microsoft.com/office/powerpoint/2015/main" val="1"/>
+              </p:ext>
+            </p:extLst>
+          </p:nvPr>
+        </p:nvCxnSpPr>
+        <p:spPr>
+          <a:xfrm>
+            <a:off x="4654296" y="1852863"/>
+            <a:ext cx="0" cy="3236495"/>
+          </a:xfrm>
+          <a:prstGeom prst="line">
+            <a:avLst/>
+          </a:prstGeom>
+          <a:ln w="19050" cap="sq">
+            <a:solidFill>
+              <a:schemeClr val="tx1">
+                <a:lumMod val="75000"/>
+                <a:lumOff val="25000"/>
+              </a:schemeClr>
+            </a:solidFill>
+          </a:ln>
+        </p:spPr>
+        <p:style>
+          <a:lnRef idx="1">
+            <a:schemeClr val="accent1"/>
+          </a:lnRef>
+          <a:fillRef idx="0">
+            <a:schemeClr val="accent1"/>
+          </a:fillRef>
+          <a:effectRef idx="0">
+            <a:schemeClr val="accent1"/>
+          </a:effectRef>
+          <a:fontRef idx="minor">
+            <a:schemeClr val="tx1"/>
+          </a:fontRef>
+        </p:style>
+      </p:cxnSp>
+      <p:sp>
+        <p:nvSpPr>
+          <p:cNvPr id="3" name="Content Placeholder 2">
+            <a:extLst>
+              <a:ext uri="{FF2B5EF4-FFF2-40B4-BE49-F238E27FC236}">
+                <a16:creationId xmlns:a16="http://schemas.microsoft.com/office/drawing/2014/main" id="{969FAC5D-825C-822C-62D3-80542ED4E530}"/>
+              </a:ext>
+            </a:extLst>
+          </p:cNvPr>
+          <p:cNvSpPr>
+            <a:spLocks noGrp="1"/>
+          </p:cNvSpPr>
+          <p:nvPr>
+            <p:ph idx="1"/>
+          </p:nvPr>
+        </p:nvSpPr>
+        <p:spPr>
+          <a:xfrm>
+            <a:off x="8532377" y="623274"/>
+            <a:ext cx="2978319" cy="596798"/>
+          </a:xfrm>
+        </p:spPr>
+        <p:txBody>
+          <a:bodyPr anchor="ctr">
+            <a:normAutofit/>
+          </a:bodyPr>
+          <a:lstStyle/>
+          <a:p>
+            <a:pPr marL="0" indent="0">
+              <a:buNone/>
+            </a:pPr>
             <a:r>
-              <a:rPr lang="en-GB" dirty="0"/>
-              <a:t>output</a:t>
+              <a:rPr lang="en-GB" sz="2200" dirty="0"/>
+              <a:t>With no scaling</a:t>
             </a:r>
+          </a:p>
+        </p:txBody>
+      </p:sp>
+      <p:pic>
+        <p:nvPicPr>
+          <p:cNvPr id="7" name="Content Placeholder 7" descr="A qr code on a piece of paper&#10;&#10;Description automatically generated">
+            <a:extLst>
+              <a:ext uri="{FF2B5EF4-FFF2-40B4-BE49-F238E27FC236}">
+                <a16:creationId xmlns:a16="http://schemas.microsoft.com/office/drawing/2014/main" id="{E6615E28-BC19-EC7E-1B50-745A9A788B05}"/>
+              </a:ext>
+            </a:extLst>
+          </p:cNvPr>
+          <p:cNvPicPr>
+            <a:picLocks noChangeAspect="1"/>
+          </p:cNvPicPr>
+          <p:nvPr/>
+        </p:nvPicPr>
+        <p:blipFill>
+          <a:blip r:embed="rId2">
+            <a:extLst>
+              <a:ext uri="{28A0092B-C50C-407E-A947-70E740481C1C}">
+                <a14:useLocalDpi xmlns:a14="http://schemas.microsoft.com/office/drawing/2010/main" val="0"/>
+              </a:ext>
+            </a:extLst>
+          </a:blip>
+          <a:stretch>
+            <a:fillRect/>
+          </a:stretch>
+        </p:blipFill>
+        <p:spPr>
+          <a:xfrm rot="5400000">
+            <a:off x="7541994" y="2249815"/>
+            <a:ext cx="4971728" cy="2990960"/>
+          </a:xfrm>
+          <a:prstGeom prst="rect">
+            <a:avLst/>
+          </a:prstGeom>
+        </p:spPr>
+      </p:pic>
+      <p:pic>
+        <p:nvPicPr>
+          <p:cNvPr id="9" name="Content Placeholder 9" descr="A close-up of a passport&#10;&#10;Description automatically generated">
+            <a:extLst>
+              <a:ext uri="{FF2B5EF4-FFF2-40B4-BE49-F238E27FC236}">
+                <a16:creationId xmlns:a16="http://schemas.microsoft.com/office/drawing/2014/main" id="{EC9CE1E0-3BFB-076E-C0AE-628506A319A6}"/>
+              </a:ext>
+            </a:extLst>
+          </p:cNvPr>
+          <p:cNvPicPr>
+            <a:picLocks noChangeAspect="1"/>
+          </p:cNvPicPr>
+          <p:nvPr/>
+        </p:nvPicPr>
+        <p:blipFill>
+          <a:blip r:embed="rId3">
+            <a:extLst>
+              <a:ext uri="{28A0092B-C50C-407E-A947-70E740481C1C}">
+                <a14:useLocalDpi xmlns:a14="http://schemas.microsoft.com/office/drawing/2010/main" val="0"/>
+              </a:ext>
+            </a:extLst>
+          </a:blip>
+          <a:stretch>
+            <a:fillRect/>
+          </a:stretch>
+        </p:blipFill>
+        <p:spPr>
+          <a:xfrm rot="16200000">
+            <a:off x="3947904" y="2130466"/>
+            <a:ext cx="4932368" cy="3190298"/>
+          </a:xfrm>
+          <a:prstGeom prst="rect">
+            <a:avLst/>
+          </a:prstGeom>
+        </p:spPr>
+      </p:pic>
+      <p:sp>
+        <p:nvSpPr>
+          <p:cNvPr id="11" name="Content Placeholder 2">
+            <a:extLst>
+              <a:ext uri="{FF2B5EF4-FFF2-40B4-BE49-F238E27FC236}">
+                <a16:creationId xmlns:a16="http://schemas.microsoft.com/office/drawing/2014/main" id="{0E475E4D-35DA-281B-9642-3E7302E6B50B}"/>
+              </a:ext>
+            </a:extLst>
+          </p:cNvPr>
+          <p:cNvSpPr txBox="1">
+            <a:spLocks/>
+          </p:cNvSpPr>
+          <p:nvPr/>
+        </p:nvSpPr>
+        <p:spPr>
+          <a:xfrm>
+            <a:off x="4844397" y="623273"/>
+            <a:ext cx="3190298" cy="596799"/>
+          </a:xfrm>
+          <a:prstGeom prst="rect">
+            <a:avLst/>
+          </a:prstGeom>
+        </p:spPr>
+        <p:txBody>
+          <a:bodyPr vert="horz" lIns="91440" tIns="45720" rIns="91440" bIns="45720" rtlCol="0" anchor="ctr">
+            <a:normAutofit fontScale="92500"/>
+          </a:bodyPr>
+          <a:lstStyle>
+            <a:lvl1pPr marL="228600" indent="-228600" algn="l" defTabSz="914400" rtl="0" eaLnBrk="1" latinLnBrk="0" hangingPunct="1">
+              <a:lnSpc>
+                <a:spcPct val="90000"/>
+              </a:lnSpc>
+              <a:spcBef>
+                <a:spcPts val="1000"/>
+              </a:spcBef>
+              <a:buFont typeface="Arial" panose="020B0604020202020204" pitchFamily="34" charset="0"/>
+              <a:buChar char="•"/>
+              <a:defRPr sz="2800" kern="1200">
+                <a:solidFill>
+                  <a:schemeClr val="tx1"/>
+                </a:solidFill>
+                <a:latin typeface="+mn-lt"/>
+                <a:ea typeface="+mn-ea"/>
+                <a:cs typeface="+mn-cs"/>
+              </a:defRPr>
+            </a:lvl1pPr>
+            <a:lvl2pPr marL="685800" indent="-228600" algn="l" defTabSz="914400" rtl="0" eaLnBrk="1" latinLnBrk="0" hangingPunct="1">
+              <a:lnSpc>
+                <a:spcPct val="90000"/>
+              </a:lnSpc>
+              <a:spcBef>
+                <a:spcPts val="500"/>
+              </a:spcBef>
+              <a:buFont typeface="Arial" panose="020B0604020202020204" pitchFamily="34" charset="0"/>
+              <a:buChar char="•"/>
+              <a:defRPr sz="2400" kern="1200">
+                <a:solidFill>
+                  <a:schemeClr val="tx1"/>
+                </a:solidFill>
+                <a:latin typeface="+mn-lt"/>
+                <a:ea typeface="+mn-ea"/>
+                <a:cs typeface="+mn-cs"/>
+              </a:defRPr>
+            </a:lvl2pPr>
+            <a:lvl3pPr marL="1143000" indent="-228600" algn="l" defTabSz="914400" rtl="0" eaLnBrk="1" latinLnBrk="0" hangingPunct="1">
+              <a:lnSpc>
+                <a:spcPct val="90000"/>
+              </a:lnSpc>
+              <a:spcBef>
+                <a:spcPts val="500"/>
+              </a:spcBef>
+              <a:buFont typeface="Arial" panose="020B0604020202020204" pitchFamily="34" charset="0"/>
+              <a:buChar char="•"/>
+              <a:defRPr sz="2000" kern="1200">
+                <a:solidFill>
+                  <a:schemeClr val="tx1"/>
+                </a:solidFill>
+                <a:latin typeface="+mn-lt"/>
+                <a:ea typeface="+mn-ea"/>
+                <a:cs typeface="+mn-cs"/>
+              </a:defRPr>
+            </a:lvl3pPr>
+            <a:lvl4pPr marL="1600200" indent="-228600" algn="l" defTabSz="914400" rtl="0" eaLnBrk="1" latinLnBrk="0" hangingPunct="1">
+              <a:lnSpc>
+                <a:spcPct val="90000"/>
+              </a:lnSpc>
+              <a:spcBef>
+                <a:spcPts val="500"/>
+              </a:spcBef>
+              <a:buFont typeface="Arial" panose="020B0604020202020204" pitchFamily="34" charset="0"/>
+              <a:buChar char="•"/>
+              <a:defRPr sz="1800" kern="1200">
+                <a:solidFill>
+                  <a:schemeClr val="tx1"/>
+                </a:solidFill>
+                <a:latin typeface="+mn-lt"/>
+                <a:ea typeface="+mn-ea"/>
+                <a:cs typeface="+mn-cs"/>
+              </a:defRPr>
+            </a:lvl4pPr>
+            <a:lvl5pPr marL="2057400" indent="-228600" algn="l" defTabSz="914400" rtl="0" eaLnBrk="1" latinLnBrk="0" hangingPunct="1">
+              <a:lnSpc>
+                <a:spcPct val="90000"/>
+              </a:lnSpc>
+              <a:spcBef>
+                <a:spcPts val="500"/>
+              </a:spcBef>
+              <a:buFont typeface="Arial" panose="020B0604020202020204" pitchFamily="34" charset="0"/>
+              <a:buChar char="•"/>
+              <a:defRPr sz="1800" kern="1200">
+                <a:solidFill>
+                  <a:schemeClr val="tx1"/>
+                </a:solidFill>
+                <a:latin typeface="+mn-lt"/>
+                <a:ea typeface="+mn-ea"/>
+                <a:cs typeface="+mn-cs"/>
+              </a:defRPr>
+            </a:lvl5pPr>
+            <a:lvl6pPr marL="2514600" indent="-228600" algn="l" defTabSz="914400" rtl="0" eaLnBrk="1" latinLnBrk="0" hangingPunct="1">
+              <a:lnSpc>
+                <a:spcPct val="90000"/>
+              </a:lnSpc>
+              <a:spcBef>
+                <a:spcPts val="500"/>
+              </a:spcBef>
+              <a:buFont typeface="Arial" panose="020B0604020202020204" pitchFamily="34" charset="0"/>
+              <a:buChar char="•"/>
+              <a:defRPr sz="1800" kern="1200">
+                <a:solidFill>
+                  <a:schemeClr val="tx1"/>
+                </a:solidFill>
+                <a:latin typeface="+mn-lt"/>
+                <a:ea typeface="+mn-ea"/>
+                <a:cs typeface="+mn-cs"/>
+              </a:defRPr>
+            </a:lvl6pPr>
+            <a:lvl7pPr marL="2971800" indent="-228600" algn="l" defTabSz="914400" rtl="0" eaLnBrk="1" latinLnBrk="0" hangingPunct="1">
+              <a:lnSpc>
+                <a:spcPct val="90000"/>
+              </a:lnSpc>
+              <a:spcBef>
+                <a:spcPts val="500"/>
+              </a:spcBef>
+              <a:buFont typeface="Arial" panose="020B0604020202020204" pitchFamily="34" charset="0"/>
+              <a:buChar char="•"/>
+              <a:defRPr sz="1800" kern="1200">
+                <a:solidFill>
+                  <a:schemeClr val="tx1"/>
+                </a:solidFill>
+                <a:latin typeface="+mn-lt"/>
+                <a:ea typeface="+mn-ea"/>
+                <a:cs typeface="+mn-cs"/>
+              </a:defRPr>
+            </a:lvl7pPr>
+            <a:lvl8pPr marL="3429000" indent="-228600" algn="l" defTabSz="914400" rtl="0" eaLnBrk="1" latinLnBrk="0" hangingPunct="1">
+              <a:lnSpc>
+                <a:spcPct val="90000"/>
+              </a:lnSpc>
+              <a:spcBef>
+                <a:spcPts val="500"/>
+              </a:spcBef>
+              <a:buFont typeface="Arial" panose="020B0604020202020204" pitchFamily="34" charset="0"/>
+              <a:buChar char="•"/>
+              <a:defRPr sz="1800" kern="1200">
+                <a:solidFill>
+                  <a:schemeClr val="tx1"/>
+                </a:solidFill>
+                <a:latin typeface="+mn-lt"/>
+                <a:ea typeface="+mn-ea"/>
+                <a:cs typeface="+mn-cs"/>
+              </a:defRPr>
+            </a:lvl8pPr>
+            <a:lvl9pPr marL="3886200" indent="-228600" algn="l" defTabSz="914400" rtl="0" eaLnBrk="1" latinLnBrk="0" hangingPunct="1">
+              <a:lnSpc>
+                <a:spcPct val="90000"/>
+              </a:lnSpc>
+              <a:spcBef>
+                <a:spcPts val="500"/>
+              </a:spcBef>
+              <a:buFont typeface="Arial" panose="020B0604020202020204" pitchFamily="34" charset="0"/>
+              <a:buChar char="•"/>
+              <a:defRPr sz="1800" kern="1200">
+                <a:solidFill>
+                  <a:schemeClr val="tx1"/>
+                </a:solidFill>
+                <a:latin typeface="+mn-lt"/>
+                <a:ea typeface="+mn-ea"/>
+                <a:cs typeface="+mn-cs"/>
+              </a:defRPr>
+            </a:lvl9pPr>
+          </a:lstStyle>
+          <a:p>
+            <a:pPr marL="0" indent="0">
+              <a:buFont typeface="Arial" panose="020B0604020202020204" pitchFamily="34" charset="0"/>
+              <a:buNone/>
+            </a:pPr>
             <a:r>
-              <a:rPr lang="pl-PL" dirty="0"/>
-              <a:t> </a:t>
+              <a:rPr lang="en-GB" sz="2400" dirty="0"/>
+              <a:t>Thresholding with scaling</a:t>
             </a:r>
-            <a:r>
-              <a:rPr lang="en-GB" dirty="0"/>
-              <a:t>samples</a:t>
-            </a:r>
-          </a:p>
-        </p:txBody>
-      </p:sp>
-      <p:sp>
-        <p:nvSpPr>
-          <p:cNvPr id="3" name="Content Placeholder 2">
-            <a:extLst>
-              <a:ext uri="{FF2B5EF4-FFF2-40B4-BE49-F238E27FC236}">
-                <a16:creationId xmlns:a16="http://schemas.microsoft.com/office/drawing/2014/main" id="{E15FB0AC-D687-A924-FF5B-1499B9C1DDBF}"/>
-              </a:ext>
-            </a:extLst>
-          </p:cNvPr>
-          <p:cNvSpPr>
-            <a:spLocks noGrp="1"/>
-          </p:cNvSpPr>
-          <p:nvPr>
-            <p:ph idx="1"/>
-          </p:nvPr>
-        </p:nvSpPr>
-        <p:spPr/>
-        <p:txBody>
-          <a:bodyPr/>
-          <a:lstStyle/>
-          <a:p>
-            <a:endParaRPr lang="en-GB"/>
           </a:p>
         </p:txBody>
       </p:sp>
     </p:spTree>
     <p:extLst>
       <p:ext uri="{BB962C8B-B14F-4D97-AF65-F5344CB8AC3E}">
-        <p14:creationId xmlns:p14="http://schemas.microsoft.com/office/powerpoint/2010/main" val="2041825249"/>
+        <p14:creationId xmlns:p14="http://schemas.microsoft.com/office/powerpoint/2010/main" val="338055605"/>
       </p:ext>
     </p:extLst>
   </p:cSld>
@@ -6257,10 +12235,10 @@
       </p:grpSpPr>
       <p:sp useBgFill="1">
         <p:nvSpPr>
-          <p:cNvPr id="8" name="Rectangle 7">
-            <a:extLst>
-              <a:ext uri="{FF2B5EF4-FFF2-40B4-BE49-F238E27FC236}">
-                <a16:creationId xmlns:a16="http://schemas.microsoft.com/office/drawing/2014/main" id="{081EA652-8C6A-4E69-BEB9-170809474553}"/>
+          <p:cNvPr id="28" name="Rectangle 27">
+            <a:extLst>
+              <a:ext uri="{FF2B5EF4-FFF2-40B4-BE49-F238E27FC236}">
+                <a16:creationId xmlns:a16="http://schemas.microsoft.com/office/drawing/2014/main" id="{9095C1F4-AE7F-44E4-8693-40D3D6831140}"/>
               </a:ext>
               <a:ext uri="{C183D7F6-B498-43B3-948B-1728B52AA6E4}">
                 <adec:decorative xmlns:adec="http://schemas.microsoft.com/office/drawing/2017/decorative" val="1"/>
@@ -6281,7 +12259,7 @@
         <p:spPr>
           <a:xfrm>
             <a:off x="0" y="0"/>
-            <a:ext cx="12192000" cy="6858000"/>
+            <a:ext cx="12191999" cy="6857365"/>
           </a:xfrm>
           <a:prstGeom prst="rect">
             <a:avLst/>
@@ -6315,21 +12293,21 @@
           </a:p>
         </p:txBody>
       </p:sp>
-      <p:sp>
-        <p:nvSpPr>
-          <p:cNvPr id="10" name="Right Triangle 9">
-            <a:extLst>
-              <a:ext uri="{FF2B5EF4-FFF2-40B4-BE49-F238E27FC236}">
-                <a16:creationId xmlns:a16="http://schemas.microsoft.com/office/drawing/2014/main" id="{5298780A-33B9-4EA2-8F67-DE68AD62841B}"/>
+      <p:grpSp>
+        <p:nvGrpSpPr>
+          <p:cNvPr id="30" name="Group 29">
+            <a:extLst>
+              <a:ext uri="{FF2B5EF4-FFF2-40B4-BE49-F238E27FC236}">
+                <a16:creationId xmlns:a16="http://schemas.microsoft.com/office/drawing/2014/main" id="{8734DDD3-F723-4DD3-8ABE-EC0B2AC87D74}"/>
               </a:ext>
               <a:ext uri="{C183D7F6-B498-43B3-948B-1728B52AA6E4}">
                 <adec:decorative xmlns:adec="http://schemas.microsoft.com/office/drawing/2017/decorative" val="1"/>
               </a:ext>
             </a:extLst>
           </p:cNvPr>
-          <p:cNvSpPr>
-            <a:spLocks noGrp="1" noRot="1" noChangeAspect="1" noMove="1" noResize="1" noEditPoints="1" noAdjustHandles="1" noChangeArrowheads="1" noChangeShapeType="1" noTextEdit="1"/>
-          </p:cNvSpPr>
+          <p:cNvGrpSpPr>
+            <a:grpSpLocks noGrp="1" noUngrp="1" noRot="1" noChangeAspect="1" noMove="1" noResize="1"/>
+          </p:cNvGrpSpPr>
           <p:nvPr>
             <p:extLst>
               <p:ext uri="{386F3935-93C4-4BCD-93E2-E3B085C9AB24}">
@@ -6337,21 +12315,173 @@
               </p:ext>
             </p:extLst>
           </p:nvPr>
-        </p:nvSpPr>
-        <p:spPr>
-          <a:xfrm flipH="1">
-            <a:off x="8576720" y="3335867"/>
-            <a:ext cx="3291840" cy="3200400"/>
-          </a:xfrm>
-          <a:prstGeom prst="rtTriangle">
+        </p:nvGrpSpPr>
+        <p:grpSpPr>
+          <a:xfrm>
+            <a:off x="2522324" y="-15978"/>
+            <a:ext cx="7147352" cy="5876916"/>
+            <a:chOff x="329184" y="-99107"/>
+            <a:chExt cx="524256" cy="5876916"/>
+          </a:xfrm>
+        </p:grpSpPr>
+        <p:cxnSp>
+          <p:nvCxnSpPr>
+            <p:cNvPr id="31" name="Straight Connector 30">
+              <a:extLst>
+                <a:ext uri="{FF2B5EF4-FFF2-40B4-BE49-F238E27FC236}">
+                  <a16:creationId xmlns:a16="http://schemas.microsoft.com/office/drawing/2014/main" id="{F7C8EA93-3210-4C62-99E9-153C275E3A87}"/>
+                </a:ext>
+                <a:ext uri="{C183D7F6-B498-43B3-948B-1728B52AA6E4}">
+                  <adec:decorative xmlns:adec="http://schemas.microsoft.com/office/drawing/2017/decorative" val="1"/>
+                </a:ext>
+              </a:extLst>
+            </p:cNvPr>
+            <p:cNvCxnSpPr>
+              <a:cxnSpLocks/>
+            </p:cNvCxnSpPr>
+            <p:nvPr>
+              <p:extLst>
+                <p:ext uri="{386F3935-93C4-4BCD-93E2-E3B085C9AB24}">
+                  <p16:designElem xmlns:p16="http://schemas.microsoft.com/office/powerpoint/2015/main" val="1"/>
+                </p:ext>
+              </p:extLst>
+            </p:nvPr>
+          </p:nvCxnSpPr>
+          <p:spPr>
+            <a:xfrm flipH="1">
+              <a:off x="329184" y="5777809"/>
+              <a:ext cx="523824" cy="0"/>
+            </a:xfrm>
+            <a:prstGeom prst="line">
+              <a:avLst/>
+            </a:prstGeom>
+            <a:ln w="152400">
+              <a:solidFill>
+                <a:schemeClr val="accent4"/>
+              </a:solidFill>
+            </a:ln>
+          </p:spPr>
+          <p:style>
+            <a:lnRef idx="1">
+              <a:schemeClr val="accent1"/>
+            </a:lnRef>
+            <a:fillRef idx="0">
+              <a:schemeClr val="accent1"/>
+            </a:fillRef>
+            <a:effectRef idx="0">
+              <a:schemeClr val="accent1"/>
+            </a:effectRef>
+            <a:fontRef idx="minor">
+              <a:schemeClr val="tx1"/>
+            </a:fontRef>
+          </p:style>
+        </p:cxnSp>
+        <p:sp>
+          <p:nvSpPr>
+            <p:cNvPr id="32" name="Rectangle 31">
+              <a:extLst>
+                <a:ext uri="{FF2B5EF4-FFF2-40B4-BE49-F238E27FC236}">
+                  <a16:creationId xmlns:a16="http://schemas.microsoft.com/office/drawing/2014/main" id="{5EB7D2A2-F448-44D4-938C-DC84CBCB3B1E}"/>
+                </a:ext>
+                <a:ext uri="{C183D7F6-B498-43B3-948B-1728B52AA6E4}">
+                  <adec:decorative xmlns:adec="http://schemas.microsoft.com/office/drawing/2017/decorative" val="1"/>
+                </a:ext>
+              </a:extLst>
+            </p:cNvPr>
+            <p:cNvSpPr/>
+            <p:nvPr>
+              <p:extLst>
+                <p:ext uri="{386F3935-93C4-4BCD-93E2-E3B085C9AB24}">
+                  <p16:designElem xmlns:p16="http://schemas.microsoft.com/office/powerpoint/2015/main" val="1"/>
+                </p:ext>
+              </p:extLst>
+            </p:nvPr>
+          </p:nvSpPr>
+          <p:spPr>
+            <a:xfrm>
+              <a:off x="329184" y="-99107"/>
+              <a:ext cx="524256" cy="5631228"/>
+            </a:xfrm>
+            <a:prstGeom prst="rect">
+              <a:avLst/>
+            </a:prstGeom>
+            <a:solidFill>
+              <a:schemeClr val="accent4"/>
+            </a:solidFill>
+            <a:ln>
+              <a:noFill/>
+            </a:ln>
+          </p:spPr>
+          <p:style>
+            <a:lnRef idx="2">
+              <a:schemeClr val="accent1">
+                <a:shade val="50000"/>
+              </a:schemeClr>
+            </a:lnRef>
+            <a:fillRef idx="1">
+              <a:schemeClr val="accent1"/>
+            </a:fillRef>
+            <a:effectRef idx="0">
+              <a:schemeClr val="accent1"/>
+            </a:effectRef>
+            <a:fontRef idx="minor">
+              <a:schemeClr val="lt1"/>
+            </a:fontRef>
+          </p:style>
+          <p:txBody>
+            <a:bodyPr rtlCol="0" anchor="ctr"/>
+            <a:lstStyle/>
+            <a:p>
+              <a:pPr algn="ctr"/>
+              <a:endParaRPr lang="en-US" dirty="0"/>
+            </a:p>
+          </p:txBody>
+        </p:sp>
+      </p:grpSp>
+      <p:sp>
+        <p:nvSpPr>
+          <p:cNvPr id="34" name="Rectangle 33">
+            <a:extLst>
+              <a:ext uri="{FF2B5EF4-FFF2-40B4-BE49-F238E27FC236}">
+                <a16:creationId xmlns:a16="http://schemas.microsoft.com/office/drawing/2014/main" id="{871AEA07-1E14-44B4-8E55-64EF049CD66F}"/>
+              </a:ext>
+              <a:ext uri="{C183D7F6-B498-43B3-948B-1728B52AA6E4}">
+                <adec:decorative xmlns:adec="http://schemas.microsoft.com/office/drawing/2017/decorative" val="1"/>
+              </a:ext>
+            </a:extLst>
+          </p:cNvPr>
+          <p:cNvSpPr>
+            <a:spLocks noGrp="1" noRot="1" noChangeAspect="1" noMove="1" noResize="1" noEditPoints="1" noAdjustHandles="1" noChangeArrowheads="1" noChangeShapeType="1" noTextEdit="1"/>
+          </p:cNvSpPr>
+          <p:nvPr>
+            <p:extLst>
+              <p:ext uri="{386F3935-93C4-4BCD-93E2-E3B085C9AB24}">
+                <p16:designElem xmlns:p16="http://schemas.microsoft.com/office/powerpoint/2015/main" val="1"/>
+              </p:ext>
+            </p:extLst>
+          </p:nvPr>
+        </p:nvSpPr>
+        <p:spPr>
+          <a:xfrm>
+            <a:off x="596464" y="1055718"/>
+            <a:ext cx="10999072" cy="3358344"/>
+          </a:xfrm>
+          <a:prstGeom prst="rect">
             <a:avLst/>
           </a:prstGeom>
           <a:solidFill>
-            <a:schemeClr val="accent4"/>
+            <a:schemeClr val="bg1"/>
           </a:solidFill>
           <a:ln>
             <a:noFill/>
           </a:ln>
+          <a:effectLst>
+            <a:outerShdw blurRad="139700" dist="127000" dir="5400000" algn="t" rotWithShape="0">
+              <a:prstClr val="black">
+                <a:alpha val="15000"/>
+              </a:prstClr>
+            </a:outerShdw>
+          </a:effectLst>
         </p:spPr>
         <p:style>
           <a:lnRef idx="2">
@@ -6374,16 +12504,122 @@
           <a:lstStyle/>
           <a:p>
             <a:pPr algn="ctr"/>
-            <a:endParaRPr lang="en-US" dirty="0"/>
-          </a:p>
-        </p:txBody>
-      </p:sp>
-      <p:sp>
-        <p:nvSpPr>
-          <p:cNvPr id="12" name="Rectangle 11">
-            <a:extLst>
-              <a:ext uri="{FF2B5EF4-FFF2-40B4-BE49-F238E27FC236}">
-                <a16:creationId xmlns:a16="http://schemas.microsoft.com/office/drawing/2014/main" id="{7F488E8B-4E1E-4402-8935-D4E6C02615C7}"/>
+            <a:endParaRPr lang="en-US"/>
+          </a:p>
+        </p:txBody>
+      </p:sp>
+      <p:sp>
+        <p:nvSpPr>
+          <p:cNvPr id="2" name="Title 1">
+            <a:extLst>
+              <a:ext uri="{FF2B5EF4-FFF2-40B4-BE49-F238E27FC236}">
+                <a16:creationId xmlns:a16="http://schemas.microsoft.com/office/drawing/2014/main" id="{E054F5E7-5523-68BD-6928-3220C3153977}"/>
+              </a:ext>
+            </a:extLst>
+          </p:cNvPr>
+          <p:cNvSpPr>
+            <a:spLocks noGrp="1"/>
+          </p:cNvSpPr>
+          <p:nvPr>
+            <p:ph type="ctrTitle"/>
+          </p:nvPr>
+        </p:nvSpPr>
+        <p:spPr>
+          <a:xfrm>
+            <a:off x="1524000" y="1584683"/>
+            <a:ext cx="9144000" cy="2551829"/>
+          </a:xfrm>
+        </p:spPr>
+        <p:txBody>
+          <a:bodyPr anchor="ctr">
+            <a:normAutofit/>
+          </a:bodyPr>
+          <a:lstStyle/>
+          <a:p>
+            <a:r>
+              <a:rPr lang="en-GB" sz="6600"/>
+              <a:t>Input/output samples</a:t>
+            </a:r>
+            <a:endParaRPr lang="en-GB" sz="6600" b="1"/>
+          </a:p>
+        </p:txBody>
+      </p:sp>
+      <p:sp>
+        <p:nvSpPr>
+          <p:cNvPr id="3" name="Subtitle 2">
+            <a:extLst>
+              <a:ext uri="{FF2B5EF4-FFF2-40B4-BE49-F238E27FC236}">
+                <a16:creationId xmlns:a16="http://schemas.microsoft.com/office/drawing/2014/main" id="{C6886476-5C3B-6C4A-DA5C-DFF16A7281CE}"/>
+              </a:ext>
+            </a:extLst>
+          </p:cNvPr>
+          <p:cNvSpPr>
+            <a:spLocks noGrp="1"/>
+          </p:cNvSpPr>
+          <p:nvPr>
+            <p:ph type="subTitle" idx="1"/>
+          </p:nvPr>
+        </p:nvSpPr>
+        <p:spPr>
+          <a:xfrm>
+            <a:off x="1524000" y="5160469"/>
+            <a:ext cx="9144000" cy="1182135"/>
+          </a:xfrm>
+        </p:spPr>
+        <p:txBody>
+          <a:bodyPr anchor="ctr">
+            <a:normAutofit/>
+          </a:bodyPr>
+          <a:lstStyle/>
+          <a:p>
+            <a:endParaRPr lang="en-GB" sz="2800" dirty="0"/>
+          </a:p>
+        </p:txBody>
+      </p:sp>
+    </p:spTree>
+    <p:extLst>
+      <p:ext uri="{BB962C8B-B14F-4D97-AF65-F5344CB8AC3E}">
+        <p14:creationId xmlns:p14="http://schemas.microsoft.com/office/powerpoint/2010/main" val="3639318455"/>
+      </p:ext>
+    </p:extLst>
+  </p:cSld>
+  <p:clrMapOvr>
+    <a:masterClrMapping/>
+  </p:clrMapOvr>
+</p:sld>
+</file>
+
+<file path=ppt/slides/slide7.xml><?xml version="1.0" encoding="utf-8"?>
+<p:sld xmlns:a="http://schemas.openxmlformats.org/drawingml/2006/main" xmlns:r="http://schemas.openxmlformats.org/officeDocument/2006/relationships" xmlns:p="http://schemas.openxmlformats.org/presentationml/2006/main">
+  <p:cSld>
+    <p:bg>
+      <p:bgPr>
+        <a:solidFill>
+          <a:schemeClr val="bg1"/>
+        </a:solidFill>
+        <a:effectLst/>
+      </p:bgPr>
+    </p:bg>
+    <p:spTree>
+      <p:nvGrpSpPr>
+        <p:cNvPr id="1" name=""/>
+        <p:cNvGrpSpPr/>
+        <p:nvPr/>
+      </p:nvGrpSpPr>
+      <p:grpSpPr>
+        <a:xfrm>
+          <a:off x="0" y="0"/>
+          <a:ext cx="0" cy="0"/>
+          <a:chOff x="0" y="0"/>
+          <a:chExt cx="0" cy="0"/>
+        </a:xfrm>
+      </p:grpSpPr>
+      <p:sp useBgFill="1">
+        <p:nvSpPr>
+          <p:cNvPr id="10" name="Rectangle 9">
+            <a:extLst>
+              <a:ext uri="{FF2B5EF4-FFF2-40B4-BE49-F238E27FC236}">
+                <a16:creationId xmlns:a16="http://schemas.microsoft.com/office/drawing/2014/main" id="{BA79A7CF-01AF-4178-9369-94E0C90EB046}"/>
               </a:ext>
               <a:ext uri="{C183D7F6-B498-43B3-948B-1728B52AA6E4}">
                 <adec:decorative xmlns:adec="http://schemas.microsoft.com/office/drawing/2017/decorative" val="1"/>
@@ -6403,20 +12639,14 @@
         </p:nvSpPr>
         <p:spPr>
           <a:xfrm>
-            <a:off x="641774" y="623275"/>
-            <a:ext cx="10905053" cy="5607882"/>
+            <a:off x="0" y="0"/>
+            <a:ext cx="12191999" cy="6857365"/>
           </a:xfrm>
           <a:prstGeom prst="rect">
             <a:avLst/>
           </a:prstGeom>
-          <a:noFill/>
-          <a:ln w="19050">
-            <a:solidFill>
-              <a:schemeClr val="tx1">
-                <a:lumMod val="75000"/>
-                <a:lumOff val="25000"/>
-              </a:schemeClr>
-            </a:solidFill>
+          <a:ln>
+            <a:noFill/>
           </a:ln>
         </p:spPr>
         <p:style>
@@ -6449,7 +12679,7 @@
           <p:cNvPr id="2" name="Title 1">
             <a:extLst>
               <a:ext uri="{FF2B5EF4-FFF2-40B4-BE49-F238E27FC236}">
-                <a16:creationId xmlns:a16="http://schemas.microsoft.com/office/drawing/2014/main" id="{0CE4E1F4-69A7-BC56-F6A5-91A55C30EEFE}"/>
+                <a16:creationId xmlns:a16="http://schemas.microsoft.com/office/drawing/2014/main" id="{AD661416-9CDF-7743-9195-69658EF24E6C}"/>
               </a:ext>
             </a:extLst>
           </p:cNvPr>
@@ -6462,30 +12692,268 @@
         </p:nvSpPr>
         <p:spPr>
           <a:xfrm>
-            <a:off x="1285240" y="1050595"/>
-            <a:ext cx="8074815" cy="1618489"/>
-          </a:xfrm>
-        </p:spPr>
-        <p:txBody>
-          <a:bodyPr anchor="ctr">
+            <a:off x="9267909" y="2023110"/>
+            <a:ext cx="2469624" cy="2846070"/>
+          </a:xfrm>
+        </p:spPr>
+        <p:txBody>
+          <a:bodyPr vert="horz" lIns="91440" tIns="45720" rIns="91440" bIns="45720" rtlCol="0" anchor="ctr">
             <a:normAutofit/>
           </a:bodyPr>
           <a:lstStyle/>
           <a:p>
             <a:r>
-              <a:rPr lang="pl-PL" sz="6700"/>
-              <a:t>Future improvements</a:t>
+              <a:rPr lang="en-US" sz="3700" kern="1200" dirty="0">
+                <a:solidFill>
+                  <a:schemeClr val="tx1"/>
+                </a:solidFill>
+                <a:latin typeface="+mj-lt"/>
+                <a:ea typeface="+mj-ea"/>
+                <a:cs typeface="+mj-cs"/>
+              </a:rPr>
+              <a:t>Input</a:t>
             </a:r>
-            <a:endParaRPr lang="en-GB" sz="6700"/>
-          </a:p>
-        </p:txBody>
-      </p:sp>
-      <p:sp>
-        <p:nvSpPr>
-          <p:cNvPr id="3" name="Content Placeholder 2">
-            <a:extLst>
-              <a:ext uri="{FF2B5EF4-FFF2-40B4-BE49-F238E27FC236}">
-                <a16:creationId xmlns:a16="http://schemas.microsoft.com/office/drawing/2014/main" id="{670488B0-CC94-6C50-F4D3-C6E37C9A3CB7}"/>
+          </a:p>
+        </p:txBody>
+      </p:sp>
+      <p:sp>
+        <p:nvSpPr>
+          <p:cNvPr id="12" name="Rectangle 11">
+            <a:extLst>
+              <a:ext uri="{FF2B5EF4-FFF2-40B4-BE49-F238E27FC236}">
+                <a16:creationId xmlns:a16="http://schemas.microsoft.com/office/drawing/2014/main" id="{99413ED5-9ED4-4772-BCE4-2BCAE6B12E35}"/>
+              </a:ext>
+              <a:ext uri="{C183D7F6-B498-43B3-948B-1728B52AA6E4}">
+                <adec:decorative xmlns:adec="http://schemas.microsoft.com/office/drawing/2017/decorative" val="1"/>
+              </a:ext>
+            </a:extLst>
+          </p:cNvPr>
+          <p:cNvSpPr>
+            <a:spLocks noGrp="1" noRot="1" noChangeAspect="1" noMove="1" noResize="1" noEditPoints="1" noAdjustHandles="1" noChangeArrowheads="1" noChangeShapeType="1" noTextEdit="1"/>
+          </p:cNvSpPr>
+          <p:nvPr>
+            <p:extLst>
+              <p:ext uri="{386F3935-93C4-4BCD-93E2-E3B085C9AB24}">
+                <p16:designElem xmlns:p16="http://schemas.microsoft.com/office/powerpoint/2015/main" val="1"/>
+              </p:ext>
+            </p:extLst>
+          </p:nvPr>
+        </p:nvSpPr>
+        <p:spPr>
+          <a:xfrm rot="16200000">
+            <a:off x="3433973" y="-827233"/>
+            <a:ext cx="1715478" cy="8583421"/>
+          </a:xfrm>
+          <a:prstGeom prst="rect">
+            <a:avLst/>
+          </a:prstGeom>
+          <a:solidFill>
+            <a:schemeClr val="accent4"/>
+          </a:solidFill>
+          <a:ln>
+            <a:noFill/>
+          </a:ln>
+        </p:spPr>
+        <p:style>
+          <a:lnRef idx="2">
+            <a:schemeClr val="accent1">
+              <a:shade val="50000"/>
+            </a:schemeClr>
+          </a:lnRef>
+          <a:fillRef idx="1">
+            <a:schemeClr val="accent1"/>
+          </a:fillRef>
+          <a:effectRef idx="0">
+            <a:schemeClr val="accent1"/>
+          </a:effectRef>
+          <a:fontRef idx="minor">
+            <a:schemeClr val="lt1"/>
+          </a:fontRef>
+        </p:style>
+        <p:txBody>
+          <a:bodyPr rtlCol="0" anchor="ctr"/>
+          <a:lstStyle/>
+          <a:p>
+            <a:pPr algn="ctr"/>
+            <a:endParaRPr lang="en-US" dirty="0"/>
+          </a:p>
+        </p:txBody>
+      </p:sp>
+      <p:sp>
+        <p:nvSpPr>
+          <p:cNvPr id="14" name="Rectangle 13">
+            <a:extLst>
+              <a:ext uri="{FF2B5EF4-FFF2-40B4-BE49-F238E27FC236}">
+                <a16:creationId xmlns:a16="http://schemas.microsoft.com/office/drawing/2014/main" id="{04357C93-F0CB-4A1C-8F77-4E9063789819}"/>
+              </a:ext>
+              <a:ext uri="{C183D7F6-B498-43B3-948B-1728B52AA6E4}">
+                <adec:decorative xmlns:adec="http://schemas.microsoft.com/office/drawing/2017/decorative" val="1"/>
+              </a:ext>
+            </a:extLst>
+          </p:cNvPr>
+          <p:cNvSpPr>
+            <a:spLocks noGrp="1" noRot="1" noChangeAspect="1" noMove="1" noResize="1" noEditPoints="1" noAdjustHandles="1" noChangeArrowheads="1" noChangeShapeType="1" noTextEdit="1"/>
+          </p:cNvSpPr>
+          <p:nvPr>
+            <p:extLst>
+              <p:ext uri="{386F3935-93C4-4BCD-93E2-E3B085C9AB24}">
+                <p16:designElem xmlns:p16="http://schemas.microsoft.com/office/powerpoint/2015/main" val="1"/>
+              </p:ext>
+            </p:extLst>
+          </p:nvPr>
+        </p:nvSpPr>
+        <p:spPr>
+          <a:xfrm>
+            <a:off x="302085" y="664308"/>
+            <a:ext cx="8082632" cy="5600340"/>
+          </a:xfrm>
+          <a:prstGeom prst="rect">
+            <a:avLst/>
+          </a:prstGeom>
+          <a:solidFill>
+            <a:schemeClr val="bg1"/>
+          </a:solidFill>
+          <a:ln>
+            <a:noFill/>
+          </a:ln>
+          <a:effectLst>
+            <a:outerShdw blurRad="139700" dist="127000" dir="5400000" algn="t" rotWithShape="0">
+              <a:prstClr val="black">
+                <a:alpha val="15000"/>
+              </a:prstClr>
+            </a:outerShdw>
+          </a:effectLst>
+        </p:spPr>
+        <p:style>
+          <a:lnRef idx="2">
+            <a:schemeClr val="accent1">
+              <a:shade val="50000"/>
+            </a:schemeClr>
+          </a:lnRef>
+          <a:fillRef idx="1">
+            <a:schemeClr val="accent1"/>
+          </a:fillRef>
+          <a:effectRef idx="0">
+            <a:schemeClr val="accent1"/>
+          </a:effectRef>
+          <a:fontRef idx="minor">
+            <a:schemeClr val="lt1"/>
+          </a:fontRef>
+        </p:style>
+        <p:txBody>
+          <a:bodyPr rtlCol="0" anchor="ctr"/>
+          <a:lstStyle/>
+          <a:p>
+            <a:pPr algn="ctr"/>
+            <a:endParaRPr lang="en-US"/>
+          </a:p>
+        </p:txBody>
+      </p:sp>
+      <p:sp>
+        <p:nvSpPr>
+          <p:cNvPr id="16" name="Rectangle 15">
+            <a:extLst>
+              <a:ext uri="{FF2B5EF4-FFF2-40B4-BE49-F238E27FC236}">
+                <a16:creationId xmlns:a16="http://schemas.microsoft.com/office/drawing/2014/main" id="{90F533E9-6690-41A8-A372-4C6C622D028D}"/>
+              </a:ext>
+              <a:ext uri="{C183D7F6-B498-43B3-948B-1728B52AA6E4}">
+                <adec:decorative xmlns:adec="http://schemas.microsoft.com/office/drawing/2017/decorative" val="1"/>
+              </a:ext>
+            </a:extLst>
+          </p:cNvPr>
+          <p:cNvSpPr>
+            <a:spLocks noGrp="1" noRot="1" noChangeAspect="1" noMove="1" noResize="1" noEditPoints="1" noAdjustHandles="1" noChangeArrowheads="1" noChangeShapeType="1" noTextEdit="1"/>
+          </p:cNvSpPr>
+          <p:nvPr>
+            <p:extLst>
+              <p:ext uri="{386F3935-93C4-4BCD-93E2-E3B085C9AB24}">
+                <p16:designElem xmlns:p16="http://schemas.microsoft.com/office/powerpoint/2015/main" val="1"/>
+              </p:ext>
+            </p:extLst>
+          </p:nvPr>
+        </p:nvSpPr>
+        <p:spPr>
+          <a:xfrm rot="5400000">
+            <a:off x="7950447" y="3392097"/>
+            <a:ext cx="1719072" cy="152382"/>
+          </a:xfrm>
+          <a:prstGeom prst="rect">
+            <a:avLst/>
+          </a:prstGeom>
+          <a:solidFill>
+            <a:schemeClr val="accent4"/>
+          </a:solidFill>
+          <a:ln>
+            <a:noFill/>
+          </a:ln>
+        </p:spPr>
+        <p:style>
+          <a:lnRef idx="2">
+            <a:schemeClr val="accent1">
+              <a:shade val="50000"/>
+            </a:schemeClr>
+          </a:lnRef>
+          <a:fillRef idx="1">
+            <a:schemeClr val="accent1"/>
+          </a:fillRef>
+          <a:effectRef idx="0">
+            <a:schemeClr val="accent1"/>
+          </a:effectRef>
+          <a:fontRef idx="minor">
+            <a:schemeClr val="lt1"/>
+          </a:fontRef>
+        </p:style>
+        <p:txBody>
+          <a:bodyPr rtlCol="0" anchor="ctr"/>
+          <a:lstStyle/>
+          <a:p>
+            <a:pPr algn="ctr"/>
+            <a:endParaRPr lang="en-US"/>
+          </a:p>
+        </p:txBody>
+      </p:sp>
+      <p:pic>
+        <p:nvPicPr>
+          <p:cNvPr id="6" name="Content Placeholder 4" descr="A close-up of a card&#10;&#10;Description automatically generated">
+            <a:extLst>
+              <a:ext uri="{FF2B5EF4-FFF2-40B4-BE49-F238E27FC236}">
+                <a16:creationId xmlns:a16="http://schemas.microsoft.com/office/drawing/2014/main" id="{FA540083-DC61-8696-E63C-A3AF78F51316}"/>
+              </a:ext>
+            </a:extLst>
+          </p:cNvPr>
+          <p:cNvPicPr>
+            <a:picLocks noChangeAspect="1"/>
+          </p:cNvPicPr>
+          <p:nvPr/>
+        </p:nvPicPr>
+        <p:blipFill>
+          <a:blip r:embed="rId2">
+            <a:extLst>
+              <a:ext uri="{28A0092B-C50C-407E-A947-70E740481C1C}">
+                <a14:useLocalDpi xmlns:a14="http://schemas.microsoft.com/office/drawing/2010/main" val="0"/>
+              </a:ext>
+            </a:extLst>
+          </a:blip>
+          <a:stretch>
+            <a:fillRect/>
+          </a:stretch>
+        </p:blipFill>
+        <p:spPr>
+          <a:xfrm>
+            <a:off x="302819" y="318498"/>
+            <a:ext cx="8047240" cy="6035430"/>
+          </a:xfrm>
+          <a:prstGeom prst="rect">
+            <a:avLst/>
+          </a:prstGeom>
+        </p:spPr>
+      </p:pic>
+      <p:sp>
+        <p:nvSpPr>
+          <p:cNvPr id="8" name="Content Placeholder 7">
+            <a:extLst>
+              <a:ext uri="{FF2B5EF4-FFF2-40B4-BE49-F238E27FC236}">
+                <a16:creationId xmlns:a16="http://schemas.microsoft.com/office/drawing/2014/main" id="{E3CFF55C-C98B-49A9-DD79-EEBF2D53C179}"/>
               </a:ext>
             </a:extLst>
           </p:cNvPr>
@@ -6497,66 +12965,774 @@
           </p:nvPr>
         </p:nvSpPr>
         <p:spPr>
-          <a:xfrm>
-            <a:off x="1285240" y="2969469"/>
-            <a:ext cx="8074815" cy="2800395"/>
-          </a:xfrm>
-        </p:spPr>
-        <p:txBody>
-          <a:bodyPr anchor="t">
-            <a:normAutofit/>
-          </a:bodyPr>
-          <a:lstStyle/>
-          <a:p>
-            <a:pPr marL="514350" indent="-514350">
-              <a:buFont typeface="+mj-lt"/>
-              <a:buAutoNum type="arabicPeriod"/>
+          <a:xfrm flipH="1" flipV="1">
+            <a:off x="9004821" y="5658293"/>
+            <a:ext cx="1300866" cy="606355"/>
+          </a:xfrm>
+        </p:spPr>
+        <p:txBody>
+          <a:bodyPr/>
+          <a:lstStyle/>
+          <a:p>
+            <a:pPr marL="0" indent="0">
+              <a:buNone/>
             </a:pPr>
-            <a:r>
-              <a:rPr lang="pl-PL" sz="2400"/>
-              <a:t>Applying better resolution camera</a:t>
-            </a:r>
-          </a:p>
-          <a:p>
-            <a:pPr marL="514350" indent="-514350">
-              <a:buFont typeface="+mj-lt"/>
-              <a:buAutoNum type="arabicPeriod"/>
-            </a:pPr>
-            <a:r>
-              <a:rPr lang="pl-PL" sz="2400"/>
-              <a:t>More accurate computation of the output image size (by now camera has to be on the plane parrarel to the document)</a:t>
-            </a:r>
-          </a:p>
-          <a:p>
-            <a:pPr marL="514350" indent="-514350">
-              <a:buFont typeface="+mj-lt"/>
-              <a:buAutoNum type="arabicPeriod"/>
-            </a:pPr>
-            <a:r>
-              <a:rPr lang="pl-PL" sz="2400"/>
-              <a:t>Creating a version for colour images</a:t>
-            </a:r>
-          </a:p>
-          <a:p>
-            <a:pPr marL="514350" indent="-514350">
-              <a:buFont typeface="+mj-lt"/>
-              <a:buAutoNum type="arabicPeriod"/>
-            </a:pPr>
-            <a:endParaRPr lang="pl-PL" sz="2400"/>
-          </a:p>
-          <a:p>
-            <a:pPr marL="514350" indent="-514350">
-              <a:buFont typeface="+mj-lt"/>
-              <a:buAutoNum type="arabicPeriod"/>
-            </a:pPr>
-            <a:endParaRPr lang="en-GB" sz="2400"/>
+            <a:endParaRPr lang="en-GB" dirty="0"/>
           </a:p>
         </p:txBody>
       </p:sp>
     </p:spTree>
     <p:extLst>
       <p:ext uri="{BB962C8B-B14F-4D97-AF65-F5344CB8AC3E}">
-        <p14:creationId xmlns:p14="http://schemas.microsoft.com/office/powerpoint/2010/main" val="3444691788"/>
+        <p14:creationId xmlns:p14="http://schemas.microsoft.com/office/powerpoint/2010/main" val="4254295406"/>
+      </p:ext>
+    </p:extLst>
+  </p:cSld>
+  <p:clrMapOvr>
+    <a:masterClrMapping/>
+  </p:clrMapOvr>
+</p:sld>
+</file>
+
+<file path=ppt/slides/slide8.xml><?xml version="1.0" encoding="utf-8"?>
+<p:sld xmlns:a="http://schemas.openxmlformats.org/drawingml/2006/main" xmlns:r="http://schemas.openxmlformats.org/officeDocument/2006/relationships" xmlns:p="http://schemas.openxmlformats.org/presentationml/2006/main">
+  <p:cSld>
+    <p:bg>
+      <p:bgPr>
+        <a:solidFill>
+          <a:schemeClr val="bg1"/>
+        </a:solidFill>
+        <a:effectLst/>
+      </p:bgPr>
+    </p:bg>
+    <p:spTree>
+      <p:nvGrpSpPr>
+        <p:cNvPr id="1" name=""/>
+        <p:cNvGrpSpPr/>
+        <p:nvPr/>
+      </p:nvGrpSpPr>
+      <p:grpSpPr>
+        <a:xfrm>
+          <a:off x="0" y="0"/>
+          <a:ext cx="0" cy="0"/>
+          <a:chOff x="0" y="0"/>
+          <a:chExt cx="0" cy="0"/>
+        </a:xfrm>
+      </p:grpSpPr>
+      <p:sp useBgFill="1">
+        <p:nvSpPr>
+          <p:cNvPr id="10" name="Rectangle 9">
+            <a:extLst>
+              <a:ext uri="{FF2B5EF4-FFF2-40B4-BE49-F238E27FC236}">
+                <a16:creationId xmlns:a16="http://schemas.microsoft.com/office/drawing/2014/main" id="{BA79A7CF-01AF-4178-9369-94E0C90EB046}"/>
+              </a:ext>
+              <a:ext uri="{C183D7F6-B498-43B3-948B-1728B52AA6E4}">
+                <adec:decorative xmlns:adec="http://schemas.microsoft.com/office/drawing/2017/decorative" val="1"/>
+              </a:ext>
+            </a:extLst>
+          </p:cNvPr>
+          <p:cNvSpPr>
+            <a:spLocks noGrp="1" noRot="1" noChangeAspect="1" noMove="1" noResize="1" noEditPoints="1" noAdjustHandles="1" noChangeArrowheads="1" noChangeShapeType="1" noTextEdit="1"/>
+          </p:cNvSpPr>
+          <p:nvPr>
+            <p:extLst>
+              <p:ext uri="{386F3935-93C4-4BCD-93E2-E3B085C9AB24}">
+                <p16:designElem xmlns:p16="http://schemas.microsoft.com/office/powerpoint/2015/main" val="1"/>
+              </p:ext>
+            </p:extLst>
+          </p:nvPr>
+        </p:nvSpPr>
+        <p:spPr>
+          <a:xfrm>
+            <a:off x="0" y="0"/>
+            <a:ext cx="12191999" cy="6857365"/>
+          </a:xfrm>
+          <a:prstGeom prst="rect">
+            <a:avLst/>
+          </a:prstGeom>
+          <a:ln>
+            <a:noFill/>
+          </a:ln>
+        </p:spPr>
+        <p:style>
+          <a:lnRef idx="2">
+            <a:schemeClr val="accent1">
+              <a:shade val="50000"/>
+            </a:schemeClr>
+          </a:lnRef>
+          <a:fillRef idx="1">
+            <a:schemeClr val="accent1"/>
+          </a:fillRef>
+          <a:effectRef idx="0">
+            <a:schemeClr val="accent1"/>
+          </a:effectRef>
+          <a:fontRef idx="minor">
+            <a:schemeClr val="lt1"/>
+          </a:fontRef>
+        </p:style>
+        <p:txBody>
+          <a:bodyPr rtlCol="0" anchor="ctr"/>
+          <a:lstStyle/>
+          <a:p>
+            <a:pPr algn="ctr"/>
+            <a:endParaRPr lang="en-US"/>
+          </a:p>
+        </p:txBody>
+      </p:sp>
+      <p:sp>
+        <p:nvSpPr>
+          <p:cNvPr id="2" name="Title 1">
+            <a:extLst>
+              <a:ext uri="{FF2B5EF4-FFF2-40B4-BE49-F238E27FC236}">
+                <a16:creationId xmlns:a16="http://schemas.microsoft.com/office/drawing/2014/main" id="{AD661416-9CDF-7743-9195-69658EF24E6C}"/>
+              </a:ext>
+            </a:extLst>
+          </p:cNvPr>
+          <p:cNvSpPr>
+            <a:spLocks noGrp="1"/>
+          </p:cNvSpPr>
+          <p:nvPr>
+            <p:ph type="title"/>
+          </p:nvPr>
+        </p:nvSpPr>
+        <p:spPr>
+          <a:xfrm>
+            <a:off x="9267909" y="2023110"/>
+            <a:ext cx="2469624" cy="2846070"/>
+          </a:xfrm>
+        </p:spPr>
+        <p:txBody>
+          <a:bodyPr vert="horz" lIns="91440" tIns="45720" rIns="91440" bIns="45720" rtlCol="0" anchor="ctr">
+            <a:normAutofit/>
+          </a:bodyPr>
+          <a:lstStyle/>
+          <a:p>
+            <a:r>
+              <a:rPr lang="en-US" sz="3700" kern="1200">
+                <a:solidFill>
+                  <a:schemeClr val="tx1"/>
+                </a:solidFill>
+                <a:latin typeface="+mj-lt"/>
+                <a:ea typeface="+mj-ea"/>
+                <a:cs typeface="+mj-cs"/>
+              </a:rPr>
+              <a:t>Cropped</a:t>
+            </a:r>
+          </a:p>
+        </p:txBody>
+      </p:sp>
+      <p:sp>
+        <p:nvSpPr>
+          <p:cNvPr id="12" name="Rectangle 11">
+            <a:extLst>
+              <a:ext uri="{FF2B5EF4-FFF2-40B4-BE49-F238E27FC236}">
+                <a16:creationId xmlns:a16="http://schemas.microsoft.com/office/drawing/2014/main" id="{99413ED5-9ED4-4772-BCE4-2BCAE6B12E35}"/>
+              </a:ext>
+              <a:ext uri="{C183D7F6-B498-43B3-948B-1728B52AA6E4}">
+                <adec:decorative xmlns:adec="http://schemas.microsoft.com/office/drawing/2017/decorative" val="1"/>
+              </a:ext>
+            </a:extLst>
+          </p:cNvPr>
+          <p:cNvSpPr>
+            <a:spLocks noGrp="1" noRot="1" noChangeAspect="1" noMove="1" noResize="1" noEditPoints="1" noAdjustHandles="1" noChangeArrowheads="1" noChangeShapeType="1" noTextEdit="1"/>
+          </p:cNvSpPr>
+          <p:nvPr>
+            <p:extLst>
+              <p:ext uri="{386F3935-93C4-4BCD-93E2-E3B085C9AB24}">
+                <p16:designElem xmlns:p16="http://schemas.microsoft.com/office/powerpoint/2015/main" val="1"/>
+              </p:ext>
+            </p:extLst>
+          </p:nvPr>
+        </p:nvSpPr>
+        <p:spPr>
+          <a:xfrm rot="16200000">
+            <a:off x="3433973" y="-827233"/>
+            <a:ext cx="1715478" cy="8583421"/>
+          </a:xfrm>
+          <a:prstGeom prst="rect">
+            <a:avLst/>
+          </a:prstGeom>
+          <a:solidFill>
+            <a:schemeClr val="accent4"/>
+          </a:solidFill>
+          <a:ln>
+            <a:noFill/>
+          </a:ln>
+        </p:spPr>
+        <p:style>
+          <a:lnRef idx="2">
+            <a:schemeClr val="accent1">
+              <a:shade val="50000"/>
+            </a:schemeClr>
+          </a:lnRef>
+          <a:fillRef idx="1">
+            <a:schemeClr val="accent1"/>
+          </a:fillRef>
+          <a:effectRef idx="0">
+            <a:schemeClr val="accent1"/>
+          </a:effectRef>
+          <a:fontRef idx="minor">
+            <a:schemeClr val="lt1"/>
+          </a:fontRef>
+        </p:style>
+        <p:txBody>
+          <a:bodyPr rtlCol="0" anchor="ctr"/>
+          <a:lstStyle/>
+          <a:p>
+            <a:pPr algn="ctr"/>
+            <a:endParaRPr lang="en-US" dirty="0"/>
+          </a:p>
+        </p:txBody>
+      </p:sp>
+      <p:sp>
+        <p:nvSpPr>
+          <p:cNvPr id="14" name="Rectangle 13">
+            <a:extLst>
+              <a:ext uri="{FF2B5EF4-FFF2-40B4-BE49-F238E27FC236}">
+                <a16:creationId xmlns:a16="http://schemas.microsoft.com/office/drawing/2014/main" id="{04357C93-F0CB-4A1C-8F77-4E9063789819}"/>
+              </a:ext>
+              <a:ext uri="{C183D7F6-B498-43B3-948B-1728B52AA6E4}">
+                <adec:decorative xmlns:adec="http://schemas.microsoft.com/office/drawing/2017/decorative" val="1"/>
+              </a:ext>
+            </a:extLst>
+          </p:cNvPr>
+          <p:cNvSpPr>
+            <a:spLocks noGrp="1" noRot="1" noChangeAspect="1" noMove="1" noResize="1" noEditPoints="1" noAdjustHandles="1" noChangeArrowheads="1" noChangeShapeType="1" noTextEdit="1"/>
+          </p:cNvSpPr>
+          <p:nvPr>
+            <p:extLst>
+              <p:ext uri="{386F3935-93C4-4BCD-93E2-E3B085C9AB24}">
+                <p16:designElem xmlns:p16="http://schemas.microsoft.com/office/powerpoint/2015/main" val="1"/>
+              </p:ext>
+            </p:extLst>
+          </p:nvPr>
+        </p:nvSpPr>
+        <p:spPr>
+          <a:xfrm>
+            <a:off x="302085" y="664308"/>
+            <a:ext cx="8082632" cy="5600340"/>
+          </a:xfrm>
+          <a:prstGeom prst="rect">
+            <a:avLst/>
+          </a:prstGeom>
+          <a:solidFill>
+            <a:schemeClr val="bg1"/>
+          </a:solidFill>
+          <a:ln>
+            <a:noFill/>
+          </a:ln>
+          <a:effectLst>
+            <a:outerShdw blurRad="139700" dist="127000" dir="5400000" algn="t" rotWithShape="0">
+              <a:prstClr val="black">
+                <a:alpha val="15000"/>
+              </a:prstClr>
+            </a:outerShdw>
+          </a:effectLst>
+        </p:spPr>
+        <p:style>
+          <a:lnRef idx="2">
+            <a:schemeClr val="accent1">
+              <a:shade val="50000"/>
+            </a:schemeClr>
+          </a:lnRef>
+          <a:fillRef idx="1">
+            <a:schemeClr val="accent1"/>
+          </a:fillRef>
+          <a:effectRef idx="0">
+            <a:schemeClr val="accent1"/>
+          </a:effectRef>
+          <a:fontRef idx="minor">
+            <a:schemeClr val="lt1"/>
+          </a:fontRef>
+        </p:style>
+        <p:txBody>
+          <a:bodyPr rtlCol="0" anchor="ctr"/>
+          <a:lstStyle/>
+          <a:p>
+            <a:pPr algn="ctr"/>
+            <a:endParaRPr lang="en-US"/>
+          </a:p>
+        </p:txBody>
+      </p:sp>
+      <p:pic>
+        <p:nvPicPr>
+          <p:cNvPr id="5" name="Content Placeholder 4" descr="Close-up of a card with text&#10;&#10;Description automatically generated">
+            <a:extLst>
+              <a:ext uri="{FF2B5EF4-FFF2-40B4-BE49-F238E27FC236}">
+                <a16:creationId xmlns:a16="http://schemas.microsoft.com/office/drawing/2014/main" id="{BFB5426B-4D80-B362-F0DB-AFD72A2161E9}"/>
+              </a:ext>
+            </a:extLst>
+          </p:cNvPr>
+          <p:cNvPicPr>
+            <a:picLocks noGrp="1" noChangeAspect="1"/>
+          </p:cNvPicPr>
+          <p:nvPr>
+            <p:ph idx="1"/>
+          </p:nvPr>
+        </p:nvPicPr>
+        <p:blipFill>
+          <a:blip r:embed="rId2">
+            <a:extLst>
+              <a:ext uri="{28A0092B-C50C-407E-A947-70E740481C1C}">
+                <a14:useLocalDpi xmlns:a14="http://schemas.microsoft.com/office/drawing/2010/main" val="0"/>
+              </a:ext>
+            </a:extLst>
+          </a:blip>
+          <a:stretch>
+            <a:fillRect/>
+          </a:stretch>
+        </p:blipFill>
+        <p:spPr>
+          <a:xfrm>
+            <a:off x="545238" y="953738"/>
+            <a:ext cx="7608304" cy="5021480"/>
+          </a:xfrm>
+          <a:prstGeom prst="rect">
+            <a:avLst/>
+          </a:prstGeom>
+        </p:spPr>
+      </p:pic>
+      <p:sp>
+        <p:nvSpPr>
+          <p:cNvPr id="16" name="Rectangle 15">
+            <a:extLst>
+              <a:ext uri="{FF2B5EF4-FFF2-40B4-BE49-F238E27FC236}">
+                <a16:creationId xmlns:a16="http://schemas.microsoft.com/office/drawing/2014/main" id="{90F533E9-6690-41A8-A372-4C6C622D028D}"/>
+              </a:ext>
+              <a:ext uri="{C183D7F6-B498-43B3-948B-1728B52AA6E4}">
+                <adec:decorative xmlns:adec="http://schemas.microsoft.com/office/drawing/2017/decorative" val="1"/>
+              </a:ext>
+            </a:extLst>
+          </p:cNvPr>
+          <p:cNvSpPr>
+            <a:spLocks noGrp="1" noRot="1" noChangeAspect="1" noMove="1" noResize="1" noEditPoints="1" noAdjustHandles="1" noChangeArrowheads="1" noChangeShapeType="1" noTextEdit="1"/>
+          </p:cNvSpPr>
+          <p:nvPr>
+            <p:extLst>
+              <p:ext uri="{386F3935-93C4-4BCD-93E2-E3B085C9AB24}">
+                <p16:designElem xmlns:p16="http://schemas.microsoft.com/office/powerpoint/2015/main" val="1"/>
+              </p:ext>
+            </p:extLst>
+          </p:nvPr>
+        </p:nvSpPr>
+        <p:spPr>
+          <a:xfrm rot="5400000">
+            <a:off x="7950447" y="3392097"/>
+            <a:ext cx="1719072" cy="152382"/>
+          </a:xfrm>
+          <a:prstGeom prst="rect">
+            <a:avLst/>
+          </a:prstGeom>
+          <a:solidFill>
+            <a:schemeClr val="accent4"/>
+          </a:solidFill>
+          <a:ln>
+            <a:noFill/>
+          </a:ln>
+        </p:spPr>
+        <p:style>
+          <a:lnRef idx="2">
+            <a:schemeClr val="accent1">
+              <a:shade val="50000"/>
+            </a:schemeClr>
+          </a:lnRef>
+          <a:fillRef idx="1">
+            <a:schemeClr val="accent1"/>
+          </a:fillRef>
+          <a:effectRef idx="0">
+            <a:schemeClr val="accent1"/>
+          </a:effectRef>
+          <a:fontRef idx="minor">
+            <a:schemeClr val="lt1"/>
+          </a:fontRef>
+        </p:style>
+        <p:txBody>
+          <a:bodyPr rtlCol="0" anchor="ctr"/>
+          <a:lstStyle/>
+          <a:p>
+            <a:pPr algn="ctr"/>
+            <a:endParaRPr lang="en-US"/>
+          </a:p>
+        </p:txBody>
+      </p:sp>
+    </p:spTree>
+    <p:extLst>
+      <p:ext uri="{BB962C8B-B14F-4D97-AF65-F5344CB8AC3E}">
+        <p14:creationId xmlns:p14="http://schemas.microsoft.com/office/powerpoint/2010/main" val="1333993057"/>
+      </p:ext>
+    </p:extLst>
+  </p:cSld>
+  <p:clrMapOvr>
+    <a:masterClrMapping/>
+  </p:clrMapOvr>
+</p:sld>
+</file>
+
+<file path=ppt/slides/slide9.xml><?xml version="1.0" encoding="utf-8"?>
+<p:sld xmlns:a="http://schemas.openxmlformats.org/drawingml/2006/main" xmlns:r="http://schemas.openxmlformats.org/officeDocument/2006/relationships" xmlns:p="http://schemas.openxmlformats.org/presentationml/2006/main">
+  <p:cSld>
+    <p:bg>
+      <p:bgPr>
+        <a:solidFill>
+          <a:schemeClr val="bg1"/>
+        </a:solidFill>
+        <a:effectLst/>
+      </p:bgPr>
+    </p:bg>
+    <p:spTree>
+      <p:nvGrpSpPr>
+        <p:cNvPr id="1" name=""/>
+        <p:cNvGrpSpPr/>
+        <p:nvPr/>
+      </p:nvGrpSpPr>
+      <p:grpSpPr>
+        <a:xfrm>
+          <a:off x="0" y="0"/>
+          <a:ext cx="0" cy="0"/>
+          <a:chOff x="0" y="0"/>
+          <a:chExt cx="0" cy="0"/>
+        </a:xfrm>
+      </p:grpSpPr>
+      <p:sp useBgFill="1">
+        <p:nvSpPr>
+          <p:cNvPr id="10" name="Rectangle 9">
+            <a:extLst>
+              <a:ext uri="{FF2B5EF4-FFF2-40B4-BE49-F238E27FC236}">
+                <a16:creationId xmlns:a16="http://schemas.microsoft.com/office/drawing/2014/main" id="{BA79A7CF-01AF-4178-9369-94E0C90EB046}"/>
+              </a:ext>
+              <a:ext uri="{C183D7F6-B498-43B3-948B-1728B52AA6E4}">
+                <adec:decorative xmlns:adec="http://schemas.microsoft.com/office/drawing/2017/decorative" val="1"/>
+              </a:ext>
+            </a:extLst>
+          </p:cNvPr>
+          <p:cNvSpPr>
+            <a:spLocks noGrp="1" noRot="1" noChangeAspect="1" noMove="1" noResize="1" noEditPoints="1" noAdjustHandles="1" noChangeArrowheads="1" noChangeShapeType="1" noTextEdit="1"/>
+          </p:cNvSpPr>
+          <p:nvPr>
+            <p:extLst>
+              <p:ext uri="{386F3935-93C4-4BCD-93E2-E3B085C9AB24}">
+                <p16:designElem xmlns:p16="http://schemas.microsoft.com/office/powerpoint/2015/main" val="1"/>
+              </p:ext>
+            </p:extLst>
+          </p:nvPr>
+        </p:nvSpPr>
+        <p:spPr>
+          <a:xfrm>
+            <a:off x="0" y="0"/>
+            <a:ext cx="12191999" cy="6857365"/>
+          </a:xfrm>
+          <a:prstGeom prst="rect">
+            <a:avLst/>
+          </a:prstGeom>
+          <a:ln>
+            <a:noFill/>
+          </a:ln>
+        </p:spPr>
+        <p:style>
+          <a:lnRef idx="2">
+            <a:schemeClr val="accent1">
+              <a:shade val="50000"/>
+            </a:schemeClr>
+          </a:lnRef>
+          <a:fillRef idx="1">
+            <a:schemeClr val="accent1"/>
+          </a:fillRef>
+          <a:effectRef idx="0">
+            <a:schemeClr val="accent1"/>
+          </a:effectRef>
+          <a:fontRef idx="minor">
+            <a:schemeClr val="lt1"/>
+          </a:fontRef>
+        </p:style>
+        <p:txBody>
+          <a:bodyPr rtlCol="0" anchor="ctr"/>
+          <a:lstStyle/>
+          <a:p>
+            <a:pPr algn="ctr"/>
+            <a:endParaRPr lang="en-US"/>
+          </a:p>
+        </p:txBody>
+      </p:sp>
+      <p:sp>
+        <p:nvSpPr>
+          <p:cNvPr id="2" name="Title 1">
+            <a:extLst>
+              <a:ext uri="{FF2B5EF4-FFF2-40B4-BE49-F238E27FC236}">
+                <a16:creationId xmlns:a16="http://schemas.microsoft.com/office/drawing/2014/main" id="{FC6EB284-42BB-79F8-FEF3-377744304021}"/>
+              </a:ext>
+            </a:extLst>
+          </p:cNvPr>
+          <p:cNvSpPr>
+            <a:spLocks noGrp="1"/>
+          </p:cNvSpPr>
+          <p:nvPr>
+            <p:ph type="title"/>
+          </p:nvPr>
+        </p:nvSpPr>
+        <p:spPr>
+          <a:xfrm>
+            <a:off x="9267909" y="2023110"/>
+            <a:ext cx="2469624" cy="2846070"/>
+          </a:xfrm>
+        </p:spPr>
+        <p:txBody>
+          <a:bodyPr vert="horz" lIns="91440" tIns="45720" rIns="91440" bIns="45720" rtlCol="0" anchor="ctr">
+            <a:normAutofit/>
+          </a:bodyPr>
+          <a:lstStyle/>
+          <a:p>
+            <a:r>
+              <a:rPr lang="en-US" sz="3400" kern="1200">
+                <a:solidFill>
+                  <a:schemeClr val="tx1"/>
+                </a:solidFill>
+                <a:latin typeface="+mj-lt"/>
+                <a:ea typeface="+mj-ea"/>
+                <a:cs typeface="+mj-cs"/>
+              </a:rPr>
+              <a:t>Thresholded</a:t>
+            </a:r>
+          </a:p>
+        </p:txBody>
+      </p:sp>
+      <p:sp>
+        <p:nvSpPr>
+          <p:cNvPr id="12" name="Rectangle 11">
+            <a:extLst>
+              <a:ext uri="{FF2B5EF4-FFF2-40B4-BE49-F238E27FC236}">
+                <a16:creationId xmlns:a16="http://schemas.microsoft.com/office/drawing/2014/main" id="{99413ED5-9ED4-4772-BCE4-2BCAE6B12E35}"/>
+              </a:ext>
+              <a:ext uri="{C183D7F6-B498-43B3-948B-1728B52AA6E4}">
+                <adec:decorative xmlns:adec="http://schemas.microsoft.com/office/drawing/2017/decorative" val="1"/>
+              </a:ext>
+            </a:extLst>
+          </p:cNvPr>
+          <p:cNvSpPr>
+            <a:spLocks noGrp="1" noRot="1" noChangeAspect="1" noMove="1" noResize="1" noEditPoints="1" noAdjustHandles="1" noChangeArrowheads="1" noChangeShapeType="1" noTextEdit="1"/>
+          </p:cNvSpPr>
+          <p:nvPr>
+            <p:extLst>
+              <p:ext uri="{386F3935-93C4-4BCD-93E2-E3B085C9AB24}">
+                <p16:designElem xmlns:p16="http://schemas.microsoft.com/office/powerpoint/2015/main" val="1"/>
+              </p:ext>
+            </p:extLst>
+          </p:nvPr>
+        </p:nvSpPr>
+        <p:spPr>
+          <a:xfrm rot="16200000">
+            <a:off x="3433973" y="-827233"/>
+            <a:ext cx="1715478" cy="8583421"/>
+          </a:xfrm>
+          <a:prstGeom prst="rect">
+            <a:avLst/>
+          </a:prstGeom>
+          <a:solidFill>
+            <a:schemeClr val="accent4"/>
+          </a:solidFill>
+          <a:ln>
+            <a:noFill/>
+          </a:ln>
+        </p:spPr>
+        <p:style>
+          <a:lnRef idx="2">
+            <a:schemeClr val="accent1">
+              <a:shade val="50000"/>
+            </a:schemeClr>
+          </a:lnRef>
+          <a:fillRef idx="1">
+            <a:schemeClr val="accent1"/>
+          </a:fillRef>
+          <a:effectRef idx="0">
+            <a:schemeClr val="accent1"/>
+          </a:effectRef>
+          <a:fontRef idx="minor">
+            <a:schemeClr val="lt1"/>
+          </a:fontRef>
+        </p:style>
+        <p:txBody>
+          <a:bodyPr rtlCol="0" anchor="ctr"/>
+          <a:lstStyle/>
+          <a:p>
+            <a:pPr algn="ctr"/>
+            <a:endParaRPr lang="en-US" dirty="0"/>
+          </a:p>
+        </p:txBody>
+      </p:sp>
+      <p:sp>
+        <p:nvSpPr>
+          <p:cNvPr id="14" name="Rectangle 13">
+            <a:extLst>
+              <a:ext uri="{FF2B5EF4-FFF2-40B4-BE49-F238E27FC236}">
+                <a16:creationId xmlns:a16="http://schemas.microsoft.com/office/drawing/2014/main" id="{04357C93-F0CB-4A1C-8F77-4E9063789819}"/>
+              </a:ext>
+              <a:ext uri="{C183D7F6-B498-43B3-948B-1728B52AA6E4}">
+                <adec:decorative xmlns:adec="http://schemas.microsoft.com/office/drawing/2017/decorative" val="1"/>
+              </a:ext>
+            </a:extLst>
+          </p:cNvPr>
+          <p:cNvSpPr>
+            <a:spLocks noGrp="1" noRot="1" noChangeAspect="1" noMove="1" noResize="1" noEditPoints="1" noAdjustHandles="1" noChangeArrowheads="1" noChangeShapeType="1" noTextEdit="1"/>
+          </p:cNvSpPr>
+          <p:nvPr>
+            <p:extLst>
+              <p:ext uri="{386F3935-93C4-4BCD-93E2-E3B085C9AB24}">
+                <p16:designElem xmlns:p16="http://schemas.microsoft.com/office/powerpoint/2015/main" val="1"/>
+              </p:ext>
+            </p:extLst>
+          </p:nvPr>
+        </p:nvSpPr>
+        <p:spPr>
+          <a:xfrm>
+            <a:off x="302085" y="664308"/>
+            <a:ext cx="8082632" cy="5600340"/>
+          </a:xfrm>
+          <a:prstGeom prst="rect">
+            <a:avLst/>
+          </a:prstGeom>
+          <a:solidFill>
+            <a:schemeClr val="bg1"/>
+          </a:solidFill>
+          <a:ln>
+            <a:noFill/>
+          </a:ln>
+          <a:effectLst>
+            <a:outerShdw blurRad="139700" dist="127000" dir="5400000" algn="t" rotWithShape="0">
+              <a:prstClr val="black">
+                <a:alpha val="15000"/>
+              </a:prstClr>
+            </a:outerShdw>
+          </a:effectLst>
+        </p:spPr>
+        <p:style>
+          <a:lnRef idx="2">
+            <a:schemeClr val="accent1">
+              <a:shade val="50000"/>
+            </a:schemeClr>
+          </a:lnRef>
+          <a:fillRef idx="1">
+            <a:schemeClr val="accent1"/>
+          </a:fillRef>
+          <a:effectRef idx="0">
+            <a:schemeClr val="accent1"/>
+          </a:effectRef>
+          <a:fontRef idx="minor">
+            <a:schemeClr val="lt1"/>
+          </a:fontRef>
+        </p:style>
+        <p:txBody>
+          <a:bodyPr rtlCol="0" anchor="ctr"/>
+          <a:lstStyle/>
+          <a:p>
+            <a:pPr algn="ctr"/>
+            <a:endParaRPr lang="en-US"/>
+          </a:p>
+        </p:txBody>
+      </p:sp>
+      <p:pic>
+        <p:nvPicPr>
+          <p:cNvPr id="5" name="Content Placeholder 4" descr="A close-up of a card&#10;&#10;Description automatically generated">
+            <a:extLst>
+              <a:ext uri="{FF2B5EF4-FFF2-40B4-BE49-F238E27FC236}">
+                <a16:creationId xmlns:a16="http://schemas.microsoft.com/office/drawing/2014/main" id="{2EBE948A-75CC-E769-08BB-E3EA1A3F6F37}"/>
+              </a:ext>
+            </a:extLst>
+          </p:cNvPr>
+          <p:cNvPicPr>
+            <a:picLocks noGrp="1" noChangeAspect="1"/>
+          </p:cNvPicPr>
+          <p:nvPr>
+            <p:ph idx="1"/>
+          </p:nvPr>
+        </p:nvPicPr>
+        <p:blipFill>
+          <a:blip r:embed="rId2">
+            <a:extLst>
+              <a:ext uri="{28A0092B-C50C-407E-A947-70E740481C1C}">
+                <a14:useLocalDpi xmlns:a14="http://schemas.microsoft.com/office/drawing/2010/main" val="0"/>
+              </a:ext>
+            </a:extLst>
+          </a:blip>
+          <a:stretch>
+            <a:fillRect/>
+          </a:stretch>
+        </p:blipFill>
+        <p:spPr>
+          <a:xfrm>
+            <a:off x="545238" y="953738"/>
+            <a:ext cx="7608304" cy="5021480"/>
+          </a:xfrm>
+          <a:prstGeom prst="rect">
+            <a:avLst/>
+          </a:prstGeom>
+        </p:spPr>
+      </p:pic>
+      <p:sp>
+        <p:nvSpPr>
+          <p:cNvPr id="16" name="Rectangle 15">
+            <a:extLst>
+              <a:ext uri="{FF2B5EF4-FFF2-40B4-BE49-F238E27FC236}">
+                <a16:creationId xmlns:a16="http://schemas.microsoft.com/office/drawing/2014/main" id="{90F533E9-6690-41A8-A372-4C6C622D028D}"/>
+              </a:ext>
+              <a:ext uri="{C183D7F6-B498-43B3-948B-1728B52AA6E4}">
+                <adec:decorative xmlns:adec="http://schemas.microsoft.com/office/drawing/2017/decorative" val="1"/>
+              </a:ext>
+            </a:extLst>
+          </p:cNvPr>
+          <p:cNvSpPr>
+            <a:spLocks noGrp="1" noRot="1" noChangeAspect="1" noMove="1" noResize="1" noEditPoints="1" noAdjustHandles="1" noChangeArrowheads="1" noChangeShapeType="1" noTextEdit="1"/>
+          </p:cNvSpPr>
+          <p:nvPr>
+            <p:extLst>
+              <p:ext uri="{386F3935-93C4-4BCD-93E2-E3B085C9AB24}">
+                <p16:designElem xmlns:p16="http://schemas.microsoft.com/office/powerpoint/2015/main" val="1"/>
+              </p:ext>
+            </p:extLst>
+          </p:nvPr>
+        </p:nvSpPr>
+        <p:spPr>
+          <a:xfrm rot="5400000">
+            <a:off x="7950447" y="3392097"/>
+            <a:ext cx="1719072" cy="152382"/>
+          </a:xfrm>
+          <a:prstGeom prst="rect">
+            <a:avLst/>
+          </a:prstGeom>
+          <a:solidFill>
+            <a:schemeClr val="accent4"/>
+          </a:solidFill>
+          <a:ln>
+            <a:noFill/>
+          </a:ln>
+        </p:spPr>
+        <p:style>
+          <a:lnRef idx="2">
+            <a:schemeClr val="accent1">
+              <a:shade val="50000"/>
+            </a:schemeClr>
+          </a:lnRef>
+          <a:fillRef idx="1">
+            <a:schemeClr val="accent1"/>
+          </a:fillRef>
+          <a:effectRef idx="0">
+            <a:schemeClr val="accent1"/>
+          </a:effectRef>
+          <a:fontRef idx="minor">
+            <a:schemeClr val="lt1"/>
+          </a:fontRef>
+        </p:style>
+        <p:txBody>
+          <a:bodyPr rtlCol="0" anchor="ctr"/>
+          <a:lstStyle/>
+          <a:p>
+            <a:pPr algn="ctr"/>
+            <a:endParaRPr lang="en-US"/>
+          </a:p>
+        </p:txBody>
+      </p:sp>
+    </p:spTree>
+    <p:extLst>
+      <p:ext uri="{BB962C8B-B14F-4D97-AF65-F5344CB8AC3E}">
+        <p14:creationId xmlns:p14="http://schemas.microsoft.com/office/powerpoint/2010/main" val="3166279143"/>
       </p:ext>
     </p:extLst>
   </p:cSld>
@@ -6859,4 +14035,319 @@
     </a:ext>
   </a:extLst>
 </a:theme>
+</file>
+
+<file path=ppt/theme/theme2.xml><?xml version="1.0" encoding="utf-8"?>
+<a:theme xmlns:a="http://schemas.openxmlformats.org/drawingml/2006/main" name="Office Theme">
+  <a:themeElements>
+    <a:clrScheme name="Office">
+      <a:dk1>
+        <a:sysClr val="windowText" lastClr="000000"/>
+      </a:dk1>
+      <a:lt1>
+        <a:sysClr val="window" lastClr="FFFFFF"/>
+      </a:lt1>
+      <a:dk2>
+        <a:srgbClr val="0E2841"/>
+      </a:dk2>
+      <a:lt2>
+        <a:srgbClr val="E8E8E8"/>
+      </a:lt2>
+      <a:accent1>
+        <a:srgbClr val="156082"/>
+      </a:accent1>
+      <a:accent2>
+        <a:srgbClr val="E97132"/>
+      </a:accent2>
+      <a:accent3>
+        <a:srgbClr val="196B24"/>
+      </a:accent3>
+      <a:accent4>
+        <a:srgbClr val="0F9ED5"/>
+      </a:accent4>
+      <a:accent5>
+        <a:srgbClr val="A02B93"/>
+      </a:accent5>
+      <a:accent6>
+        <a:srgbClr val="4EA72E"/>
+      </a:accent6>
+      <a:hlink>
+        <a:srgbClr val="467886"/>
+      </a:hlink>
+      <a:folHlink>
+        <a:srgbClr val="96607D"/>
+      </a:folHlink>
+    </a:clrScheme>
+    <a:fontScheme name="Office">
+      <a:majorFont>
+        <a:latin typeface="Aptos Display" panose="02110004020202020204"/>
+        <a:ea typeface=""/>
+        <a:cs typeface=""/>
+        <a:font script="Jpan" typeface="游ゴシック Light"/>
+        <a:font script="Hang" typeface="맑은 고딕"/>
+        <a:font script="Hans" typeface="等线 Light"/>
+        <a:font script="Hant" typeface="新細明體"/>
+        <a:font script="Arab" typeface="Times New Roman"/>
+        <a:font script="Hebr" typeface="Times New Roman"/>
+        <a:font script="Thai" typeface="Angsana New"/>
+        <a:font script="Ethi" typeface="Nyala"/>
+        <a:font script="Beng" typeface="Vrinda"/>
+        <a:font script="Gujr" typeface="Shruti"/>
+        <a:font script="Khmr" typeface="MoolBoran"/>
+        <a:font script="Knda" typeface="Tunga"/>
+        <a:font script="Guru" typeface="Raavi"/>
+        <a:font script="Cans" typeface="Euphemia"/>
+        <a:font script="Cher" typeface="Plantagenet Cherokee"/>
+        <a:font script="Yiii" typeface="Microsoft Yi Baiti"/>
+        <a:font script="Tibt" typeface="Microsoft Himalaya"/>
+        <a:font script="Thaa" typeface="MV Boli"/>
+        <a:font script="Deva" typeface="Mangal"/>
+        <a:font script="Telu" typeface="Gautami"/>
+        <a:font script="Taml" typeface="Latha"/>
+        <a:font script="Syrc" typeface="Estrangelo Edessa"/>
+        <a:font script="Orya" typeface="Kalinga"/>
+        <a:font script="Mlym" typeface="Kartika"/>
+        <a:font script="Laoo" typeface="DokChampa"/>
+        <a:font script="Sinh" typeface="Iskoola Pota"/>
+        <a:font script="Mong" typeface="Mongolian Baiti"/>
+        <a:font script="Viet" typeface="Times New Roman"/>
+        <a:font script="Uigh" typeface="Microsoft Uighur"/>
+        <a:font script="Geor" typeface="Sylfaen"/>
+        <a:font script="Armn" typeface="Arial"/>
+        <a:font script="Bugi" typeface="Leelawadee UI"/>
+        <a:font script="Bopo" typeface="Microsoft JhengHei"/>
+        <a:font script="Java" typeface="Javanese Text"/>
+        <a:font script="Lisu" typeface="Segoe UI"/>
+        <a:font script="Mymr" typeface="Myanmar Text"/>
+        <a:font script="Nkoo" typeface="Ebrima"/>
+        <a:font script="Olck" typeface="Nirmala UI"/>
+        <a:font script="Osma" typeface="Ebrima"/>
+        <a:font script="Phag" typeface="Phagspa"/>
+        <a:font script="Syrn" typeface="Estrangelo Edessa"/>
+        <a:font script="Syrj" typeface="Estrangelo Edessa"/>
+        <a:font script="Syre" typeface="Estrangelo Edessa"/>
+        <a:font script="Sora" typeface="Nirmala UI"/>
+        <a:font script="Tale" typeface="Microsoft Tai Le"/>
+        <a:font script="Talu" typeface="Microsoft New Tai Lue"/>
+        <a:font script="Tfng" typeface="Ebrima"/>
+      </a:majorFont>
+      <a:minorFont>
+        <a:latin typeface="Aptos" panose="02110004020202020204"/>
+        <a:ea typeface=""/>
+        <a:cs typeface=""/>
+        <a:font script="Jpan" typeface="游ゴシック"/>
+        <a:font script="Hang" typeface="맑은 고딕"/>
+        <a:font script="Hans" typeface="等线"/>
+        <a:font script="Hant" typeface="新細明體"/>
+        <a:font script="Arab" typeface="Arial"/>
+        <a:font script="Hebr" typeface="Arial"/>
+        <a:font script="Thai" typeface="Cordia New"/>
+        <a:font script="Ethi" typeface="Nyala"/>
+        <a:font script="Beng" typeface="Vrinda"/>
+        <a:font script="Gujr" typeface="Shruti"/>
+        <a:font script="Khmr" typeface="DaunPenh"/>
+        <a:font script="Knda" typeface="Tunga"/>
+        <a:font script="Guru" typeface="Raavi"/>
+        <a:font script="Cans" typeface="Euphemia"/>
+        <a:font script="Cher" typeface="Plantagenet Cherokee"/>
+        <a:font script="Yiii" typeface="Microsoft Yi Baiti"/>
+        <a:font script="Tibt" typeface="Microsoft Himalaya"/>
+        <a:font script="Thaa" typeface="MV Boli"/>
+        <a:font script="Deva" typeface="Mangal"/>
+        <a:font script="Telu" typeface="Gautami"/>
+        <a:font script="Taml" typeface="Latha"/>
+        <a:font script="Syrc" typeface="Estrangelo Edessa"/>
+        <a:font script="Orya" typeface="Kalinga"/>
+        <a:font script="Mlym" typeface="Kartika"/>
+        <a:font script="Laoo" typeface="DokChampa"/>
+        <a:font script="Sinh" typeface="Iskoola Pota"/>
+        <a:font script="Mong" typeface="Mongolian Baiti"/>
+        <a:font script="Viet" typeface="Arial"/>
+        <a:font script="Uigh" typeface="Microsoft Uighur"/>
+        <a:font script="Geor" typeface="Sylfaen"/>
+        <a:font script="Armn" typeface="Arial"/>
+        <a:font script="Bugi" typeface="Leelawadee UI"/>
+        <a:font script="Bopo" typeface="Microsoft JhengHei"/>
+        <a:font script="Java" typeface="Javanese Text"/>
+        <a:font script="Lisu" typeface="Segoe UI"/>
+        <a:font script="Mymr" typeface="Myanmar Text"/>
+        <a:font script="Nkoo" typeface="Ebrima"/>
+        <a:font script="Olck" typeface="Nirmala UI"/>
+        <a:font script="Osma" typeface="Ebrima"/>
+        <a:font script="Phag" typeface="Phagspa"/>
+        <a:font script="Syrn" typeface="Estrangelo Edessa"/>
+        <a:font script="Syrj" typeface="Estrangelo Edessa"/>
+        <a:font script="Syre" typeface="Estrangelo Edessa"/>
+        <a:font script="Sora" typeface="Nirmala UI"/>
+        <a:font script="Tale" typeface="Microsoft Tai Le"/>
+        <a:font script="Talu" typeface="Microsoft New Tai Lue"/>
+        <a:font script="Tfng" typeface="Ebrima"/>
+      </a:minorFont>
+    </a:fontScheme>
+    <a:fmtScheme name="Office">
+      <a:fillStyleLst>
+        <a:solidFill>
+          <a:schemeClr val="phClr"/>
+        </a:solidFill>
+        <a:gradFill rotWithShape="1">
+          <a:gsLst>
+            <a:gs pos="0">
+              <a:schemeClr val="phClr">
+                <a:lumMod val="110000"/>
+                <a:satMod val="105000"/>
+                <a:tint val="67000"/>
+              </a:schemeClr>
+            </a:gs>
+            <a:gs pos="50000">
+              <a:schemeClr val="phClr">
+                <a:lumMod val="105000"/>
+                <a:satMod val="103000"/>
+                <a:tint val="73000"/>
+              </a:schemeClr>
+            </a:gs>
+            <a:gs pos="100000">
+              <a:schemeClr val="phClr">
+                <a:lumMod val="105000"/>
+                <a:satMod val="109000"/>
+                <a:tint val="81000"/>
+              </a:schemeClr>
+            </a:gs>
+          </a:gsLst>
+          <a:lin ang="5400000" scaled="0"/>
+        </a:gradFill>
+        <a:gradFill rotWithShape="1">
+          <a:gsLst>
+            <a:gs pos="0">
+              <a:schemeClr val="phClr">
+                <a:satMod val="103000"/>
+                <a:lumMod val="102000"/>
+                <a:tint val="94000"/>
+              </a:schemeClr>
+            </a:gs>
+            <a:gs pos="50000">
+              <a:schemeClr val="phClr">
+                <a:satMod val="110000"/>
+                <a:lumMod val="100000"/>
+                <a:shade val="100000"/>
+              </a:schemeClr>
+            </a:gs>
+            <a:gs pos="100000">
+              <a:schemeClr val="phClr">
+                <a:lumMod val="99000"/>
+                <a:satMod val="120000"/>
+                <a:shade val="78000"/>
+              </a:schemeClr>
+            </a:gs>
+          </a:gsLst>
+          <a:lin ang="5400000" scaled="0"/>
+        </a:gradFill>
+      </a:fillStyleLst>
+      <a:lnStyleLst>
+        <a:ln w="12700" cap="flat" cmpd="sng" algn="ctr">
+          <a:solidFill>
+            <a:schemeClr val="phClr"/>
+          </a:solidFill>
+          <a:prstDash val="solid"/>
+          <a:miter lim="800000"/>
+        </a:ln>
+        <a:ln w="19050" cap="flat" cmpd="sng" algn="ctr">
+          <a:solidFill>
+            <a:schemeClr val="phClr"/>
+          </a:solidFill>
+          <a:prstDash val="solid"/>
+          <a:miter lim="800000"/>
+        </a:ln>
+        <a:ln w="25400" cap="flat" cmpd="sng" algn="ctr">
+          <a:solidFill>
+            <a:schemeClr val="phClr"/>
+          </a:solidFill>
+          <a:prstDash val="solid"/>
+          <a:miter lim="800000"/>
+        </a:ln>
+      </a:lnStyleLst>
+      <a:effectStyleLst>
+        <a:effectStyle>
+          <a:effectLst/>
+        </a:effectStyle>
+        <a:effectStyle>
+          <a:effectLst/>
+        </a:effectStyle>
+        <a:effectStyle>
+          <a:effectLst>
+            <a:outerShdw blurRad="57150" dist="19050" dir="5400000" algn="ctr" rotWithShape="0">
+              <a:srgbClr val="000000">
+                <a:alpha val="63000"/>
+              </a:srgbClr>
+            </a:outerShdw>
+          </a:effectLst>
+        </a:effectStyle>
+      </a:effectStyleLst>
+      <a:bgFillStyleLst>
+        <a:solidFill>
+          <a:schemeClr val="phClr"/>
+        </a:solidFill>
+        <a:solidFill>
+          <a:schemeClr val="phClr">
+            <a:tint val="95000"/>
+            <a:satMod val="170000"/>
+          </a:schemeClr>
+        </a:solidFill>
+        <a:gradFill rotWithShape="1">
+          <a:gsLst>
+            <a:gs pos="0">
+              <a:schemeClr val="phClr">
+                <a:tint val="93000"/>
+                <a:satMod val="150000"/>
+                <a:shade val="98000"/>
+                <a:lumMod val="102000"/>
+              </a:schemeClr>
+            </a:gs>
+            <a:gs pos="50000">
+              <a:schemeClr val="phClr">
+                <a:tint val="98000"/>
+                <a:satMod val="130000"/>
+                <a:shade val="90000"/>
+                <a:lumMod val="103000"/>
+              </a:schemeClr>
+            </a:gs>
+            <a:gs pos="100000">
+              <a:schemeClr val="phClr">
+                <a:shade val="63000"/>
+                <a:satMod val="120000"/>
+              </a:schemeClr>
+            </a:gs>
+          </a:gsLst>
+          <a:lin ang="5400000" scaled="0"/>
+        </a:gradFill>
+      </a:bgFillStyleLst>
+    </a:fmtScheme>
+  </a:themeElements>
+  <a:objectDefaults>
+    <a:lnDef>
+      <a:spPr/>
+      <a:bodyPr/>
+      <a:lstStyle/>
+      <a:style>
+        <a:lnRef idx="2">
+          <a:schemeClr val="accent1"/>
+        </a:lnRef>
+        <a:fillRef idx="0">
+          <a:schemeClr val="accent1"/>
+        </a:fillRef>
+        <a:effectRef idx="1">
+          <a:schemeClr val="accent1"/>
+        </a:effectRef>
+        <a:fontRef idx="minor">
+          <a:schemeClr val="tx1"/>
+        </a:fontRef>
+      </a:style>
+    </a:lnDef>
+  </a:objectDefaults>
+  <a:extraClrSchemeLst/>
+  <a:extLst>
+    <a:ext uri="{05A4C25C-085E-4340-85A3-A5531E510DB2}">
+      <thm15:themeFamily xmlns:thm15="http://schemas.microsoft.com/office/thememl/2012/main" name="Office Theme" id="{2E142A2C-CD16-42D6-873A-C26D2A0506FA}" vid="{1BDDFF52-6CD6-40A5-AB3C-68EB2F1E4D0A}"/>
+    </a:ext>
+  </a:extLst>
+</a:theme>
 </file>